--- a/summer-study/EEG/ppt/Chapter4_part1.pptx
+++ b/summer-study/EEG/ppt/Chapter4_part1.pptx
@@ -6,7 +6,7 @@
     <p:sldMasterId id="2147483660" r:id="rId2"/>
   </p:sldMasterIdLst>
   <p:notesMasterIdLst>
-    <p:notesMasterId r:id="rId8"/>
+    <p:notesMasterId r:id="rId11"/>
   </p:notesMasterIdLst>
   <p:sldIdLst>
     <p:sldId id="257" r:id="rId3"/>
@@ -14,6 +14,9 @@
     <p:sldId id="259" r:id="rId5"/>
     <p:sldId id="260" r:id="rId6"/>
     <p:sldId id="261" r:id="rId7"/>
+    <p:sldId id="262" r:id="rId8"/>
+    <p:sldId id="263" r:id="rId9"/>
+    <p:sldId id="264" r:id="rId10"/>
   </p:sldIdLst>
   <p:sldSz cx="12192000" cy="6858000"/>
   <p:notesSz cx="6858000" cy="9144000"/>
@@ -112,6 +115,11 @@
       </a:defRPr>
     </a:lvl9pPr>
   </p:defaultTextStyle>
+  <p:extLst>
+    <p:ext uri="{EFAFB233-063F-42B5-8137-9DF3F51BA10A}">
+      <p15:sldGuideLst xmlns:p15="http://schemas.microsoft.com/office/powerpoint/2012/main"/>
+    </p:ext>
+  </p:extLst>
 </p:presentation>
 </file>
 
@@ -197,7 +205,7 @@
           <a:p>
             <a:fld id="{62A7ECD4-9000-7148-88F6-BDD73B301789}" type="datetimeFigureOut">
               <a:rPr lang="en-US" smtClean="0"/>
-              <a:t>7/21/19</a:t>
+              <a:t>7/23/2019</a:t>
             </a:fld>
             <a:endParaRPr lang="en-US"/>
           </a:p>
@@ -1443,6 +1451,1201 @@
 </p:notes>
 </file>
 
+<file path=ppt/notesSlides/notesSlide4.xml><?xml version="1.0" encoding="utf-8"?>
+<p:notes xmlns:a="http://schemas.openxmlformats.org/drawingml/2006/main" xmlns:r="http://schemas.openxmlformats.org/officeDocument/2006/relationships" xmlns:p="http://schemas.openxmlformats.org/presentationml/2006/main">
+  <p:cSld>
+    <p:spTree>
+      <p:nvGrpSpPr>
+        <p:cNvPr id="1" name=""/>
+        <p:cNvGrpSpPr/>
+        <p:nvPr/>
+      </p:nvGrpSpPr>
+      <p:grpSpPr>
+        <a:xfrm>
+          <a:off x="0" y="0"/>
+          <a:ext cx="0" cy="0"/>
+          <a:chOff x="0" y="0"/>
+          <a:chExt cx="0" cy="0"/>
+        </a:xfrm>
+      </p:grpSpPr>
+      <p:sp>
+        <p:nvSpPr>
+          <p:cNvPr id="2" name="Slide Image Placeholder 1"/>
+          <p:cNvSpPr>
+            <a:spLocks noGrp="1" noRot="1" noChangeAspect="1"/>
+          </p:cNvSpPr>
+          <p:nvPr>
+            <p:ph type="sldImg"/>
+          </p:nvPr>
+        </p:nvSpPr>
+        <p:spPr/>
+      </p:sp>
+      <p:sp>
+        <p:nvSpPr>
+          <p:cNvPr id="3" name="Notes Placeholder 2"/>
+          <p:cNvSpPr>
+            <a:spLocks noGrp="1"/>
+          </p:cNvSpPr>
+          <p:nvPr>
+            <p:ph type="body" idx="1"/>
+          </p:nvPr>
+        </p:nvSpPr>
+        <p:spPr/>
+        <p:txBody>
+          <a:bodyPr/>
+          <a:lstStyle/>
+          <a:p>
+            <a:r>
+              <a:rPr lang="ko-KR" altLang="en-US" dirty="0" smtClean="0"/>
+              <a:t>잘 밝혀진 특정 </a:t>
+            </a:r>
+            <a:r>
+              <a:rPr lang="en-US" altLang="ko-KR" dirty="0" smtClean="0"/>
+              <a:t>ERP</a:t>
+            </a:r>
+            <a:r>
+              <a:rPr lang="en-US" altLang="ko-KR" baseline="0" dirty="0" smtClean="0"/>
+              <a:t> </a:t>
+            </a:r>
+            <a:r>
+              <a:rPr lang="ko-KR" altLang="en-US" baseline="0" dirty="0" smtClean="0"/>
+              <a:t>컴포넌트가 잘 드러났던 실험과 가능한 비슷한 조건에서 해당 </a:t>
+            </a:r>
+            <a:r>
+              <a:rPr lang="en-US" altLang="ko-KR" baseline="0" dirty="0" smtClean="0"/>
+              <a:t>ERP </a:t>
+            </a:r>
+            <a:r>
+              <a:rPr lang="ko-KR" altLang="en-US" baseline="0" dirty="0" smtClean="0"/>
+              <a:t>컴포넌트를 살펴보는 것이 효과적</a:t>
+            </a:r>
+            <a:r>
+              <a:rPr lang="en-US" altLang="ko-KR" baseline="0" dirty="0" smtClean="0"/>
+              <a:t>.</a:t>
+            </a:r>
+          </a:p>
+          <a:p>
+            <a:r>
+              <a:rPr lang="ko-KR" altLang="en-US" dirty="0" smtClean="0"/>
+              <a:t>예시로</a:t>
+            </a:r>
+            <a:r>
+              <a:rPr lang="en-US" altLang="ko-KR" dirty="0" smtClean="0"/>
+              <a:t>, Marta </a:t>
+            </a:r>
+            <a:r>
+              <a:rPr lang="en-US" altLang="ko-KR" dirty="0" err="1" smtClean="0"/>
+              <a:t>Kutas</a:t>
+            </a:r>
+            <a:r>
+              <a:rPr lang="ko-KR" altLang="en-US" dirty="0" smtClean="0"/>
+              <a:t>가 언어패러다임에서 </a:t>
+            </a:r>
+            <a:r>
+              <a:rPr lang="en-US" altLang="ko-KR" dirty="0" smtClean="0"/>
+              <a:t>P3</a:t>
+            </a:r>
+            <a:r>
+              <a:rPr lang="ko-KR" altLang="en-US" dirty="0" smtClean="0"/>
+              <a:t>와 </a:t>
+            </a:r>
+            <a:r>
+              <a:rPr lang="en-US" altLang="ko-KR" dirty="0" smtClean="0"/>
+              <a:t>“surprise value”</a:t>
+            </a:r>
+            <a:r>
+              <a:rPr lang="ko-KR" altLang="en-US" dirty="0" smtClean="0"/>
+              <a:t>를 살펴보았을 때</a:t>
+            </a:r>
+            <a:r>
+              <a:rPr lang="en-US" altLang="ko-KR" dirty="0" smtClean="0"/>
+              <a:t>, </a:t>
+            </a:r>
+            <a:r>
+              <a:rPr lang="en-US" altLang="ko-KR" dirty="0" err="1" smtClean="0"/>
+              <a:t>surpris</a:t>
+            </a:r>
+            <a:r>
+              <a:rPr lang="ko-KR" altLang="en-US" dirty="0" smtClean="0"/>
+              <a:t>를 만들기 위해 </a:t>
+            </a:r>
+            <a:r>
+              <a:rPr lang="en-US" altLang="ko-KR" dirty="0" smtClean="0"/>
+              <a:t>semantic mismatch</a:t>
+            </a:r>
+            <a:r>
+              <a:rPr lang="ko-KR" altLang="en-US" dirty="0" smtClean="0"/>
+              <a:t>를 사용했음</a:t>
+            </a:r>
+            <a:r>
+              <a:rPr lang="en-US" altLang="ko-KR" dirty="0" smtClean="0"/>
+              <a:t>.</a:t>
+            </a:r>
+          </a:p>
+          <a:p>
+            <a:r>
+              <a:rPr lang="ko-KR" altLang="en-US" dirty="0" smtClean="0"/>
+              <a:t>근데 이때 </a:t>
+            </a:r>
+            <a:r>
+              <a:rPr lang="en-US" altLang="ko-KR" dirty="0" smtClean="0"/>
+              <a:t>N400</a:t>
+            </a:r>
+            <a:r>
+              <a:rPr lang="ko-KR" altLang="en-US" dirty="0" smtClean="0"/>
+              <a:t>을 발견하게 됨</a:t>
+            </a:r>
+            <a:r>
+              <a:rPr lang="en-US" altLang="ko-KR" dirty="0" smtClean="0"/>
+              <a:t>.</a:t>
+            </a:r>
+          </a:p>
+          <a:p>
+            <a:r>
+              <a:rPr lang="ko-KR" altLang="en-US" dirty="0" smtClean="0"/>
+              <a:t>이건 </a:t>
+            </a:r>
+            <a:r>
+              <a:rPr lang="en-US" altLang="ko-KR" dirty="0" smtClean="0"/>
+              <a:t>P3</a:t>
+            </a:r>
+            <a:r>
+              <a:rPr lang="ko-KR" altLang="en-US" dirty="0" smtClean="0"/>
+              <a:t>를 </a:t>
+            </a:r>
+            <a:r>
+              <a:rPr lang="en-US" altLang="ko-KR" dirty="0" smtClean="0"/>
+              <a:t>elicit</a:t>
+            </a:r>
+            <a:r>
+              <a:rPr lang="ko-KR" altLang="en-US" dirty="0" smtClean="0"/>
+              <a:t>하는 예전 실험들과 </a:t>
+            </a:r>
+            <a:r>
+              <a:rPr lang="en-US" altLang="ko-KR" dirty="0" err="1" smtClean="0"/>
+              <a:t>Kutas</a:t>
+            </a:r>
+            <a:r>
+              <a:rPr lang="ko-KR" altLang="en-US" dirty="0" smtClean="0"/>
+              <a:t>의 실험이 비슷했기 때문에 </a:t>
+            </a:r>
+            <a:r>
+              <a:rPr lang="en-US" altLang="ko-KR" dirty="0" smtClean="0"/>
+              <a:t>P3 amplitude</a:t>
+            </a:r>
+            <a:r>
+              <a:rPr lang="ko-KR" altLang="en-US" dirty="0" smtClean="0"/>
+              <a:t>의 감소가 아닌 새로운 </a:t>
+            </a:r>
+            <a:r>
+              <a:rPr lang="en-US" altLang="ko-KR" dirty="0" smtClean="0"/>
+              <a:t>negative component</a:t>
+            </a:r>
+            <a:r>
+              <a:rPr lang="ko-KR" altLang="en-US" dirty="0" smtClean="0"/>
+              <a:t>를 발견할 수 </a:t>
+            </a:r>
+            <a:r>
+              <a:rPr lang="ko-KR" altLang="en-US" dirty="0" err="1" smtClean="0"/>
+              <a:t>있었던것</a:t>
+            </a:r>
+            <a:r>
+              <a:rPr lang="en-US" altLang="ko-KR" dirty="0" smtClean="0"/>
+              <a:t>.</a:t>
+            </a:r>
+            <a:br>
+              <a:rPr lang="en-US" altLang="ko-KR" dirty="0" smtClean="0"/>
+            </a:br>
+            <a:endParaRPr lang="en-US" altLang="ko-KR" dirty="0" smtClean="0"/>
+          </a:p>
+          <a:p>
+            <a:r>
+              <a:rPr lang="ko-KR" altLang="en-US" dirty="0" smtClean="0"/>
+              <a:t>따라서 왜 해당 컴포넌트가 나타나는지 밝혀진 연구들에 따라 다음과 같이 </a:t>
+            </a:r>
+            <a:r>
+              <a:rPr lang="en-US" altLang="ko-KR" dirty="0" smtClean="0"/>
+              <a:t>manipulate </a:t>
+            </a:r>
+            <a:r>
+              <a:rPr lang="ko-KR" altLang="en-US" dirty="0" smtClean="0"/>
+              <a:t>할 수 있다</a:t>
+            </a:r>
+            <a:r>
+              <a:rPr lang="en-US" altLang="ko-KR" dirty="0" smtClean="0"/>
+              <a:t>.</a:t>
+            </a:r>
+          </a:p>
+          <a:p>
+            <a:endParaRPr lang="en-US" dirty="0"/>
+          </a:p>
+        </p:txBody>
+      </p:sp>
+      <p:sp>
+        <p:nvSpPr>
+          <p:cNvPr id="4" name="Slide Number Placeholder 3"/>
+          <p:cNvSpPr>
+            <a:spLocks noGrp="1"/>
+          </p:cNvSpPr>
+          <p:nvPr>
+            <p:ph type="sldNum" sz="quarter" idx="5"/>
+          </p:nvPr>
+        </p:nvSpPr>
+        <p:spPr/>
+        <p:txBody>
+          <a:bodyPr/>
+          <a:lstStyle/>
+          <a:p>
+            <a:pPr latinLnBrk="1">
+              <a:defRPr/>
+            </a:pPr>
+            <a:fld id="{ABCB040E-7711-EF49-8553-F84D830A7363}" type="slidenum">
+              <a:rPr lang="en-US" smtClean="0">
+                <a:solidFill>
+                  <a:prstClr val="black"/>
+                </a:solidFill>
+              </a:rPr>
+              <a:pPr latinLnBrk="1">
+                <a:defRPr/>
+              </a:pPr>
+              <a:t>6</a:t>
+            </a:fld>
+            <a:endParaRPr lang="en-US">
+              <a:solidFill>
+                <a:prstClr val="black"/>
+              </a:solidFill>
+            </a:endParaRPr>
+          </a:p>
+        </p:txBody>
+      </p:sp>
+    </p:spTree>
+    <p:extLst>
+      <p:ext uri="{BB962C8B-B14F-4D97-AF65-F5344CB8AC3E}">
+        <p14:creationId xmlns:p14="http://schemas.microsoft.com/office/powerpoint/2010/main" val="1565768465"/>
+      </p:ext>
+    </p:extLst>
+  </p:cSld>
+  <p:clrMapOvr>
+    <a:masterClrMapping/>
+  </p:clrMapOvr>
+</p:notes>
+</file>
+
+<file path=ppt/notesSlides/notesSlide5.xml><?xml version="1.0" encoding="utf-8"?>
+<p:notes xmlns:a="http://schemas.openxmlformats.org/drawingml/2006/main" xmlns:r="http://schemas.openxmlformats.org/officeDocument/2006/relationships" xmlns:p="http://schemas.openxmlformats.org/presentationml/2006/main">
+  <p:cSld>
+    <p:spTree>
+      <p:nvGrpSpPr>
+        <p:cNvPr id="1" name=""/>
+        <p:cNvGrpSpPr/>
+        <p:nvPr/>
+      </p:nvGrpSpPr>
+      <p:grpSpPr>
+        <a:xfrm>
+          <a:off x="0" y="0"/>
+          <a:ext cx="0" cy="0"/>
+          <a:chOff x="0" y="0"/>
+          <a:chExt cx="0" cy="0"/>
+        </a:xfrm>
+      </p:grpSpPr>
+      <p:sp>
+        <p:nvSpPr>
+          <p:cNvPr id="2" name="Slide Image Placeholder 1"/>
+          <p:cNvSpPr>
+            <a:spLocks noGrp="1" noRot="1" noChangeAspect="1"/>
+          </p:cNvSpPr>
+          <p:nvPr>
+            <p:ph type="sldImg"/>
+          </p:nvPr>
+        </p:nvSpPr>
+        <p:spPr/>
+      </p:sp>
+      <p:sp>
+        <p:nvSpPr>
+          <p:cNvPr id="3" name="Notes Placeholder 2"/>
+          <p:cNvSpPr>
+            <a:spLocks noGrp="1"/>
+          </p:cNvSpPr>
+          <p:nvPr>
+            <p:ph type="body" idx="1"/>
+          </p:nvPr>
+        </p:nvSpPr>
+        <p:spPr/>
+        <p:txBody>
+          <a:bodyPr/>
+          <a:lstStyle/>
+          <a:p>
+            <a:r>
+              <a:rPr lang="ko-KR" altLang="en-US" dirty="0" err="1" smtClean="0"/>
+              <a:t>네가지</a:t>
+            </a:r>
+            <a:r>
+              <a:rPr lang="ko-KR" altLang="en-US" dirty="0" smtClean="0"/>
+              <a:t> 컨디션을 사용해서 </a:t>
+            </a:r>
+            <a:r>
+              <a:rPr lang="en-US" altLang="ko-KR" dirty="0" smtClean="0"/>
+              <a:t>N400</a:t>
+            </a:r>
+            <a:r>
+              <a:rPr lang="ko-KR" altLang="en-US" dirty="0" smtClean="0"/>
+              <a:t>을 </a:t>
+            </a:r>
+            <a:r>
+              <a:rPr lang="en-US" altLang="ko-KR" dirty="0" smtClean="0"/>
+              <a:t>isolate</a:t>
+            </a:r>
+            <a:r>
+              <a:rPr lang="ko-KR" altLang="en-US" dirty="0" smtClean="0"/>
+              <a:t>할 수 있음</a:t>
+            </a:r>
+            <a:r>
+              <a:rPr lang="en-US" altLang="ko-KR" dirty="0" smtClean="0"/>
+              <a:t>.</a:t>
+            </a:r>
+          </a:p>
+          <a:p>
+            <a:r>
+              <a:rPr lang="ko-KR" altLang="en-US" dirty="0" err="1" smtClean="0"/>
+              <a:t>관련있는</a:t>
+            </a:r>
+            <a:r>
+              <a:rPr lang="ko-KR" altLang="en-US" dirty="0" smtClean="0"/>
+              <a:t> 단어 다음에 </a:t>
+            </a:r>
+            <a:r>
+              <a:rPr lang="ko-KR" altLang="en-US" dirty="0" err="1" smtClean="0"/>
+              <a:t>타겟이</a:t>
+            </a:r>
+            <a:r>
+              <a:rPr lang="ko-KR" altLang="en-US" dirty="0" smtClean="0"/>
+              <a:t> 나왔을 때의 </a:t>
+            </a:r>
+            <a:r>
+              <a:rPr lang="en-US" altLang="ko-KR" dirty="0" smtClean="0"/>
+              <a:t>wave</a:t>
+            </a:r>
+            <a:r>
+              <a:rPr lang="ko-KR" altLang="en-US" dirty="0" smtClean="0"/>
+              <a:t>와 </a:t>
+            </a:r>
+            <a:r>
+              <a:rPr lang="ko-KR" altLang="en-US" dirty="0" err="1" smtClean="0"/>
+              <a:t>관련없는</a:t>
+            </a:r>
+            <a:r>
+              <a:rPr lang="ko-KR" altLang="en-US" dirty="0" smtClean="0"/>
+              <a:t> 단어 다음에 같은 단어가 나왔을 때의 </a:t>
+            </a:r>
+            <a:r>
+              <a:rPr lang="en-US" altLang="ko-KR" dirty="0" smtClean="0"/>
+              <a:t>wave</a:t>
+            </a:r>
+            <a:r>
+              <a:rPr lang="ko-KR" altLang="en-US" dirty="0" smtClean="0"/>
+              <a:t>를 빼서 </a:t>
+            </a:r>
+            <a:r>
+              <a:rPr lang="en-US" altLang="ko-KR" dirty="0" smtClean="0"/>
+              <a:t>difference</a:t>
+            </a:r>
+            <a:r>
+              <a:rPr lang="en-US" altLang="ko-KR" baseline="0" dirty="0" smtClean="0"/>
+              <a:t> wave</a:t>
+            </a:r>
+            <a:r>
+              <a:rPr lang="ko-KR" altLang="en-US" baseline="0" dirty="0" smtClean="0"/>
+              <a:t>를 만들면 다른 컴포넌트를 제외할 수 있음</a:t>
+            </a:r>
+            <a:r>
+              <a:rPr lang="en-US" altLang="ko-KR" baseline="0" dirty="0" smtClean="0"/>
+              <a:t>.</a:t>
+            </a:r>
+          </a:p>
+          <a:p>
+            <a:r>
+              <a:rPr lang="ko-KR" altLang="en-US" dirty="0" smtClean="0"/>
+              <a:t>이 때 </a:t>
+            </a:r>
+            <a:r>
+              <a:rPr lang="en-US" altLang="ko-KR" dirty="0" smtClean="0"/>
+              <a:t>N400</a:t>
+            </a:r>
+            <a:r>
+              <a:rPr lang="ko-KR" altLang="en-US" dirty="0" smtClean="0"/>
+              <a:t>이 크게 나타나고 </a:t>
+            </a:r>
+            <a:r>
+              <a:rPr lang="en-US" altLang="ko-KR" dirty="0" smtClean="0"/>
+              <a:t>(</a:t>
+            </a:r>
+            <a:r>
+              <a:rPr lang="ko-KR" altLang="en-US" dirty="0" smtClean="0"/>
+              <a:t>다른 컴포넌트는 </a:t>
+            </a:r>
+            <a:r>
+              <a:rPr lang="en-US" altLang="ko-KR" dirty="0" smtClean="0"/>
+              <a:t>word mismatch</a:t>
+            </a:r>
+            <a:r>
+              <a:rPr lang="ko-KR" altLang="en-US" dirty="0" smtClean="0"/>
+              <a:t>의 영향을 안받기 때문에</a:t>
+            </a:r>
+            <a:r>
+              <a:rPr lang="en-US" altLang="ko-KR" dirty="0" smtClean="0"/>
+              <a:t>) mass noun</a:t>
+            </a:r>
+            <a:r>
+              <a:rPr lang="ko-KR" altLang="en-US" dirty="0" smtClean="0"/>
+              <a:t>일 때보다 </a:t>
+            </a:r>
+            <a:r>
+              <a:rPr lang="en-US" altLang="ko-KR" dirty="0" smtClean="0"/>
+              <a:t>count noun</a:t>
+            </a:r>
+            <a:r>
+              <a:rPr lang="ko-KR" altLang="en-US" dirty="0" err="1" smtClean="0"/>
+              <a:t>일때</a:t>
+            </a:r>
+            <a:r>
+              <a:rPr lang="ko-KR" altLang="en-US" dirty="0" smtClean="0"/>
+              <a:t> 더 큰 것을 볼 수 있음</a:t>
+            </a:r>
+            <a:r>
+              <a:rPr lang="en-US" altLang="ko-KR" dirty="0" smtClean="0"/>
+              <a:t>.</a:t>
+            </a:r>
+          </a:p>
+          <a:p>
+            <a:endParaRPr lang="en-US" dirty="0" smtClean="0"/>
+          </a:p>
+          <a:p>
+            <a:r>
+              <a:rPr lang="en-US" dirty="0" smtClean="0"/>
+              <a:t>Difference</a:t>
+            </a:r>
+            <a:r>
+              <a:rPr lang="en-US" baseline="0" dirty="0" smtClean="0"/>
+              <a:t> wave</a:t>
+            </a:r>
+            <a:r>
+              <a:rPr lang="ko-KR" altLang="en-US" baseline="0" dirty="0" smtClean="0"/>
+              <a:t>를 보는 것은 </a:t>
+            </a:r>
+            <a:r>
+              <a:rPr lang="ko-KR" altLang="en-US" baseline="0" dirty="0" err="1" smtClean="0"/>
+              <a:t>몇가지</a:t>
+            </a:r>
+            <a:r>
+              <a:rPr lang="ko-KR" altLang="en-US" baseline="0" dirty="0" smtClean="0"/>
+              <a:t> </a:t>
+            </a:r>
+            <a:r>
+              <a:rPr lang="en-US" altLang="ko-KR" baseline="0" dirty="0" smtClean="0"/>
+              <a:t>limitation</a:t>
+            </a:r>
+            <a:r>
+              <a:rPr lang="ko-KR" altLang="en-US" baseline="0" dirty="0" smtClean="0"/>
+              <a:t>이 있는데</a:t>
+            </a:r>
+            <a:r>
+              <a:rPr lang="en-US" altLang="ko-KR" baseline="0" dirty="0" smtClean="0"/>
+              <a:t>, </a:t>
+            </a:r>
+            <a:r>
+              <a:rPr lang="ko-KR" altLang="en-US" baseline="0" dirty="0" err="1" smtClean="0"/>
+              <a:t>첫번째는</a:t>
+            </a:r>
+            <a:r>
+              <a:rPr lang="ko-KR" altLang="en-US" baseline="0" dirty="0" smtClean="0"/>
+              <a:t> </a:t>
+            </a:r>
+            <a:r>
+              <a:rPr lang="en-US" altLang="ko-KR" baseline="0" dirty="0" smtClean="0"/>
+              <a:t>difference wave</a:t>
+            </a:r>
+            <a:r>
+              <a:rPr lang="ko-KR" altLang="en-US" baseline="0" dirty="0" smtClean="0"/>
+              <a:t>가 한 개의 컴포넌트보다 많은 컴포넌트를 포함할 수 있다는 점이다</a:t>
+            </a:r>
+            <a:r>
+              <a:rPr lang="en-US" altLang="ko-KR" baseline="0" dirty="0" smtClean="0"/>
+              <a:t>.</a:t>
+            </a:r>
+          </a:p>
+          <a:p>
+            <a:r>
+              <a:rPr lang="ko-KR" altLang="en-US" dirty="0" smtClean="0"/>
+              <a:t>그러나 </a:t>
+            </a:r>
+            <a:r>
+              <a:rPr lang="en-US" altLang="ko-KR" dirty="0" smtClean="0"/>
+              <a:t>raw ERP waveform</a:t>
+            </a:r>
+            <a:r>
+              <a:rPr lang="ko-KR" altLang="en-US" dirty="0" smtClean="0"/>
+              <a:t>보다는 훨씬 낫다</a:t>
+            </a:r>
+            <a:r>
+              <a:rPr lang="en-US" altLang="ko-KR" dirty="0" smtClean="0"/>
+              <a:t>.</a:t>
+            </a:r>
+          </a:p>
+          <a:p>
+            <a:r>
+              <a:rPr lang="ko-KR" altLang="en-US" dirty="0" err="1" smtClean="0"/>
+              <a:t>두번째는</a:t>
+            </a:r>
+            <a:r>
+              <a:rPr lang="en-US" altLang="ko-KR" dirty="0" smtClean="0"/>
+              <a:t>, </a:t>
+            </a:r>
+            <a:r>
+              <a:rPr lang="ko-KR" altLang="en-US" dirty="0" smtClean="0"/>
+              <a:t>보고자 하는 변수</a:t>
+            </a:r>
+            <a:r>
+              <a:rPr lang="en-US" altLang="ko-KR" dirty="0" smtClean="0"/>
+              <a:t>(mass and count nouns)</a:t>
+            </a:r>
+            <a:r>
+              <a:rPr lang="ko-KR" altLang="en-US" dirty="0" smtClean="0"/>
+              <a:t>와 </a:t>
+            </a:r>
+            <a:r>
+              <a:rPr lang="en-US" altLang="ko-KR" dirty="0" smtClean="0"/>
+              <a:t>difference wave</a:t>
+            </a:r>
+            <a:r>
+              <a:rPr lang="ko-KR" altLang="en-US" dirty="0" smtClean="0"/>
+              <a:t>를 만들기 위해 사용된 </a:t>
+            </a:r>
+            <a:r>
+              <a:rPr lang="en-US" altLang="ko-KR" dirty="0" smtClean="0"/>
+              <a:t>factor</a:t>
+            </a:r>
+            <a:r>
+              <a:rPr lang="en-US" altLang="ko-KR" baseline="0" dirty="0" smtClean="0"/>
+              <a:t> (related and unrelated pairs)</a:t>
+            </a:r>
+            <a:r>
+              <a:rPr lang="ko-KR" altLang="en-US" dirty="0" smtClean="0"/>
+              <a:t>사이의 상호작용에 민감하다는 것</a:t>
+            </a:r>
+            <a:r>
+              <a:rPr lang="en-US" altLang="ko-KR" dirty="0" smtClean="0"/>
+              <a:t>.</a:t>
+            </a:r>
+          </a:p>
+          <a:p>
+            <a:r>
+              <a:rPr lang="ko-KR" altLang="en-US" dirty="0" smtClean="0"/>
+              <a:t>따라서 </a:t>
+            </a:r>
+            <a:r>
+              <a:rPr lang="en-US" altLang="ko-KR" dirty="0" smtClean="0"/>
+              <a:t>difference wave</a:t>
+            </a:r>
+            <a:r>
+              <a:rPr lang="ko-KR" altLang="en-US" dirty="0" smtClean="0"/>
+              <a:t>는 특정 </a:t>
+            </a:r>
+            <a:r>
+              <a:rPr lang="en-US" altLang="ko-KR" dirty="0" smtClean="0"/>
+              <a:t>ERP</a:t>
+            </a:r>
+            <a:r>
+              <a:rPr lang="en-US" altLang="ko-KR" baseline="0" dirty="0" smtClean="0"/>
+              <a:t> </a:t>
+            </a:r>
+            <a:r>
+              <a:rPr lang="ko-KR" altLang="en-US" baseline="0" dirty="0" smtClean="0"/>
+              <a:t>컴포넌트를 </a:t>
+            </a:r>
+            <a:r>
+              <a:rPr lang="en-US" altLang="ko-KR" baseline="0" dirty="0" smtClean="0"/>
+              <a:t>isolate</a:t>
+            </a:r>
+            <a:r>
+              <a:rPr lang="ko-KR" altLang="en-US" baseline="0" dirty="0" err="1" smtClean="0"/>
+              <a:t>하는데에는</a:t>
+            </a:r>
+            <a:r>
+              <a:rPr lang="ko-KR" altLang="en-US" baseline="0" dirty="0" smtClean="0"/>
+              <a:t> 효과적이지만 결과를 해석할 때 </a:t>
+            </a:r>
+            <a:r>
+              <a:rPr lang="ko-KR" altLang="en-US" baseline="0" dirty="0" err="1" smtClean="0"/>
+              <a:t>주의해야한다</a:t>
+            </a:r>
+            <a:r>
+              <a:rPr lang="en-US" altLang="ko-KR" baseline="0" dirty="0" smtClean="0"/>
+              <a:t>.</a:t>
+            </a:r>
+            <a:endParaRPr lang="en-US" dirty="0"/>
+          </a:p>
+        </p:txBody>
+      </p:sp>
+      <p:sp>
+        <p:nvSpPr>
+          <p:cNvPr id="4" name="Slide Number Placeholder 3"/>
+          <p:cNvSpPr>
+            <a:spLocks noGrp="1"/>
+          </p:cNvSpPr>
+          <p:nvPr>
+            <p:ph type="sldNum" sz="quarter" idx="5"/>
+          </p:nvPr>
+        </p:nvSpPr>
+        <p:spPr/>
+        <p:txBody>
+          <a:bodyPr/>
+          <a:lstStyle/>
+          <a:p>
+            <a:pPr marL="0" marR="0" lvl="0" indent="0" algn="r" defTabSz="914400" rtl="0" eaLnBrk="1" fontAlgn="auto" latinLnBrk="1" hangingPunct="1">
+              <a:lnSpc>
+                <a:spcPct val="100000"/>
+              </a:lnSpc>
+              <a:spcBef>
+                <a:spcPts val="0"/>
+              </a:spcBef>
+              <a:spcAft>
+                <a:spcPts val="0"/>
+              </a:spcAft>
+              <a:buClrTx/>
+              <a:buSzTx/>
+              <a:buFontTx/>
+              <a:buNone/>
+              <a:tabLst/>
+              <a:defRPr/>
+            </a:pPr>
+            <a:fld id="{ABCB040E-7711-EF49-8553-F84D830A7363}" type="slidenum">
+              <a:rPr kumimoji="0" lang="en-US" sz="1200" b="0" i="0" u="none" strike="noStrike" kern="1200" cap="none" spc="0" normalizeH="0" baseline="0" noProof="0" smtClean="0">
+                <a:ln>
+                  <a:noFill/>
+                </a:ln>
+                <a:solidFill>
+                  <a:prstClr val="black"/>
+                </a:solidFill>
+                <a:effectLst/>
+                <a:uLnTx/>
+                <a:uFillTx/>
+                <a:latin typeface="Calibri" panose="020F0502020204030204"/>
+                <a:ea typeface="+mn-ea"/>
+                <a:cs typeface="+mn-cs"/>
+              </a:rPr>
+              <a:pPr marL="0" marR="0" lvl="0" indent="0" algn="r" defTabSz="914400" rtl="0" eaLnBrk="1" fontAlgn="auto" latinLnBrk="1" hangingPunct="1">
+                <a:lnSpc>
+                  <a:spcPct val="100000"/>
+                </a:lnSpc>
+                <a:spcBef>
+                  <a:spcPts val="0"/>
+                </a:spcBef>
+                <a:spcAft>
+                  <a:spcPts val="0"/>
+                </a:spcAft>
+                <a:buClrTx/>
+                <a:buSzTx/>
+                <a:buFontTx/>
+                <a:buNone/>
+                <a:tabLst/>
+                <a:defRPr/>
+              </a:pPr>
+              <a:t>7</a:t>
+            </a:fld>
+            <a:endParaRPr kumimoji="0" lang="en-US" sz="1200" b="0" i="0" u="none" strike="noStrike" kern="1200" cap="none" spc="0" normalizeH="0" baseline="0" noProof="0">
+              <a:ln>
+                <a:noFill/>
+              </a:ln>
+              <a:solidFill>
+                <a:prstClr val="black"/>
+              </a:solidFill>
+              <a:effectLst/>
+              <a:uLnTx/>
+              <a:uFillTx/>
+              <a:latin typeface="Calibri" panose="020F0502020204030204"/>
+              <a:ea typeface="+mn-ea"/>
+              <a:cs typeface="+mn-cs"/>
+            </a:endParaRPr>
+          </a:p>
+        </p:txBody>
+      </p:sp>
+    </p:spTree>
+    <p:extLst>
+      <p:ext uri="{BB962C8B-B14F-4D97-AF65-F5344CB8AC3E}">
+        <p14:creationId xmlns:p14="http://schemas.microsoft.com/office/powerpoint/2010/main" val="1260260934"/>
+      </p:ext>
+    </p:extLst>
+  </p:cSld>
+  <p:clrMapOvr>
+    <a:masterClrMapping/>
+  </p:clrMapOvr>
+</p:notes>
+</file>
+
+<file path=ppt/notesSlides/notesSlide6.xml><?xml version="1.0" encoding="utf-8"?>
+<p:notes xmlns:a="http://schemas.openxmlformats.org/drawingml/2006/main" xmlns:r="http://schemas.openxmlformats.org/officeDocument/2006/relationships" xmlns:p="http://schemas.openxmlformats.org/presentationml/2006/main">
+  <p:cSld>
+    <p:spTree>
+      <p:nvGrpSpPr>
+        <p:cNvPr id="1" name=""/>
+        <p:cNvGrpSpPr/>
+        <p:nvPr/>
+      </p:nvGrpSpPr>
+      <p:grpSpPr>
+        <a:xfrm>
+          <a:off x="0" y="0"/>
+          <a:ext cx="0" cy="0"/>
+          <a:chOff x="0" y="0"/>
+          <a:chExt cx="0" cy="0"/>
+        </a:xfrm>
+      </p:grpSpPr>
+      <p:sp>
+        <p:nvSpPr>
+          <p:cNvPr id="2" name="Slide Image Placeholder 1"/>
+          <p:cNvSpPr>
+            <a:spLocks noGrp="1" noRot="1" noChangeAspect="1"/>
+          </p:cNvSpPr>
+          <p:nvPr>
+            <p:ph type="sldImg"/>
+          </p:nvPr>
+        </p:nvSpPr>
+        <p:spPr/>
+      </p:sp>
+      <p:sp>
+        <p:nvSpPr>
+          <p:cNvPr id="3" name="Notes Placeholder 2"/>
+          <p:cNvSpPr>
+            <a:spLocks noGrp="1"/>
+          </p:cNvSpPr>
+          <p:nvPr>
+            <p:ph type="body" idx="1"/>
+          </p:nvPr>
+        </p:nvSpPr>
+        <p:spPr/>
+        <p:txBody>
+          <a:bodyPr/>
+          <a:lstStyle/>
+          <a:p>
+            <a:r>
+              <a:rPr lang="en-US" dirty="0" smtClean="0"/>
+              <a:t>Well-studied manipulation and difference waves</a:t>
+            </a:r>
+            <a:r>
+              <a:rPr lang="ko-KR" altLang="en-US" dirty="0" smtClean="0"/>
+              <a:t>를 이용해 비교적 쉽게 </a:t>
+            </a:r>
+            <a:r>
+              <a:rPr lang="en-US" altLang="ko-KR" dirty="0" smtClean="0"/>
+              <a:t>isolate</a:t>
+            </a:r>
+            <a:r>
+              <a:rPr lang="ko-KR" altLang="en-US" dirty="0" smtClean="0"/>
+              <a:t>할 수 있는 컴포넌트에 집중을 하는 것이 좋다</a:t>
+            </a:r>
+            <a:r>
+              <a:rPr lang="en-US" altLang="ko-KR" dirty="0" smtClean="0"/>
+              <a:t>.</a:t>
+            </a:r>
+            <a:endParaRPr lang="en-US" altLang="ko-KR" baseline="0" dirty="0" smtClean="0"/>
+          </a:p>
+          <a:p>
+            <a:r>
+              <a:rPr lang="ko-KR" altLang="en-US" baseline="0" dirty="0" smtClean="0"/>
+              <a:t>하지만 이 때 아무 </a:t>
+            </a:r>
+            <a:r>
+              <a:rPr lang="en-US" altLang="ko-KR" baseline="0" dirty="0" smtClean="0"/>
+              <a:t>manipulation</a:t>
+            </a:r>
+            <a:r>
+              <a:rPr lang="ko-KR" altLang="en-US" baseline="0" dirty="0" smtClean="0"/>
+              <a:t>이나 </a:t>
+            </a:r>
+            <a:r>
+              <a:rPr lang="en-US" altLang="ko-KR" baseline="0" dirty="0" smtClean="0"/>
+              <a:t>difference wave</a:t>
+            </a:r>
+            <a:r>
+              <a:rPr lang="ko-KR" altLang="en-US" baseline="0" dirty="0" smtClean="0"/>
+              <a:t>를 이용한다고 되는 건 아니다</a:t>
+            </a:r>
+            <a:r>
+              <a:rPr lang="en-US" altLang="ko-KR" baseline="0" dirty="0" smtClean="0"/>
+              <a:t>.</a:t>
+            </a:r>
+          </a:p>
+          <a:p>
+            <a:r>
+              <a:rPr lang="ko-KR" altLang="en-US" dirty="0" smtClean="0"/>
+              <a:t>예를 들어 </a:t>
+            </a:r>
+            <a:r>
+              <a:rPr lang="en-US" altLang="ko-KR" dirty="0" smtClean="0"/>
+              <a:t>easy condition vs. difficult condition</a:t>
+            </a:r>
+            <a:r>
+              <a:rPr lang="ko-KR" altLang="en-US" dirty="0" smtClean="0"/>
+              <a:t>을 이용해 </a:t>
+            </a:r>
+            <a:r>
+              <a:rPr lang="en-US" altLang="ko-KR" dirty="0" smtClean="0"/>
+              <a:t>difference</a:t>
+            </a:r>
+            <a:r>
+              <a:rPr lang="en-US" altLang="ko-KR" baseline="0" dirty="0" smtClean="0"/>
+              <a:t> wave</a:t>
+            </a:r>
+            <a:r>
+              <a:rPr lang="ko-KR" altLang="en-US" baseline="0" dirty="0" smtClean="0"/>
+              <a:t>를 본다면 이건 많은 컴포넌트들과 </a:t>
+            </a:r>
+            <a:r>
+              <a:rPr lang="en-US" altLang="ko-KR" baseline="0" dirty="0" smtClean="0"/>
+              <a:t>easy vs difficult</a:t>
+            </a:r>
+            <a:r>
+              <a:rPr lang="ko-KR" altLang="en-US" baseline="0" dirty="0" smtClean="0"/>
+              <a:t>의 많은 </a:t>
+            </a:r>
+            <a:r>
+              <a:rPr lang="en-US" altLang="ko-KR" baseline="0" dirty="0" smtClean="0"/>
+              <a:t>process</a:t>
+            </a:r>
+            <a:r>
+              <a:rPr lang="ko-KR" altLang="en-US" baseline="0" dirty="0" smtClean="0"/>
+              <a:t>를 나타내기 때문에 그다지 </a:t>
+            </a:r>
+            <a:r>
+              <a:rPr lang="ko-KR" altLang="en-US" baseline="0" dirty="0" err="1" smtClean="0"/>
+              <a:t>유용하지않다</a:t>
+            </a:r>
+            <a:r>
+              <a:rPr lang="en-US" altLang="ko-KR" baseline="0" dirty="0" smtClean="0"/>
+              <a:t>.</a:t>
+            </a:r>
+          </a:p>
+          <a:p>
+            <a:endParaRPr lang="en-US" dirty="0" smtClean="0"/>
+          </a:p>
+          <a:p>
+            <a:r>
+              <a:rPr lang="ko-KR" altLang="en-US" dirty="0" smtClean="0"/>
+              <a:t>어떤 컴포넌트들은 쉽게 </a:t>
+            </a:r>
+            <a:r>
+              <a:rPr lang="en-US" altLang="ko-KR" dirty="0" smtClean="0"/>
+              <a:t>isolate</a:t>
+            </a:r>
+            <a:r>
+              <a:rPr lang="en-US" altLang="ko-KR" baseline="0" dirty="0" smtClean="0"/>
+              <a:t> </a:t>
+            </a:r>
+            <a:r>
+              <a:rPr lang="ko-KR" altLang="en-US" baseline="0" dirty="0" err="1" smtClean="0"/>
+              <a:t>할수</a:t>
+            </a:r>
+            <a:r>
+              <a:rPr lang="ko-KR" altLang="en-US" baseline="0" dirty="0" smtClean="0"/>
+              <a:t> 있는데 한 </a:t>
+            </a:r>
+            <a:r>
+              <a:rPr lang="en-US" altLang="ko-KR" baseline="0" dirty="0" smtClean="0"/>
+              <a:t>manipulation</a:t>
+            </a:r>
+            <a:r>
+              <a:rPr lang="ko-KR" altLang="en-US" baseline="0" dirty="0" smtClean="0"/>
+              <a:t>을 통해 컴포넌트를 </a:t>
+            </a:r>
+            <a:r>
+              <a:rPr lang="en-US" altLang="ko-KR" baseline="0" dirty="0" smtClean="0"/>
+              <a:t>isolate</a:t>
+            </a:r>
+            <a:r>
+              <a:rPr lang="ko-KR" altLang="en-US" baseline="0" dirty="0" smtClean="0"/>
+              <a:t>하고 해당 컴포넌트에 영향을 주는 컨디션을 사용한 다른 </a:t>
+            </a:r>
+            <a:r>
+              <a:rPr lang="en-US" altLang="ko-KR" baseline="0" dirty="0" smtClean="0"/>
+              <a:t>manipulation</a:t>
+            </a:r>
+            <a:r>
+              <a:rPr lang="ko-KR" altLang="en-US" baseline="0" dirty="0" smtClean="0"/>
+              <a:t>을 이용하면 쉽게 컴포넌트를 </a:t>
+            </a:r>
+            <a:r>
+              <a:rPr lang="en-US" altLang="ko-KR" baseline="0" dirty="0" smtClean="0"/>
+              <a:t>isolate</a:t>
+            </a:r>
+            <a:r>
+              <a:rPr lang="ko-KR" altLang="en-US" baseline="0" dirty="0" err="1" smtClean="0"/>
+              <a:t>할수</a:t>
+            </a:r>
+            <a:r>
+              <a:rPr lang="ko-KR" altLang="en-US" baseline="0" dirty="0" smtClean="0"/>
+              <a:t> 있다</a:t>
+            </a:r>
+            <a:r>
+              <a:rPr lang="en-US" altLang="ko-KR" baseline="0" dirty="0" smtClean="0"/>
+              <a:t>.</a:t>
+            </a:r>
+          </a:p>
+          <a:p>
+            <a:r>
+              <a:rPr lang="ko-KR" altLang="en-US" dirty="0" smtClean="0"/>
+              <a:t>예시로 </a:t>
+            </a:r>
+            <a:r>
+              <a:rPr lang="en-US" altLang="ko-KR" dirty="0" smtClean="0"/>
+              <a:t>LRP</a:t>
+            </a:r>
+            <a:r>
+              <a:rPr lang="ko-KR" altLang="en-US" dirty="0" smtClean="0"/>
+              <a:t>를 보면</a:t>
+            </a:r>
+            <a:r>
+              <a:rPr lang="en-US" altLang="ko-KR" dirty="0" smtClean="0"/>
+              <a:t>,</a:t>
+            </a:r>
+            <a:r>
+              <a:rPr lang="en-US" altLang="ko-KR" baseline="0" dirty="0" smtClean="0"/>
+              <a:t> </a:t>
+            </a:r>
+            <a:r>
+              <a:rPr lang="en-US" altLang="ko-KR" baseline="0" dirty="0" err="1" smtClean="0"/>
+              <a:t>respons</a:t>
+            </a:r>
+            <a:r>
+              <a:rPr lang="ko-KR" altLang="en-US" baseline="0" dirty="0" smtClean="0"/>
+              <a:t>에 </a:t>
+            </a:r>
+            <a:r>
+              <a:rPr lang="en-US" altLang="ko-KR" baseline="0" dirty="0" smtClean="0"/>
+              <a:t>contralateral </a:t>
+            </a:r>
+            <a:r>
+              <a:rPr lang="en-US" altLang="ko-KR" baseline="0" dirty="0" err="1" smtClean="0"/>
+              <a:t>hemispher</a:t>
+            </a:r>
+            <a:r>
+              <a:rPr lang="ko-KR" altLang="en-US" baseline="0" dirty="0" smtClean="0"/>
+              <a:t>과 </a:t>
+            </a:r>
+            <a:r>
+              <a:rPr lang="en-US" altLang="ko-KR" baseline="0" dirty="0" smtClean="0"/>
+              <a:t>ipsilateral </a:t>
+            </a:r>
+            <a:r>
+              <a:rPr lang="en-US" altLang="ko-KR" baseline="0" dirty="0" err="1" smtClean="0"/>
+              <a:t>hemispher</a:t>
+            </a:r>
+            <a:r>
+              <a:rPr lang="ko-KR" altLang="en-US" baseline="0" dirty="0" smtClean="0"/>
+              <a:t>의 차이를 계산하면 </a:t>
+            </a:r>
+            <a:r>
+              <a:rPr lang="en-US" altLang="ko-KR" baseline="0" dirty="0" smtClean="0"/>
+              <a:t>contralateral</a:t>
+            </a:r>
+            <a:r>
+              <a:rPr lang="ko-KR" altLang="en-US" baseline="0" dirty="0" err="1" smtClean="0"/>
+              <a:t>하지않은</a:t>
+            </a:r>
+            <a:r>
+              <a:rPr lang="ko-KR" altLang="en-US" baseline="0" dirty="0" smtClean="0"/>
+              <a:t> 다른 </a:t>
+            </a:r>
+            <a:r>
+              <a:rPr lang="en-US" altLang="ko-KR" baseline="0" dirty="0" smtClean="0"/>
+              <a:t>brain </a:t>
+            </a:r>
+            <a:r>
+              <a:rPr lang="en-US" altLang="ko-KR" baseline="0" dirty="0" err="1" smtClean="0"/>
+              <a:t>respons</a:t>
+            </a:r>
+            <a:r>
+              <a:rPr lang="ko-KR" altLang="en-US" baseline="0" dirty="0" smtClean="0"/>
+              <a:t>를 제외할 수 있다</a:t>
+            </a:r>
+            <a:r>
+              <a:rPr lang="en-US" altLang="ko-KR" baseline="0" dirty="0" smtClean="0"/>
+              <a:t>. </a:t>
+            </a:r>
+            <a:r>
+              <a:rPr lang="ko-KR" altLang="en-US" baseline="0" dirty="0" smtClean="0"/>
+              <a:t>그리고 </a:t>
+            </a:r>
+            <a:r>
+              <a:rPr lang="en-US" altLang="ko-KR" baseline="0" dirty="0" err="1" smtClean="0"/>
+              <a:t>respons</a:t>
+            </a:r>
+            <a:r>
+              <a:rPr lang="ko-KR" altLang="en-US" baseline="0" dirty="0" smtClean="0"/>
+              <a:t>의 방향을 결정하기 전의 </a:t>
+            </a:r>
+            <a:r>
+              <a:rPr lang="en-US" altLang="ko-KR" baseline="0" dirty="0" smtClean="0"/>
+              <a:t>brain </a:t>
+            </a:r>
+            <a:r>
+              <a:rPr lang="en-US" altLang="ko-KR" baseline="0" dirty="0" err="1" smtClean="0"/>
+              <a:t>activit</a:t>
+            </a:r>
+            <a:r>
+              <a:rPr lang="ko-KR" altLang="en-US" baseline="0" dirty="0" smtClean="0"/>
+              <a:t>를 </a:t>
+            </a:r>
+            <a:r>
+              <a:rPr lang="en-US" altLang="ko-KR" baseline="0" dirty="0" smtClean="0"/>
+              <a:t>response time</a:t>
+            </a:r>
+            <a:r>
+              <a:rPr lang="ko-KR" altLang="en-US" baseline="0" dirty="0" smtClean="0"/>
+              <a:t>을 사용해서 제외할 수 있다</a:t>
+            </a:r>
+            <a:r>
+              <a:rPr lang="en-US" altLang="ko-KR" baseline="0" dirty="0" smtClean="0"/>
+              <a:t>. </a:t>
+            </a:r>
+          </a:p>
+          <a:p>
+            <a:r>
+              <a:rPr lang="ko-KR" altLang="en-US" dirty="0" smtClean="0"/>
+              <a:t>다른 예시로 </a:t>
+            </a:r>
+            <a:r>
+              <a:rPr lang="en-US" altLang="ko-KR" dirty="0" smtClean="0"/>
+              <a:t>N2pc</a:t>
+            </a:r>
+            <a:r>
+              <a:rPr lang="ko-KR" altLang="en-US" dirty="0" smtClean="0"/>
+              <a:t>의 경우</a:t>
+            </a:r>
+            <a:r>
+              <a:rPr lang="en-US" altLang="ko-KR" dirty="0" smtClean="0"/>
+              <a:t>, </a:t>
+            </a:r>
+            <a:r>
+              <a:rPr lang="ko-KR" altLang="en-US" dirty="0" smtClean="0"/>
+              <a:t>자극이 왼쪽 혹은 오른쪽에 제시되었을 때 </a:t>
+            </a:r>
+            <a:r>
+              <a:rPr lang="en-US" altLang="ko-KR" dirty="0" smtClean="0"/>
+              <a:t>contra-</a:t>
+            </a:r>
+            <a:r>
+              <a:rPr lang="en-US" altLang="ko-KR" dirty="0" err="1" smtClean="0"/>
+              <a:t>ipsi</a:t>
+            </a:r>
+            <a:r>
+              <a:rPr lang="en-US" altLang="ko-KR" baseline="0" dirty="0" smtClean="0"/>
+              <a:t> difference</a:t>
+            </a:r>
+            <a:r>
+              <a:rPr lang="ko-KR" altLang="en-US" baseline="0" dirty="0" smtClean="0"/>
+              <a:t>를 본다</a:t>
+            </a:r>
+            <a:r>
+              <a:rPr lang="en-US" altLang="ko-KR" baseline="0" dirty="0" smtClean="0"/>
+              <a:t>.</a:t>
+            </a:r>
+          </a:p>
+          <a:p>
+            <a:r>
+              <a:rPr lang="ko-KR" altLang="en-US" dirty="0" smtClean="0"/>
+              <a:t>이 </a:t>
+            </a:r>
+            <a:r>
+              <a:rPr lang="en-US" altLang="ko-KR" dirty="0" smtClean="0"/>
+              <a:t>difference</a:t>
+            </a:r>
+            <a:r>
+              <a:rPr lang="ko-KR" altLang="en-US" dirty="0" smtClean="0"/>
+              <a:t>는 다른 </a:t>
+            </a:r>
+            <a:r>
+              <a:rPr lang="en-US" altLang="ko-KR" dirty="0" smtClean="0"/>
+              <a:t>manipulation</a:t>
+            </a:r>
+            <a:r>
+              <a:rPr lang="ko-KR" altLang="en-US" dirty="0" smtClean="0"/>
+              <a:t>이나 </a:t>
+            </a:r>
+            <a:r>
+              <a:rPr lang="en-US" altLang="ko-KR" dirty="0" smtClean="0"/>
+              <a:t>group comparison</a:t>
+            </a:r>
+            <a:r>
+              <a:rPr lang="ko-KR" altLang="en-US" dirty="0" smtClean="0"/>
+              <a:t>과도 쉽게 </a:t>
+            </a:r>
+            <a:r>
+              <a:rPr lang="en-US" altLang="ko-KR" dirty="0" smtClean="0"/>
+              <a:t>combine</a:t>
+            </a:r>
+            <a:r>
+              <a:rPr lang="ko-KR" altLang="en-US" dirty="0" smtClean="0"/>
+              <a:t>해서 사용할 수 있다</a:t>
+            </a:r>
+            <a:r>
+              <a:rPr lang="en-US" altLang="ko-KR" smtClean="0"/>
+              <a:t>.</a:t>
+            </a:r>
+          </a:p>
+          <a:p>
+            <a:endParaRPr lang="en-US" dirty="0"/>
+          </a:p>
+        </p:txBody>
+      </p:sp>
+      <p:sp>
+        <p:nvSpPr>
+          <p:cNvPr id="4" name="Slide Number Placeholder 3"/>
+          <p:cNvSpPr>
+            <a:spLocks noGrp="1"/>
+          </p:cNvSpPr>
+          <p:nvPr>
+            <p:ph type="sldNum" sz="quarter" idx="5"/>
+          </p:nvPr>
+        </p:nvSpPr>
+        <p:spPr/>
+        <p:txBody>
+          <a:bodyPr/>
+          <a:lstStyle/>
+          <a:p>
+            <a:pPr latinLnBrk="1">
+              <a:defRPr/>
+            </a:pPr>
+            <a:fld id="{ABCB040E-7711-EF49-8553-F84D830A7363}" type="slidenum">
+              <a:rPr lang="en-US" smtClean="0">
+                <a:solidFill>
+                  <a:prstClr val="black"/>
+                </a:solidFill>
+              </a:rPr>
+              <a:pPr latinLnBrk="1">
+                <a:defRPr/>
+              </a:pPr>
+              <a:t>8</a:t>
+            </a:fld>
+            <a:endParaRPr lang="en-US">
+              <a:solidFill>
+                <a:prstClr val="black"/>
+              </a:solidFill>
+            </a:endParaRPr>
+          </a:p>
+        </p:txBody>
+      </p:sp>
+    </p:spTree>
+    <p:extLst>
+      <p:ext uri="{BB962C8B-B14F-4D97-AF65-F5344CB8AC3E}">
+        <p14:creationId xmlns:p14="http://schemas.microsoft.com/office/powerpoint/2010/main" val="579875669"/>
+      </p:ext>
+    </p:extLst>
+  </p:cSld>
+  <p:clrMapOvr>
+    <a:masterClrMapping/>
+  </p:clrMapOvr>
+</p:notes>
+</file>
+
 <file path=ppt/slideLayouts/slideLayout1.xml><?xml version="1.0" encoding="utf-8"?>
 <p:sldLayout xmlns:a="http://schemas.openxmlformats.org/drawingml/2006/main" xmlns:r="http://schemas.openxmlformats.org/officeDocument/2006/relationships" xmlns:p="http://schemas.openxmlformats.org/presentationml/2006/main" type="title" preserve="1">
   <p:cSld name="Title Slide">
@@ -1465,7 +2668,7 @@
           <p:cNvPr id="2" name="Title 1">
             <a:extLst>
               <a:ext uri="{FF2B5EF4-FFF2-40B4-BE49-F238E27FC236}">
-                <a16:creationId xmlns:a16="http://schemas.microsoft.com/office/drawing/2014/main" id="{D5F1FC50-4EEF-9A4B-9D0B-AB194C88E88E}"/>
+                <a16:creationId xmlns="" xmlns:a16="http://schemas.microsoft.com/office/drawing/2014/main" id="{D5F1FC50-4EEF-9A4B-9D0B-AB194C88E88E}"/>
               </a:ext>
             </a:extLst>
           </p:cNvPr>
@@ -1502,7 +2705,7 @@
           <p:cNvPr id="3" name="Subtitle 2">
             <a:extLst>
               <a:ext uri="{FF2B5EF4-FFF2-40B4-BE49-F238E27FC236}">
-                <a16:creationId xmlns:a16="http://schemas.microsoft.com/office/drawing/2014/main" id="{165BD629-706F-BC47-AD1C-2C3E8CB19615}"/>
+                <a16:creationId xmlns="" xmlns:a16="http://schemas.microsoft.com/office/drawing/2014/main" id="{165BD629-706F-BC47-AD1C-2C3E8CB19615}"/>
               </a:ext>
             </a:extLst>
           </p:cNvPr>
@@ -1572,7 +2775,7 @@
           <p:cNvPr id="4" name="Date Placeholder 3">
             <a:extLst>
               <a:ext uri="{FF2B5EF4-FFF2-40B4-BE49-F238E27FC236}">
-                <a16:creationId xmlns:a16="http://schemas.microsoft.com/office/drawing/2014/main" id="{FC55FCBB-1E4F-0546-A88E-F5635DF95404}"/>
+                <a16:creationId xmlns="" xmlns:a16="http://schemas.microsoft.com/office/drawing/2014/main" id="{FC55FCBB-1E4F-0546-A88E-F5635DF95404}"/>
               </a:ext>
             </a:extLst>
           </p:cNvPr>
@@ -1590,7 +2793,7 @@
           <a:p>
             <a:fld id="{F653B730-EB83-3245-BABD-215035390107}" type="datetimeFigureOut">
               <a:rPr lang="en-US" smtClean="0"/>
-              <a:t>7/21/19</a:t>
+              <a:t>7/23/2019</a:t>
             </a:fld>
             <a:endParaRPr lang="en-US"/>
           </a:p>
@@ -1601,7 +2804,7 @@
           <p:cNvPr id="5" name="Footer Placeholder 4">
             <a:extLst>
               <a:ext uri="{FF2B5EF4-FFF2-40B4-BE49-F238E27FC236}">
-                <a16:creationId xmlns:a16="http://schemas.microsoft.com/office/drawing/2014/main" id="{1C83CAB3-DA90-3942-BEE6-75220574FE08}"/>
+                <a16:creationId xmlns="" xmlns:a16="http://schemas.microsoft.com/office/drawing/2014/main" id="{1C83CAB3-DA90-3942-BEE6-75220574FE08}"/>
               </a:ext>
             </a:extLst>
           </p:cNvPr>
@@ -1626,7 +2829,7 @@
           <p:cNvPr id="6" name="Slide Number Placeholder 5">
             <a:extLst>
               <a:ext uri="{FF2B5EF4-FFF2-40B4-BE49-F238E27FC236}">
-                <a16:creationId xmlns:a16="http://schemas.microsoft.com/office/drawing/2014/main" id="{6767403E-4B50-8E4B-8143-C103010D6671}"/>
+                <a16:creationId xmlns="" xmlns:a16="http://schemas.microsoft.com/office/drawing/2014/main" id="{6767403E-4B50-8E4B-8143-C103010D6671}"/>
               </a:ext>
             </a:extLst>
           </p:cNvPr>
@@ -1685,7 +2888,7 @@
           <p:cNvPr id="2" name="Title 1">
             <a:extLst>
               <a:ext uri="{FF2B5EF4-FFF2-40B4-BE49-F238E27FC236}">
-                <a16:creationId xmlns:a16="http://schemas.microsoft.com/office/drawing/2014/main" id="{F9CA50E0-AC78-CE49-8AA1-6B740572C622}"/>
+                <a16:creationId xmlns="" xmlns:a16="http://schemas.microsoft.com/office/drawing/2014/main" id="{F9CA50E0-AC78-CE49-8AA1-6B740572C622}"/>
               </a:ext>
             </a:extLst>
           </p:cNvPr>
@@ -1713,7 +2916,7 @@
           <p:cNvPr id="3" name="Vertical Text Placeholder 2">
             <a:extLst>
               <a:ext uri="{FF2B5EF4-FFF2-40B4-BE49-F238E27FC236}">
-                <a16:creationId xmlns:a16="http://schemas.microsoft.com/office/drawing/2014/main" id="{E55D888D-DE53-AD46-9FEF-41FD58888CC6}"/>
+                <a16:creationId xmlns="" xmlns:a16="http://schemas.microsoft.com/office/drawing/2014/main" id="{E55D888D-DE53-AD46-9FEF-41FD58888CC6}"/>
               </a:ext>
             </a:extLst>
           </p:cNvPr>
@@ -1770,7 +2973,7 @@
           <p:cNvPr id="4" name="Date Placeholder 3">
             <a:extLst>
               <a:ext uri="{FF2B5EF4-FFF2-40B4-BE49-F238E27FC236}">
-                <a16:creationId xmlns:a16="http://schemas.microsoft.com/office/drawing/2014/main" id="{66299155-A572-AE42-8D46-748BF380F59A}"/>
+                <a16:creationId xmlns="" xmlns:a16="http://schemas.microsoft.com/office/drawing/2014/main" id="{66299155-A572-AE42-8D46-748BF380F59A}"/>
               </a:ext>
             </a:extLst>
           </p:cNvPr>
@@ -1788,7 +2991,7 @@
           <a:p>
             <a:fld id="{F653B730-EB83-3245-BABD-215035390107}" type="datetimeFigureOut">
               <a:rPr lang="en-US" smtClean="0"/>
-              <a:t>7/21/19</a:t>
+              <a:t>7/23/2019</a:t>
             </a:fld>
             <a:endParaRPr lang="en-US"/>
           </a:p>
@@ -1799,7 +3002,7 @@
           <p:cNvPr id="5" name="Footer Placeholder 4">
             <a:extLst>
               <a:ext uri="{FF2B5EF4-FFF2-40B4-BE49-F238E27FC236}">
-                <a16:creationId xmlns:a16="http://schemas.microsoft.com/office/drawing/2014/main" id="{F47EAB6A-4D56-E643-88EF-19C058F5171E}"/>
+                <a16:creationId xmlns="" xmlns:a16="http://schemas.microsoft.com/office/drawing/2014/main" id="{F47EAB6A-4D56-E643-88EF-19C058F5171E}"/>
               </a:ext>
             </a:extLst>
           </p:cNvPr>
@@ -1824,7 +3027,7 @@
           <p:cNvPr id="6" name="Slide Number Placeholder 5">
             <a:extLst>
               <a:ext uri="{FF2B5EF4-FFF2-40B4-BE49-F238E27FC236}">
-                <a16:creationId xmlns:a16="http://schemas.microsoft.com/office/drawing/2014/main" id="{51F828AC-966F-2A43-9E27-4653ED0F2A58}"/>
+                <a16:creationId xmlns="" xmlns:a16="http://schemas.microsoft.com/office/drawing/2014/main" id="{51F828AC-966F-2A43-9E27-4653ED0F2A58}"/>
               </a:ext>
             </a:extLst>
           </p:cNvPr>
@@ -1883,7 +3086,7 @@
           <p:cNvPr id="2" name="Vertical Title 1">
             <a:extLst>
               <a:ext uri="{FF2B5EF4-FFF2-40B4-BE49-F238E27FC236}">
-                <a16:creationId xmlns:a16="http://schemas.microsoft.com/office/drawing/2014/main" id="{A53A451C-6FFC-C247-9C5C-5BDBEFF770A9}"/>
+                <a16:creationId xmlns="" xmlns:a16="http://schemas.microsoft.com/office/drawing/2014/main" id="{A53A451C-6FFC-C247-9C5C-5BDBEFF770A9}"/>
               </a:ext>
             </a:extLst>
           </p:cNvPr>
@@ -1916,7 +3119,7 @@
           <p:cNvPr id="3" name="Vertical Text Placeholder 2">
             <a:extLst>
               <a:ext uri="{FF2B5EF4-FFF2-40B4-BE49-F238E27FC236}">
-                <a16:creationId xmlns:a16="http://schemas.microsoft.com/office/drawing/2014/main" id="{04D1905D-DF3F-7C4D-AEB8-E91A92CFAB3E}"/>
+                <a16:creationId xmlns="" xmlns:a16="http://schemas.microsoft.com/office/drawing/2014/main" id="{04D1905D-DF3F-7C4D-AEB8-E91A92CFAB3E}"/>
               </a:ext>
             </a:extLst>
           </p:cNvPr>
@@ -1978,7 +3181,7 @@
           <p:cNvPr id="4" name="Date Placeholder 3">
             <a:extLst>
               <a:ext uri="{FF2B5EF4-FFF2-40B4-BE49-F238E27FC236}">
-                <a16:creationId xmlns:a16="http://schemas.microsoft.com/office/drawing/2014/main" id="{EA618913-C9D7-2B40-87FD-9B228D8CB6DA}"/>
+                <a16:creationId xmlns="" xmlns:a16="http://schemas.microsoft.com/office/drawing/2014/main" id="{EA618913-C9D7-2B40-87FD-9B228D8CB6DA}"/>
               </a:ext>
             </a:extLst>
           </p:cNvPr>
@@ -1996,7 +3199,7 @@
           <a:p>
             <a:fld id="{F653B730-EB83-3245-BABD-215035390107}" type="datetimeFigureOut">
               <a:rPr lang="en-US" smtClean="0"/>
-              <a:t>7/21/19</a:t>
+              <a:t>7/23/2019</a:t>
             </a:fld>
             <a:endParaRPr lang="en-US"/>
           </a:p>
@@ -2007,7 +3210,7 @@
           <p:cNvPr id="5" name="Footer Placeholder 4">
             <a:extLst>
               <a:ext uri="{FF2B5EF4-FFF2-40B4-BE49-F238E27FC236}">
-                <a16:creationId xmlns:a16="http://schemas.microsoft.com/office/drawing/2014/main" id="{21F67F44-D1D6-C747-A752-EBCE009E8BC9}"/>
+                <a16:creationId xmlns="" xmlns:a16="http://schemas.microsoft.com/office/drawing/2014/main" id="{21F67F44-D1D6-C747-A752-EBCE009E8BC9}"/>
               </a:ext>
             </a:extLst>
           </p:cNvPr>
@@ -2032,7 +3235,7 @@
           <p:cNvPr id="6" name="Slide Number Placeholder 5">
             <a:extLst>
               <a:ext uri="{FF2B5EF4-FFF2-40B4-BE49-F238E27FC236}">
-                <a16:creationId xmlns:a16="http://schemas.microsoft.com/office/drawing/2014/main" id="{DAB7625A-436D-E844-BFAD-7FE1ECE8D85D}"/>
+                <a16:creationId xmlns="" xmlns:a16="http://schemas.microsoft.com/office/drawing/2014/main" id="{DAB7625A-436D-E844-BFAD-7FE1ECE8D85D}"/>
               </a:ext>
             </a:extLst>
           </p:cNvPr>
@@ -2091,7 +3294,7 @@
           <p:cNvPr id="2" name="Title 1">
             <a:extLst>
               <a:ext uri="{FF2B5EF4-FFF2-40B4-BE49-F238E27FC236}">
-                <a16:creationId xmlns:a16="http://schemas.microsoft.com/office/drawing/2014/main" id="{9110A58E-2687-1C48-B74D-11A8F1F9B132}"/>
+                <a16:creationId xmlns="" xmlns:a16="http://schemas.microsoft.com/office/drawing/2014/main" id="{9110A58E-2687-1C48-B74D-11A8F1F9B132}"/>
               </a:ext>
             </a:extLst>
           </p:cNvPr>
@@ -2128,7 +3331,7 @@
           <p:cNvPr id="3" name="Subtitle 2">
             <a:extLst>
               <a:ext uri="{FF2B5EF4-FFF2-40B4-BE49-F238E27FC236}">
-                <a16:creationId xmlns:a16="http://schemas.microsoft.com/office/drawing/2014/main" id="{F77B50D3-5E57-F549-A98A-29904A7BF1C2}"/>
+                <a16:creationId xmlns="" xmlns:a16="http://schemas.microsoft.com/office/drawing/2014/main" id="{F77B50D3-5E57-F549-A98A-29904A7BF1C2}"/>
               </a:ext>
             </a:extLst>
           </p:cNvPr>
@@ -2198,7 +3401,7 @@
           <p:cNvPr id="4" name="Date Placeholder 3">
             <a:extLst>
               <a:ext uri="{FF2B5EF4-FFF2-40B4-BE49-F238E27FC236}">
-                <a16:creationId xmlns:a16="http://schemas.microsoft.com/office/drawing/2014/main" id="{7CDA8431-DE46-444D-96EC-CF765E4DE22D}"/>
+                <a16:creationId xmlns="" xmlns:a16="http://schemas.microsoft.com/office/drawing/2014/main" id="{7CDA8431-DE46-444D-96EC-CF765E4DE22D}"/>
               </a:ext>
             </a:extLst>
           </p:cNvPr>
@@ -2223,7 +3426,7 @@
                 </a:solidFill>
               </a:rPr>
               <a:pPr/>
-              <a:t>7/21/19</a:t>
+              <a:t>7/23/2019</a:t>
             </a:fld>
             <a:endParaRPr lang="en-US">
               <a:solidFill>
@@ -2240,7 +3443,7 @@
           <p:cNvPr id="5" name="Footer Placeholder 4">
             <a:extLst>
               <a:ext uri="{FF2B5EF4-FFF2-40B4-BE49-F238E27FC236}">
-                <a16:creationId xmlns:a16="http://schemas.microsoft.com/office/drawing/2014/main" id="{D11D5B12-A6F0-A448-9952-EBBCABCF94AF}"/>
+                <a16:creationId xmlns="" xmlns:a16="http://schemas.microsoft.com/office/drawing/2014/main" id="{D11D5B12-A6F0-A448-9952-EBBCABCF94AF}"/>
               </a:ext>
             </a:extLst>
           </p:cNvPr>
@@ -2271,7 +3474,7 @@
           <p:cNvPr id="6" name="Slide Number Placeholder 5">
             <a:extLst>
               <a:ext uri="{FF2B5EF4-FFF2-40B4-BE49-F238E27FC236}">
-                <a16:creationId xmlns:a16="http://schemas.microsoft.com/office/drawing/2014/main" id="{113B40C2-8073-B44B-9BFB-080F72D9F930}"/>
+                <a16:creationId xmlns="" xmlns:a16="http://schemas.microsoft.com/office/drawing/2014/main" id="{113B40C2-8073-B44B-9BFB-080F72D9F930}"/>
               </a:ext>
             </a:extLst>
           </p:cNvPr>
@@ -2343,7 +3546,7 @@
           <p:cNvPr id="2" name="Title 1">
             <a:extLst>
               <a:ext uri="{FF2B5EF4-FFF2-40B4-BE49-F238E27FC236}">
-                <a16:creationId xmlns:a16="http://schemas.microsoft.com/office/drawing/2014/main" id="{AE55BD0A-CC14-8440-A2A4-B89BA43B7A82}"/>
+                <a16:creationId xmlns="" xmlns:a16="http://schemas.microsoft.com/office/drawing/2014/main" id="{AE55BD0A-CC14-8440-A2A4-B89BA43B7A82}"/>
               </a:ext>
             </a:extLst>
           </p:cNvPr>
@@ -2371,7 +3574,7 @@
           <p:cNvPr id="3" name="Content Placeholder 2">
             <a:extLst>
               <a:ext uri="{FF2B5EF4-FFF2-40B4-BE49-F238E27FC236}">
-                <a16:creationId xmlns:a16="http://schemas.microsoft.com/office/drawing/2014/main" id="{16635FC3-64DE-1A4E-B4D4-C5F564D154C6}"/>
+                <a16:creationId xmlns="" xmlns:a16="http://schemas.microsoft.com/office/drawing/2014/main" id="{16635FC3-64DE-1A4E-B4D4-C5F564D154C6}"/>
               </a:ext>
             </a:extLst>
           </p:cNvPr>
@@ -2428,7 +3631,7 @@
           <p:cNvPr id="4" name="Date Placeholder 3">
             <a:extLst>
               <a:ext uri="{FF2B5EF4-FFF2-40B4-BE49-F238E27FC236}">
-                <a16:creationId xmlns:a16="http://schemas.microsoft.com/office/drawing/2014/main" id="{2E013ABA-8F40-0C4C-89D7-E945902C41AA}"/>
+                <a16:creationId xmlns="" xmlns:a16="http://schemas.microsoft.com/office/drawing/2014/main" id="{2E013ABA-8F40-0C4C-89D7-E945902C41AA}"/>
               </a:ext>
             </a:extLst>
           </p:cNvPr>
@@ -2453,7 +3656,7 @@
                 </a:solidFill>
               </a:rPr>
               <a:pPr/>
-              <a:t>7/21/19</a:t>
+              <a:t>7/23/2019</a:t>
             </a:fld>
             <a:endParaRPr lang="en-US">
               <a:solidFill>
@@ -2470,7 +3673,7 @@
           <p:cNvPr id="5" name="Footer Placeholder 4">
             <a:extLst>
               <a:ext uri="{FF2B5EF4-FFF2-40B4-BE49-F238E27FC236}">
-                <a16:creationId xmlns:a16="http://schemas.microsoft.com/office/drawing/2014/main" id="{C4A9FDD3-B034-1F4F-B7B2-6F7247B1B31C}"/>
+                <a16:creationId xmlns="" xmlns:a16="http://schemas.microsoft.com/office/drawing/2014/main" id="{C4A9FDD3-B034-1F4F-B7B2-6F7247B1B31C}"/>
               </a:ext>
             </a:extLst>
           </p:cNvPr>
@@ -2501,7 +3704,7 @@
           <p:cNvPr id="6" name="Slide Number Placeholder 5">
             <a:extLst>
               <a:ext uri="{FF2B5EF4-FFF2-40B4-BE49-F238E27FC236}">
-                <a16:creationId xmlns:a16="http://schemas.microsoft.com/office/drawing/2014/main" id="{FEE34C77-E743-B04E-B314-A2A326BFC655}"/>
+                <a16:creationId xmlns="" xmlns:a16="http://schemas.microsoft.com/office/drawing/2014/main" id="{FEE34C77-E743-B04E-B314-A2A326BFC655}"/>
               </a:ext>
             </a:extLst>
           </p:cNvPr>
@@ -2573,7 +3776,7 @@
           <p:cNvPr id="2" name="Title 1">
             <a:extLst>
               <a:ext uri="{FF2B5EF4-FFF2-40B4-BE49-F238E27FC236}">
-                <a16:creationId xmlns:a16="http://schemas.microsoft.com/office/drawing/2014/main" id="{CBE34CC4-FC55-564E-A6CA-FD62B7F03198}"/>
+                <a16:creationId xmlns="" xmlns:a16="http://schemas.microsoft.com/office/drawing/2014/main" id="{CBE34CC4-FC55-564E-A6CA-FD62B7F03198}"/>
               </a:ext>
             </a:extLst>
           </p:cNvPr>
@@ -2610,7 +3813,7 @@
           <p:cNvPr id="3" name="Text Placeholder 2">
             <a:extLst>
               <a:ext uri="{FF2B5EF4-FFF2-40B4-BE49-F238E27FC236}">
-                <a16:creationId xmlns:a16="http://schemas.microsoft.com/office/drawing/2014/main" id="{C22F05DC-14B6-F646-BD6E-ACEBDEBDF90C}"/>
+                <a16:creationId xmlns="" xmlns:a16="http://schemas.microsoft.com/office/drawing/2014/main" id="{C22F05DC-14B6-F646-BD6E-ACEBDEBDF90C}"/>
               </a:ext>
             </a:extLst>
           </p:cNvPr>
@@ -2735,7 +3938,7 @@
           <p:cNvPr id="4" name="Date Placeholder 3">
             <a:extLst>
               <a:ext uri="{FF2B5EF4-FFF2-40B4-BE49-F238E27FC236}">
-                <a16:creationId xmlns:a16="http://schemas.microsoft.com/office/drawing/2014/main" id="{CDC20127-75FA-4645-8282-A47F171A7273}"/>
+                <a16:creationId xmlns="" xmlns:a16="http://schemas.microsoft.com/office/drawing/2014/main" id="{CDC20127-75FA-4645-8282-A47F171A7273}"/>
               </a:ext>
             </a:extLst>
           </p:cNvPr>
@@ -2760,7 +3963,7 @@
                 </a:solidFill>
               </a:rPr>
               <a:pPr/>
-              <a:t>7/21/19</a:t>
+              <a:t>7/23/2019</a:t>
             </a:fld>
             <a:endParaRPr lang="en-US">
               <a:solidFill>
@@ -2777,7 +3980,7 @@
           <p:cNvPr id="5" name="Footer Placeholder 4">
             <a:extLst>
               <a:ext uri="{FF2B5EF4-FFF2-40B4-BE49-F238E27FC236}">
-                <a16:creationId xmlns:a16="http://schemas.microsoft.com/office/drawing/2014/main" id="{87FB44B3-0BDD-C344-9173-DA0452C677E9}"/>
+                <a16:creationId xmlns="" xmlns:a16="http://schemas.microsoft.com/office/drawing/2014/main" id="{87FB44B3-0BDD-C344-9173-DA0452C677E9}"/>
               </a:ext>
             </a:extLst>
           </p:cNvPr>
@@ -2808,7 +4011,7 @@
           <p:cNvPr id="6" name="Slide Number Placeholder 5">
             <a:extLst>
               <a:ext uri="{FF2B5EF4-FFF2-40B4-BE49-F238E27FC236}">
-                <a16:creationId xmlns:a16="http://schemas.microsoft.com/office/drawing/2014/main" id="{32F82784-7353-2A47-B250-CBB0B6D9DFE3}"/>
+                <a16:creationId xmlns="" xmlns:a16="http://schemas.microsoft.com/office/drawing/2014/main" id="{32F82784-7353-2A47-B250-CBB0B6D9DFE3}"/>
               </a:ext>
             </a:extLst>
           </p:cNvPr>
@@ -2880,7 +4083,7 @@
           <p:cNvPr id="2" name="Title 1">
             <a:extLst>
               <a:ext uri="{FF2B5EF4-FFF2-40B4-BE49-F238E27FC236}">
-                <a16:creationId xmlns:a16="http://schemas.microsoft.com/office/drawing/2014/main" id="{B8B26BCF-FE5E-D24A-97CA-05BF659AF6B6}"/>
+                <a16:creationId xmlns="" xmlns:a16="http://schemas.microsoft.com/office/drawing/2014/main" id="{B8B26BCF-FE5E-D24A-97CA-05BF659AF6B6}"/>
               </a:ext>
             </a:extLst>
           </p:cNvPr>
@@ -2908,7 +4111,7 @@
           <p:cNvPr id="3" name="Content Placeholder 2">
             <a:extLst>
               <a:ext uri="{FF2B5EF4-FFF2-40B4-BE49-F238E27FC236}">
-                <a16:creationId xmlns:a16="http://schemas.microsoft.com/office/drawing/2014/main" id="{98E3095E-F3EC-154B-8F93-AB3E5D41C7B3}"/>
+                <a16:creationId xmlns="" xmlns:a16="http://schemas.microsoft.com/office/drawing/2014/main" id="{98E3095E-F3EC-154B-8F93-AB3E5D41C7B3}"/>
               </a:ext>
             </a:extLst>
           </p:cNvPr>
@@ -2970,7 +4173,7 @@
           <p:cNvPr id="4" name="Content Placeholder 3">
             <a:extLst>
               <a:ext uri="{FF2B5EF4-FFF2-40B4-BE49-F238E27FC236}">
-                <a16:creationId xmlns:a16="http://schemas.microsoft.com/office/drawing/2014/main" id="{769E2936-23A0-464A-A400-652F3966BB76}"/>
+                <a16:creationId xmlns="" xmlns:a16="http://schemas.microsoft.com/office/drawing/2014/main" id="{769E2936-23A0-464A-A400-652F3966BB76}"/>
               </a:ext>
             </a:extLst>
           </p:cNvPr>
@@ -3032,7 +4235,7 @@
           <p:cNvPr id="5" name="Date Placeholder 4">
             <a:extLst>
               <a:ext uri="{FF2B5EF4-FFF2-40B4-BE49-F238E27FC236}">
-                <a16:creationId xmlns:a16="http://schemas.microsoft.com/office/drawing/2014/main" id="{7B2D3A1A-B116-3C4C-8EF8-CE16A6AE6714}"/>
+                <a16:creationId xmlns="" xmlns:a16="http://schemas.microsoft.com/office/drawing/2014/main" id="{7B2D3A1A-B116-3C4C-8EF8-CE16A6AE6714}"/>
               </a:ext>
             </a:extLst>
           </p:cNvPr>
@@ -3057,7 +4260,7 @@
                 </a:solidFill>
               </a:rPr>
               <a:pPr/>
-              <a:t>7/21/19</a:t>
+              <a:t>7/23/2019</a:t>
             </a:fld>
             <a:endParaRPr lang="en-US">
               <a:solidFill>
@@ -3074,7 +4277,7 @@
           <p:cNvPr id="6" name="Footer Placeholder 5">
             <a:extLst>
               <a:ext uri="{FF2B5EF4-FFF2-40B4-BE49-F238E27FC236}">
-                <a16:creationId xmlns:a16="http://schemas.microsoft.com/office/drawing/2014/main" id="{E1801AAA-B1D7-7546-A999-D6884982D865}"/>
+                <a16:creationId xmlns="" xmlns:a16="http://schemas.microsoft.com/office/drawing/2014/main" id="{E1801AAA-B1D7-7546-A999-D6884982D865}"/>
               </a:ext>
             </a:extLst>
           </p:cNvPr>
@@ -3105,7 +4308,7 @@
           <p:cNvPr id="7" name="Slide Number Placeholder 6">
             <a:extLst>
               <a:ext uri="{FF2B5EF4-FFF2-40B4-BE49-F238E27FC236}">
-                <a16:creationId xmlns:a16="http://schemas.microsoft.com/office/drawing/2014/main" id="{FEF29B7E-EC5E-FE4F-BCEF-9CC2163F1F5C}"/>
+                <a16:creationId xmlns="" xmlns:a16="http://schemas.microsoft.com/office/drawing/2014/main" id="{FEF29B7E-EC5E-FE4F-BCEF-9CC2163F1F5C}"/>
               </a:ext>
             </a:extLst>
           </p:cNvPr>
@@ -3177,7 +4380,7 @@
           <p:cNvPr id="2" name="Title 1">
             <a:extLst>
               <a:ext uri="{FF2B5EF4-FFF2-40B4-BE49-F238E27FC236}">
-                <a16:creationId xmlns:a16="http://schemas.microsoft.com/office/drawing/2014/main" id="{EFBB0DB4-EE76-C84F-85AF-106595F3E62F}"/>
+                <a16:creationId xmlns="" xmlns:a16="http://schemas.microsoft.com/office/drawing/2014/main" id="{EFBB0DB4-EE76-C84F-85AF-106595F3E62F}"/>
               </a:ext>
             </a:extLst>
           </p:cNvPr>
@@ -3210,7 +4413,7 @@
           <p:cNvPr id="3" name="Text Placeholder 2">
             <a:extLst>
               <a:ext uri="{FF2B5EF4-FFF2-40B4-BE49-F238E27FC236}">
-                <a16:creationId xmlns:a16="http://schemas.microsoft.com/office/drawing/2014/main" id="{AF333342-FF93-BF4E-ACB0-B867F748D756}"/>
+                <a16:creationId xmlns="" xmlns:a16="http://schemas.microsoft.com/office/drawing/2014/main" id="{AF333342-FF93-BF4E-ACB0-B867F748D756}"/>
               </a:ext>
             </a:extLst>
           </p:cNvPr>
@@ -3281,7 +4484,7 @@
           <p:cNvPr id="4" name="Content Placeholder 3">
             <a:extLst>
               <a:ext uri="{FF2B5EF4-FFF2-40B4-BE49-F238E27FC236}">
-                <a16:creationId xmlns:a16="http://schemas.microsoft.com/office/drawing/2014/main" id="{C97A28E3-7551-7942-8800-8A37B999E9C1}"/>
+                <a16:creationId xmlns="" xmlns:a16="http://schemas.microsoft.com/office/drawing/2014/main" id="{C97A28E3-7551-7942-8800-8A37B999E9C1}"/>
               </a:ext>
             </a:extLst>
           </p:cNvPr>
@@ -3343,7 +4546,7 @@
           <p:cNvPr id="5" name="Text Placeholder 4">
             <a:extLst>
               <a:ext uri="{FF2B5EF4-FFF2-40B4-BE49-F238E27FC236}">
-                <a16:creationId xmlns:a16="http://schemas.microsoft.com/office/drawing/2014/main" id="{4DCD2E40-06E0-9C47-AA5C-583C384B6893}"/>
+                <a16:creationId xmlns="" xmlns:a16="http://schemas.microsoft.com/office/drawing/2014/main" id="{4DCD2E40-06E0-9C47-AA5C-583C384B6893}"/>
               </a:ext>
             </a:extLst>
           </p:cNvPr>
@@ -3414,7 +4617,7 @@
           <p:cNvPr id="6" name="Content Placeholder 5">
             <a:extLst>
               <a:ext uri="{FF2B5EF4-FFF2-40B4-BE49-F238E27FC236}">
-                <a16:creationId xmlns:a16="http://schemas.microsoft.com/office/drawing/2014/main" id="{0924ACB3-4E1C-ED4F-ACBC-462273DB6A2C}"/>
+                <a16:creationId xmlns="" xmlns:a16="http://schemas.microsoft.com/office/drawing/2014/main" id="{0924ACB3-4E1C-ED4F-ACBC-462273DB6A2C}"/>
               </a:ext>
             </a:extLst>
           </p:cNvPr>
@@ -3476,7 +4679,7 @@
           <p:cNvPr id="7" name="Date Placeholder 6">
             <a:extLst>
               <a:ext uri="{FF2B5EF4-FFF2-40B4-BE49-F238E27FC236}">
-                <a16:creationId xmlns:a16="http://schemas.microsoft.com/office/drawing/2014/main" id="{069B318F-07BB-0546-93B6-93DBCDC47907}"/>
+                <a16:creationId xmlns="" xmlns:a16="http://schemas.microsoft.com/office/drawing/2014/main" id="{069B318F-07BB-0546-93B6-93DBCDC47907}"/>
               </a:ext>
             </a:extLst>
           </p:cNvPr>
@@ -3501,7 +4704,7 @@
                 </a:solidFill>
               </a:rPr>
               <a:pPr/>
-              <a:t>7/21/19</a:t>
+              <a:t>7/23/2019</a:t>
             </a:fld>
             <a:endParaRPr lang="en-US">
               <a:solidFill>
@@ -3518,7 +4721,7 @@
           <p:cNvPr id="8" name="Footer Placeholder 7">
             <a:extLst>
               <a:ext uri="{FF2B5EF4-FFF2-40B4-BE49-F238E27FC236}">
-                <a16:creationId xmlns:a16="http://schemas.microsoft.com/office/drawing/2014/main" id="{B391FB3E-162C-2146-A876-55BB13CD8B4A}"/>
+                <a16:creationId xmlns="" xmlns:a16="http://schemas.microsoft.com/office/drawing/2014/main" id="{B391FB3E-162C-2146-A876-55BB13CD8B4A}"/>
               </a:ext>
             </a:extLst>
           </p:cNvPr>
@@ -3549,7 +4752,7 @@
           <p:cNvPr id="9" name="Slide Number Placeholder 8">
             <a:extLst>
               <a:ext uri="{FF2B5EF4-FFF2-40B4-BE49-F238E27FC236}">
-                <a16:creationId xmlns:a16="http://schemas.microsoft.com/office/drawing/2014/main" id="{535DE230-638F-B842-B788-71B6E3AA65DB}"/>
+                <a16:creationId xmlns="" xmlns:a16="http://schemas.microsoft.com/office/drawing/2014/main" id="{535DE230-638F-B842-B788-71B6E3AA65DB}"/>
               </a:ext>
             </a:extLst>
           </p:cNvPr>
@@ -3621,7 +4824,7 @@
           <p:cNvPr id="2" name="Title 1">
             <a:extLst>
               <a:ext uri="{FF2B5EF4-FFF2-40B4-BE49-F238E27FC236}">
-                <a16:creationId xmlns:a16="http://schemas.microsoft.com/office/drawing/2014/main" id="{78515D86-AE73-584E-B24A-52BA68F80B81}"/>
+                <a16:creationId xmlns="" xmlns:a16="http://schemas.microsoft.com/office/drawing/2014/main" id="{78515D86-AE73-584E-B24A-52BA68F80B81}"/>
               </a:ext>
             </a:extLst>
           </p:cNvPr>
@@ -3649,7 +4852,7 @@
           <p:cNvPr id="3" name="Date Placeholder 2">
             <a:extLst>
               <a:ext uri="{FF2B5EF4-FFF2-40B4-BE49-F238E27FC236}">
-                <a16:creationId xmlns:a16="http://schemas.microsoft.com/office/drawing/2014/main" id="{9B541D7D-862F-9E4D-9706-E456E8EDA45D}"/>
+                <a16:creationId xmlns="" xmlns:a16="http://schemas.microsoft.com/office/drawing/2014/main" id="{9B541D7D-862F-9E4D-9706-E456E8EDA45D}"/>
               </a:ext>
             </a:extLst>
           </p:cNvPr>
@@ -3674,7 +4877,7 @@
                 </a:solidFill>
               </a:rPr>
               <a:pPr/>
-              <a:t>7/21/19</a:t>
+              <a:t>7/23/2019</a:t>
             </a:fld>
             <a:endParaRPr lang="en-US">
               <a:solidFill>
@@ -3691,7 +4894,7 @@
           <p:cNvPr id="4" name="Footer Placeholder 3">
             <a:extLst>
               <a:ext uri="{FF2B5EF4-FFF2-40B4-BE49-F238E27FC236}">
-                <a16:creationId xmlns:a16="http://schemas.microsoft.com/office/drawing/2014/main" id="{B3AFBF6A-8ABB-6746-BCA2-CB533F5FA483}"/>
+                <a16:creationId xmlns="" xmlns:a16="http://schemas.microsoft.com/office/drawing/2014/main" id="{B3AFBF6A-8ABB-6746-BCA2-CB533F5FA483}"/>
               </a:ext>
             </a:extLst>
           </p:cNvPr>
@@ -3722,7 +4925,7 @@
           <p:cNvPr id="5" name="Slide Number Placeholder 4">
             <a:extLst>
               <a:ext uri="{FF2B5EF4-FFF2-40B4-BE49-F238E27FC236}">
-                <a16:creationId xmlns:a16="http://schemas.microsoft.com/office/drawing/2014/main" id="{CD5842DB-E714-6E4B-B497-CB2BE26B582F}"/>
+                <a16:creationId xmlns="" xmlns:a16="http://schemas.microsoft.com/office/drawing/2014/main" id="{CD5842DB-E714-6E4B-B497-CB2BE26B582F}"/>
               </a:ext>
             </a:extLst>
           </p:cNvPr>
@@ -3794,7 +4997,7 @@
           <p:cNvPr id="2" name="Date Placeholder 1">
             <a:extLst>
               <a:ext uri="{FF2B5EF4-FFF2-40B4-BE49-F238E27FC236}">
-                <a16:creationId xmlns:a16="http://schemas.microsoft.com/office/drawing/2014/main" id="{439D0890-5A0E-A746-9D41-2BAFB59D88FC}"/>
+                <a16:creationId xmlns="" xmlns:a16="http://schemas.microsoft.com/office/drawing/2014/main" id="{439D0890-5A0E-A746-9D41-2BAFB59D88FC}"/>
               </a:ext>
             </a:extLst>
           </p:cNvPr>
@@ -3819,7 +5022,7 @@
                 </a:solidFill>
               </a:rPr>
               <a:pPr/>
-              <a:t>7/21/19</a:t>
+              <a:t>7/23/2019</a:t>
             </a:fld>
             <a:endParaRPr lang="en-US">
               <a:solidFill>
@@ -3836,7 +5039,7 @@
           <p:cNvPr id="3" name="Footer Placeholder 2">
             <a:extLst>
               <a:ext uri="{FF2B5EF4-FFF2-40B4-BE49-F238E27FC236}">
-                <a16:creationId xmlns:a16="http://schemas.microsoft.com/office/drawing/2014/main" id="{EFE20C4F-C328-6945-82B5-FAEAAD523C68}"/>
+                <a16:creationId xmlns="" xmlns:a16="http://schemas.microsoft.com/office/drawing/2014/main" id="{EFE20C4F-C328-6945-82B5-FAEAAD523C68}"/>
               </a:ext>
             </a:extLst>
           </p:cNvPr>
@@ -3867,7 +5070,7 @@
           <p:cNvPr id="4" name="Slide Number Placeholder 3">
             <a:extLst>
               <a:ext uri="{FF2B5EF4-FFF2-40B4-BE49-F238E27FC236}">
-                <a16:creationId xmlns:a16="http://schemas.microsoft.com/office/drawing/2014/main" id="{93903470-2345-FF42-826F-7EEFC82F789C}"/>
+                <a16:creationId xmlns="" xmlns:a16="http://schemas.microsoft.com/office/drawing/2014/main" id="{93903470-2345-FF42-826F-7EEFC82F789C}"/>
               </a:ext>
             </a:extLst>
           </p:cNvPr>
@@ -3939,7 +5142,7 @@
           <p:cNvPr id="2" name="Title 1">
             <a:extLst>
               <a:ext uri="{FF2B5EF4-FFF2-40B4-BE49-F238E27FC236}">
-                <a16:creationId xmlns:a16="http://schemas.microsoft.com/office/drawing/2014/main" id="{D1B7F18C-BDA9-7B4D-B55F-FD4EEFC0F61C}"/>
+                <a16:creationId xmlns="" xmlns:a16="http://schemas.microsoft.com/office/drawing/2014/main" id="{D1B7F18C-BDA9-7B4D-B55F-FD4EEFC0F61C}"/>
               </a:ext>
             </a:extLst>
           </p:cNvPr>
@@ -3976,7 +5179,7 @@
           <p:cNvPr id="3" name="Content Placeholder 2">
             <a:extLst>
               <a:ext uri="{FF2B5EF4-FFF2-40B4-BE49-F238E27FC236}">
-                <a16:creationId xmlns:a16="http://schemas.microsoft.com/office/drawing/2014/main" id="{24BF3ABC-1E6D-8549-8C88-9E1C352D1A92}"/>
+                <a16:creationId xmlns="" xmlns:a16="http://schemas.microsoft.com/office/drawing/2014/main" id="{24BF3ABC-1E6D-8549-8C88-9E1C352D1A92}"/>
               </a:ext>
             </a:extLst>
           </p:cNvPr>
@@ -4066,7 +5269,7 @@
           <p:cNvPr id="4" name="Text Placeholder 3">
             <a:extLst>
               <a:ext uri="{FF2B5EF4-FFF2-40B4-BE49-F238E27FC236}">
-                <a16:creationId xmlns:a16="http://schemas.microsoft.com/office/drawing/2014/main" id="{9848ECEF-A15A-FD4B-BED9-92D858C02779}"/>
+                <a16:creationId xmlns="" xmlns:a16="http://schemas.microsoft.com/office/drawing/2014/main" id="{9848ECEF-A15A-FD4B-BED9-92D858C02779}"/>
               </a:ext>
             </a:extLst>
           </p:cNvPr>
@@ -4137,7 +5340,7 @@
           <p:cNvPr id="5" name="Date Placeholder 4">
             <a:extLst>
               <a:ext uri="{FF2B5EF4-FFF2-40B4-BE49-F238E27FC236}">
-                <a16:creationId xmlns:a16="http://schemas.microsoft.com/office/drawing/2014/main" id="{2BE02726-C8D5-634B-80AB-4A12EAEC8A77}"/>
+                <a16:creationId xmlns="" xmlns:a16="http://schemas.microsoft.com/office/drawing/2014/main" id="{2BE02726-C8D5-634B-80AB-4A12EAEC8A77}"/>
               </a:ext>
             </a:extLst>
           </p:cNvPr>
@@ -4162,7 +5365,7 @@
                 </a:solidFill>
               </a:rPr>
               <a:pPr/>
-              <a:t>7/21/19</a:t>
+              <a:t>7/23/2019</a:t>
             </a:fld>
             <a:endParaRPr lang="en-US">
               <a:solidFill>
@@ -4179,7 +5382,7 @@
           <p:cNvPr id="6" name="Footer Placeholder 5">
             <a:extLst>
               <a:ext uri="{FF2B5EF4-FFF2-40B4-BE49-F238E27FC236}">
-                <a16:creationId xmlns:a16="http://schemas.microsoft.com/office/drawing/2014/main" id="{A93A4A5C-A1CE-3E41-BDC7-ACE15C9FC122}"/>
+                <a16:creationId xmlns="" xmlns:a16="http://schemas.microsoft.com/office/drawing/2014/main" id="{A93A4A5C-A1CE-3E41-BDC7-ACE15C9FC122}"/>
               </a:ext>
             </a:extLst>
           </p:cNvPr>
@@ -4210,7 +5413,7 @@
           <p:cNvPr id="7" name="Slide Number Placeholder 6">
             <a:extLst>
               <a:ext uri="{FF2B5EF4-FFF2-40B4-BE49-F238E27FC236}">
-                <a16:creationId xmlns:a16="http://schemas.microsoft.com/office/drawing/2014/main" id="{5636FF56-D609-8F4D-A913-5246FE392B23}"/>
+                <a16:creationId xmlns="" xmlns:a16="http://schemas.microsoft.com/office/drawing/2014/main" id="{5636FF56-D609-8F4D-A913-5246FE392B23}"/>
               </a:ext>
             </a:extLst>
           </p:cNvPr>
@@ -4282,7 +5485,7 @@
           <p:cNvPr id="2" name="Title 1">
             <a:extLst>
               <a:ext uri="{FF2B5EF4-FFF2-40B4-BE49-F238E27FC236}">
-                <a16:creationId xmlns:a16="http://schemas.microsoft.com/office/drawing/2014/main" id="{85357D82-69BE-A649-B076-C4066325B58B}"/>
+                <a16:creationId xmlns="" xmlns:a16="http://schemas.microsoft.com/office/drawing/2014/main" id="{85357D82-69BE-A649-B076-C4066325B58B}"/>
               </a:ext>
             </a:extLst>
           </p:cNvPr>
@@ -4310,7 +5513,7 @@
           <p:cNvPr id="3" name="Content Placeholder 2">
             <a:extLst>
               <a:ext uri="{FF2B5EF4-FFF2-40B4-BE49-F238E27FC236}">
-                <a16:creationId xmlns:a16="http://schemas.microsoft.com/office/drawing/2014/main" id="{727CD9B4-0692-7A49-822B-D5E257DD6B3E}"/>
+                <a16:creationId xmlns="" xmlns:a16="http://schemas.microsoft.com/office/drawing/2014/main" id="{727CD9B4-0692-7A49-822B-D5E257DD6B3E}"/>
               </a:ext>
             </a:extLst>
           </p:cNvPr>
@@ -4367,7 +5570,7 @@
           <p:cNvPr id="4" name="Date Placeholder 3">
             <a:extLst>
               <a:ext uri="{FF2B5EF4-FFF2-40B4-BE49-F238E27FC236}">
-                <a16:creationId xmlns:a16="http://schemas.microsoft.com/office/drawing/2014/main" id="{7F688F1C-DF41-4B4D-BB90-498FC2CDA916}"/>
+                <a16:creationId xmlns="" xmlns:a16="http://schemas.microsoft.com/office/drawing/2014/main" id="{7F688F1C-DF41-4B4D-BB90-498FC2CDA916}"/>
               </a:ext>
             </a:extLst>
           </p:cNvPr>
@@ -4385,7 +5588,7 @@
           <a:p>
             <a:fld id="{F653B730-EB83-3245-BABD-215035390107}" type="datetimeFigureOut">
               <a:rPr lang="en-US" smtClean="0"/>
-              <a:t>7/21/19</a:t>
+              <a:t>7/23/2019</a:t>
             </a:fld>
             <a:endParaRPr lang="en-US"/>
           </a:p>
@@ -4396,7 +5599,7 @@
           <p:cNvPr id="5" name="Footer Placeholder 4">
             <a:extLst>
               <a:ext uri="{FF2B5EF4-FFF2-40B4-BE49-F238E27FC236}">
-                <a16:creationId xmlns:a16="http://schemas.microsoft.com/office/drawing/2014/main" id="{268B64D7-3136-7C41-9611-7B2FE344D5E7}"/>
+                <a16:creationId xmlns="" xmlns:a16="http://schemas.microsoft.com/office/drawing/2014/main" id="{268B64D7-3136-7C41-9611-7B2FE344D5E7}"/>
               </a:ext>
             </a:extLst>
           </p:cNvPr>
@@ -4421,7 +5624,7 @@
           <p:cNvPr id="6" name="Slide Number Placeholder 5">
             <a:extLst>
               <a:ext uri="{FF2B5EF4-FFF2-40B4-BE49-F238E27FC236}">
-                <a16:creationId xmlns:a16="http://schemas.microsoft.com/office/drawing/2014/main" id="{F7F19BF8-F377-064B-820A-AC899C247C74}"/>
+                <a16:creationId xmlns="" xmlns:a16="http://schemas.microsoft.com/office/drawing/2014/main" id="{F7F19BF8-F377-064B-820A-AC899C247C74}"/>
               </a:ext>
             </a:extLst>
           </p:cNvPr>
@@ -4480,7 +5683,7 @@
           <p:cNvPr id="2" name="Title 1">
             <a:extLst>
               <a:ext uri="{FF2B5EF4-FFF2-40B4-BE49-F238E27FC236}">
-                <a16:creationId xmlns:a16="http://schemas.microsoft.com/office/drawing/2014/main" id="{14496170-627D-9B4F-A0FF-0D3B1C271A7A}"/>
+                <a16:creationId xmlns="" xmlns:a16="http://schemas.microsoft.com/office/drawing/2014/main" id="{14496170-627D-9B4F-A0FF-0D3B1C271A7A}"/>
               </a:ext>
             </a:extLst>
           </p:cNvPr>
@@ -4517,7 +5720,7 @@
           <p:cNvPr id="3" name="Picture Placeholder 2">
             <a:extLst>
               <a:ext uri="{FF2B5EF4-FFF2-40B4-BE49-F238E27FC236}">
-                <a16:creationId xmlns:a16="http://schemas.microsoft.com/office/drawing/2014/main" id="{657EEE0F-CC5B-2B43-AE8F-38D1F86A2DA9}"/>
+                <a16:creationId xmlns="" xmlns:a16="http://schemas.microsoft.com/office/drawing/2014/main" id="{657EEE0F-CC5B-2B43-AE8F-38D1F86A2DA9}"/>
               </a:ext>
             </a:extLst>
           </p:cNvPr>
@@ -4584,7 +5787,7 @@
           <p:cNvPr id="4" name="Text Placeholder 3">
             <a:extLst>
               <a:ext uri="{FF2B5EF4-FFF2-40B4-BE49-F238E27FC236}">
-                <a16:creationId xmlns:a16="http://schemas.microsoft.com/office/drawing/2014/main" id="{F8E8CAFF-306D-5E41-8DA9-FDA5C98164A1}"/>
+                <a16:creationId xmlns="" xmlns:a16="http://schemas.microsoft.com/office/drawing/2014/main" id="{F8E8CAFF-306D-5E41-8DA9-FDA5C98164A1}"/>
               </a:ext>
             </a:extLst>
           </p:cNvPr>
@@ -4655,7 +5858,7 @@
           <p:cNvPr id="5" name="Date Placeholder 4">
             <a:extLst>
               <a:ext uri="{FF2B5EF4-FFF2-40B4-BE49-F238E27FC236}">
-                <a16:creationId xmlns:a16="http://schemas.microsoft.com/office/drawing/2014/main" id="{AAE9D9A4-4D52-BC41-A1B9-DD77611D0FF2}"/>
+                <a16:creationId xmlns="" xmlns:a16="http://schemas.microsoft.com/office/drawing/2014/main" id="{AAE9D9A4-4D52-BC41-A1B9-DD77611D0FF2}"/>
               </a:ext>
             </a:extLst>
           </p:cNvPr>
@@ -4680,7 +5883,7 @@
                 </a:solidFill>
               </a:rPr>
               <a:pPr/>
-              <a:t>7/21/19</a:t>
+              <a:t>7/23/2019</a:t>
             </a:fld>
             <a:endParaRPr lang="en-US">
               <a:solidFill>
@@ -4697,7 +5900,7 @@
           <p:cNvPr id="6" name="Footer Placeholder 5">
             <a:extLst>
               <a:ext uri="{FF2B5EF4-FFF2-40B4-BE49-F238E27FC236}">
-                <a16:creationId xmlns:a16="http://schemas.microsoft.com/office/drawing/2014/main" id="{160B3947-1A9E-8B44-8241-05534D8BA533}"/>
+                <a16:creationId xmlns="" xmlns:a16="http://schemas.microsoft.com/office/drawing/2014/main" id="{160B3947-1A9E-8B44-8241-05534D8BA533}"/>
               </a:ext>
             </a:extLst>
           </p:cNvPr>
@@ -4728,7 +5931,7 @@
           <p:cNvPr id="7" name="Slide Number Placeholder 6">
             <a:extLst>
               <a:ext uri="{FF2B5EF4-FFF2-40B4-BE49-F238E27FC236}">
-                <a16:creationId xmlns:a16="http://schemas.microsoft.com/office/drawing/2014/main" id="{309F5166-E2CE-224F-85A6-FD3F8C984BEB}"/>
+                <a16:creationId xmlns="" xmlns:a16="http://schemas.microsoft.com/office/drawing/2014/main" id="{309F5166-E2CE-224F-85A6-FD3F8C984BEB}"/>
               </a:ext>
             </a:extLst>
           </p:cNvPr>
@@ -4800,7 +6003,7 @@
           <p:cNvPr id="2" name="Title 1">
             <a:extLst>
               <a:ext uri="{FF2B5EF4-FFF2-40B4-BE49-F238E27FC236}">
-                <a16:creationId xmlns:a16="http://schemas.microsoft.com/office/drawing/2014/main" id="{4432885C-6672-4346-939E-B78E664A7B26}"/>
+                <a16:creationId xmlns="" xmlns:a16="http://schemas.microsoft.com/office/drawing/2014/main" id="{4432885C-6672-4346-939E-B78E664A7B26}"/>
               </a:ext>
             </a:extLst>
           </p:cNvPr>
@@ -4828,7 +6031,7 @@
           <p:cNvPr id="3" name="Vertical Text Placeholder 2">
             <a:extLst>
               <a:ext uri="{FF2B5EF4-FFF2-40B4-BE49-F238E27FC236}">
-                <a16:creationId xmlns:a16="http://schemas.microsoft.com/office/drawing/2014/main" id="{BDA4DA7F-E3F9-0746-9D9C-894C6A8DFC1E}"/>
+                <a16:creationId xmlns="" xmlns:a16="http://schemas.microsoft.com/office/drawing/2014/main" id="{BDA4DA7F-E3F9-0746-9D9C-894C6A8DFC1E}"/>
               </a:ext>
             </a:extLst>
           </p:cNvPr>
@@ -4885,7 +6088,7 @@
           <p:cNvPr id="4" name="Date Placeholder 3">
             <a:extLst>
               <a:ext uri="{FF2B5EF4-FFF2-40B4-BE49-F238E27FC236}">
-                <a16:creationId xmlns:a16="http://schemas.microsoft.com/office/drawing/2014/main" id="{6EF8247C-0D18-884E-A6AA-E44CDD82DD9E}"/>
+                <a16:creationId xmlns="" xmlns:a16="http://schemas.microsoft.com/office/drawing/2014/main" id="{6EF8247C-0D18-884E-A6AA-E44CDD82DD9E}"/>
               </a:ext>
             </a:extLst>
           </p:cNvPr>
@@ -4910,7 +6113,7 @@
                 </a:solidFill>
               </a:rPr>
               <a:pPr/>
-              <a:t>7/21/19</a:t>
+              <a:t>7/23/2019</a:t>
             </a:fld>
             <a:endParaRPr lang="en-US">
               <a:solidFill>
@@ -4927,7 +6130,7 @@
           <p:cNvPr id="5" name="Footer Placeholder 4">
             <a:extLst>
               <a:ext uri="{FF2B5EF4-FFF2-40B4-BE49-F238E27FC236}">
-                <a16:creationId xmlns:a16="http://schemas.microsoft.com/office/drawing/2014/main" id="{F5C563AC-83E4-E345-A2F5-5466716A8165}"/>
+                <a16:creationId xmlns="" xmlns:a16="http://schemas.microsoft.com/office/drawing/2014/main" id="{F5C563AC-83E4-E345-A2F5-5466716A8165}"/>
               </a:ext>
             </a:extLst>
           </p:cNvPr>
@@ -4958,7 +6161,7 @@
           <p:cNvPr id="6" name="Slide Number Placeholder 5">
             <a:extLst>
               <a:ext uri="{FF2B5EF4-FFF2-40B4-BE49-F238E27FC236}">
-                <a16:creationId xmlns:a16="http://schemas.microsoft.com/office/drawing/2014/main" id="{38068A58-6F7E-254C-AC82-8F12EE1DAAFE}"/>
+                <a16:creationId xmlns="" xmlns:a16="http://schemas.microsoft.com/office/drawing/2014/main" id="{38068A58-6F7E-254C-AC82-8F12EE1DAAFE}"/>
               </a:ext>
             </a:extLst>
           </p:cNvPr>
@@ -5030,7 +6233,7 @@
           <p:cNvPr id="2" name="Vertical Title 1">
             <a:extLst>
               <a:ext uri="{FF2B5EF4-FFF2-40B4-BE49-F238E27FC236}">
-                <a16:creationId xmlns:a16="http://schemas.microsoft.com/office/drawing/2014/main" id="{C1A04600-2702-B64B-A23E-30949BCD3895}"/>
+                <a16:creationId xmlns="" xmlns:a16="http://schemas.microsoft.com/office/drawing/2014/main" id="{C1A04600-2702-B64B-A23E-30949BCD3895}"/>
               </a:ext>
             </a:extLst>
           </p:cNvPr>
@@ -5063,7 +6266,7 @@
           <p:cNvPr id="3" name="Vertical Text Placeholder 2">
             <a:extLst>
               <a:ext uri="{FF2B5EF4-FFF2-40B4-BE49-F238E27FC236}">
-                <a16:creationId xmlns:a16="http://schemas.microsoft.com/office/drawing/2014/main" id="{E63D1792-67D8-C948-B036-DFB451B42536}"/>
+                <a16:creationId xmlns="" xmlns:a16="http://schemas.microsoft.com/office/drawing/2014/main" id="{E63D1792-67D8-C948-B036-DFB451B42536}"/>
               </a:ext>
             </a:extLst>
           </p:cNvPr>
@@ -5125,7 +6328,7 @@
           <p:cNvPr id="4" name="Date Placeholder 3">
             <a:extLst>
               <a:ext uri="{FF2B5EF4-FFF2-40B4-BE49-F238E27FC236}">
-                <a16:creationId xmlns:a16="http://schemas.microsoft.com/office/drawing/2014/main" id="{C75D1FBA-7E8E-CC4E-A282-E7FAD4EB6BEA}"/>
+                <a16:creationId xmlns="" xmlns:a16="http://schemas.microsoft.com/office/drawing/2014/main" id="{C75D1FBA-7E8E-CC4E-A282-E7FAD4EB6BEA}"/>
               </a:ext>
             </a:extLst>
           </p:cNvPr>
@@ -5150,7 +6353,7 @@
                 </a:solidFill>
               </a:rPr>
               <a:pPr/>
-              <a:t>7/21/19</a:t>
+              <a:t>7/23/2019</a:t>
             </a:fld>
             <a:endParaRPr lang="en-US">
               <a:solidFill>
@@ -5167,7 +6370,7 @@
           <p:cNvPr id="5" name="Footer Placeholder 4">
             <a:extLst>
               <a:ext uri="{FF2B5EF4-FFF2-40B4-BE49-F238E27FC236}">
-                <a16:creationId xmlns:a16="http://schemas.microsoft.com/office/drawing/2014/main" id="{7F890E03-D0EC-3D40-B3A9-7510EF6EFA43}"/>
+                <a16:creationId xmlns="" xmlns:a16="http://schemas.microsoft.com/office/drawing/2014/main" id="{7F890E03-D0EC-3D40-B3A9-7510EF6EFA43}"/>
               </a:ext>
             </a:extLst>
           </p:cNvPr>
@@ -5198,7 +6401,7 @@
           <p:cNvPr id="6" name="Slide Number Placeholder 5">
             <a:extLst>
               <a:ext uri="{FF2B5EF4-FFF2-40B4-BE49-F238E27FC236}">
-                <a16:creationId xmlns:a16="http://schemas.microsoft.com/office/drawing/2014/main" id="{E4BBB185-EA1C-1046-A6AD-C6046CA5D409}"/>
+                <a16:creationId xmlns="" xmlns:a16="http://schemas.microsoft.com/office/drawing/2014/main" id="{E4BBB185-EA1C-1046-A6AD-C6046CA5D409}"/>
               </a:ext>
             </a:extLst>
           </p:cNvPr>
@@ -5270,7 +6473,7 @@
           <p:cNvPr id="2" name="Title 1">
             <a:extLst>
               <a:ext uri="{FF2B5EF4-FFF2-40B4-BE49-F238E27FC236}">
-                <a16:creationId xmlns:a16="http://schemas.microsoft.com/office/drawing/2014/main" id="{9AFA304F-8C73-A84F-865A-C888519B6595}"/>
+                <a16:creationId xmlns="" xmlns:a16="http://schemas.microsoft.com/office/drawing/2014/main" id="{9AFA304F-8C73-A84F-865A-C888519B6595}"/>
               </a:ext>
             </a:extLst>
           </p:cNvPr>
@@ -5307,7 +6510,7 @@
           <p:cNvPr id="3" name="Text Placeholder 2">
             <a:extLst>
               <a:ext uri="{FF2B5EF4-FFF2-40B4-BE49-F238E27FC236}">
-                <a16:creationId xmlns:a16="http://schemas.microsoft.com/office/drawing/2014/main" id="{BF10F821-760D-FC4D-93D7-5B805CFB2496}"/>
+                <a16:creationId xmlns="" xmlns:a16="http://schemas.microsoft.com/office/drawing/2014/main" id="{BF10F821-760D-FC4D-93D7-5B805CFB2496}"/>
               </a:ext>
             </a:extLst>
           </p:cNvPr>
@@ -5432,7 +6635,7 @@
           <p:cNvPr id="4" name="Date Placeholder 3">
             <a:extLst>
               <a:ext uri="{FF2B5EF4-FFF2-40B4-BE49-F238E27FC236}">
-                <a16:creationId xmlns:a16="http://schemas.microsoft.com/office/drawing/2014/main" id="{4C20EAFF-DF32-7F43-9329-1BC78D8FA095}"/>
+                <a16:creationId xmlns="" xmlns:a16="http://schemas.microsoft.com/office/drawing/2014/main" id="{4C20EAFF-DF32-7F43-9329-1BC78D8FA095}"/>
               </a:ext>
             </a:extLst>
           </p:cNvPr>
@@ -5450,7 +6653,7 @@
           <a:p>
             <a:fld id="{F653B730-EB83-3245-BABD-215035390107}" type="datetimeFigureOut">
               <a:rPr lang="en-US" smtClean="0"/>
-              <a:t>7/21/19</a:t>
+              <a:t>7/23/2019</a:t>
             </a:fld>
             <a:endParaRPr lang="en-US"/>
           </a:p>
@@ -5461,7 +6664,7 @@
           <p:cNvPr id="5" name="Footer Placeholder 4">
             <a:extLst>
               <a:ext uri="{FF2B5EF4-FFF2-40B4-BE49-F238E27FC236}">
-                <a16:creationId xmlns:a16="http://schemas.microsoft.com/office/drawing/2014/main" id="{E510FD25-A8F6-B344-B057-A98F143D36E9}"/>
+                <a16:creationId xmlns="" xmlns:a16="http://schemas.microsoft.com/office/drawing/2014/main" id="{E510FD25-A8F6-B344-B057-A98F143D36E9}"/>
               </a:ext>
             </a:extLst>
           </p:cNvPr>
@@ -5486,7 +6689,7 @@
           <p:cNvPr id="6" name="Slide Number Placeholder 5">
             <a:extLst>
               <a:ext uri="{FF2B5EF4-FFF2-40B4-BE49-F238E27FC236}">
-                <a16:creationId xmlns:a16="http://schemas.microsoft.com/office/drawing/2014/main" id="{D082D76D-FF71-C047-8BD4-AC88AC358E2E}"/>
+                <a16:creationId xmlns="" xmlns:a16="http://schemas.microsoft.com/office/drawing/2014/main" id="{D082D76D-FF71-C047-8BD4-AC88AC358E2E}"/>
               </a:ext>
             </a:extLst>
           </p:cNvPr>
@@ -5545,7 +6748,7 @@
           <p:cNvPr id="2" name="Title 1">
             <a:extLst>
               <a:ext uri="{FF2B5EF4-FFF2-40B4-BE49-F238E27FC236}">
-                <a16:creationId xmlns:a16="http://schemas.microsoft.com/office/drawing/2014/main" id="{1395CDD8-1B17-EA4D-999D-63CFE4BCB0CC}"/>
+                <a16:creationId xmlns="" xmlns:a16="http://schemas.microsoft.com/office/drawing/2014/main" id="{1395CDD8-1B17-EA4D-999D-63CFE4BCB0CC}"/>
               </a:ext>
             </a:extLst>
           </p:cNvPr>
@@ -5573,7 +6776,7 @@
           <p:cNvPr id="3" name="Content Placeholder 2">
             <a:extLst>
               <a:ext uri="{FF2B5EF4-FFF2-40B4-BE49-F238E27FC236}">
-                <a16:creationId xmlns:a16="http://schemas.microsoft.com/office/drawing/2014/main" id="{374F3321-7A29-6440-929D-4BAE7AD9A6A8}"/>
+                <a16:creationId xmlns="" xmlns:a16="http://schemas.microsoft.com/office/drawing/2014/main" id="{374F3321-7A29-6440-929D-4BAE7AD9A6A8}"/>
               </a:ext>
             </a:extLst>
           </p:cNvPr>
@@ -5635,7 +6838,7 @@
           <p:cNvPr id="4" name="Content Placeholder 3">
             <a:extLst>
               <a:ext uri="{FF2B5EF4-FFF2-40B4-BE49-F238E27FC236}">
-                <a16:creationId xmlns:a16="http://schemas.microsoft.com/office/drawing/2014/main" id="{3CDCCE09-F6F8-8D4C-992C-678C552563FB}"/>
+                <a16:creationId xmlns="" xmlns:a16="http://schemas.microsoft.com/office/drawing/2014/main" id="{3CDCCE09-F6F8-8D4C-992C-678C552563FB}"/>
               </a:ext>
             </a:extLst>
           </p:cNvPr>
@@ -5697,7 +6900,7 @@
           <p:cNvPr id="5" name="Date Placeholder 4">
             <a:extLst>
               <a:ext uri="{FF2B5EF4-FFF2-40B4-BE49-F238E27FC236}">
-                <a16:creationId xmlns:a16="http://schemas.microsoft.com/office/drawing/2014/main" id="{9D4E3EBA-38E5-1E49-ADC4-BD01B6BC18E9}"/>
+                <a16:creationId xmlns="" xmlns:a16="http://schemas.microsoft.com/office/drawing/2014/main" id="{9D4E3EBA-38E5-1E49-ADC4-BD01B6BC18E9}"/>
               </a:ext>
             </a:extLst>
           </p:cNvPr>
@@ -5715,7 +6918,7 @@
           <a:p>
             <a:fld id="{F653B730-EB83-3245-BABD-215035390107}" type="datetimeFigureOut">
               <a:rPr lang="en-US" smtClean="0"/>
-              <a:t>7/21/19</a:t>
+              <a:t>7/23/2019</a:t>
             </a:fld>
             <a:endParaRPr lang="en-US"/>
           </a:p>
@@ -5726,7 +6929,7 @@
           <p:cNvPr id="6" name="Footer Placeholder 5">
             <a:extLst>
               <a:ext uri="{FF2B5EF4-FFF2-40B4-BE49-F238E27FC236}">
-                <a16:creationId xmlns:a16="http://schemas.microsoft.com/office/drawing/2014/main" id="{D04D3EDD-B073-CB46-8A8A-0D2DF0B907AF}"/>
+                <a16:creationId xmlns="" xmlns:a16="http://schemas.microsoft.com/office/drawing/2014/main" id="{D04D3EDD-B073-CB46-8A8A-0D2DF0B907AF}"/>
               </a:ext>
             </a:extLst>
           </p:cNvPr>
@@ -5751,7 +6954,7 @@
           <p:cNvPr id="7" name="Slide Number Placeholder 6">
             <a:extLst>
               <a:ext uri="{FF2B5EF4-FFF2-40B4-BE49-F238E27FC236}">
-                <a16:creationId xmlns:a16="http://schemas.microsoft.com/office/drawing/2014/main" id="{9E51BF19-DD5C-C241-9EA9-827165E59645}"/>
+                <a16:creationId xmlns="" xmlns:a16="http://schemas.microsoft.com/office/drawing/2014/main" id="{9E51BF19-DD5C-C241-9EA9-827165E59645}"/>
               </a:ext>
             </a:extLst>
           </p:cNvPr>
@@ -5810,7 +7013,7 @@
           <p:cNvPr id="2" name="Title 1">
             <a:extLst>
               <a:ext uri="{FF2B5EF4-FFF2-40B4-BE49-F238E27FC236}">
-                <a16:creationId xmlns:a16="http://schemas.microsoft.com/office/drawing/2014/main" id="{D6601DEE-7209-FC42-8B94-128579D5194C}"/>
+                <a16:creationId xmlns="" xmlns:a16="http://schemas.microsoft.com/office/drawing/2014/main" id="{D6601DEE-7209-FC42-8B94-128579D5194C}"/>
               </a:ext>
             </a:extLst>
           </p:cNvPr>
@@ -5843,7 +7046,7 @@
           <p:cNvPr id="3" name="Text Placeholder 2">
             <a:extLst>
               <a:ext uri="{FF2B5EF4-FFF2-40B4-BE49-F238E27FC236}">
-                <a16:creationId xmlns:a16="http://schemas.microsoft.com/office/drawing/2014/main" id="{24524C63-F2EC-2E45-8E8E-E9BFD2C20B13}"/>
+                <a16:creationId xmlns="" xmlns:a16="http://schemas.microsoft.com/office/drawing/2014/main" id="{24524C63-F2EC-2E45-8E8E-E9BFD2C20B13}"/>
               </a:ext>
             </a:extLst>
           </p:cNvPr>
@@ -5914,7 +7117,7 @@
           <p:cNvPr id="4" name="Content Placeholder 3">
             <a:extLst>
               <a:ext uri="{FF2B5EF4-FFF2-40B4-BE49-F238E27FC236}">
-                <a16:creationId xmlns:a16="http://schemas.microsoft.com/office/drawing/2014/main" id="{B9377A27-D001-AD46-8AD3-E77EC21181D0}"/>
+                <a16:creationId xmlns="" xmlns:a16="http://schemas.microsoft.com/office/drawing/2014/main" id="{B9377A27-D001-AD46-8AD3-E77EC21181D0}"/>
               </a:ext>
             </a:extLst>
           </p:cNvPr>
@@ -5976,7 +7179,7 @@
           <p:cNvPr id="5" name="Text Placeholder 4">
             <a:extLst>
               <a:ext uri="{FF2B5EF4-FFF2-40B4-BE49-F238E27FC236}">
-                <a16:creationId xmlns:a16="http://schemas.microsoft.com/office/drawing/2014/main" id="{BE6378E9-CC81-3D46-9F27-22744230EFB1}"/>
+                <a16:creationId xmlns="" xmlns:a16="http://schemas.microsoft.com/office/drawing/2014/main" id="{BE6378E9-CC81-3D46-9F27-22744230EFB1}"/>
               </a:ext>
             </a:extLst>
           </p:cNvPr>
@@ -6047,7 +7250,7 @@
           <p:cNvPr id="6" name="Content Placeholder 5">
             <a:extLst>
               <a:ext uri="{FF2B5EF4-FFF2-40B4-BE49-F238E27FC236}">
-                <a16:creationId xmlns:a16="http://schemas.microsoft.com/office/drawing/2014/main" id="{A118D6CC-15E1-F743-B611-6D3FCB52906E}"/>
+                <a16:creationId xmlns="" xmlns:a16="http://schemas.microsoft.com/office/drawing/2014/main" id="{A118D6CC-15E1-F743-B611-6D3FCB52906E}"/>
               </a:ext>
             </a:extLst>
           </p:cNvPr>
@@ -6109,7 +7312,7 @@
           <p:cNvPr id="7" name="Date Placeholder 6">
             <a:extLst>
               <a:ext uri="{FF2B5EF4-FFF2-40B4-BE49-F238E27FC236}">
-                <a16:creationId xmlns:a16="http://schemas.microsoft.com/office/drawing/2014/main" id="{49519EB2-E504-C44A-9217-F173817E9E46}"/>
+                <a16:creationId xmlns="" xmlns:a16="http://schemas.microsoft.com/office/drawing/2014/main" id="{49519EB2-E504-C44A-9217-F173817E9E46}"/>
               </a:ext>
             </a:extLst>
           </p:cNvPr>
@@ -6127,7 +7330,7 @@
           <a:p>
             <a:fld id="{F653B730-EB83-3245-BABD-215035390107}" type="datetimeFigureOut">
               <a:rPr lang="en-US" smtClean="0"/>
-              <a:t>7/21/19</a:t>
+              <a:t>7/23/2019</a:t>
             </a:fld>
             <a:endParaRPr lang="en-US"/>
           </a:p>
@@ -6138,7 +7341,7 @@
           <p:cNvPr id="8" name="Footer Placeholder 7">
             <a:extLst>
               <a:ext uri="{FF2B5EF4-FFF2-40B4-BE49-F238E27FC236}">
-                <a16:creationId xmlns:a16="http://schemas.microsoft.com/office/drawing/2014/main" id="{3A62175D-D819-DE43-BAF7-35343A268A7E}"/>
+                <a16:creationId xmlns="" xmlns:a16="http://schemas.microsoft.com/office/drawing/2014/main" id="{3A62175D-D819-DE43-BAF7-35343A268A7E}"/>
               </a:ext>
             </a:extLst>
           </p:cNvPr>
@@ -6163,7 +7366,7 @@
           <p:cNvPr id="9" name="Slide Number Placeholder 8">
             <a:extLst>
               <a:ext uri="{FF2B5EF4-FFF2-40B4-BE49-F238E27FC236}">
-                <a16:creationId xmlns:a16="http://schemas.microsoft.com/office/drawing/2014/main" id="{374768E3-165E-B24C-99DF-68C9CD9707B9}"/>
+                <a16:creationId xmlns="" xmlns:a16="http://schemas.microsoft.com/office/drawing/2014/main" id="{374768E3-165E-B24C-99DF-68C9CD9707B9}"/>
               </a:ext>
             </a:extLst>
           </p:cNvPr>
@@ -6222,7 +7425,7 @@
           <p:cNvPr id="2" name="Title 1">
             <a:extLst>
               <a:ext uri="{FF2B5EF4-FFF2-40B4-BE49-F238E27FC236}">
-                <a16:creationId xmlns:a16="http://schemas.microsoft.com/office/drawing/2014/main" id="{24ACF154-553A-0842-8250-69AE1DDFA0B1}"/>
+                <a16:creationId xmlns="" xmlns:a16="http://schemas.microsoft.com/office/drawing/2014/main" id="{24ACF154-553A-0842-8250-69AE1DDFA0B1}"/>
               </a:ext>
             </a:extLst>
           </p:cNvPr>
@@ -6250,7 +7453,7 @@
           <p:cNvPr id="3" name="Date Placeholder 2">
             <a:extLst>
               <a:ext uri="{FF2B5EF4-FFF2-40B4-BE49-F238E27FC236}">
-                <a16:creationId xmlns:a16="http://schemas.microsoft.com/office/drawing/2014/main" id="{E455EA88-A194-DD49-A98F-8D4844524CC6}"/>
+                <a16:creationId xmlns="" xmlns:a16="http://schemas.microsoft.com/office/drawing/2014/main" id="{E455EA88-A194-DD49-A98F-8D4844524CC6}"/>
               </a:ext>
             </a:extLst>
           </p:cNvPr>
@@ -6268,7 +7471,7 @@
           <a:p>
             <a:fld id="{F653B730-EB83-3245-BABD-215035390107}" type="datetimeFigureOut">
               <a:rPr lang="en-US" smtClean="0"/>
-              <a:t>7/21/19</a:t>
+              <a:t>7/23/2019</a:t>
             </a:fld>
             <a:endParaRPr lang="en-US"/>
           </a:p>
@@ -6279,7 +7482,7 @@
           <p:cNvPr id="4" name="Footer Placeholder 3">
             <a:extLst>
               <a:ext uri="{FF2B5EF4-FFF2-40B4-BE49-F238E27FC236}">
-                <a16:creationId xmlns:a16="http://schemas.microsoft.com/office/drawing/2014/main" id="{DD1AF7F1-D547-8F45-AA47-D2678421A002}"/>
+                <a16:creationId xmlns="" xmlns:a16="http://schemas.microsoft.com/office/drawing/2014/main" id="{DD1AF7F1-D547-8F45-AA47-D2678421A002}"/>
               </a:ext>
             </a:extLst>
           </p:cNvPr>
@@ -6304,7 +7507,7 @@
           <p:cNvPr id="5" name="Slide Number Placeholder 4">
             <a:extLst>
               <a:ext uri="{FF2B5EF4-FFF2-40B4-BE49-F238E27FC236}">
-                <a16:creationId xmlns:a16="http://schemas.microsoft.com/office/drawing/2014/main" id="{83A52784-B347-6644-8F8F-84283F3A8F26}"/>
+                <a16:creationId xmlns="" xmlns:a16="http://schemas.microsoft.com/office/drawing/2014/main" id="{83A52784-B347-6644-8F8F-84283F3A8F26}"/>
               </a:ext>
             </a:extLst>
           </p:cNvPr>
@@ -6363,7 +7566,7 @@
           <p:cNvPr id="2" name="Date Placeholder 1">
             <a:extLst>
               <a:ext uri="{FF2B5EF4-FFF2-40B4-BE49-F238E27FC236}">
-                <a16:creationId xmlns:a16="http://schemas.microsoft.com/office/drawing/2014/main" id="{0A1E871A-A696-F348-A454-199841AF78BA}"/>
+                <a16:creationId xmlns="" xmlns:a16="http://schemas.microsoft.com/office/drawing/2014/main" id="{0A1E871A-A696-F348-A454-199841AF78BA}"/>
               </a:ext>
             </a:extLst>
           </p:cNvPr>
@@ -6381,7 +7584,7 @@
           <a:p>
             <a:fld id="{F653B730-EB83-3245-BABD-215035390107}" type="datetimeFigureOut">
               <a:rPr lang="en-US" smtClean="0"/>
-              <a:t>7/21/19</a:t>
+              <a:t>7/23/2019</a:t>
             </a:fld>
             <a:endParaRPr lang="en-US"/>
           </a:p>
@@ -6392,7 +7595,7 @@
           <p:cNvPr id="3" name="Footer Placeholder 2">
             <a:extLst>
               <a:ext uri="{FF2B5EF4-FFF2-40B4-BE49-F238E27FC236}">
-                <a16:creationId xmlns:a16="http://schemas.microsoft.com/office/drawing/2014/main" id="{09043BFF-5695-1840-B967-344E168E556F}"/>
+                <a16:creationId xmlns="" xmlns:a16="http://schemas.microsoft.com/office/drawing/2014/main" id="{09043BFF-5695-1840-B967-344E168E556F}"/>
               </a:ext>
             </a:extLst>
           </p:cNvPr>
@@ -6417,7 +7620,7 @@
           <p:cNvPr id="4" name="Slide Number Placeholder 3">
             <a:extLst>
               <a:ext uri="{FF2B5EF4-FFF2-40B4-BE49-F238E27FC236}">
-                <a16:creationId xmlns:a16="http://schemas.microsoft.com/office/drawing/2014/main" id="{3DA1D920-6578-2E41-AB23-EA922CF7CA6C}"/>
+                <a16:creationId xmlns="" xmlns:a16="http://schemas.microsoft.com/office/drawing/2014/main" id="{3DA1D920-6578-2E41-AB23-EA922CF7CA6C}"/>
               </a:ext>
             </a:extLst>
           </p:cNvPr>
@@ -6476,7 +7679,7 @@
           <p:cNvPr id="2" name="Title 1">
             <a:extLst>
               <a:ext uri="{FF2B5EF4-FFF2-40B4-BE49-F238E27FC236}">
-                <a16:creationId xmlns:a16="http://schemas.microsoft.com/office/drawing/2014/main" id="{0477BE22-B236-AE4F-8400-6B1B75FEC947}"/>
+                <a16:creationId xmlns="" xmlns:a16="http://schemas.microsoft.com/office/drawing/2014/main" id="{0477BE22-B236-AE4F-8400-6B1B75FEC947}"/>
               </a:ext>
             </a:extLst>
           </p:cNvPr>
@@ -6513,7 +7716,7 @@
           <p:cNvPr id="3" name="Content Placeholder 2">
             <a:extLst>
               <a:ext uri="{FF2B5EF4-FFF2-40B4-BE49-F238E27FC236}">
-                <a16:creationId xmlns:a16="http://schemas.microsoft.com/office/drawing/2014/main" id="{2670497D-98E0-8E43-B0BA-2824A636F378}"/>
+                <a16:creationId xmlns="" xmlns:a16="http://schemas.microsoft.com/office/drawing/2014/main" id="{2670497D-98E0-8E43-B0BA-2824A636F378}"/>
               </a:ext>
             </a:extLst>
           </p:cNvPr>
@@ -6603,7 +7806,7 @@
           <p:cNvPr id="4" name="Text Placeholder 3">
             <a:extLst>
               <a:ext uri="{FF2B5EF4-FFF2-40B4-BE49-F238E27FC236}">
-                <a16:creationId xmlns:a16="http://schemas.microsoft.com/office/drawing/2014/main" id="{4FF74419-D43F-F749-914E-19003678E326}"/>
+                <a16:creationId xmlns="" xmlns:a16="http://schemas.microsoft.com/office/drawing/2014/main" id="{4FF74419-D43F-F749-914E-19003678E326}"/>
               </a:ext>
             </a:extLst>
           </p:cNvPr>
@@ -6674,7 +7877,7 @@
           <p:cNvPr id="5" name="Date Placeholder 4">
             <a:extLst>
               <a:ext uri="{FF2B5EF4-FFF2-40B4-BE49-F238E27FC236}">
-                <a16:creationId xmlns:a16="http://schemas.microsoft.com/office/drawing/2014/main" id="{4A624C88-3969-704A-AB0A-83FF135AB83F}"/>
+                <a16:creationId xmlns="" xmlns:a16="http://schemas.microsoft.com/office/drawing/2014/main" id="{4A624C88-3969-704A-AB0A-83FF135AB83F}"/>
               </a:ext>
             </a:extLst>
           </p:cNvPr>
@@ -6692,7 +7895,7 @@
           <a:p>
             <a:fld id="{F653B730-EB83-3245-BABD-215035390107}" type="datetimeFigureOut">
               <a:rPr lang="en-US" smtClean="0"/>
-              <a:t>7/21/19</a:t>
+              <a:t>7/23/2019</a:t>
             </a:fld>
             <a:endParaRPr lang="en-US"/>
           </a:p>
@@ -6703,7 +7906,7 @@
           <p:cNvPr id="6" name="Footer Placeholder 5">
             <a:extLst>
               <a:ext uri="{FF2B5EF4-FFF2-40B4-BE49-F238E27FC236}">
-                <a16:creationId xmlns:a16="http://schemas.microsoft.com/office/drawing/2014/main" id="{6D378B35-3A0C-D44F-91B2-E9D6E8252D7E}"/>
+                <a16:creationId xmlns="" xmlns:a16="http://schemas.microsoft.com/office/drawing/2014/main" id="{6D378B35-3A0C-D44F-91B2-E9D6E8252D7E}"/>
               </a:ext>
             </a:extLst>
           </p:cNvPr>
@@ -6728,7 +7931,7 @@
           <p:cNvPr id="7" name="Slide Number Placeholder 6">
             <a:extLst>
               <a:ext uri="{FF2B5EF4-FFF2-40B4-BE49-F238E27FC236}">
-                <a16:creationId xmlns:a16="http://schemas.microsoft.com/office/drawing/2014/main" id="{20B45176-C462-9549-8A63-1466FEDD0390}"/>
+                <a16:creationId xmlns="" xmlns:a16="http://schemas.microsoft.com/office/drawing/2014/main" id="{20B45176-C462-9549-8A63-1466FEDD0390}"/>
               </a:ext>
             </a:extLst>
           </p:cNvPr>
@@ -6787,7 +7990,7 @@
           <p:cNvPr id="2" name="Title 1">
             <a:extLst>
               <a:ext uri="{FF2B5EF4-FFF2-40B4-BE49-F238E27FC236}">
-                <a16:creationId xmlns:a16="http://schemas.microsoft.com/office/drawing/2014/main" id="{D6BE21B2-77B9-D24D-A7BB-1DB757ACCC81}"/>
+                <a16:creationId xmlns="" xmlns:a16="http://schemas.microsoft.com/office/drawing/2014/main" id="{D6BE21B2-77B9-D24D-A7BB-1DB757ACCC81}"/>
               </a:ext>
             </a:extLst>
           </p:cNvPr>
@@ -6824,7 +8027,7 @@
           <p:cNvPr id="3" name="Picture Placeholder 2">
             <a:extLst>
               <a:ext uri="{FF2B5EF4-FFF2-40B4-BE49-F238E27FC236}">
-                <a16:creationId xmlns:a16="http://schemas.microsoft.com/office/drawing/2014/main" id="{4DFC1055-3E84-974A-A49B-CF7BB0EC27A5}"/>
+                <a16:creationId xmlns="" xmlns:a16="http://schemas.microsoft.com/office/drawing/2014/main" id="{4DFC1055-3E84-974A-A49B-CF7BB0EC27A5}"/>
               </a:ext>
             </a:extLst>
           </p:cNvPr>
@@ -6891,7 +8094,7 @@
           <p:cNvPr id="4" name="Text Placeholder 3">
             <a:extLst>
               <a:ext uri="{FF2B5EF4-FFF2-40B4-BE49-F238E27FC236}">
-                <a16:creationId xmlns:a16="http://schemas.microsoft.com/office/drawing/2014/main" id="{19979FBE-0E42-564D-B8F9-F83B35B33109}"/>
+                <a16:creationId xmlns="" xmlns:a16="http://schemas.microsoft.com/office/drawing/2014/main" id="{19979FBE-0E42-564D-B8F9-F83B35B33109}"/>
               </a:ext>
             </a:extLst>
           </p:cNvPr>
@@ -6962,7 +8165,7 @@
           <p:cNvPr id="5" name="Date Placeholder 4">
             <a:extLst>
               <a:ext uri="{FF2B5EF4-FFF2-40B4-BE49-F238E27FC236}">
-                <a16:creationId xmlns:a16="http://schemas.microsoft.com/office/drawing/2014/main" id="{717E18D6-2584-8F4B-80CA-7DBAFFB8CD75}"/>
+                <a16:creationId xmlns="" xmlns:a16="http://schemas.microsoft.com/office/drawing/2014/main" id="{717E18D6-2584-8F4B-80CA-7DBAFFB8CD75}"/>
               </a:ext>
             </a:extLst>
           </p:cNvPr>
@@ -6980,7 +8183,7 @@
           <a:p>
             <a:fld id="{F653B730-EB83-3245-BABD-215035390107}" type="datetimeFigureOut">
               <a:rPr lang="en-US" smtClean="0"/>
-              <a:t>7/21/19</a:t>
+              <a:t>7/23/2019</a:t>
             </a:fld>
             <a:endParaRPr lang="en-US"/>
           </a:p>
@@ -6991,7 +8194,7 @@
           <p:cNvPr id="6" name="Footer Placeholder 5">
             <a:extLst>
               <a:ext uri="{FF2B5EF4-FFF2-40B4-BE49-F238E27FC236}">
-                <a16:creationId xmlns:a16="http://schemas.microsoft.com/office/drawing/2014/main" id="{CCF8CC42-CB75-0043-8EDD-10D2DDAE04F3}"/>
+                <a16:creationId xmlns="" xmlns:a16="http://schemas.microsoft.com/office/drawing/2014/main" id="{CCF8CC42-CB75-0043-8EDD-10D2DDAE04F3}"/>
               </a:ext>
             </a:extLst>
           </p:cNvPr>
@@ -7016,7 +8219,7 @@
           <p:cNvPr id="7" name="Slide Number Placeholder 6">
             <a:extLst>
               <a:ext uri="{FF2B5EF4-FFF2-40B4-BE49-F238E27FC236}">
-                <a16:creationId xmlns:a16="http://schemas.microsoft.com/office/drawing/2014/main" id="{F2503906-BF11-344A-AC80-0E1F13EB2B55}"/>
+                <a16:creationId xmlns="" xmlns:a16="http://schemas.microsoft.com/office/drawing/2014/main" id="{F2503906-BF11-344A-AC80-0E1F13EB2B55}"/>
               </a:ext>
             </a:extLst>
           </p:cNvPr>
@@ -7080,7 +8283,7 @@
           <p:cNvPr id="2" name="Title Placeholder 1">
             <a:extLst>
               <a:ext uri="{FF2B5EF4-FFF2-40B4-BE49-F238E27FC236}">
-                <a16:creationId xmlns:a16="http://schemas.microsoft.com/office/drawing/2014/main" id="{26DC754E-B02C-9B4C-959E-59C948319491}"/>
+                <a16:creationId xmlns="" xmlns:a16="http://schemas.microsoft.com/office/drawing/2014/main" id="{26DC754E-B02C-9B4C-959E-59C948319491}"/>
               </a:ext>
             </a:extLst>
           </p:cNvPr>
@@ -7118,7 +8321,7 @@
           <p:cNvPr id="3" name="Text Placeholder 2">
             <a:extLst>
               <a:ext uri="{FF2B5EF4-FFF2-40B4-BE49-F238E27FC236}">
-                <a16:creationId xmlns:a16="http://schemas.microsoft.com/office/drawing/2014/main" id="{678377D5-7E6A-4F44-905B-76571FC9FE11}"/>
+                <a16:creationId xmlns="" xmlns:a16="http://schemas.microsoft.com/office/drawing/2014/main" id="{678377D5-7E6A-4F44-905B-76571FC9FE11}"/>
               </a:ext>
             </a:extLst>
           </p:cNvPr>
@@ -7185,7 +8388,7 @@
           <p:cNvPr id="4" name="Date Placeholder 3">
             <a:extLst>
               <a:ext uri="{FF2B5EF4-FFF2-40B4-BE49-F238E27FC236}">
-                <a16:creationId xmlns:a16="http://schemas.microsoft.com/office/drawing/2014/main" id="{51439DDC-967C-E84E-99B5-460849E52161}"/>
+                <a16:creationId xmlns="" xmlns:a16="http://schemas.microsoft.com/office/drawing/2014/main" id="{51439DDC-967C-E84E-99B5-460849E52161}"/>
               </a:ext>
             </a:extLst>
           </p:cNvPr>
@@ -7221,7 +8424,7 @@
           <a:p>
             <a:fld id="{F653B730-EB83-3245-BABD-215035390107}" type="datetimeFigureOut">
               <a:rPr lang="en-US" smtClean="0"/>
-              <a:t>7/21/19</a:t>
+              <a:t>7/23/2019</a:t>
             </a:fld>
             <a:endParaRPr lang="en-US"/>
           </a:p>
@@ -7232,7 +8435,7 @@
           <p:cNvPr id="5" name="Footer Placeholder 4">
             <a:extLst>
               <a:ext uri="{FF2B5EF4-FFF2-40B4-BE49-F238E27FC236}">
-                <a16:creationId xmlns:a16="http://schemas.microsoft.com/office/drawing/2014/main" id="{C3907B65-1A43-4648-95EC-02B6735B7A5A}"/>
+                <a16:creationId xmlns="" xmlns:a16="http://schemas.microsoft.com/office/drawing/2014/main" id="{C3907B65-1A43-4648-95EC-02B6735B7A5A}"/>
               </a:ext>
             </a:extLst>
           </p:cNvPr>
@@ -7275,7 +8478,7 @@
           <p:cNvPr id="6" name="Slide Number Placeholder 5">
             <a:extLst>
               <a:ext uri="{FF2B5EF4-FFF2-40B4-BE49-F238E27FC236}">
-                <a16:creationId xmlns:a16="http://schemas.microsoft.com/office/drawing/2014/main" id="{1BD35166-EAD8-CC4D-B9D4-6005A85E1848}"/>
+                <a16:creationId xmlns="" xmlns:a16="http://schemas.microsoft.com/office/drawing/2014/main" id="{1BD35166-EAD8-CC4D-B9D4-6005A85E1848}"/>
               </a:ext>
             </a:extLst>
           </p:cNvPr>
@@ -7648,7 +8851,7 @@
           <p:cNvPr id="2" name="Title Placeholder 1">
             <a:extLst>
               <a:ext uri="{FF2B5EF4-FFF2-40B4-BE49-F238E27FC236}">
-                <a16:creationId xmlns:a16="http://schemas.microsoft.com/office/drawing/2014/main" id="{7A1260AB-78F3-304F-A530-43B29E6E014B}"/>
+                <a16:creationId xmlns="" xmlns:a16="http://schemas.microsoft.com/office/drawing/2014/main" id="{7A1260AB-78F3-304F-A530-43B29E6E014B}"/>
               </a:ext>
             </a:extLst>
           </p:cNvPr>
@@ -7686,7 +8889,7 @@
           <p:cNvPr id="3" name="Text Placeholder 2">
             <a:extLst>
               <a:ext uri="{FF2B5EF4-FFF2-40B4-BE49-F238E27FC236}">
-                <a16:creationId xmlns:a16="http://schemas.microsoft.com/office/drawing/2014/main" id="{8F4A4323-7D0A-FD43-938B-3C3D08B9A93B}"/>
+                <a16:creationId xmlns="" xmlns:a16="http://schemas.microsoft.com/office/drawing/2014/main" id="{8F4A4323-7D0A-FD43-938B-3C3D08B9A93B}"/>
               </a:ext>
             </a:extLst>
           </p:cNvPr>
@@ -7753,7 +8956,7 @@
           <p:cNvPr id="4" name="Date Placeholder 3">
             <a:extLst>
               <a:ext uri="{FF2B5EF4-FFF2-40B4-BE49-F238E27FC236}">
-                <a16:creationId xmlns:a16="http://schemas.microsoft.com/office/drawing/2014/main" id="{6AA82BF6-F3E9-BD46-A1A6-3F29B5D3DC12}"/>
+                <a16:creationId xmlns="" xmlns:a16="http://schemas.microsoft.com/office/drawing/2014/main" id="{6AA82BF6-F3E9-BD46-A1A6-3F29B5D3DC12}"/>
               </a:ext>
             </a:extLst>
           </p:cNvPr>
@@ -7797,7 +9000,7 @@
                 </a:solidFill>
               </a:rPr>
               <a:pPr latinLnBrk="0"/>
-              <a:t>7/21/19</a:t>
+              <a:t>7/23/2019</a:t>
             </a:fld>
             <a:endParaRPr lang="en-US">
               <a:solidFill>
@@ -7814,7 +9017,7 @@
           <p:cNvPr id="5" name="Footer Placeholder 4">
             <a:extLst>
               <a:ext uri="{FF2B5EF4-FFF2-40B4-BE49-F238E27FC236}">
-                <a16:creationId xmlns:a16="http://schemas.microsoft.com/office/drawing/2014/main" id="{EAF489D9-E288-A349-A83A-9171F5E9BF36}"/>
+                <a16:creationId xmlns="" xmlns:a16="http://schemas.microsoft.com/office/drawing/2014/main" id="{EAF489D9-E288-A349-A83A-9171F5E9BF36}"/>
               </a:ext>
             </a:extLst>
           </p:cNvPr>
@@ -7864,7 +9067,7 @@
           <p:cNvPr id="6" name="Slide Number Placeholder 5">
             <a:extLst>
               <a:ext uri="{FF2B5EF4-FFF2-40B4-BE49-F238E27FC236}">
-                <a16:creationId xmlns:a16="http://schemas.microsoft.com/office/drawing/2014/main" id="{18DE39B7-04F6-7B42-A633-26040D06496F}"/>
+                <a16:creationId xmlns="" xmlns:a16="http://schemas.microsoft.com/office/drawing/2014/main" id="{18DE39B7-04F6-7B42-A633-26040D06496F}"/>
               </a:ext>
             </a:extLst>
           </p:cNvPr>
@@ -8257,10 +9460,10 @@
           <p:cNvPr id="8" name="Group 7">
             <a:extLst>
               <a:ext uri="{FF2B5EF4-FFF2-40B4-BE49-F238E27FC236}">
-                <a16:creationId xmlns:a16="http://schemas.microsoft.com/office/drawing/2014/main" id="{D2C4BFA1-2075-4901-9E24-E41D1FDD51FD}"/>
+                <a16:creationId xmlns="" xmlns:a16="http://schemas.microsoft.com/office/drawing/2014/main" id="{D2C4BFA1-2075-4901-9E24-E41D1FDD51FD}"/>
               </a:ext>
               <a:ext uri="{C183D7F6-B498-43B3-948B-1728B52AA6E4}">
-                <adec:decorative xmlns:adec="http://schemas.microsoft.com/office/drawing/2017/decorative" val="1"/>
+                <adec:decorative xmlns="" xmlns:adec="http://schemas.microsoft.com/office/drawing/2017/decorative" val="1"/>
               </a:ext>
             </a:extLst>
           </p:cNvPr>
@@ -8270,7 +9473,7 @@
           <p:nvPr>
             <p:extLst>
               <p:ext uri="{386F3935-93C4-4BCD-93E2-E3B085C9AB24}">
-                <p16:designElem xmlns:p16="http://schemas.microsoft.com/office/powerpoint/2015/main" val="1"/>
+                <p16:designElem xmlns="" xmlns:p16="http://schemas.microsoft.com/office/powerpoint/2015/main" val="1"/>
               </p:ext>
             </p:extLst>
           </p:nvPr>
@@ -8288,10 +9491,10 @@
             <p:cNvPr id="9" name="Oval 5">
               <a:extLst>
                 <a:ext uri="{FF2B5EF4-FFF2-40B4-BE49-F238E27FC236}">
-                  <a16:creationId xmlns:a16="http://schemas.microsoft.com/office/drawing/2014/main" id="{985A7375-E3AF-4F5C-85AE-17E8832952CA}"/>
+                  <a16:creationId xmlns="" xmlns:a16="http://schemas.microsoft.com/office/drawing/2014/main" id="{985A7375-E3AF-4F5C-85AE-17E8832952CA}"/>
                 </a:ext>
                 <a:ext uri="{C183D7F6-B498-43B3-948B-1728B52AA6E4}">
-                  <adec:decorative xmlns:adec="http://schemas.microsoft.com/office/drawing/2017/decorative" val="1"/>
+                  <adec:decorative xmlns="" xmlns:adec="http://schemas.microsoft.com/office/drawing/2017/decorative" val="1"/>
                 </a:ext>
               </a:extLst>
             </p:cNvPr>
@@ -8301,7 +9504,7 @@
             <p:nvPr>
               <p:extLst>
                 <p:ext uri="{386F3935-93C4-4BCD-93E2-E3B085C9AB24}">
-                  <p16:designElem xmlns:p16="http://schemas.microsoft.com/office/powerpoint/2015/main" val="1"/>
+                  <p16:designElem xmlns="" xmlns:p16="http://schemas.microsoft.com/office/powerpoint/2015/main" val="1"/>
                 </p:ext>
               </p:extLst>
             </p:nvPr>
@@ -8329,10 +9532,10 @@
             <p:cNvPr id="10" name="Oval 9">
               <a:extLst>
                 <a:ext uri="{FF2B5EF4-FFF2-40B4-BE49-F238E27FC236}">
-                  <a16:creationId xmlns:a16="http://schemas.microsoft.com/office/drawing/2014/main" id="{F0307F65-8304-4FA8-A841-D4D7625411BE}"/>
+                  <a16:creationId xmlns="" xmlns:a16="http://schemas.microsoft.com/office/drawing/2014/main" id="{F0307F65-8304-4FA8-A841-D4D7625411BE}"/>
                 </a:ext>
                 <a:ext uri="{C183D7F6-B498-43B3-948B-1728B52AA6E4}">
-                  <adec:decorative xmlns:adec="http://schemas.microsoft.com/office/drawing/2017/decorative" val="1"/>
+                  <adec:decorative xmlns="" xmlns:adec="http://schemas.microsoft.com/office/drawing/2017/decorative" val="1"/>
                 </a:ext>
               </a:extLst>
             </p:cNvPr>
@@ -8342,7 +9545,7 @@
             <p:nvPr>
               <p:extLst>
                 <p:ext uri="{386F3935-93C4-4BCD-93E2-E3B085C9AB24}">
-                  <p16:designElem xmlns:p16="http://schemas.microsoft.com/office/powerpoint/2015/main" val="1"/>
+                  <p16:designElem xmlns="" xmlns:p16="http://schemas.microsoft.com/office/powerpoint/2015/main" val="1"/>
                 </p:ext>
               </p:extLst>
             </p:nvPr>
@@ -8370,10 +9573,10 @@
             <p:cNvPr id="11" name="Oval 5">
               <a:extLst>
                 <a:ext uri="{FF2B5EF4-FFF2-40B4-BE49-F238E27FC236}">
-                  <a16:creationId xmlns:a16="http://schemas.microsoft.com/office/drawing/2014/main" id="{C8B8394C-136F-4E05-A002-D93A5E79CD50}"/>
+                  <a16:creationId xmlns="" xmlns:a16="http://schemas.microsoft.com/office/drawing/2014/main" id="{C8B8394C-136F-4E05-A002-D93A5E79CD50}"/>
                 </a:ext>
                 <a:ext uri="{C183D7F6-B498-43B3-948B-1728B52AA6E4}">
-                  <adec:decorative xmlns:adec="http://schemas.microsoft.com/office/drawing/2017/decorative" val="1"/>
+                  <adec:decorative xmlns="" xmlns:adec="http://schemas.microsoft.com/office/drawing/2017/decorative" val="1"/>
                 </a:ext>
               </a:extLst>
             </p:cNvPr>
@@ -8383,7 +9586,7 @@
             <p:nvPr>
               <p:extLst>
                 <p:ext uri="{386F3935-93C4-4BCD-93E2-E3B085C9AB24}">
-                  <p16:designElem xmlns:p16="http://schemas.microsoft.com/office/powerpoint/2015/main" val="1"/>
+                  <p16:designElem xmlns="" xmlns:p16="http://schemas.microsoft.com/office/powerpoint/2015/main" val="1"/>
                 </p:ext>
               </p:extLst>
             </p:nvPr>
@@ -8412,7 +9615,7 @@
           <p:cNvPr id="3" name="Subtitle 2">
             <a:extLst>
               <a:ext uri="{FF2B5EF4-FFF2-40B4-BE49-F238E27FC236}">
-                <a16:creationId xmlns:a16="http://schemas.microsoft.com/office/drawing/2014/main" id="{B4EBBCEE-B339-2844-9D7E-458B2CBC4223}"/>
+                <a16:creationId xmlns="" xmlns:a16="http://schemas.microsoft.com/office/drawing/2014/main" id="{B4EBBCEE-B339-2844-9D7E-458B2CBC4223}"/>
               </a:ext>
             </a:extLst>
           </p:cNvPr>
@@ -8447,10 +9650,10 @@
           <p:cNvPr id="13" name="Rectangle 12">
             <a:extLst>
               <a:ext uri="{FF2B5EF4-FFF2-40B4-BE49-F238E27FC236}">
-                <a16:creationId xmlns:a16="http://schemas.microsoft.com/office/drawing/2014/main" id="{053FB2EE-284F-4C87-AB3D-BBF87A9FAB97}"/>
+                <a16:creationId xmlns="" xmlns:a16="http://schemas.microsoft.com/office/drawing/2014/main" id="{053FB2EE-284F-4C87-AB3D-BBF87A9FAB97}"/>
               </a:ext>
               <a:ext uri="{C183D7F6-B498-43B3-948B-1728B52AA6E4}">
-                <adec:decorative xmlns:adec="http://schemas.microsoft.com/office/drawing/2017/decorative" val="1"/>
+                <adec:decorative xmlns="" xmlns:adec="http://schemas.microsoft.com/office/drawing/2017/decorative" val="1"/>
               </a:ext>
             </a:extLst>
           </p:cNvPr>
@@ -8460,7 +9663,7 @@
           <p:nvPr>
             <p:extLst>
               <p:ext uri="{386F3935-93C4-4BCD-93E2-E3B085C9AB24}">
-                <p16:designElem xmlns:p16="http://schemas.microsoft.com/office/powerpoint/2015/main" val="1"/>
+                <p16:designElem xmlns="" xmlns:p16="http://schemas.microsoft.com/office/powerpoint/2015/main" val="1"/>
               </p:ext>
             </p:extLst>
           </p:nvPr>
@@ -8502,7 +9705,7 @@
           <p:cNvPr id="2" name="Title 1">
             <a:extLst>
               <a:ext uri="{FF2B5EF4-FFF2-40B4-BE49-F238E27FC236}">
-                <a16:creationId xmlns:a16="http://schemas.microsoft.com/office/drawing/2014/main" id="{236C9878-CAD8-4243-BDC9-739F1A6E87F1}"/>
+                <a16:creationId xmlns="" xmlns:a16="http://schemas.microsoft.com/office/drawing/2014/main" id="{236C9878-CAD8-4243-BDC9-739F1A6E87F1}"/>
               </a:ext>
             </a:extLst>
           </p:cNvPr>
@@ -8597,10 +9800,10 @@
           <p:cNvPr id="14" name="Freeform: Shape 6">
             <a:extLst>
               <a:ext uri="{FF2B5EF4-FFF2-40B4-BE49-F238E27FC236}">
-                <a16:creationId xmlns:a16="http://schemas.microsoft.com/office/drawing/2014/main" id="{66B332A4-D438-4773-A77F-5ED49A448D9D}"/>
+                <a16:creationId xmlns="" xmlns:a16="http://schemas.microsoft.com/office/drawing/2014/main" id="{66B332A4-D438-4773-A77F-5ED49A448D9D}"/>
               </a:ext>
               <a:ext uri="{C183D7F6-B498-43B3-948B-1728B52AA6E4}">
-                <adec:decorative xmlns:adec="http://schemas.microsoft.com/office/drawing/2017/decorative" val="1"/>
+                <adec:decorative xmlns="" xmlns:adec="http://schemas.microsoft.com/office/drawing/2017/decorative" val="1"/>
               </a:ext>
             </a:extLst>
           </p:cNvPr>
@@ -8610,7 +9813,7 @@
           <p:nvPr>
             <p:extLst>
               <p:ext uri="{386F3935-93C4-4BCD-93E2-E3B085C9AB24}">
-                <p16:designElem xmlns:p16="http://schemas.microsoft.com/office/powerpoint/2015/main" val="1"/>
+                <p16:designElem xmlns="" xmlns:p16="http://schemas.microsoft.com/office/powerpoint/2015/main" val="1"/>
               </p:ext>
             </p:extLst>
           </p:nvPr>
@@ -8792,10 +9995,10 @@
           <p:cNvPr id="9" name="Freeform: Shape 8">
             <a:extLst>
               <a:ext uri="{FF2B5EF4-FFF2-40B4-BE49-F238E27FC236}">
-                <a16:creationId xmlns:a16="http://schemas.microsoft.com/office/drawing/2014/main" id="{DF9AD32D-FF05-44F4-BD4D-9CEE89B71EB9}"/>
+                <a16:creationId xmlns="" xmlns:a16="http://schemas.microsoft.com/office/drawing/2014/main" id="{DF9AD32D-FF05-44F4-BD4D-9CEE89B71EB9}"/>
               </a:ext>
               <a:ext uri="{C183D7F6-B498-43B3-948B-1728B52AA6E4}">
-                <adec:decorative xmlns:adec="http://schemas.microsoft.com/office/drawing/2017/decorative" val="1"/>
+                <adec:decorative xmlns="" xmlns:adec="http://schemas.microsoft.com/office/drawing/2017/decorative" val="1"/>
               </a:ext>
             </a:extLst>
           </p:cNvPr>
@@ -8805,7 +10008,7 @@
           <p:nvPr>
             <p:extLst>
               <p:ext uri="{386F3935-93C4-4BCD-93E2-E3B085C9AB24}">
-                <p16:designElem xmlns:p16="http://schemas.microsoft.com/office/powerpoint/2015/main" val="1"/>
+                <p16:designElem xmlns="" xmlns:p16="http://schemas.microsoft.com/office/powerpoint/2015/main" val="1"/>
               </p:ext>
             </p:extLst>
           </p:nvPr>
@@ -8985,7 +10188,7 @@
           <p:cNvPr id="2" name="Title 1">
             <a:extLst>
               <a:ext uri="{FF2B5EF4-FFF2-40B4-BE49-F238E27FC236}">
-                <a16:creationId xmlns:a16="http://schemas.microsoft.com/office/drawing/2014/main" id="{274E1C16-F123-834E-B55E-86A3508FBA7D}"/>
+                <a16:creationId xmlns="" xmlns:a16="http://schemas.microsoft.com/office/drawing/2014/main" id="{274E1C16-F123-834E-B55E-86A3508FBA7D}"/>
               </a:ext>
             </a:extLst>
           </p:cNvPr>
@@ -9065,10 +10268,10 @@
           <p:cNvPr id="9" name="Rectangle 8">
             <a:extLst>
               <a:ext uri="{FF2B5EF4-FFF2-40B4-BE49-F238E27FC236}">
-                <a16:creationId xmlns:a16="http://schemas.microsoft.com/office/drawing/2014/main" id="{A4AC5506-6312-4701-8D3C-40187889A947}"/>
+                <a16:creationId xmlns="" xmlns:a16="http://schemas.microsoft.com/office/drawing/2014/main" id="{A4AC5506-6312-4701-8D3C-40187889A947}"/>
               </a:ext>
               <a:ext uri="{C183D7F6-B498-43B3-948B-1728B52AA6E4}">
-                <adec:decorative xmlns:adec="http://schemas.microsoft.com/office/drawing/2017/decorative" val="1"/>
+                <adec:decorative xmlns="" xmlns:adec="http://schemas.microsoft.com/office/drawing/2017/decorative" val="1"/>
               </a:ext>
             </a:extLst>
           </p:cNvPr>
@@ -9078,7 +10281,7 @@
           <p:nvPr>
             <p:extLst>
               <p:ext uri="{386F3935-93C4-4BCD-93E2-E3B085C9AB24}">
-                <p16:designElem xmlns:p16="http://schemas.microsoft.com/office/powerpoint/2015/main" val="1"/>
+                <p16:designElem xmlns="" xmlns:p16="http://schemas.microsoft.com/office/powerpoint/2015/main" val="1"/>
               </p:ext>
             </p:extLst>
           </p:nvPr>
@@ -9157,7 +10360,7 @@
           <p:cNvPr id="2" name="Title 1">
             <a:extLst>
               <a:ext uri="{FF2B5EF4-FFF2-40B4-BE49-F238E27FC236}">
-                <a16:creationId xmlns:a16="http://schemas.microsoft.com/office/drawing/2014/main" id="{27B10F59-CFDE-1046-B60C-7BC6112950C1}"/>
+                <a16:creationId xmlns="" xmlns:a16="http://schemas.microsoft.com/office/drawing/2014/main" id="{27B10F59-CFDE-1046-B60C-7BC6112950C1}"/>
               </a:ext>
             </a:extLst>
           </p:cNvPr>
@@ -9202,7 +10405,7 @@
           <p:cNvPr id="3" name="TextBox 2">
             <a:extLst>
               <a:ext uri="{FF2B5EF4-FFF2-40B4-BE49-F238E27FC236}">
-                <a16:creationId xmlns:a16="http://schemas.microsoft.com/office/drawing/2014/main" id="{3BC8D536-660E-5C4E-BD54-ADDCDF7B4C10}"/>
+                <a16:creationId xmlns="" xmlns:a16="http://schemas.microsoft.com/office/drawing/2014/main" id="{3BC8D536-660E-5C4E-BD54-ADDCDF7B4C10}"/>
               </a:ext>
             </a:extLst>
           </p:cNvPr>
@@ -9676,10 +10879,10 @@
           <p:cNvPr id="9" name="Rectangle 8">
             <a:extLst>
               <a:ext uri="{FF2B5EF4-FFF2-40B4-BE49-F238E27FC236}">
-                <a16:creationId xmlns:a16="http://schemas.microsoft.com/office/drawing/2014/main" id="{A4AC5506-6312-4701-8D3C-40187889A947}"/>
+                <a16:creationId xmlns="" xmlns:a16="http://schemas.microsoft.com/office/drawing/2014/main" id="{A4AC5506-6312-4701-8D3C-40187889A947}"/>
               </a:ext>
               <a:ext uri="{C183D7F6-B498-43B3-948B-1728B52AA6E4}">
-                <adec:decorative xmlns:adec="http://schemas.microsoft.com/office/drawing/2017/decorative" val="1"/>
+                <adec:decorative xmlns="" xmlns:adec="http://schemas.microsoft.com/office/drawing/2017/decorative" val="1"/>
               </a:ext>
             </a:extLst>
           </p:cNvPr>
@@ -9689,7 +10892,7 @@
           <p:nvPr>
             <p:extLst>
               <p:ext uri="{386F3935-93C4-4BCD-93E2-E3B085C9AB24}">
-                <p16:designElem xmlns:p16="http://schemas.microsoft.com/office/powerpoint/2015/main" val="1"/>
+                <p16:designElem xmlns="" xmlns:p16="http://schemas.microsoft.com/office/powerpoint/2015/main" val="1"/>
               </p:ext>
             </p:extLst>
           </p:nvPr>
@@ -9768,7 +10971,7 @@
           <p:cNvPr id="2" name="Title 1">
             <a:extLst>
               <a:ext uri="{FF2B5EF4-FFF2-40B4-BE49-F238E27FC236}">
-                <a16:creationId xmlns:a16="http://schemas.microsoft.com/office/drawing/2014/main" id="{27B10F59-CFDE-1046-B60C-7BC6112950C1}"/>
+                <a16:creationId xmlns="" xmlns:a16="http://schemas.microsoft.com/office/drawing/2014/main" id="{27B10F59-CFDE-1046-B60C-7BC6112950C1}"/>
               </a:ext>
             </a:extLst>
           </p:cNvPr>
@@ -9829,7 +11032,7 @@
           <p:cNvPr id="3" name="TextBox 2">
             <a:extLst>
               <a:ext uri="{FF2B5EF4-FFF2-40B4-BE49-F238E27FC236}">
-                <a16:creationId xmlns:a16="http://schemas.microsoft.com/office/drawing/2014/main" id="{3BC8D536-660E-5C4E-BD54-ADDCDF7B4C10}"/>
+                <a16:creationId xmlns="" xmlns:a16="http://schemas.microsoft.com/office/drawing/2014/main" id="{3BC8D536-660E-5C4E-BD54-ADDCDF7B4C10}"/>
               </a:ext>
             </a:extLst>
           </p:cNvPr>
@@ -10002,10 +11205,10 @@
           <p:cNvPr id="9" name="Rectangle 8">
             <a:extLst>
               <a:ext uri="{FF2B5EF4-FFF2-40B4-BE49-F238E27FC236}">
-                <a16:creationId xmlns:a16="http://schemas.microsoft.com/office/drawing/2014/main" id="{A4AC5506-6312-4701-8D3C-40187889A947}"/>
+                <a16:creationId xmlns="" xmlns:a16="http://schemas.microsoft.com/office/drawing/2014/main" id="{A4AC5506-6312-4701-8D3C-40187889A947}"/>
               </a:ext>
               <a:ext uri="{C183D7F6-B498-43B3-948B-1728B52AA6E4}">
-                <adec:decorative xmlns:adec="http://schemas.microsoft.com/office/drawing/2017/decorative" val="1"/>
+                <adec:decorative xmlns="" xmlns:adec="http://schemas.microsoft.com/office/drawing/2017/decorative" val="1"/>
               </a:ext>
             </a:extLst>
           </p:cNvPr>
@@ -10015,7 +11218,7 @@
           <p:nvPr>
             <p:extLst>
               <p:ext uri="{386F3935-93C4-4BCD-93E2-E3B085C9AB24}">
-                <p16:designElem xmlns:p16="http://schemas.microsoft.com/office/powerpoint/2015/main" val="1"/>
+                <p16:designElem xmlns="" xmlns:p16="http://schemas.microsoft.com/office/powerpoint/2015/main" val="1"/>
               </p:ext>
             </p:extLst>
           </p:nvPr>
@@ -10094,7 +11297,7 @@
           <p:cNvPr id="2" name="Title 1">
             <a:extLst>
               <a:ext uri="{FF2B5EF4-FFF2-40B4-BE49-F238E27FC236}">
-                <a16:creationId xmlns:a16="http://schemas.microsoft.com/office/drawing/2014/main" id="{27B10F59-CFDE-1046-B60C-7BC6112950C1}"/>
+                <a16:creationId xmlns="" xmlns:a16="http://schemas.microsoft.com/office/drawing/2014/main" id="{27B10F59-CFDE-1046-B60C-7BC6112950C1}"/>
               </a:ext>
             </a:extLst>
           </p:cNvPr>
@@ -10155,7 +11358,7 @@
           <p:cNvPr id="3" name="TextBox 2">
             <a:extLst>
               <a:ext uri="{FF2B5EF4-FFF2-40B4-BE49-F238E27FC236}">
-                <a16:creationId xmlns:a16="http://schemas.microsoft.com/office/drawing/2014/main" id="{3BC8D536-660E-5C4E-BD54-ADDCDF7B4C10}"/>
+                <a16:creationId xmlns="" xmlns:a16="http://schemas.microsoft.com/office/drawing/2014/main" id="{3BC8D536-660E-5C4E-BD54-ADDCDF7B4C10}"/>
               </a:ext>
             </a:extLst>
           </p:cNvPr>
@@ -10165,7 +11368,7 @@
         <p:spPr>
           <a:xfrm>
             <a:off x="996287" y="1978925"/>
-            <a:ext cx="10263116" cy="5571397"/>
+            <a:ext cx="10263116" cy="4632037"/>
           </a:xfrm>
           <a:prstGeom prst="rect">
             <a:avLst/>
@@ -10253,7 +11456,7 @@
               <a:buChar char="•"/>
             </a:pPr>
             <a:r>
-              <a:rPr lang="en-US" sz="2400" dirty="0">
+              <a:rPr lang="en-US" sz="2000" dirty="0">
                 <a:solidFill>
                   <a:prstClr val="black"/>
                 </a:solidFill>
@@ -10262,7 +11465,7 @@
               <a:t>Language-related N400 to examine the role of attention in perceptual vs. </a:t>
             </a:r>
             <a:r>
-              <a:rPr lang="en-US" sz="2400" dirty="0" err="1">
+              <a:rPr lang="en-US" sz="2000" dirty="0" err="1">
                 <a:solidFill>
                   <a:prstClr val="black"/>
                 </a:solidFill>
@@ -10271,7 +11474,7 @@
               <a:t>postperceptual</a:t>
             </a:r>
             <a:r>
-              <a:rPr lang="en-US" sz="2400" dirty="0">
+              <a:rPr lang="en-US" sz="2000" dirty="0">
                 <a:solidFill>
                   <a:prstClr val="black"/>
                 </a:solidFill>
@@ -10292,7 +11495,7 @@
               <a:buChar char="•"/>
             </a:pPr>
             <a:r>
-              <a:rPr kumimoji="0" lang="en-US" sz="2400" b="0" i="0" u="none" strike="noStrike" kern="1200" cap="none" spc="0" normalizeH="0" baseline="0" noProof="0" dirty="0">
+              <a:rPr kumimoji="0" lang="en-US" sz="2000" b="0" i="0" u="none" strike="noStrike" kern="1200" cap="none" spc="0" normalizeH="0" baseline="0" noProof="0" dirty="0">
                 <a:ln>
                   <a:noFill/>
                 </a:ln>
@@ -10303,8 +11506,6 @@
                 <a:uLnTx/>
                 <a:uFillTx/>
                 <a:latin typeface="Calibri" panose="020F0502020204030204"/>
-                <a:ea typeface="+mn-ea"/>
-                <a:cs typeface="+mn-cs"/>
               </a:rPr>
               <a:t>Use N400 to determine the stage of processing at which a specific visual making operates</a:t>
             </a:r>
@@ -10321,7 +11522,7 @@
               <a:buChar char="•"/>
             </a:pPr>
             <a:r>
-              <a:rPr lang="en-US" sz="2400" dirty="0">
+              <a:rPr lang="en-US" sz="2000" dirty="0">
                 <a:solidFill>
                   <a:prstClr val="black"/>
                 </a:solidFill>
@@ -10329,7 +11530,7 @@
               </a:rPr>
               <a:t>LRP used to address the nature of perception without awareness</a:t>
             </a:r>
-            <a:endParaRPr kumimoji="0" lang="en-US" sz="2400" b="0" i="0" u="none" strike="noStrike" kern="1200" cap="none" spc="0" normalizeH="0" baseline="0" noProof="0" dirty="0">
+            <a:endParaRPr kumimoji="0" lang="en-US" sz="2000" b="0" i="0" u="none" strike="noStrike" kern="1200" cap="none" spc="0" normalizeH="0" baseline="0" noProof="0" dirty="0">
               <a:ln>
                 <a:noFill/>
               </a:ln>
@@ -10340,8 +11541,6 @@
               <a:uLnTx/>
               <a:uFillTx/>
               <a:latin typeface="Calibri" panose="020F0502020204030204"/>
-              <a:ea typeface="+mn-ea"/>
-              <a:cs typeface="+mn-cs"/>
             </a:endParaRPr>
           </a:p>
           <a:p>
@@ -10383,6 +11582,1134 @@
     <p:extLst>
       <p:ext uri="{BB962C8B-B14F-4D97-AF65-F5344CB8AC3E}">
         <p14:creationId xmlns:p14="http://schemas.microsoft.com/office/powerpoint/2010/main" val="2930818285"/>
+      </p:ext>
+    </p:extLst>
+  </p:cSld>
+  <p:clrMapOvr>
+    <a:masterClrMapping/>
+  </p:clrMapOvr>
+</p:sld>
+</file>
+
+<file path=ppt/slides/slide6.xml><?xml version="1.0" encoding="utf-8"?>
+<p:sld xmlns:a="http://schemas.openxmlformats.org/drawingml/2006/main" xmlns:r="http://schemas.openxmlformats.org/officeDocument/2006/relationships" xmlns:p="http://schemas.openxmlformats.org/presentationml/2006/main">
+  <p:cSld>
+    <p:spTree>
+      <p:nvGrpSpPr>
+        <p:cNvPr id="1" name=""/>
+        <p:cNvGrpSpPr/>
+        <p:nvPr/>
+      </p:nvGrpSpPr>
+      <p:grpSpPr>
+        <a:xfrm>
+          <a:off x="0" y="0"/>
+          <a:ext cx="0" cy="0"/>
+          <a:chOff x="0" y="0"/>
+          <a:chExt cx="0" cy="0"/>
+        </a:xfrm>
+      </p:grpSpPr>
+      <p:sp>
+        <p:nvSpPr>
+          <p:cNvPr id="9" name="Rectangle 8">
+            <a:extLst>
+              <a:ext uri="{FF2B5EF4-FFF2-40B4-BE49-F238E27FC236}">
+                <a16:creationId xmlns="" xmlns:a16="http://schemas.microsoft.com/office/drawing/2014/main" id="{A4AC5506-6312-4701-8D3C-40187889A947}"/>
+              </a:ext>
+              <a:ext uri="{C183D7F6-B498-43B3-948B-1728B52AA6E4}">
+                <adec:decorative xmlns="" xmlns:adec="http://schemas.microsoft.com/office/drawing/2017/decorative" val="1"/>
+              </a:ext>
+            </a:extLst>
+          </p:cNvPr>
+          <p:cNvSpPr>
+            <a:spLocks noGrp="1" noRot="1" noChangeAspect="1" noMove="1" noResize="1" noEditPoints="1" noAdjustHandles="1" noChangeArrowheads="1" noChangeShapeType="1" noTextEdit="1"/>
+          </p:cNvSpPr>
+          <p:nvPr>
+            <p:extLst>
+              <p:ext uri="{386F3935-93C4-4BCD-93E2-E3B085C9AB24}">
+                <p16:designElem xmlns="" xmlns:p16="http://schemas.microsoft.com/office/powerpoint/2015/main" val="1"/>
+              </p:ext>
+            </p:extLst>
+          </p:nvPr>
+        </p:nvSpPr>
+        <p:spPr>
+          <a:xfrm>
+            <a:off x="0" y="651752"/>
+            <a:ext cx="12192000" cy="736551"/>
+          </a:xfrm>
+          <a:prstGeom prst="rect">
+            <a:avLst/>
+          </a:prstGeom>
+          <a:solidFill>
+            <a:schemeClr val="tx1"/>
+          </a:solidFill>
+          <a:ln>
+            <a:noFill/>
+          </a:ln>
+        </p:spPr>
+        <p:style>
+          <a:lnRef idx="2">
+            <a:schemeClr val="accent1">
+              <a:shade val="50000"/>
+            </a:schemeClr>
+          </a:lnRef>
+          <a:fillRef idx="1">
+            <a:schemeClr val="accent1"/>
+          </a:fillRef>
+          <a:effectRef idx="0">
+            <a:schemeClr val="accent1"/>
+          </a:effectRef>
+          <a:fontRef idx="minor">
+            <a:schemeClr val="lt1"/>
+          </a:fontRef>
+        </p:style>
+        <p:txBody>
+          <a:bodyPr rtlCol="0" anchor="ctr"/>
+          <a:lstStyle/>
+          <a:p>
+            <a:pPr algn="ctr">
+              <a:defRPr/>
+            </a:pPr>
+            <a:endParaRPr lang="en-US">
+              <a:solidFill>
+                <a:prstClr val="white"/>
+              </a:solidFill>
+            </a:endParaRPr>
+          </a:p>
+        </p:txBody>
+      </p:sp>
+      <p:sp>
+        <p:nvSpPr>
+          <p:cNvPr id="2" name="Title 1">
+            <a:extLst>
+              <a:ext uri="{FF2B5EF4-FFF2-40B4-BE49-F238E27FC236}">
+                <a16:creationId xmlns="" xmlns:a16="http://schemas.microsoft.com/office/drawing/2014/main" id="{27B10F59-CFDE-1046-B60C-7BC6112950C1}"/>
+              </a:ext>
+            </a:extLst>
+          </p:cNvPr>
+          <p:cNvSpPr>
+            <a:spLocks noGrp="1"/>
+          </p:cNvSpPr>
+          <p:nvPr>
+            <p:ph type="title"/>
+          </p:nvPr>
+        </p:nvSpPr>
+        <p:spPr>
+          <a:xfrm>
+            <a:off x="556532" y="643467"/>
+            <a:ext cx="11210925" cy="744836"/>
+          </a:xfrm>
+        </p:spPr>
+        <p:txBody>
+          <a:bodyPr vert="horz" lIns="91440" tIns="45720" rIns="91440" bIns="45720" rtlCol="0" anchor="ctr">
+            <a:normAutofit/>
+          </a:bodyPr>
+          <a:lstStyle/>
+          <a:p>
+            <a:pPr algn="ctr"/>
+            <a:r>
+              <a:rPr lang="en-US" sz="3200" dirty="0">
+                <a:solidFill>
+                  <a:schemeClr val="bg1"/>
+                </a:solidFill>
+              </a:rPr>
+              <a:t>Strategy 4</a:t>
+            </a:r>
+            <a:r>
+              <a:rPr lang="en-US" sz="3200" dirty="0" smtClean="0">
+                <a:solidFill>
+                  <a:schemeClr val="bg1"/>
+                </a:solidFill>
+              </a:rPr>
+              <a:t>: Use Well-Studied Experimental Manipulations</a:t>
+            </a:r>
+            <a:endParaRPr lang="en-US" sz="3200" kern="1200" dirty="0">
+              <a:solidFill>
+                <a:schemeClr val="bg1"/>
+              </a:solidFill>
+            </a:endParaRPr>
+          </a:p>
+        </p:txBody>
+      </p:sp>
+      <p:sp>
+        <p:nvSpPr>
+          <p:cNvPr id="3" name="TextBox 2">
+            <a:extLst>
+              <a:ext uri="{FF2B5EF4-FFF2-40B4-BE49-F238E27FC236}">
+                <a16:creationId xmlns="" xmlns:a16="http://schemas.microsoft.com/office/drawing/2014/main" id="{3BC8D536-660E-5C4E-BD54-ADDCDF7B4C10}"/>
+              </a:ext>
+            </a:extLst>
+          </p:cNvPr>
+          <p:cNvSpPr txBox="1"/>
+          <p:nvPr/>
+        </p:nvSpPr>
+        <p:spPr>
+          <a:xfrm>
+            <a:off x="996287" y="1716167"/>
+            <a:ext cx="10263116" cy="5893921"/>
+          </a:xfrm>
+          <a:prstGeom prst="rect">
+            <a:avLst/>
+          </a:prstGeom>
+          <a:noFill/>
+        </p:spPr>
+        <p:txBody>
+          <a:bodyPr wrap="square" rtlCol="0">
+            <a:spAutoFit/>
+          </a:bodyPr>
+          <a:lstStyle/>
+          <a:p>
+            <a:pPr marL="285750" indent="-285750">
+              <a:lnSpc>
+                <a:spcPct val="150000"/>
+              </a:lnSpc>
+              <a:spcAft>
+                <a:spcPts val="600"/>
+              </a:spcAft>
+              <a:buFont typeface="Arial" panose="020B0604020202020204" pitchFamily="34" charset="0"/>
+              <a:buChar char="•"/>
+              <a:defRPr/>
+            </a:pPr>
+            <a:r>
+              <a:rPr lang="en-US" sz="2400" dirty="0" smtClean="0">
+                <a:solidFill>
+                  <a:prstClr val="black"/>
+                </a:solidFill>
+              </a:rPr>
+              <a:t>Helpful to examine well-characterized ERP component under conditions that are as similar as possible to conditions in which that component has previously been studied</a:t>
+            </a:r>
+          </a:p>
+          <a:p>
+            <a:pPr marL="285750" indent="-285750">
+              <a:lnSpc>
+                <a:spcPct val="150000"/>
+              </a:lnSpc>
+              <a:spcAft>
+                <a:spcPts val="600"/>
+              </a:spcAft>
+              <a:buFont typeface="Arial" panose="020B0604020202020204" pitchFamily="34" charset="0"/>
+              <a:buChar char="•"/>
+              <a:defRPr/>
+            </a:pPr>
+            <a:r>
+              <a:rPr lang="en-US" sz="2400" dirty="0" smtClean="0">
+                <a:solidFill>
+                  <a:prstClr val="black"/>
+                </a:solidFill>
+              </a:rPr>
+              <a:t>Discovery of N400</a:t>
+            </a:r>
+          </a:p>
+          <a:p>
+            <a:pPr marL="285750" indent="-285750">
+              <a:lnSpc>
+                <a:spcPct val="150000"/>
+              </a:lnSpc>
+              <a:spcAft>
+                <a:spcPts val="600"/>
+              </a:spcAft>
+              <a:buFont typeface="Arial" panose="020B0604020202020204" pitchFamily="34" charset="0"/>
+              <a:buChar char="•"/>
+              <a:defRPr/>
+            </a:pPr>
+            <a:r>
+              <a:rPr lang="en-US" sz="2400" dirty="0" smtClean="0">
+                <a:solidFill>
+                  <a:prstClr val="black"/>
+                </a:solidFill>
+              </a:rPr>
+              <a:t>Manipulations</a:t>
+            </a:r>
+          </a:p>
+          <a:p>
+            <a:pPr marL="742950" lvl="1" indent="-285750">
+              <a:lnSpc>
+                <a:spcPct val="150000"/>
+              </a:lnSpc>
+              <a:spcAft>
+                <a:spcPts val="600"/>
+              </a:spcAft>
+              <a:buFont typeface="Arial" panose="020B0604020202020204" pitchFamily="34" charset="0"/>
+              <a:buChar char="•"/>
+              <a:defRPr/>
+            </a:pPr>
+            <a:r>
+              <a:rPr lang="en-US" sz="2000" dirty="0" smtClean="0">
+                <a:solidFill>
+                  <a:prstClr val="black"/>
+                </a:solidFill>
+              </a:rPr>
+              <a:t>P3 – target probability</a:t>
+            </a:r>
+          </a:p>
+          <a:p>
+            <a:pPr marL="742950" lvl="1" indent="-285750">
+              <a:lnSpc>
+                <a:spcPct val="150000"/>
+              </a:lnSpc>
+              <a:spcAft>
+                <a:spcPts val="600"/>
+              </a:spcAft>
+              <a:buFont typeface="Arial" panose="020B0604020202020204" pitchFamily="34" charset="0"/>
+              <a:buChar char="•"/>
+              <a:defRPr/>
+            </a:pPr>
+            <a:r>
+              <a:rPr lang="en-US" sz="2000" dirty="0" smtClean="0">
+                <a:solidFill>
+                  <a:prstClr val="black"/>
+                </a:solidFill>
+              </a:rPr>
+              <a:t>N400 – Semantic/associative relatedness</a:t>
+            </a:r>
+          </a:p>
+          <a:p>
+            <a:pPr marL="742950" lvl="1" indent="-285750">
+              <a:lnSpc>
+                <a:spcPct val="150000"/>
+              </a:lnSpc>
+              <a:spcAft>
+                <a:spcPts val="600"/>
+              </a:spcAft>
+              <a:buFont typeface="Arial" panose="020B0604020202020204" pitchFamily="34" charset="0"/>
+              <a:buChar char="•"/>
+              <a:defRPr/>
+            </a:pPr>
+            <a:r>
+              <a:rPr lang="en-US" sz="2000" dirty="0" smtClean="0">
+                <a:solidFill>
+                  <a:prstClr val="black"/>
+                </a:solidFill>
+              </a:rPr>
+              <a:t>N2pc &amp; CDA – Stimulus location</a:t>
+            </a:r>
+          </a:p>
+          <a:p>
+            <a:pPr marL="742950" lvl="1" indent="-285750">
+              <a:lnSpc>
+                <a:spcPct val="150000"/>
+              </a:lnSpc>
+              <a:spcAft>
+                <a:spcPts val="600"/>
+              </a:spcAft>
+              <a:buFont typeface="Arial" panose="020B0604020202020204" pitchFamily="34" charset="0"/>
+              <a:buChar char="•"/>
+              <a:defRPr/>
+            </a:pPr>
+            <a:r>
+              <a:rPr lang="en-US" sz="2000" dirty="0" smtClean="0">
+                <a:solidFill>
+                  <a:prstClr val="black"/>
+                </a:solidFill>
+              </a:rPr>
+              <a:t>LRP – Response hand</a:t>
+            </a:r>
+          </a:p>
+          <a:p>
+            <a:pPr marL="742950" lvl="1" indent="-285750">
+              <a:lnSpc>
+                <a:spcPct val="150000"/>
+              </a:lnSpc>
+              <a:spcAft>
+                <a:spcPts val="600"/>
+              </a:spcAft>
+              <a:buFont typeface="Arial" panose="020B0604020202020204" pitchFamily="34" charset="0"/>
+              <a:buChar char="•"/>
+              <a:defRPr/>
+            </a:pPr>
+            <a:endParaRPr lang="en-US" sz="2800" dirty="0">
+              <a:solidFill>
+                <a:prstClr val="black"/>
+              </a:solidFill>
+            </a:endParaRPr>
+          </a:p>
+        </p:txBody>
+      </p:sp>
+    </p:spTree>
+    <p:extLst>
+      <p:ext uri="{BB962C8B-B14F-4D97-AF65-F5344CB8AC3E}">
+        <p14:creationId xmlns:p14="http://schemas.microsoft.com/office/powerpoint/2010/main" val="3006242173"/>
+      </p:ext>
+    </p:extLst>
+  </p:cSld>
+  <p:clrMapOvr>
+    <a:masterClrMapping/>
+  </p:clrMapOvr>
+</p:sld>
+</file>
+
+<file path=ppt/slides/slide7.xml><?xml version="1.0" encoding="utf-8"?>
+<p:sld xmlns:a="http://schemas.openxmlformats.org/drawingml/2006/main" xmlns:r="http://schemas.openxmlformats.org/officeDocument/2006/relationships" xmlns:p="http://schemas.openxmlformats.org/presentationml/2006/main">
+  <p:cSld>
+    <p:spTree>
+      <p:nvGrpSpPr>
+        <p:cNvPr id="1" name=""/>
+        <p:cNvGrpSpPr/>
+        <p:nvPr/>
+      </p:nvGrpSpPr>
+      <p:grpSpPr>
+        <a:xfrm>
+          <a:off x="0" y="0"/>
+          <a:ext cx="0" cy="0"/>
+          <a:chOff x="0" y="0"/>
+          <a:chExt cx="0" cy="0"/>
+        </a:xfrm>
+      </p:grpSpPr>
+      <p:sp>
+        <p:nvSpPr>
+          <p:cNvPr id="9" name="Rectangle 8">
+            <a:extLst>
+              <a:ext uri="{FF2B5EF4-FFF2-40B4-BE49-F238E27FC236}">
+                <a16:creationId xmlns="" xmlns:a16="http://schemas.microsoft.com/office/drawing/2014/main" id="{A4AC5506-6312-4701-8D3C-40187889A947}"/>
+              </a:ext>
+              <a:ext uri="{C183D7F6-B498-43B3-948B-1728B52AA6E4}">
+                <adec:decorative xmlns="" xmlns:adec="http://schemas.microsoft.com/office/drawing/2017/decorative" val="1"/>
+              </a:ext>
+            </a:extLst>
+          </p:cNvPr>
+          <p:cNvSpPr>
+            <a:spLocks noGrp="1" noRot="1" noChangeAspect="1" noMove="1" noResize="1" noEditPoints="1" noAdjustHandles="1" noChangeArrowheads="1" noChangeShapeType="1" noTextEdit="1"/>
+          </p:cNvSpPr>
+          <p:nvPr>
+            <p:extLst>
+              <p:ext uri="{386F3935-93C4-4BCD-93E2-E3B085C9AB24}">
+                <p16:designElem xmlns="" xmlns:p16="http://schemas.microsoft.com/office/powerpoint/2015/main" val="1"/>
+              </p:ext>
+            </p:extLst>
+          </p:nvPr>
+        </p:nvSpPr>
+        <p:spPr>
+          <a:xfrm>
+            <a:off x="0" y="651752"/>
+            <a:ext cx="12192000" cy="736551"/>
+          </a:xfrm>
+          <a:prstGeom prst="rect">
+            <a:avLst/>
+          </a:prstGeom>
+          <a:solidFill>
+            <a:schemeClr val="tx1"/>
+          </a:solidFill>
+          <a:ln>
+            <a:noFill/>
+          </a:ln>
+        </p:spPr>
+        <p:style>
+          <a:lnRef idx="2">
+            <a:schemeClr val="accent1">
+              <a:shade val="50000"/>
+            </a:schemeClr>
+          </a:lnRef>
+          <a:fillRef idx="1">
+            <a:schemeClr val="accent1"/>
+          </a:fillRef>
+          <a:effectRef idx="0">
+            <a:schemeClr val="accent1"/>
+          </a:effectRef>
+          <a:fontRef idx="minor">
+            <a:schemeClr val="lt1"/>
+          </a:fontRef>
+        </p:style>
+        <p:txBody>
+          <a:bodyPr rtlCol="0" anchor="ctr"/>
+          <a:lstStyle/>
+          <a:p>
+            <a:pPr marL="0" marR="0" lvl="0" indent="0" algn="ctr" defTabSz="914400" rtl="0" eaLnBrk="1" fontAlgn="auto" latinLnBrk="0" hangingPunct="1">
+              <a:lnSpc>
+                <a:spcPct val="100000"/>
+              </a:lnSpc>
+              <a:spcBef>
+                <a:spcPts val="0"/>
+              </a:spcBef>
+              <a:spcAft>
+                <a:spcPts val="0"/>
+              </a:spcAft>
+              <a:buClrTx/>
+              <a:buSzTx/>
+              <a:buFontTx/>
+              <a:buNone/>
+              <a:tabLst/>
+              <a:defRPr/>
+            </a:pPr>
+            <a:endParaRPr kumimoji="0" lang="en-US" sz="1800" b="0" i="0" u="none" strike="noStrike" kern="1200" cap="none" spc="0" normalizeH="0" baseline="0" noProof="0">
+              <a:ln>
+                <a:noFill/>
+              </a:ln>
+              <a:solidFill>
+                <a:prstClr val="white"/>
+              </a:solidFill>
+              <a:effectLst/>
+              <a:uLnTx/>
+              <a:uFillTx/>
+              <a:latin typeface="Calibri" panose="020F0502020204030204"/>
+              <a:ea typeface="+mn-ea"/>
+              <a:cs typeface="+mn-cs"/>
+            </a:endParaRPr>
+          </a:p>
+        </p:txBody>
+      </p:sp>
+      <p:sp>
+        <p:nvSpPr>
+          <p:cNvPr id="2" name="Title 1">
+            <a:extLst>
+              <a:ext uri="{FF2B5EF4-FFF2-40B4-BE49-F238E27FC236}">
+                <a16:creationId xmlns="" xmlns:a16="http://schemas.microsoft.com/office/drawing/2014/main" id="{27B10F59-CFDE-1046-B60C-7BC6112950C1}"/>
+              </a:ext>
+            </a:extLst>
+          </p:cNvPr>
+          <p:cNvSpPr>
+            <a:spLocks noGrp="1"/>
+          </p:cNvSpPr>
+          <p:nvPr>
+            <p:ph type="title"/>
+          </p:nvPr>
+        </p:nvSpPr>
+        <p:spPr>
+          <a:xfrm>
+            <a:off x="556532" y="643467"/>
+            <a:ext cx="11210925" cy="744836"/>
+          </a:xfrm>
+        </p:spPr>
+        <p:txBody>
+          <a:bodyPr vert="horz" lIns="91440" tIns="45720" rIns="91440" bIns="45720" rtlCol="0" anchor="ctr">
+            <a:normAutofit/>
+          </a:bodyPr>
+          <a:lstStyle/>
+          <a:p>
+            <a:pPr algn="ctr"/>
+            <a:r>
+              <a:rPr lang="en-US" sz="3200" dirty="0">
+                <a:solidFill>
+                  <a:schemeClr val="bg1"/>
+                </a:solidFill>
+              </a:rPr>
+              <a:t>Strategy </a:t>
+            </a:r>
+            <a:r>
+              <a:rPr lang="en-US" sz="3200" dirty="0" smtClean="0">
+                <a:solidFill>
+                  <a:schemeClr val="bg1"/>
+                </a:solidFill>
+              </a:rPr>
+              <a:t>5: Use Difference Waves</a:t>
+            </a:r>
+            <a:endParaRPr lang="en-US" sz="3200" kern="1200" dirty="0">
+              <a:solidFill>
+                <a:schemeClr val="bg1"/>
+              </a:solidFill>
+            </a:endParaRPr>
+          </a:p>
+        </p:txBody>
+      </p:sp>
+      <p:sp>
+        <p:nvSpPr>
+          <p:cNvPr id="3" name="TextBox 2">
+            <a:extLst>
+              <a:ext uri="{FF2B5EF4-FFF2-40B4-BE49-F238E27FC236}">
+                <a16:creationId xmlns="" xmlns:a16="http://schemas.microsoft.com/office/drawing/2014/main" id="{3BC8D536-660E-5C4E-BD54-ADDCDF7B4C10}"/>
+              </a:ext>
+            </a:extLst>
+          </p:cNvPr>
+          <p:cNvSpPr txBox="1"/>
+          <p:nvPr/>
+        </p:nvSpPr>
+        <p:spPr>
+          <a:xfrm>
+            <a:off x="996287" y="1978925"/>
+            <a:ext cx="10263116" cy="5647700"/>
+          </a:xfrm>
+          <a:prstGeom prst="rect">
+            <a:avLst/>
+          </a:prstGeom>
+          <a:noFill/>
+        </p:spPr>
+        <p:txBody>
+          <a:bodyPr wrap="square" rtlCol="0">
+            <a:spAutoFit/>
+          </a:bodyPr>
+          <a:lstStyle/>
+          <a:p>
+            <a:pPr marL="285750" marR="0" lvl="0" indent="-285750" algn="l" defTabSz="914400" rtl="0" eaLnBrk="1" fontAlgn="auto" latinLnBrk="0" hangingPunct="1">
+              <a:lnSpc>
+                <a:spcPct val="150000"/>
+              </a:lnSpc>
+              <a:spcBef>
+                <a:spcPts val="0"/>
+              </a:spcBef>
+              <a:spcAft>
+                <a:spcPts val="600"/>
+              </a:spcAft>
+              <a:buClrTx/>
+              <a:buSzTx/>
+              <a:buFont typeface="Arial" panose="020B0604020202020204" pitchFamily="34" charset="0"/>
+              <a:buChar char="•"/>
+              <a:tabLst/>
+              <a:defRPr/>
+            </a:pPr>
+            <a:r>
+              <a:rPr kumimoji="0" lang="en-US" sz="2000" b="0" i="0" u="none" strike="noStrike" kern="1200" cap="none" spc="0" normalizeH="0" baseline="0" noProof="0" dirty="0" smtClean="0">
+                <a:ln>
+                  <a:noFill/>
+                </a:ln>
+                <a:solidFill>
+                  <a:prstClr val="black"/>
+                </a:solidFill>
+                <a:effectLst/>
+                <a:uLnTx/>
+                <a:uFillTx/>
+                <a:latin typeface="Calibri" panose="020F0502020204030204"/>
+              </a:rPr>
+              <a:t>   </a:t>
+            </a:r>
+            <a:r>
+              <a:rPr kumimoji="0" lang="en-US" b="0" i="0" u="none" strike="noStrike" kern="1200" cap="none" spc="0" normalizeH="0" baseline="0" noProof="0" dirty="0" smtClean="0">
+                <a:ln>
+                  <a:noFill/>
+                </a:ln>
+                <a:solidFill>
+                  <a:prstClr val="black"/>
+                </a:solidFill>
+                <a:effectLst/>
+                <a:uLnTx/>
+                <a:uFillTx/>
+                <a:latin typeface="Calibri" panose="020F0502020204030204"/>
+              </a:rPr>
+              <a:t>Count noun, related to context word (plate</a:t>
+            </a:r>
+            <a:r>
+              <a:rPr kumimoji="0" lang="en-US" b="0" i="0" u="none" strike="noStrike" kern="1200" cap="none" spc="0" normalizeH="0" noProof="0" dirty="0" smtClean="0">
+                <a:ln>
+                  <a:noFill/>
+                </a:ln>
+                <a:solidFill>
+                  <a:prstClr val="black"/>
+                </a:solidFill>
+                <a:effectLst/>
+                <a:uLnTx/>
+                <a:uFillTx/>
+                <a:latin typeface="Calibri" panose="020F0502020204030204"/>
+              </a:rPr>
+              <a:t> … cup)</a:t>
+            </a:r>
+          </a:p>
+          <a:p>
+            <a:pPr lvl="1">
+              <a:lnSpc>
+                <a:spcPct val="150000"/>
+              </a:lnSpc>
+              <a:spcAft>
+                <a:spcPts val="600"/>
+              </a:spcAft>
+              <a:defRPr/>
+            </a:pPr>
+            <a:r>
+              <a:rPr lang="en-US" noProof="0" dirty="0" smtClean="0">
+                <a:solidFill>
+                  <a:prstClr val="black"/>
+                </a:solidFill>
+                <a:latin typeface="Calibri" panose="020F0502020204030204"/>
+              </a:rPr>
+              <a:t>Mass noun, related to context word (rain … water)</a:t>
+            </a:r>
+          </a:p>
+          <a:p>
+            <a:pPr lvl="1">
+              <a:lnSpc>
+                <a:spcPct val="150000"/>
+              </a:lnSpc>
+              <a:spcAft>
+                <a:spcPts val="600"/>
+              </a:spcAft>
+              <a:defRPr/>
+            </a:pPr>
+            <a:r>
+              <a:rPr kumimoji="0" lang="en-US" b="0" i="0" u="none" strike="noStrike" kern="1200" cap="none" spc="0" normalizeH="0" baseline="0" dirty="0" smtClean="0">
+                <a:ln>
+                  <a:noFill/>
+                </a:ln>
+                <a:solidFill>
+                  <a:prstClr val="black"/>
+                </a:solidFill>
+                <a:effectLst/>
+                <a:uLnTx/>
+                <a:uFillTx/>
+                <a:latin typeface="Calibri" panose="020F0502020204030204"/>
+              </a:rPr>
+              <a:t>Count noun, unrelated</a:t>
+            </a:r>
+            <a:r>
+              <a:rPr kumimoji="0" lang="en-US" b="0" i="0" u="none" strike="noStrike" kern="1200" cap="none" spc="0" normalizeH="0" dirty="0" smtClean="0">
+                <a:ln>
+                  <a:noFill/>
+                </a:ln>
+                <a:solidFill>
+                  <a:prstClr val="black"/>
+                </a:solidFill>
+                <a:effectLst/>
+                <a:uLnTx/>
+                <a:uFillTx/>
+                <a:latin typeface="Calibri" panose="020F0502020204030204"/>
+              </a:rPr>
+              <a:t> to context word (sock … cup)</a:t>
+            </a:r>
+          </a:p>
+          <a:p>
+            <a:pPr lvl="1">
+              <a:lnSpc>
+                <a:spcPct val="150000"/>
+              </a:lnSpc>
+              <a:spcAft>
+                <a:spcPts val="600"/>
+              </a:spcAft>
+              <a:defRPr/>
+            </a:pPr>
+            <a:r>
+              <a:rPr kumimoji="0" lang="en-US" b="0" i="0" u="none" strike="noStrike" kern="1200" cap="none" spc="0" normalizeH="0" baseline="0" noProof="0" dirty="0" smtClean="0">
+                <a:ln>
+                  <a:noFill/>
+                </a:ln>
+                <a:solidFill>
+                  <a:prstClr val="black"/>
+                </a:solidFill>
+                <a:effectLst/>
+                <a:uLnTx/>
+                <a:uFillTx/>
+                <a:latin typeface="Calibri" panose="020F0502020204030204"/>
+              </a:rPr>
+              <a:t>Mass noun, unrelated</a:t>
+            </a:r>
+            <a:r>
+              <a:rPr kumimoji="0" lang="en-US" b="0" i="0" u="none" strike="noStrike" kern="1200" cap="none" spc="0" normalizeH="0" noProof="0" dirty="0" smtClean="0">
+                <a:ln>
+                  <a:noFill/>
+                </a:ln>
+                <a:solidFill>
+                  <a:prstClr val="black"/>
+                </a:solidFill>
+                <a:effectLst/>
+                <a:uLnTx/>
+                <a:uFillTx/>
+                <a:latin typeface="Calibri" panose="020F0502020204030204"/>
+              </a:rPr>
+              <a:t> to context word (garbage … water)</a:t>
+            </a:r>
+          </a:p>
+          <a:p>
+            <a:pPr marL="342900" indent="-342900">
+              <a:lnSpc>
+                <a:spcPct val="150000"/>
+              </a:lnSpc>
+              <a:spcAft>
+                <a:spcPts val="600"/>
+              </a:spcAft>
+              <a:buFont typeface="Arial" panose="020B0604020202020204" pitchFamily="34" charset="0"/>
+              <a:buChar char="•"/>
+              <a:defRPr/>
+            </a:pPr>
+            <a:r>
+              <a:rPr lang="en-US" sz="2000" noProof="0" dirty="0" smtClean="0">
+                <a:solidFill>
+                  <a:prstClr val="black"/>
+                </a:solidFill>
+                <a:latin typeface="Calibri" panose="020F0502020204030204"/>
+              </a:rPr>
+              <a:t>Difference waves = preceded by semantically related context word – same word preceded by semantically unrelated context word</a:t>
+            </a:r>
+          </a:p>
+          <a:p>
+            <a:pPr marL="342900" indent="-342900">
+              <a:lnSpc>
+                <a:spcPct val="150000"/>
+              </a:lnSpc>
+              <a:spcAft>
+                <a:spcPts val="600"/>
+              </a:spcAft>
+              <a:buFont typeface="Arial" panose="020B0604020202020204" pitchFamily="34" charset="0"/>
+              <a:buChar char="•"/>
+              <a:defRPr/>
+            </a:pPr>
+            <a:r>
+              <a:rPr lang="en-US" sz="2000" noProof="0" dirty="0" smtClean="0">
+                <a:solidFill>
+                  <a:prstClr val="black"/>
+                </a:solidFill>
+                <a:latin typeface="Calibri" panose="020F0502020204030204"/>
+              </a:rPr>
+              <a:t>Limitations</a:t>
+            </a:r>
+          </a:p>
+          <a:p>
+            <a:pPr marL="800100" lvl="1" indent="-342900">
+              <a:lnSpc>
+                <a:spcPct val="150000"/>
+              </a:lnSpc>
+              <a:spcAft>
+                <a:spcPts val="600"/>
+              </a:spcAft>
+              <a:buFont typeface="Arial" panose="020B0604020202020204" pitchFamily="34" charset="0"/>
+              <a:buChar char="•"/>
+              <a:defRPr/>
+            </a:pPr>
+            <a:r>
+              <a:rPr lang="en-US" sz="2000" noProof="0" dirty="0" smtClean="0">
+                <a:solidFill>
+                  <a:prstClr val="black"/>
+                </a:solidFill>
+                <a:latin typeface="Calibri" panose="020F0502020204030204"/>
+              </a:rPr>
+              <a:t>May contain more than one ERP component</a:t>
+            </a:r>
+          </a:p>
+          <a:p>
+            <a:pPr marL="800100" lvl="1" indent="-342900">
+              <a:lnSpc>
+                <a:spcPct val="150000"/>
+              </a:lnSpc>
+              <a:spcAft>
+                <a:spcPts val="600"/>
+              </a:spcAft>
+              <a:buFont typeface="Arial" panose="020B0604020202020204" pitchFamily="34" charset="0"/>
+              <a:buChar char="•"/>
+              <a:defRPr/>
+            </a:pPr>
+            <a:r>
+              <a:rPr kumimoji="0" lang="en-US" sz="2000" b="0" i="0" u="none" strike="noStrike" kern="1200" cap="none" spc="0" normalizeH="0" noProof="0" dirty="0" smtClean="0">
+                <a:ln>
+                  <a:noFill/>
+                </a:ln>
+                <a:solidFill>
+                  <a:prstClr val="black"/>
+                </a:solidFill>
+                <a:effectLst/>
+                <a:uLnTx/>
+                <a:uFillTx/>
+                <a:latin typeface="Calibri" panose="020F0502020204030204"/>
+                <a:ea typeface="+mn-ea"/>
+                <a:cs typeface="+mn-cs"/>
+              </a:rPr>
+              <a:t>Sensitive to interaction btw the variable of interest and factor that is varied to create the difference waves</a:t>
+            </a:r>
+          </a:p>
+          <a:p>
+            <a:pPr marL="342900" indent="-342900">
+              <a:lnSpc>
+                <a:spcPct val="150000"/>
+              </a:lnSpc>
+              <a:spcAft>
+                <a:spcPts val="600"/>
+              </a:spcAft>
+              <a:buFont typeface="Arial" panose="020B0604020202020204" pitchFamily="34" charset="0"/>
+              <a:buChar char="•"/>
+              <a:defRPr/>
+            </a:pPr>
+            <a:endParaRPr kumimoji="0" lang="en-US" sz="2000" b="0" i="0" u="none" strike="noStrike" kern="1200" cap="none" spc="0" normalizeH="0" baseline="0" noProof="0" dirty="0">
+              <a:ln>
+                <a:noFill/>
+              </a:ln>
+              <a:solidFill>
+                <a:prstClr val="black"/>
+              </a:solidFill>
+              <a:effectLst/>
+              <a:uLnTx/>
+              <a:uFillTx/>
+              <a:latin typeface="Calibri" panose="020F0502020204030204"/>
+              <a:ea typeface="+mn-ea"/>
+              <a:cs typeface="+mn-cs"/>
+            </a:endParaRPr>
+          </a:p>
+        </p:txBody>
+      </p:sp>
+    </p:spTree>
+    <p:extLst>
+      <p:ext uri="{BB962C8B-B14F-4D97-AF65-F5344CB8AC3E}">
+        <p14:creationId xmlns:p14="http://schemas.microsoft.com/office/powerpoint/2010/main" val="2146064825"/>
+      </p:ext>
+    </p:extLst>
+  </p:cSld>
+  <p:clrMapOvr>
+    <a:masterClrMapping/>
+  </p:clrMapOvr>
+</p:sld>
+</file>
+
+<file path=ppt/slides/slide8.xml><?xml version="1.0" encoding="utf-8"?>
+<p:sld xmlns:a="http://schemas.openxmlformats.org/drawingml/2006/main" xmlns:r="http://schemas.openxmlformats.org/officeDocument/2006/relationships" xmlns:p="http://schemas.openxmlformats.org/presentationml/2006/main">
+  <p:cSld>
+    <p:spTree>
+      <p:nvGrpSpPr>
+        <p:cNvPr id="1" name=""/>
+        <p:cNvGrpSpPr/>
+        <p:nvPr/>
+      </p:nvGrpSpPr>
+      <p:grpSpPr>
+        <a:xfrm>
+          <a:off x="0" y="0"/>
+          <a:ext cx="0" cy="0"/>
+          <a:chOff x="0" y="0"/>
+          <a:chExt cx="0" cy="0"/>
+        </a:xfrm>
+      </p:grpSpPr>
+      <p:sp>
+        <p:nvSpPr>
+          <p:cNvPr id="9" name="Rectangle 8">
+            <a:extLst>
+              <a:ext uri="{FF2B5EF4-FFF2-40B4-BE49-F238E27FC236}">
+                <a16:creationId xmlns="" xmlns:a16="http://schemas.microsoft.com/office/drawing/2014/main" id="{A4AC5506-6312-4701-8D3C-40187889A947}"/>
+              </a:ext>
+              <a:ext uri="{C183D7F6-B498-43B3-948B-1728B52AA6E4}">
+                <adec:decorative xmlns="" xmlns:adec="http://schemas.microsoft.com/office/drawing/2017/decorative" val="1"/>
+              </a:ext>
+            </a:extLst>
+          </p:cNvPr>
+          <p:cNvSpPr>
+            <a:spLocks noGrp="1" noRot="1" noChangeAspect="1" noMove="1" noResize="1" noEditPoints="1" noAdjustHandles="1" noChangeArrowheads="1" noChangeShapeType="1" noTextEdit="1"/>
+          </p:cNvSpPr>
+          <p:nvPr>
+            <p:extLst>
+              <p:ext uri="{386F3935-93C4-4BCD-93E2-E3B085C9AB24}">
+                <p16:designElem xmlns="" xmlns:p16="http://schemas.microsoft.com/office/powerpoint/2015/main" val="1"/>
+              </p:ext>
+            </p:extLst>
+          </p:nvPr>
+        </p:nvSpPr>
+        <p:spPr>
+          <a:xfrm>
+            <a:off x="0" y="651752"/>
+            <a:ext cx="12192000" cy="736551"/>
+          </a:xfrm>
+          <a:prstGeom prst="rect">
+            <a:avLst/>
+          </a:prstGeom>
+          <a:solidFill>
+            <a:schemeClr val="tx1"/>
+          </a:solidFill>
+          <a:ln>
+            <a:noFill/>
+          </a:ln>
+        </p:spPr>
+        <p:style>
+          <a:lnRef idx="2">
+            <a:schemeClr val="accent1">
+              <a:shade val="50000"/>
+            </a:schemeClr>
+          </a:lnRef>
+          <a:fillRef idx="1">
+            <a:schemeClr val="accent1"/>
+          </a:fillRef>
+          <a:effectRef idx="0">
+            <a:schemeClr val="accent1"/>
+          </a:effectRef>
+          <a:fontRef idx="minor">
+            <a:schemeClr val="lt1"/>
+          </a:fontRef>
+        </p:style>
+        <p:txBody>
+          <a:bodyPr rtlCol="0" anchor="ctr"/>
+          <a:lstStyle/>
+          <a:p>
+            <a:pPr algn="ctr">
+              <a:defRPr/>
+            </a:pPr>
+            <a:endParaRPr lang="en-US">
+              <a:solidFill>
+                <a:prstClr val="white"/>
+              </a:solidFill>
+            </a:endParaRPr>
+          </a:p>
+        </p:txBody>
+      </p:sp>
+      <p:sp>
+        <p:nvSpPr>
+          <p:cNvPr id="2" name="Title 1">
+            <a:extLst>
+              <a:ext uri="{FF2B5EF4-FFF2-40B4-BE49-F238E27FC236}">
+                <a16:creationId xmlns="" xmlns:a16="http://schemas.microsoft.com/office/drawing/2014/main" id="{27B10F59-CFDE-1046-B60C-7BC6112950C1}"/>
+              </a:ext>
+            </a:extLst>
+          </p:cNvPr>
+          <p:cNvSpPr>
+            <a:spLocks noGrp="1"/>
+          </p:cNvSpPr>
+          <p:nvPr>
+            <p:ph type="title"/>
+          </p:nvPr>
+        </p:nvSpPr>
+        <p:spPr>
+          <a:xfrm>
+            <a:off x="556532" y="643467"/>
+            <a:ext cx="11210925" cy="744836"/>
+          </a:xfrm>
+        </p:spPr>
+        <p:txBody>
+          <a:bodyPr vert="horz" lIns="91440" tIns="45720" rIns="91440" bIns="45720" rtlCol="0" anchor="ctr">
+            <a:normAutofit/>
+          </a:bodyPr>
+          <a:lstStyle/>
+          <a:p>
+            <a:pPr algn="ctr"/>
+            <a:r>
+              <a:rPr lang="en-US" sz="3200" dirty="0">
+                <a:solidFill>
+                  <a:schemeClr val="bg1"/>
+                </a:solidFill>
+              </a:rPr>
+              <a:t>Strategy 6</a:t>
+            </a:r>
+            <a:r>
+              <a:rPr lang="en-US" sz="3200" dirty="0" smtClean="0">
+                <a:solidFill>
+                  <a:schemeClr val="bg1"/>
+                </a:solidFill>
+              </a:rPr>
+              <a:t>: Focus on Components That Are Easy to Isolate</a:t>
+            </a:r>
+            <a:endParaRPr lang="en-US" sz="3200" kern="1200" dirty="0">
+              <a:solidFill>
+                <a:schemeClr val="bg1"/>
+              </a:solidFill>
+            </a:endParaRPr>
+          </a:p>
+        </p:txBody>
+      </p:sp>
+      <p:sp>
+        <p:nvSpPr>
+          <p:cNvPr id="3" name="TextBox 2">
+            <a:extLst>
+              <a:ext uri="{FF2B5EF4-FFF2-40B4-BE49-F238E27FC236}">
+                <a16:creationId xmlns="" xmlns:a16="http://schemas.microsoft.com/office/drawing/2014/main" id="{3BC8D536-660E-5C4E-BD54-ADDCDF7B4C10}"/>
+              </a:ext>
+            </a:extLst>
+          </p:cNvPr>
+          <p:cNvSpPr txBox="1"/>
+          <p:nvPr/>
+        </p:nvSpPr>
+        <p:spPr>
+          <a:xfrm>
+            <a:off x="996287" y="1978925"/>
+            <a:ext cx="10263116" cy="2631490"/>
+          </a:xfrm>
+          <a:prstGeom prst="rect">
+            <a:avLst/>
+          </a:prstGeom>
+          <a:noFill/>
+        </p:spPr>
+        <p:txBody>
+          <a:bodyPr wrap="square" rtlCol="0">
+            <a:spAutoFit/>
+          </a:bodyPr>
+          <a:lstStyle/>
+          <a:p>
+            <a:pPr marL="285750" indent="-285750">
+              <a:lnSpc>
+                <a:spcPct val="150000"/>
+              </a:lnSpc>
+              <a:spcAft>
+                <a:spcPts val="600"/>
+              </a:spcAft>
+              <a:buFont typeface="Arial" panose="020B0604020202020204" pitchFamily="34" charset="0"/>
+              <a:buChar char="•"/>
+              <a:defRPr/>
+            </a:pPr>
+            <a:r>
+              <a:rPr lang="en-US" sz="2000" dirty="0" smtClean="0">
+                <a:solidFill>
+                  <a:prstClr val="black"/>
+                </a:solidFill>
+              </a:rPr>
+              <a:t>Not just any manipulation or any difference wave will </a:t>
+            </a:r>
+            <a:r>
+              <a:rPr lang="en-US" sz="2000" dirty="0" smtClean="0">
+                <a:solidFill>
+                  <a:prstClr val="black"/>
+                </a:solidFill>
+              </a:rPr>
+              <a:t>do</a:t>
+            </a:r>
+          </a:p>
+          <a:p>
+            <a:pPr marL="285750" indent="-285750">
+              <a:lnSpc>
+                <a:spcPct val="150000"/>
+              </a:lnSpc>
+              <a:spcAft>
+                <a:spcPts val="600"/>
+              </a:spcAft>
+              <a:buFont typeface="Arial" panose="020B0604020202020204" pitchFamily="34" charset="0"/>
+              <a:buChar char="•"/>
+              <a:defRPr/>
+            </a:pPr>
+            <a:r>
+              <a:rPr lang="en-US" sz="2000" dirty="0" smtClean="0">
+                <a:solidFill>
+                  <a:prstClr val="black"/>
+                </a:solidFill>
+              </a:rPr>
+              <a:t>Use one manipulation to isolate the component and then </a:t>
+            </a:r>
+            <a:r>
+              <a:rPr lang="en-US" sz="2000" dirty="0" err="1" smtClean="0">
+                <a:solidFill>
+                  <a:prstClr val="black"/>
+                </a:solidFill>
+              </a:rPr>
+              <a:t>factorially</a:t>
+            </a:r>
+            <a:r>
+              <a:rPr lang="en-US" sz="2000" dirty="0" smtClean="0">
+                <a:solidFill>
+                  <a:prstClr val="black"/>
+                </a:solidFill>
+              </a:rPr>
+              <a:t> combine this manipulation with another manipulation (how this component varies across conditions)</a:t>
+            </a:r>
+          </a:p>
+          <a:p>
+            <a:pPr marL="742950" lvl="1" indent="-285750">
+              <a:lnSpc>
+                <a:spcPct val="150000"/>
+              </a:lnSpc>
+              <a:spcAft>
+                <a:spcPts val="600"/>
+              </a:spcAft>
+              <a:buFont typeface="Arial" panose="020B0604020202020204" pitchFamily="34" charset="0"/>
+              <a:buChar char="•"/>
+              <a:defRPr/>
+            </a:pPr>
+            <a:r>
+              <a:rPr lang="en-US" sz="2000" dirty="0" smtClean="0">
+                <a:solidFill>
+                  <a:prstClr val="black"/>
+                </a:solidFill>
+              </a:rPr>
+              <a:t>Lateralized readiness potential (LRP)</a:t>
+            </a:r>
+          </a:p>
+          <a:p>
+            <a:pPr marL="742950" lvl="1" indent="-285750">
+              <a:lnSpc>
+                <a:spcPct val="150000"/>
+              </a:lnSpc>
+              <a:spcAft>
+                <a:spcPts val="600"/>
+              </a:spcAft>
+              <a:buFont typeface="Arial" panose="020B0604020202020204" pitchFamily="34" charset="0"/>
+              <a:buChar char="•"/>
+              <a:defRPr/>
+            </a:pPr>
+            <a:r>
+              <a:rPr lang="en-US" sz="2000" dirty="0" smtClean="0">
+                <a:solidFill>
+                  <a:prstClr val="black"/>
+                </a:solidFill>
+              </a:rPr>
+              <a:t>N2pc</a:t>
+            </a:r>
+          </a:p>
+        </p:txBody>
+      </p:sp>
+    </p:spTree>
+    <p:extLst>
+      <p:ext uri="{BB962C8B-B14F-4D97-AF65-F5344CB8AC3E}">
+        <p14:creationId xmlns:p14="http://schemas.microsoft.com/office/powerpoint/2010/main" val="1681791632"/>
       </p:ext>
     </p:extLst>
   </p:cSld>

--- a/summer-study/EEG/ppt/Chapter4_part1.pptx
+++ b/summer-study/EEG/ppt/Chapter4_part1.pptx
@@ -6,7 +6,7 @@
     <p:sldMasterId id="2147483660" r:id="rId2"/>
   </p:sldMasterIdLst>
   <p:notesMasterIdLst>
-    <p:notesMasterId r:id="rId11"/>
+    <p:notesMasterId r:id="rId13"/>
   </p:notesMasterIdLst>
   <p:sldIdLst>
     <p:sldId id="257" r:id="rId3"/>
@@ -17,6 +17,8 @@
     <p:sldId id="262" r:id="rId8"/>
     <p:sldId id="263" r:id="rId9"/>
     <p:sldId id="264" r:id="rId10"/>
+    <p:sldId id="265" r:id="rId11"/>
+    <p:sldId id="266" r:id="rId12"/>
   </p:sldIdLst>
   <p:sldSz cx="12192000" cy="6858000"/>
   <p:notesSz cx="6858000" cy="9144000"/>
@@ -205,7 +207,7 @@
           <a:p>
             <a:fld id="{62A7ECD4-9000-7148-88F6-BDD73B301789}" type="datetimeFigureOut">
               <a:rPr lang="en-US" smtClean="0"/>
-              <a:t>7/23/2019</a:t>
+              <a:t>7/25/2019</a:t>
             </a:fld>
             <a:endParaRPr lang="en-US"/>
           </a:p>
@@ -2646,6 +2648,1498 @@
 </p:notes>
 </file>
 
+<file path=ppt/notesSlides/notesSlide7.xml><?xml version="1.0" encoding="utf-8"?>
+<p:notes xmlns:a="http://schemas.openxmlformats.org/drawingml/2006/main" xmlns:r="http://schemas.openxmlformats.org/officeDocument/2006/relationships" xmlns:p="http://schemas.openxmlformats.org/presentationml/2006/main">
+  <p:cSld>
+    <p:spTree>
+      <p:nvGrpSpPr>
+        <p:cNvPr id="1" name=""/>
+        <p:cNvGrpSpPr/>
+        <p:nvPr/>
+      </p:nvGrpSpPr>
+      <p:grpSpPr>
+        <a:xfrm>
+          <a:off x="0" y="0"/>
+          <a:ext cx="0" cy="0"/>
+          <a:chOff x="0" y="0"/>
+          <a:chExt cx="0" cy="0"/>
+        </a:xfrm>
+      </p:grpSpPr>
+      <p:sp>
+        <p:nvSpPr>
+          <p:cNvPr id="2" name="Slide Image Placeholder 1"/>
+          <p:cNvSpPr>
+            <a:spLocks noGrp="1" noRot="1" noChangeAspect="1"/>
+          </p:cNvSpPr>
+          <p:nvPr>
+            <p:ph type="sldImg"/>
+          </p:nvPr>
+        </p:nvSpPr>
+        <p:spPr/>
+      </p:sp>
+      <p:sp>
+        <p:nvSpPr>
+          <p:cNvPr id="3" name="Notes Placeholder 2"/>
+          <p:cNvSpPr>
+            <a:spLocks noGrp="1"/>
+          </p:cNvSpPr>
+          <p:nvPr>
+            <p:ph type="body" idx="1"/>
+          </p:nvPr>
+        </p:nvSpPr>
+        <p:spPr/>
+        <p:txBody>
+          <a:bodyPr/>
+          <a:lstStyle/>
+          <a:p>
+            <a:r>
+              <a:rPr lang="ko-KR" altLang="en-US" dirty="0" smtClean="0"/>
+              <a:t>컨디션에 따라 </a:t>
+            </a:r>
+            <a:r>
+              <a:rPr lang="en-US" altLang="ko-KR" dirty="0" smtClean="0"/>
+              <a:t>waveform</a:t>
+            </a:r>
+            <a:r>
+              <a:rPr lang="ko-KR" altLang="en-US" dirty="0" smtClean="0"/>
+              <a:t>의 차이가 나타났다는 것은 특정 </a:t>
+            </a:r>
+            <a:r>
+              <a:rPr lang="en-US" altLang="ko-KR" dirty="0" smtClean="0"/>
+              <a:t>process</a:t>
+            </a:r>
+            <a:r>
+              <a:rPr lang="ko-KR" altLang="en-US" dirty="0" smtClean="0"/>
+              <a:t>들이 이미 일어났을 것이라는 것을 뜻한다</a:t>
+            </a:r>
+            <a:r>
+              <a:rPr lang="en-US" altLang="ko-KR" dirty="0" smtClean="0"/>
+              <a:t>.</a:t>
+            </a:r>
+          </a:p>
+          <a:p>
+            <a:r>
+              <a:rPr lang="ko-KR" altLang="en-US" dirty="0" smtClean="0"/>
+              <a:t>예시로</a:t>
+            </a:r>
+            <a:r>
+              <a:rPr lang="en-US" altLang="ko-KR" dirty="0" smtClean="0"/>
+              <a:t>, P3</a:t>
+            </a:r>
+            <a:r>
+              <a:rPr lang="ko-KR" altLang="en-US" dirty="0" smtClean="0"/>
+              <a:t>는 </a:t>
+            </a:r>
+            <a:r>
+              <a:rPr lang="en-US" altLang="ko-KR" dirty="0" smtClean="0"/>
+              <a:t>frequent </a:t>
+            </a:r>
+            <a:r>
+              <a:rPr lang="en-US" altLang="ko-KR" dirty="0" err="1" smtClean="0"/>
+              <a:t>categor</a:t>
+            </a:r>
+            <a:r>
+              <a:rPr lang="ko-KR" altLang="en-US" dirty="0" smtClean="0"/>
+              <a:t>보다 </a:t>
+            </a:r>
+            <a:r>
+              <a:rPr lang="en-US" altLang="ko-KR" dirty="0" smtClean="0"/>
+              <a:t>rare category</a:t>
+            </a:r>
+            <a:r>
+              <a:rPr lang="ko-KR" altLang="en-US" dirty="0" smtClean="0"/>
+              <a:t>에서 크게 나타나는데</a:t>
+            </a:r>
+            <a:r>
+              <a:rPr lang="en-US" altLang="ko-KR" dirty="0" smtClean="0"/>
+              <a:t>, </a:t>
+            </a:r>
+            <a:r>
+              <a:rPr lang="ko-KR" altLang="en-US" dirty="0" smtClean="0"/>
+              <a:t>이 </a:t>
+            </a:r>
+            <a:r>
+              <a:rPr lang="en-US" altLang="ko-KR" dirty="0" smtClean="0"/>
+              <a:t>amplitude</a:t>
+            </a:r>
+            <a:r>
+              <a:rPr lang="ko-KR" altLang="en-US" dirty="0" smtClean="0"/>
+              <a:t>의 차이는 뇌가 해당 자극이 어떤 카테고리에 속하는지 </a:t>
+            </a:r>
+            <a:r>
+              <a:rPr lang="ko-KR" altLang="en-US" dirty="0" err="1" smtClean="0"/>
+              <a:t>결정하기전까지는</a:t>
+            </a:r>
+            <a:r>
+              <a:rPr lang="ko-KR" altLang="en-US" dirty="0" smtClean="0"/>
+              <a:t> </a:t>
+            </a:r>
+            <a:r>
+              <a:rPr lang="ko-KR" altLang="en-US" dirty="0" err="1" smtClean="0"/>
+              <a:t>나타나지않는다</a:t>
+            </a:r>
+            <a:r>
+              <a:rPr lang="en-US" altLang="ko-KR" dirty="0" smtClean="0"/>
+              <a:t>.</a:t>
+            </a:r>
+          </a:p>
+          <a:p>
+            <a:r>
+              <a:rPr lang="ko-KR" altLang="en-US" dirty="0" smtClean="0"/>
+              <a:t>따라서 두 카테고리의 차이가 있다는 것은 뇌가 자극이 </a:t>
+            </a:r>
+            <a:r>
+              <a:rPr lang="en-US" altLang="ko-KR" dirty="0" smtClean="0"/>
+              <a:t>rare </a:t>
+            </a:r>
+            <a:r>
+              <a:rPr lang="ko-KR" altLang="en-US" dirty="0" smtClean="0"/>
+              <a:t>나 </a:t>
+            </a:r>
+            <a:r>
+              <a:rPr lang="en-US" altLang="ko-KR" dirty="0" smtClean="0"/>
+              <a:t>frequent</a:t>
+            </a:r>
+            <a:r>
+              <a:rPr lang="ko-KR" altLang="en-US" dirty="0" smtClean="0"/>
+              <a:t>에 속하는 것으로 결정을 했고 </a:t>
+            </a:r>
+            <a:r>
+              <a:rPr lang="en-US" altLang="ko-KR" dirty="0" smtClean="0"/>
+              <a:t>categorization</a:t>
+            </a:r>
+            <a:r>
+              <a:rPr lang="ko-KR" altLang="en-US" dirty="0" smtClean="0"/>
+              <a:t>이 </a:t>
+            </a:r>
+            <a:r>
+              <a:rPr lang="en-US" altLang="ko-KR" dirty="0" err="1" smtClean="0"/>
+              <a:t>differnece</a:t>
+            </a:r>
+            <a:r>
+              <a:rPr lang="ko-KR" altLang="en-US" dirty="0" smtClean="0"/>
+              <a:t>가 </a:t>
+            </a:r>
+            <a:r>
+              <a:rPr lang="en-US" altLang="ko-KR" dirty="0" smtClean="0"/>
+              <a:t>0uV</a:t>
+            </a:r>
+            <a:r>
+              <a:rPr lang="ko-KR" altLang="en-US" dirty="0" smtClean="0"/>
+              <a:t>를 </a:t>
+            </a:r>
+            <a:r>
+              <a:rPr lang="ko-KR" altLang="en-US" dirty="0" err="1" smtClean="0"/>
+              <a:t>초과하기전에</a:t>
+            </a:r>
+            <a:r>
+              <a:rPr lang="ko-KR" altLang="en-US" dirty="0" smtClean="0"/>
+              <a:t> 시작되었다고 볼 수 있다</a:t>
+            </a:r>
+            <a:r>
+              <a:rPr lang="en-US" altLang="ko-KR" dirty="0" smtClean="0"/>
+              <a:t>. </a:t>
+            </a:r>
+          </a:p>
+          <a:p>
+            <a:r>
+              <a:rPr lang="en-US" dirty="0" smtClean="0"/>
+              <a:t>P3</a:t>
+            </a:r>
+            <a:r>
+              <a:rPr lang="ko-KR" altLang="en-US" dirty="0" smtClean="0"/>
+              <a:t>자체는 </a:t>
+            </a:r>
+            <a:r>
+              <a:rPr lang="en-US" altLang="ko-KR" dirty="0" smtClean="0"/>
+              <a:t>categorization</a:t>
+            </a:r>
+            <a:r>
+              <a:rPr lang="en-US" altLang="ko-KR" baseline="0" dirty="0" smtClean="0"/>
+              <a:t> process</a:t>
+            </a:r>
+            <a:r>
+              <a:rPr lang="ko-KR" altLang="en-US" baseline="0" dirty="0" smtClean="0"/>
+              <a:t>를 </a:t>
+            </a:r>
+            <a:r>
+              <a:rPr lang="ko-KR" altLang="en-US" baseline="0" dirty="0" err="1" smtClean="0"/>
+              <a:t>나타내지않고</a:t>
+            </a:r>
+            <a:r>
+              <a:rPr lang="ko-KR" altLang="en-US" baseline="0" dirty="0" smtClean="0"/>
+              <a:t> </a:t>
+            </a:r>
+            <a:r>
+              <a:rPr lang="en-US" altLang="ko-KR" baseline="0" dirty="0" smtClean="0"/>
+              <a:t>categorization</a:t>
+            </a:r>
+            <a:r>
+              <a:rPr lang="ko-KR" altLang="en-US" baseline="0" dirty="0" smtClean="0"/>
+              <a:t>이 </a:t>
+            </a:r>
+            <a:r>
+              <a:rPr lang="en-US" altLang="ko-KR" baseline="0" dirty="0" smtClean="0"/>
+              <a:t>P3</a:t>
+            </a:r>
+            <a:r>
+              <a:rPr lang="ko-KR" altLang="en-US" baseline="0" dirty="0" smtClean="0"/>
+              <a:t>가 </a:t>
+            </a:r>
+            <a:r>
+              <a:rPr lang="ko-KR" altLang="en-US" baseline="0" dirty="0" err="1" smtClean="0"/>
+              <a:t>나타나기전</a:t>
+            </a:r>
+            <a:r>
+              <a:rPr lang="ko-KR" altLang="en-US" baseline="0" dirty="0" smtClean="0"/>
+              <a:t> </a:t>
+            </a:r>
+            <a:r>
+              <a:rPr lang="en-US" altLang="ko-KR" baseline="0" dirty="0" smtClean="0"/>
+              <a:t>necessary precondition</a:t>
+            </a:r>
+            <a:r>
+              <a:rPr lang="ko-KR" altLang="en-US" baseline="0" dirty="0" smtClean="0"/>
+              <a:t>임을 알 수 있다</a:t>
+            </a:r>
+            <a:r>
+              <a:rPr lang="en-US" altLang="ko-KR" baseline="0" dirty="0" smtClean="0"/>
+              <a:t>.</a:t>
+            </a:r>
+            <a:br>
+              <a:rPr lang="en-US" altLang="ko-KR" baseline="0" dirty="0" smtClean="0"/>
+            </a:br>
+            <a:endParaRPr lang="en-US" altLang="ko-KR" baseline="0" dirty="0" smtClean="0"/>
+          </a:p>
+          <a:p>
+            <a:r>
+              <a:rPr lang="ko-KR" altLang="en-US" baseline="0" dirty="0" smtClean="0"/>
+              <a:t>숫자가 </a:t>
+            </a:r>
+            <a:r>
+              <a:rPr lang="en-US" altLang="ko-KR" baseline="0" dirty="0" smtClean="0"/>
+              <a:t>random varying time interval</a:t>
+            </a:r>
+            <a:r>
+              <a:rPr lang="ko-KR" altLang="en-US" baseline="0" dirty="0" smtClean="0"/>
+              <a:t>로 제시되고 </a:t>
+            </a:r>
+            <a:r>
+              <a:rPr lang="ko-KR" altLang="en-US" baseline="0" dirty="0" err="1" smtClean="0"/>
+              <a:t>타겟이</a:t>
+            </a:r>
+            <a:r>
+              <a:rPr lang="ko-KR" altLang="en-US" baseline="0" dirty="0" smtClean="0"/>
+              <a:t> 나타났을 때 한 </a:t>
+            </a:r>
+            <a:r>
+              <a:rPr lang="en-US" altLang="ko-KR" baseline="0" dirty="0" smtClean="0"/>
+              <a:t>key</a:t>
+            </a:r>
+            <a:r>
+              <a:rPr lang="ko-KR" altLang="en-US" baseline="0" dirty="0" smtClean="0"/>
+              <a:t>를 누르고</a:t>
+            </a:r>
+            <a:r>
+              <a:rPr lang="en-US" altLang="ko-KR" baseline="0" dirty="0" smtClean="0"/>
+              <a:t>, </a:t>
+            </a:r>
+            <a:r>
+              <a:rPr lang="en-US" altLang="ko-KR" baseline="0" dirty="0" err="1" smtClean="0"/>
+              <a:t>nontarget</a:t>
+            </a:r>
+            <a:r>
+              <a:rPr lang="ko-KR" altLang="en-US" baseline="0" dirty="0" smtClean="0"/>
+              <a:t>일 때 다른 </a:t>
+            </a:r>
+            <a:r>
+              <a:rPr lang="en-US" altLang="ko-KR" baseline="0" dirty="0" smtClean="0"/>
+              <a:t>key</a:t>
+            </a:r>
+            <a:r>
+              <a:rPr lang="ko-KR" altLang="en-US" baseline="0" dirty="0" smtClean="0"/>
+              <a:t>를 누르라고 함</a:t>
+            </a:r>
+            <a:r>
+              <a:rPr lang="en-US" altLang="ko-KR" baseline="0" dirty="0" smtClean="0"/>
+              <a:t>.</a:t>
+            </a:r>
+          </a:p>
+          <a:p>
+            <a:r>
+              <a:rPr lang="en-US" baseline="0" dirty="0" smtClean="0"/>
+              <a:t>Single-digit </a:t>
+            </a:r>
+            <a:r>
+              <a:rPr lang="en-US" baseline="0" dirty="0" err="1" smtClean="0"/>
+              <a:t>conditio</a:t>
+            </a:r>
+            <a:r>
+              <a:rPr lang="ko-KR" altLang="en-US" baseline="0" dirty="0" smtClean="0"/>
+              <a:t>에서는 </a:t>
+            </a:r>
+            <a:r>
+              <a:rPr lang="en-US" altLang="ko-KR" baseline="0" dirty="0" smtClean="0"/>
+              <a:t>3</a:t>
+            </a:r>
+            <a:r>
+              <a:rPr lang="ko-KR" altLang="en-US" baseline="0" dirty="0" smtClean="0"/>
+              <a:t>이 </a:t>
+            </a:r>
+            <a:r>
+              <a:rPr lang="ko-KR" altLang="en-US" baseline="0" dirty="0" err="1" smtClean="0"/>
+              <a:t>타겟이었고</a:t>
+            </a:r>
+            <a:r>
+              <a:rPr lang="ko-KR" altLang="en-US" baseline="0" dirty="0" smtClean="0"/>
+              <a:t> 나머지는 </a:t>
+            </a:r>
+            <a:r>
+              <a:rPr lang="en-US" altLang="ko-KR" baseline="0" dirty="0" err="1" smtClean="0"/>
+              <a:t>nontarget</a:t>
+            </a:r>
+            <a:r>
+              <a:rPr lang="en-US" altLang="ko-KR" baseline="0" dirty="0" smtClean="0"/>
+              <a:t>. Difference wave</a:t>
+            </a:r>
+            <a:r>
+              <a:rPr lang="ko-KR" altLang="en-US" baseline="0" dirty="0" smtClean="0"/>
+              <a:t>는 뇌가 </a:t>
+            </a:r>
+            <a:r>
+              <a:rPr lang="ko-KR" altLang="en-US" baseline="0" dirty="0" err="1" smtClean="0"/>
+              <a:t>현자극이</a:t>
+            </a:r>
+            <a:r>
+              <a:rPr lang="ko-KR" altLang="en-US" baseline="0" dirty="0" smtClean="0"/>
+              <a:t> </a:t>
+            </a:r>
+            <a:r>
+              <a:rPr lang="ko-KR" altLang="en-US" baseline="0" dirty="0" err="1" smtClean="0"/>
+              <a:t>타겟인지</a:t>
+            </a:r>
+            <a:r>
+              <a:rPr lang="ko-KR" altLang="en-US" baseline="0" dirty="0" smtClean="0"/>
+              <a:t> 아닌지를 판단하기 </a:t>
+            </a:r>
+            <a:r>
+              <a:rPr lang="ko-KR" altLang="en-US" baseline="0" dirty="0" err="1" smtClean="0"/>
+              <a:t>시작하기전까지는</a:t>
+            </a:r>
+            <a:r>
+              <a:rPr lang="ko-KR" altLang="en-US" baseline="0" dirty="0" smtClean="0"/>
+              <a:t> </a:t>
+            </a:r>
+            <a:r>
+              <a:rPr lang="en-US" altLang="ko-KR" baseline="0" dirty="0" smtClean="0"/>
+              <a:t>0uv</a:t>
+            </a:r>
+            <a:r>
+              <a:rPr lang="ko-KR" altLang="en-US" baseline="0" dirty="0" smtClean="0"/>
+              <a:t>를 넘을 수 없다</a:t>
+            </a:r>
+            <a:r>
+              <a:rPr lang="en-US" altLang="ko-KR" baseline="0" dirty="0" smtClean="0"/>
+              <a:t>.</a:t>
+            </a:r>
+          </a:p>
+          <a:p>
+            <a:r>
+              <a:rPr lang="ko-KR" altLang="en-US" baseline="0" dirty="0" smtClean="0"/>
+              <a:t>따라서 </a:t>
+            </a:r>
+            <a:r>
+              <a:rPr lang="en-US" altLang="ko-KR" baseline="0" dirty="0" smtClean="0"/>
+              <a:t>difference wave</a:t>
+            </a:r>
+            <a:r>
+              <a:rPr lang="ko-KR" altLang="en-US" baseline="0" dirty="0" smtClean="0"/>
+              <a:t>의 </a:t>
+            </a:r>
+            <a:r>
+              <a:rPr lang="en-US" altLang="ko-KR" baseline="0" dirty="0" smtClean="0"/>
+              <a:t>onset</a:t>
+            </a:r>
+            <a:r>
+              <a:rPr lang="ko-KR" altLang="en-US" baseline="0" dirty="0" smtClean="0"/>
+              <a:t>은 뇌가 숫자를 </a:t>
+            </a:r>
+            <a:r>
+              <a:rPr lang="en-US" altLang="ko-KR" baseline="0" dirty="0" err="1" smtClean="0"/>
+              <a:t>classif</a:t>
+            </a:r>
+            <a:r>
+              <a:rPr lang="ko-KR" altLang="en-US" baseline="0" dirty="0" smtClean="0"/>
+              <a:t>하기 위해 필요한 시간의 </a:t>
+            </a:r>
+            <a:r>
+              <a:rPr lang="en-US" altLang="ko-KR" baseline="0" dirty="0" smtClean="0"/>
+              <a:t>upper bound</a:t>
+            </a:r>
+            <a:r>
+              <a:rPr lang="ko-KR" altLang="en-US" baseline="0" dirty="0" smtClean="0"/>
+              <a:t>라고 볼 수 있다</a:t>
+            </a:r>
+            <a:r>
+              <a:rPr lang="en-US" altLang="ko-KR" baseline="0" dirty="0" smtClean="0"/>
+              <a:t>.</a:t>
+            </a:r>
+          </a:p>
+          <a:p>
+            <a:r>
+              <a:rPr lang="en-US" dirty="0" smtClean="0"/>
+              <a:t>A</a:t>
+            </a:r>
+            <a:r>
+              <a:rPr lang="ko-KR" altLang="en-US" dirty="0" smtClean="0"/>
+              <a:t>에서 화살표는 </a:t>
+            </a:r>
+            <a:r>
+              <a:rPr lang="en-US" altLang="ko-KR" dirty="0" smtClean="0"/>
+              <a:t>onset</a:t>
+            </a:r>
+            <a:r>
+              <a:rPr lang="ko-KR" altLang="en-US" dirty="0" smtClean="0"/>
+              <a:t>을 나타내고 이 </a:t>
+            </a:r>
+            <a:r>
+              <a:rPr lang="en-US" altLang="ko-KR" dirty="0" smtClean="0"/>
+              <a:t>onset</a:t>
+            </a:r>
+            <a:r>
+              <a:rPr lang="ko-KR" altLang="en-US" dirty="0" smtClean="0"/>
+              <a:t>은 </a:t>
+            </a:r>
+            <a:r>
+              <a:rPr lang="en-US" altLang="ko-KR" dirty="0" smtClean="0"/>
+              <a:t>1uv</a:t>
+            </a:r>
+            <a:r>
+              <a:rPr lang="ko-KR" altLang="en-US" dirty="0" smtClean="0"/>
+              <a:t>를 </a:t>
+            </a:r>
+            <a:r>
+              <a:rPr lang="ko-KR" altLang="en-US" dirty="0" err="1" smtClean="0"/>
+              <a:t>넘었을때로</a:t>
+            </a:r>
+            <a:r>
+              <a:rPr lang="ko-KR" altLang="en-US" dirty="0" smtClean="0"/>
+              <a:t> 정의한다</a:t>
+            </a:r>
+            <a:r>
+              <a:rPr lang="en-US" altLang="ko-KR" dirty="0" smtClean="0"/>
+              <a:t>.</a:t>
+            </a:r>
+          </a:p>
+          <a:p>
+            <a:endParaRPr lang="en-US" dirty="0" smtClean="0"/>
+          </a:p>
+          <a:p>
+            <a:r>
+              <a:rPr lang="en-US" dirty="0" smtClean="0"/>
+              <a:t>Odd/even </a:t>
+            </a:r>
+            <a:r>
+              <a:rPr lang="en-US" dirty="0" err="1" smtClean="0"/>
+              <a:t>conditio</a:t>
+            </a:r>
+            <a:r>
+              <a:rPr lang="ko-KR" altLang="en-US" dirty="0" smtClean="0"/>
+              <a:t>에서는 숫자가 </a:t>
+            </a:r>
+            <a:r>
+              <a:rPr lang="en-US" altLang="ko-KR" dirty="0" smtClean="0"/>
+              <a:t>odd</a:t>
+            </a:r>
+            <a:r>
+              <a:rPr lang="ko-KR" altLang="en-US" dirty="0" smtClean="0"/>
+              <a:t>인지 </a:t>
+            </a:r>
+            <a:r>
+              <a:rPr lang="en-US" altLang="ko-KR" dirty="0" smtClean="0"/>
+              <a:t>even</a:t>
+            </a:r>
+            <a:r>
+              <a:rPr lang="ko-KR" altLang="en-US" dirty="0" smtClean="0"/>
+              <a:t>인지 </a:t>
+            </a:r>
+            <a:r>
+              <a:rPr lang="ko-KR" altLang="en-US" dirty="0" err="1" smtClean="0"/>
+              <a:t>판단하는데에</a:t>
+            </a:r>
+            <a:r>
+              <a:rPr lang="ko-KR" altLang="en-US" dirty="0" smtClean="0"/>
+              <a:t> 얼마나 더 많은 시간이 필요한지를 </a:t>
+            </a:r>
+            <a:r>
+              <a:rPr lang="ko-KR" altLang="en-US" dirty="0" err="1" smtClean="0"/>
+              <a:t>보기위해</a:t>
+            </a:r>
+            <a:r>
+              <a:rPr lang="ko-KR" altLang="en-US" dirty="0" smtClean="0"/>
+              <a:t> 진행되었다</a:t>
+            </a:r>
+            <a:r>
+              <a:rPr lang="en-US" altLang="ko-KR" dirty="0" smtClean="0"/>
+              <a:t>.</a:t>
+            </a:r>
+          </a:p>
+          <a:p>
+            <a:r>
+              <a:rPr lang="en-US" dirty="0" smtClean="0"/>
+              <a:t>Odd digit</a:t>
+            </a:r>
+            <a:r>
+              <a:rPr lang="ko-KR" altLang="en-US" dirty="0" smtClean="0"/>
+              <a:t>이 </a:t>
+            </a:r>
+            <a:r>
+              <a:rPr lang="ko-KR" altLang="en-US" dirty="0" err="1" smtClean="0"/>
+              <a:t>타겟</a:t>
+            </a:r>
+            <a:r>
+              <a:rPr lang="en-US" altLang="ko-KR" dirty="0" smtClean="0"/>
+              <a:t>, even</a:t>
+            </a:r>
+            <a:r>
+              <a:rPr lang="ko-KR" altLang="en-US" dirty="0" smtClean="0"/>
+              <a:t>이 </a:t>
+            </a:r>
+            <a:r>
+              <a:rPr lang="en-US" altLang="ko-KR" dirty="0" err="1" smtClean="0"/>
+              <a:t>nontarget</a:t>
+            </a:r>
+            <a:r>
+              <a:rPr lang="en-US" altLang="ko-KR" dirty="0" smtClean="0"/>
+              <a:t>.</a:t>
+            </a:r>
+          </a:p>
+          <a:p>
+            <a:r>
+              <a:rPr lang="ko-KR" altLang="en-US" dirty="0" smtClean="0"/>
+              <a:t>뇌가 짝수인지 홀수인지 </a:t>
+            </a:r>
+            <a:r>
+              <a:rPr lang="ko-KR" altLang="en-US" dirty="0" err="1" smtClean="0"/>
+              <a:t>판단하는데에</a:t>
+            </a:r>
+            <a:r>
+              <a:rPr lang="ko-KR" altLang="en-US" dirty="0" smtClean="0"/>
+              <a:t> </a:t>
+            </a:r>
+            <a:r>
+              <a:rPr lang="en-US" altLang="ko-KR" dirty="0" smtClean="0"/>
+              <a:t>specific digit</a:t>
+            </a:r>
+            <a:r>
+              <a:rPr lang="ko-KR" altLang="en-US" dirty="0" smtClean="0"/>
+              <a:t>을 </a:t>
+            </a:r>
+            <a:r>
+              <a:rPr lang="en-US" altLang="ko-KR" dirty="0" smtClean="0"/>
+              <a:t>identify</a:t>
+            </a:r>
+            <a:r>
+              <a:rPr lang="ko-KR" altLang="en-US" dirty="0" smtClean="0"/>
+              <a:t>하는 것보다 아마도 오래 걸릴 것이기 때문에 자극이 </a:t>
+            </a:r>
+            <a:r>
+              <a:rPr lang="en-US" altLang="ko-KR" dirty="0" smtClean="0"/>
+              <a:t>rare</a:t>
+            </a:r>
+            <a:r>
+              <a:rPr lang="ko-KR" altLang="en-US" dirty="0" smtClean="0"/>
+              <a:t>인지 </a:t>
+            </a:r>
+            <a:r>
+              <a:rPr lang="en-US" altLang="ko-KR" dirty="0" smtClean="0"/>
+              <a:t>frequent</a:t>
+            </a:r>
+            <a:r>
+              <a:rPr lang="ko-KR" altLang="en-US" dirty="0" smtClean="0"/>
+              <a:t>인지 </a:t>
+            </a:r>
+            <a:r>
+              <a:rPr lang="ko-KR" altLang="en-US" dirty="0" err="1" smtClean="0"/>
+              <a:t>판단하는데에</a:t>
+            </a:r>
+            <a:r>
+              <a:rPr lang="ko-KR" altLang="en-US" dirty="0" smtClean="0"/>
+              <a:t> 더 </a:t>
+            </a:r>
+            <a:r>
+              <a:rPr lang="ko-KR" altLang="en-US" dirty="0" err="1" smtClean="0"/>
+              <a:t>오래걸릴</a:t>
+            </a:r>
+            <a:r>
+              <a:rPr lang="ko-KR" altLang="en-US" dirty="0" smtClean="0"/>
+              <a:t> 것이다</a:t>
+            </a:r>
+            <a:r>
+              <a:rPr lang="en-US" altLang="ko-KR" dirty="0" smtClean="0"/>
+              <a:t>.</a:t>
+            </a:r>
+          </a:p>
+          <a:p>
+            <a:r>
+              <a:rPr lang="ko-KR" altLang="en-US" dirty="0" smtClean="0"/>
+              <a:t>따라서 </a:t>
+            </a:r>
+            <a:r>
+              <a:rPr lang="en-US" altLang="ko-KR" dirty="0" smtClean="0"/>
+              <a:t>difference wave</a:t>
+            </a:r>
+            <a:r>
+              <a:rPr lang="ko-KR" altLang="en-US" dirty="0" smtClean="0"/>
+              <a:t>의 </a:t>
+            </a:r>
+            <a:r>
+              <a:rPr lang="en-US" altLang="ko-KR" dirty="0" smtClean="0"/>
+              <a:t>onset</a:t>
+            </a:r>
+            <a:r>
+              <a:rPr lang="ko-KR" altLang="en-US" dirty="0" smtClean="0"/>
+              <a:t>은 더 늦을 것이다</a:t>
+            </a:r>
+            <a:r>
+              <a:rPr lang="en-US" altLang="ko-KR" dirty="0" smtClean="0"/>
+              <a:t>. </a:t>
+            </a:r>
+            <a:r>
+              <a:rPr lang="ko-KR" altLang="en-US" dirty="0" smtClean="0"/>
+              <a:t>이 </a:t>
+            </a:r>
+            <a:r>
+              <a:rPr lang="en-US" altLang="ko-KR" dirty="0" smtClean="0"/>
+              <a:t>onset</a:t>
+            </a:r>
+            <a:r>
+              <a:rPr lang="ko-KR" altLang="en-US" dirty="0" smtClean="0"/>
+              <a:t>의 차이는 홀</a:t>
+            </a:r>
+            <a:r>
+              <a:rPr lang="en-US" altLang="ko-KR" dirty="0" smtClean="0"/>
+              <a:t>/</a:t>
+            </a:r>
+            <a:r>
+              <a:rPr lang="ko-KR" altLang="en-US" dirty="0" smtClean="0"/>
+              <a:t>짝을 결정하는데 걸리는 시간이다</a:t>
+            </a:r>
+            <a:r>
+              <a:rPr lang="en-US" altLang="ko-KR" dirty="0" smtClean="0"/>
+              <a:t>.</a:t>
+            </a:r>
+          </a:p>
+          <a:p>
+            <a:endParaRPr lang="en-US" dirty="0" smtClean="0"/>
+          </a:p>
+          <a:p>
+            <a:r>
+              <a:rPr lang="en-US" altLang="ko-KR" dirty="0" smtClean="0"/>
+              <a:t>Odd/even sum condition</a:t>
+            </a:r>
+            <a:r>
+              <a:rPr lang="ko-KR" altLang="en-US" dirty="0" smtClean="0"/>
+              <a:t>에서는 현재 자극과 그 전 자극의 합이 </a:t>
+            </a:r>
+            <a:r>
+              <a:rPr lang="en-US" altLang="ko-KR" dirty="0" smtClean="0"/>
+              <a:t>odd/even</a:t>
+            </a:r>
+            <a:r>
+              <a:rPr lang="ko-KR" altLang="en-US" dirty="0" smtClean="0"/>
+              <a:t>을 결정하는 것인데 </a:t>
+            </a:r>
+            <a:r>
+              <a:rPr lang="en-US" altLang="ko-KR" dirty="0" smtClean="0"/>
+              <a:t>odd</a:t>
+            </a:r>
+            <a:r>
+              <a:rPr lang="ko-KR" altLang="en-US" dirty="0" smtClean="0"/>
+              <a:t>가 </a:t>
+            </a:r>
+            <a:r>
+              <a:rPr lang="en-US" altLang="ko-KR" dirty="0" smtClean="0"/>
+              <a:t>10%, </a:t>
+            </a:r>
+            <a:r>
+              <a:rPr lang="ko-KR" altLang="en-US" dirty="0" smtClean="0"/>
+              <a:t>나머지가 </a:t>
+            </a:r>
+            <a:r>
+              <a:rPr lang="en-US" altLang="ko-KR" dirty="0" smtClean="0"/>
+              <a:t>90%</a:t>
+            </a:r>
+            <a:r>
+              <a:rPr lang="ko-KR" altLang="en-US" dirty="0" smtClean="0"/>
+              <a:t>였다</a:t>
+            </a:r>
+            <a:r>
+              <a:rPr lang="en-US" altLang="ko-KR" dirty="0" smtClean="0"/>
+              <a:t>.</a:t>
+            </a:r>
+          </a:p>
+          <a:p>
+            <a:r>
+              <a:rPr lang="ko-KR" altLang="en-US" dirty="0" smtClean="0"/>
+              <a:t>이 과정은 더 </a:t>
+            </a:r>
+            <a:r>
+              <a:rPr lang="ko-KR" altLang="en-US" dirty="0" err="1" smtClean="0"/>
+              <a:t>오래걸릴것이며</a:t>
+            </a:r>
+            <a:r>
+              <a:rPr lang="ko-KR" altLang="en-US" dirty="0" smtClean="0"/>
+              <a:t> </a:t>
+            </a:r>
+            <a:r>
+              <a:rPr lang="en-US" altLang="ko-KR" dirty="0" smtClean="0"/>
+              <a:t>onset</a:t>
+            </a:r>
+            <a:r>
+              <a:rPr lang="ko-KR" altLang="en-US" dirty="0" smtClean="0"/>
+              <a:t>은 더 늦을 것이다</a:t>
+            </a:r>
+            <a:r>
+              <a:rPr lang="en-US" altLang="ko-KR" dirty="0" smtClean="0"/>
+              <a:t>. </a:t>
+            </a:r>
+            <a:r>
+              <a:rPr lang="ko-KR" altLang="en-US" dirty="0" smtClean="0"/>
+              <a:t>이 </a:t>
+            </a:r>
+            <a:r>
+              <a:rPr lang="en-US" altLang="ko-KR" dirty="0" smtClean="0"/>
+              <a:t>onset</a:t>
+            </a:r>
+            <a:r>
+              <a:rPr lang="ko-KR" altLang="en-US" dirty="0" smtClean="0"/>
+              <a:t>의 차이는 두 숫자를 합치는데 걸리는 시간을 나타낸다</a:t>
+            </a:r>
+            <a:r>
+              <a:rPr lang="en-US" altLang="ko-KR" dirty="0" smtClean="0"/>
+              <a:t>.</a:t>
+            </a:r>
+          </a:p>
+          <a:p>
+            <a:endParaRPr lang="en-US" dirty="0" smtClean="0"/>
+          </a:p>
+          <a:p>
+            <a:r>
+              <a:rPr lang="ko-KR" altLang="en-US" dirty="0" smtClean="0"/>
+              <a:t>이 때 왜 </a:t>
+            </a:r>
+            <a:r>
+              <a:rPr lang="en-US" altLang="ko-KR" dirty="0" smtClean="0"/>
+              <a:t>rare/frequent </a:t>
+            </a:r>
+            <a:r>
+              <a:rPr lang="en-US" altLang="ko-KR" dirty="0" err="1" smtClean="0"/>
+              <a:t>manipulatio</a:t>
+            </a:r>
+            <a:r>
+              <a:rPr lang="ko-KR" altLang="en-US" dirty="0" smtClean="0"/>
+              <a:t>을 사용했는지 이해가 </a:t>
+            </a:r>
+            <a:r>
+              <a:rPr lang="ko-KR" altLang="en-US" dirty="0" err="1" smtClean="0"/>
+              <a:t>안갈</a:t>
+            </a:r>
+            <a:r>
+              <a:rPr lang="ko-KR" altLang="en-US" dirty="0" smtClean="0"/>
+              <a:t> 수 있다</a:t>
+            </a:r>
+            <a:r>
+              <a:rPr lang="en-US" altLang="ko-KR" dirty="0" smtClean="0"/>
+              <a:t>. </a:t>
+            </a:r>
+            <a:r>
+              <a:rPr lang="ko-KR" altLang="en-US" dirty="0" smtClean="0"/>
+              <a:t>이 이유는 </a:t>
+            </a:r>
+            <a:r>
+              <a:rPr lang="ko-KR" altLang="en-US" dirty="0" err="1" smtClean="0"/>
+              <a:t>둘다</a:t>
+            </a:r>
+            <a:r>
+              <a:rPr lang="ko-KR" altLang="en-US" dirty="0" smtClean="0"/>
+              <a:t> </a:t>
+            </a:r>
+            <a:r>
+              <a:rPr lang="en-US" altLang="ko-KR" dirty="0" smtClean="0"/>
+              <a:t>50/50</a:t>
+            </a:r>
+            <a:r>
+              <a:rPr lang="ko-KR" altLang="en-US" dirty="0" smtClean="0"/>
+              <a:t>라면 </a:t>
+            </a:r>
+            <a:r>
+              <a:rPr lang="en-US" altLang="ko-KR" dirty="0" smtClean="0"/>
+              <a:t>difference wave</a:t>
+            </a:r>
+            <a:r>
+              <a:rPr lang="ko-KR" altLang="en-US" dirty="0" smtClean="0"/>
+              <a:t>는 </a:t>
+            </a:r>
+            <a:r>
+              <a:rPr lang="en-US" altLang="ko-KR" dirty="0" smtClean="0"/>
+              <a:t>flat</a:t>
+            </a:r>
+            <a:r>
+              <a:rPr lang="ko-KR" altLang="en-US" dirty="0" err="1" smtClean="0"/>
+              <a:t>하기때문에</a:t>
+            </a:r>
+            <a:r>
+              <a:rPr lang="ko-KR" altLang="en-US" dirty="0" smtClean="0"/>
+              <a:t> </a:t>
+            </a:r>
+            <a:r>
+              <a:rPr lang="en-US" altLang="ko-KR" dirty="0" smtClean="0"/>
+              <a:t>onset</a:t>
+            </a:r>
+            <a:r>
+              <a:rPr lang="ko-KR" altLang="en-US" dirty="0" smtClean="0"/>
+              <a:t>을 알 수 없기 때문이다</a:t>
+            </a:r>
+            <a:r>
+              <a:rPr lang="en-US" altLang="ko-KR" dirty="0" smtClean="0"/>
+              <a:t>.</a:t>
+            </a:r>
+          </a:p>
+          <a:p>
+            <a:r>
+              <a:rPr lang="ko-KR" altLang="en-US" dirty="0" smtClean="0"/>
+              <a:t>그리고 </a:t>
+            </a:r>
+            <a:r>
+              <a:rPr lang="en-US" altLang="ko-KR" dirty="0" smtClean="0"/>
+              <a:t>difference wave</a:t>
+            </a:r>
+            <a:r>
+              <a:rPr lang="ko-KR" altLang="en-US" dirty="0" smtClean="0"/>
+              <a:t>가 아닌 각각의 </a:t>
+            </a:r>
+            <a:r>
+              <a:rPr lang="en-US" altLang="ko-KR" dirty="0" smtClean="0"/>
+              <a:t>wave</a:t>
+            </a:r>
+            <a:r>
+              <a:rPr lang="ko-KR" altLang="en-US" dirty="0" smtClean="0"/>
+              <a:t>를 살폈다면 </a:t>
+            </a:r>
+            <a:r>
+              <a:rPr lang="en-US" altLang="ko-KR" dirty="0" smtClean="0"/>
+              <a:t>specific </a:t>
+            </a:r>
+            <a:r>
+              <a:rPr lang="en-US" altLang="ko-KR" dirty="0" err="1" smtClean="0"/>
+              <a:t>proces</a:t>
+            </a:r>
+            <a:r>
+              <a:rPr lang="ko-KR" altLang="en-US" dirty="0" smtClean="0"/>
+              <a:t>를 </a:t>
+            </a:r>
+            <a:r>
+              <a:rPr lang="en-US" altLang="ko-KR" dirty="0" err="1" smtClean="0"/>
+              <a:t>isolat</a:t>
+            </a:r>
+            <a:r>
+              <a:rPr lang="ko-KR" altLang="en-US" dirty="0" smtClean="0"/>
+              <a:t>할 수 없다</a:t>
+            </a:r>
+            <a:r>
+              <a:rPr lang="en-US" altLang="ko-KR" dirty="0" smtClean="0"/>
+              <a:t>.</a:t>
+            </a:r>
+          </a:p>
+          <a:p>
+            <a:r>
+              <a:rPr lang="ko-KR" altLang="en-US" dirty="0" smtClean="0"/>
+              <a:t>이건 하나의 </a:t>
+            </a:r>
+            <a:r>
+              <a:rPr lang="en-US" altLang="ko-KR" dirty="0" smtClean="0"/>
+              <a:t>“trick” when designing</a:t>
+            </a:r>
+            <a:r>
+              <a:rPr lang="en-US" altLang="ko-KR" baseline="0" dirty="0" smtClean="0"/>
+              <a:t> ERP experiments </a:t>
+            </a:r>
+            <a:r>
+              <a:rPr lang="ko-KR" altLang="en-US" baseline="0" dirty="0" smtClean="0"/>
+              <a:t>인데</a:t>
+            </a:r>
+            <a:r>
+              <a:rPr lang="en-US" altLang="ko-KR" baseline="0" dirty="0" smtClean="0"/>
+              <a:t>, manipulation of interest (odd/even)</a:t>
+            </a:r>
+            <a:r>
+              <a:rPr lang="ko-KR" altLang="en-US" baseline="0" dirty="0" smtClean="0"/>
+              <a:t>과 다른 </a:t>
+            </a:r>
+            <a:r>
+              <a:rPr lang="en-US" altLang="ko-KR" baseline="0" dirty="0" smtClean="0"/>
+              <a:t>manipulation (rare/frequent)</a:t>
+            </a:r>
+            <a:r>
+              <a:rPr lang="ko-KR" altLang="en-US" baseline="0" dirty="0" smtClean="0"/>
+              <a:t>를 합쳐서 </a:t>
+            </a:r>
+            <a:r>
+              <a:rPr lang="ko-KR" altLang="en-US" baseline="0" dirty="0" err="1" smtClean="0"/>
+              <a:t>관심있는</a:t>
+            </a:r>
+            <a:r>
+              <a:rPr lang="ko-KR" altLang="en-US" baseline="0" dirty="0" smtClean="0"/>
+              <a:t> </a:t>
+            </a:r>
+            <a:r>
+              <a:rPr lang="en-US" altLang="ko-KR" baseline="0" dirty="0" smtClean="0"/>
+              <a:t>manipulation</a:t>
+            </a:r>
+            <a:r>
+              <a:rPr lang="ko-KR" altLang="en-US" baseline="0" dirty="0" smtClean="0"/>
+              <a:t>이 각기 다른 </a:t>
+            </a:r>
+            <a:r>
+              <a:rPr lang="en-US" altLang="ko-KR" baseline="0" dirty="0" smtClean="0"/>
+              <a:t>ERP</a:t>
+            </a:r>
+            <a:r>
+              <a:rPr lang="ko-KR" altLang="en-US" baseline="0" dirty="0" smtClean="0"/>
+              <a:t>를 보이도록 </a:t>
+            </a:r>
+            <a:r>
+              <a:rPr lang="ko-KR" altLang="en-US" baseline="0" dirty="0" err="1" smtClean="0"/>
+              <a:t>하는것이다</a:t>
+            </a:r>
+            <a:r>
+              <a:rPr lang="en-US" altLang="ko-KR" baseline="0" dirty="0" smtClean="0"/>
+              <a:t>.</a:t>
+            </a:r>
+          </a:p>
+          <a:p>
+            <a:r>
+              <a:rPr lang="ko-KR" altLang="en-US" baseline="0" dirty="0" smtClean="0"/>
+              <a:t>그러나 이때 </a:t>
+            </a:r>
+            <a:r>
+              <a:rPr lang="en-US" altLang="ko-KR" baseline="0" dirty="0" smtClean="0"/>
+              <a:t>confound</a:t>
+            </a:r>
+            <a:r>
+              <a:rPr lang="ko-KR" altLang="en-US" baseline="0" dirty="0" smtClean="0"/>
+              <a:t>가 </a:t>
+            </a:r>
+            <a:r>
+              <a:rPr lang="ko-KR" altLang="en-US" baseline="0" dirty="0" err="1" smtClean="0"/>
+              <a:t>있지않도록</a:t>
+            </a:r>
+            <a:r>
+              <a:rPr lang="ko-KR" altLang="en-US" baseline="0" dirty="0" smtClean="0"/>
+              <a:t> 잘 </a:t>
+            </a:r>
+            <a:r>
+              <a:rPr lang="en-US" altLang="ko-KR" baseline="0" dirty="0" err="1" smtClean="0"/>
+              <a:t>balanc</a:t>
+            </a:r>
+            <a:r>
+              <a:rPr lang="ko-KR" altLang="en-US" baseline="0" dirty="0" err="1" smtClean="0"/>
+              <a:t>해야한다</a:t>
+            </a:r>
+            <a:r>
+              <a:rPr lang="en-US" altLang="ko-KR" baseline="0" dirty="0" smtClean="0"/>
+              <a:t>.</a:t>
+            </a:r>
+          </a:p>
+          <a:p>
+            <a:endParaRPr lang="en-US" baseline="0" dirty="0" smtClean="0"/>
+          </a:p>
+          <a:p>
+            <a:r>
+              <a:rPr lang="ko-KR" altLang="en-US" baseline="0" dirty="0" smtClean="0"/>
+              <a:t>여기서 또 기억해야 </a:t>
+            </a:r>
+            <a:r>
+              <a:rPr lang="ko-KR" altLang="en-US" baseline="0" dirty="0" err="1" smtClean="0"/>
+              <a:t>할점은</a:t>
+            </a:r>
+            <a:r>
+              <a:rPr lang="ko-KR" altLang="en-US" baseline="0" dirty="0" smtClean="0"/>
+              <a:t> </a:t>
+            </a:r>
+            <a:r>
+              <a:rPr lang="en-US" altLang="ko-KR" baseline="0" dirty="0" smtClean="0"/>
+              <a:t>P3</a:t>
+            </a:r>
+            <a:r>
+              <a:rPr lang="ko-KR" altLang="en-US" baseline="0" dirty="0" smtClean="0"/>
+              <a:t>이 숫자의 카테고리를 결정하는 </a:t>
+            </a:r>
+            <a:r>
+              <a:rPr lang="en-US" altLang="ko-KR" baseline="0" dirty="0" err="1" smtClean="0"/>
+              <a:t>proces</a:t>
+            </a:r>
+            <a:r>
+              <a:rPr lang="ko-KR" altLang="en-US" baseline="0" dirty="0" smtClean="0"/>
+              <a:t>를 나타내는 것이 아닌 </a:t>
+            </a:r>
+            <a:r>
+              <a:rPr lang="en-US" altLang="ko-KR" baseline="0" dirty="0" err="1" smtClean="0"/>
+              <a:t>consequenc</a:t>
+            </a:r>
+            <a:r>
+              <a:rPr lang="ko-KR" altLang="en-US" baseline="0" dirty="0" smtClean="0"/>
+              <a:t>를 나타낸다는 점이다</a:t>
+            </a:r>
+            <a:r>
+              <a:rPr lang="en-US" altLang="ko-KR" baseline="0" dirty="0" smtClean="0"/>
+              <a:t>. </a:t>
+            </a:r>
+            <a:r>
+              <a:rPr lang="ko-KR" altLang="en-US" baseline="0" dirty="0" smtClean="0"/>
+              <a:t>이게 </a:t>
+            </a:r>
+            <a:r>
+              <a:rPr lang="en-US" altLang="ko-KR" baseline="0" dirty="0" smtClean="0"/>
+              <a:t>strategy 7</a:t>
+            </a:r>
+            <a:r>
+              <a:rPr lang="ko-KR" altLang="en-US" baseline="0" dirty="0" smtClean="0"/>
+              <a:t>의 의미이다</a:t>
+            </a:r>
+            <a:r>
+              <a:rPr lang="en-US" altLang="ko-KR" baseline="0" dirty="0" smtClean="0"/>
+              <a:t>.</a:t>
+            </a:r>
+          </a:p>
+          <a:p>
+            <a:r>
+              <a:rPr lang="ko-KR" altLang="en-US" baseline="0" dirty="0" smtClean="0"/>
+              <a:t> </a:t>
+            </a:r>
+            <a:endParaRPr lang="en-US" dirty="0"/>
+          </a:p>
+        </p:txBody>
+      </p:sp>
+      <p:sp>
+        <p:nvSpPr>
+          <p:cNvPr id="4" name="Slide Number Placeholder 3"/>
+          <p:cNvSpPr>
+            <a:spLocks noGrp="1"/>
+          </p:cNvSpPr>
+          <p:nvPr>
+            <p:ph type="sldNum" sz="quarter" idx="5"/>
+          </p:nvPr>
+        </p:nvSpPr>
+        <p:spPr/>
+        <p:txBody>
+          <a:bodyPr/>
+          <a:lstStyle/>
+          <a:p>
+            <a:pPr latinLnBrk="1">
+              <a:defRPr/>
+            </a:pPr>
+            <a:fld id="{ABCB040E-7711-EF49-8553-F84D830A7363}" type="slidenum">
+              <a:rPr lang="en-US" smtClean="0">
+                <a:solidFill>
+                  <a:prstClr val="black"/>
+                </a:solidFill>
+              </a:rPr>
+              <a:pPr latinLnBrk="1">
+                <a:defRPr/>
+              </a:pPr>
+              <a:t>9</a:t>
+            </a:fld>
+            <a:endParaRPr lang="en-US">
+              <a:solidFill>
+                <a:prstClr val="black"/>
+              </a:solidFill>
+            </a:endParaRPr>
+          </a:p>
+        </p:txBody>
+      </p:sp>
+    </p:spTree>
+    <p:extLst>
+      <p:ext uri="{BB962C8B-B14F-4D97-AF65-F5344CB8AC3E}">
+        <p14:creationId xmlns:p14="http://schemas.microsoft.com/office/powerpoint/2010/main" val="1688937865"/>
+      </p:ext>
+    </p:extLst>
+  </p:cSld>
+  <p:clrMapOvr>
+    <a:masterClrMapping/>
+  </p:clrMapOvr>
+</p:notes>
+</file>
+
+<file path=ppt/notesSlides/notesSlide8.xml><?xml version="1.0" encoding="utf-8"?>
+<p:notes xmlns:a="http://schemas.openxmlformats.org/drawingml/2006/main" xmlns:r="http://schemas.openxmlformats.org/officeDocument/2006/relationships" xmlns:p="http://schemas.openxmlformats.org/presentationml/2006/main">
+  <p:cSld>
+    <p:spTree>
+      <p:nvGrpSpPr>
+        <p:cNvPr id="1" name=""/>
+        <p:cNvGrpSpPr/>
+        <p:nvPr/>
+      </p:nvGrpSpPr>
+      <p:grpSpPr>
+        <a:xfrm>
+          <a:off x="0" y="0"/>
+          <a:ext cx="0" cy="0"/>
+          <a:chOff x="0" y="0"/>
+          <a:chExt cx="0" cy="0"/>
+        </a:xfrm>
+      </p:grpSpPr>
+      <p:sp>
+        <p:nvSpPr>
+          <p:cNvPr id="2" name="Slide Image Placeholder 1"/>
+          <p:cNvSpPr>
+            <a:spLocks noGrp="1" noRot="1" noChangeAspect="1"/>
+          </p:cNvSpPr>
+          <p:nvPr>
+            <p:ph type="sldImg"/>
+          </p:nvPr>
+        </p:nvSpPr>
+        <p:spPr/>
+      </p:sp>
+      <p:sp>
+        <p:nvSpPr>
+          <p:cNvPr id="3" name="Notes Placeholder 2"/>
+          <p:cNvSpPr>
+            <a:spLocks noGrp="1"/>
+          </p:cNvSpPr>
+          <p:nvPr>
+            <p:ph type="body" idx="1"/>
+          </p:nvPr>
+        </p:nvSpPr>
+        <p:spPr/>
+        <p:txBody>
+          <a:bodyPr/>
+          <a:lstStyle/>
+          <a:p>
+            <a:r>
+              <a:rPr lang="en-US" dirty="0" smtClean="0"/>
+              <a:t>Thorpe, </a:t>
+            </a:r>
+            <a:r>
+              <a:rPr lang="en-US" dirty="0" err="1" smtClean="0"/>
+              <a:t>Fize</a:t>
+            </a:r>
+            <a:r>
+              <a:rPr lang="en-US" dirty="0" smtClean="0"/>
+              <a:t>, &amp; </a:t>
+            </a:r>
+            <a:r>
+              <a:rPr lang="en-US" dirty="0" err="1" smtClean="0"/>
+              <a:t>Marlot</a:t>
+            </a:r>
+            <a:r>
+              <a:rPr lang="ko-KR" altLang="en-US" dirty="0" smtClean="0"/>
+              <a:t>의 </a:t>
+            </a:r>
+            <a:r>
+              <a:rPr lang="en-US" altLang="ko-KR" dirty="0" smtClean="0"/>
+              <a:t>1996</a:t>
+            </a:r>
+            <a:r>
+              <a:rPr lang="ko-KR" altLang="en-US" dirty="0" smtClean="0"/>
+              <a:t>년 연구에서 </a:t>
+            </a:r>
+            <a:r>
+              <a:rPr lang="en-US" altLang="ko-KR" dirty="0" smtClean="0"/>
+              <a:t>visual system</a:t>
+            </a:r>
+            <a:r>
+              <a:rPr lang="ko-KR" altLang="en-US" dirty="0" smtClean="0"/>
+              <a:t>이 </a:t>
+            </a:r>
+            <a:r>
+              <a:rPr lang="en-US" altLang="ko-KR" dirty="0" err="1" smtClean="0"/>
+              <a:t>objec</a:t>
+            </a:r>
+            <a:r>
+              <a:rPr lang="ko-KR" altLang="en-US" dirty="0" smtClean="0"/>
+              <a:t>의 </a:t>
+            </a:r>
+            <a:r>
+              <a:rPr lang="en-US" altLang="ko-KR" dirty="0" smtClean="0"/>
+              <a:t>abstract class</a:t>
+            </a:r>
+            <a:r>
+              <a:rPr lang="ko-KR" altLang="en-US" dirty="0" smtClean="0"/>
+              <a:t>를 얼마나 빨리 구별할 수 있는지를 살펴보았다</a:t>
+            </a:r>
+            <a:r>
+              <a:rPr lang="en-US" altLang="ko-KR" dirty="0" smtClean="0"/>
+              <a:t>.</a:t>
+            </a:r>
+          </a:p>
+          <a:p>
+            <a:r>
+              <a:rPr lang="ko-KR" altLang="en-US" dirty="0" smtClean="0"/>
+              <a:t>참여자에게 사진을 보여주었는데 </a:t>
+            </a:r>
+            <a:r>
+              <a:rPr lang="ko-KR" altLang="en-US" dirty="0" err="1" smtClean="0"/>
+              <a:t>한장은</a:t>
+            </a:r>
+            <a:r>
+              <a:rPr lang="ko-KR" altLang="en-US" dirty="0" smtClean="0"/>
+              <a:t> 동물이 </a:t>
+            </a:r>
+            <a:r>
+              <a:rPr lang="ko-KR" altLang="en-US" dirty="0" err="1" smtClean="0"/>
+              <a:t>있는것</a:t>
+            </a:r>
+            <a:r>
+              <a:rPr lang="en-US" altLang="ko-KR" dirty="0" smtClean="0"/>
+              <a:t>, </a:t>
+            </a:r>
+            <a:r>
+              <a:rPr lang="ko-KR" altLang="en-US" dirty="0" err="1" smtClean="0"/>
+              <a:t>한장은</a:t>
+            </a:r>
+            <a:r>
+              <a:rPr lang="ko-KR" altLang="en-US" dirty="0" smtClean="0"/>
+              <a:t> 없는 것 이렇게 </a:t>
+            </a:r>
+            <a:r>
+              <a:rPr lang="ko-KR" altLang="en-US" dirty="0" err="1" smtClean="0"/>
+              <a:t>두세트를</a:t>
+            </a:r>
+            <a:r>
+              <a:rPr lang="ko-KR" altLang="en-US" dirty="0" smtClean="0"/>
+              <a:t> 보여주고 </a:t>
+            </a:r>
+            <a:r>
+              <a:rPr lang="en-US" altLang="ko-KR" dirty="0" smtClean="0"/>
+              <a:t>ERP</a:t>
+            </a:r>
+            <a:r>
+              <a:rPr lang="ko-KR" altLang="en-US" dirty="0" smtClean="0"/>
+              <a:t>를 측정했다</a:t>
+            </a:r>
+            <a:r>
+              <a:rPr lang="en-US" altLang="ko-KR" dirty="0" smtClean="0"/>
+              <a:t>.</a:t>
+            </a:r>
+          </a:p>
+          <a:p>
+            <a:r>
+              <a:rPr lang="ko-KR" altLang="en-US" dirty="0" smtClean="0"/>
+              <a:t>두 사진은 </a:t>
+            </a:r>
+            <a:r>
+              <a:rPr lang="en-US" altLang="ko-KR" dirty="0" smtClean="0"/>
+              <a:t>ERP</a:t>
+            </a:r>
+            <a:r>
+              <a:rPr lang="ko-KR" altLang="en-US" dirty="0" smtClean="0"/>
+              <a:t>가 </a:t>
+            </a:r>
+            <a:r>
+              <a:rPr lang="en-US" altLang="ko-KR" dirty="0" smtClean="0"/>
+              <a:t>150ms</a:t>
+            </a:r>
+            <a:r>
+              <a:rPr lang="ko-KR" altLang="en-US" dirty="0" smtClean="0"/>
+              <a:t>까지는 같았는데 이때부터 </a:t>
+            </a:r>
+            <a:r>
+              <a:rPr lang="en-US" altLang="ko-KR" dirty="0" err="1" smtClean="0"/>
+              <a:t>diverg</a:t>
+            </a:r>
+            <a:r>
+              <a:rPr lang="ko-KR" altLang="en-US" dirty="0" smtClean="0"/>
+              <a:t>했다</a:t>
+            </a:r>
+            <a:r>
+              <a:rPr lang="en-US" altLang="ko-KR" dirty="0" smtClean="0"/>
+              <a:t>. </a:t>
+            </a:r>
+            <a:r>
+              <a:rPr lang="ko-KR" altLang="en-US" dirty="0" smtClean="0"/>
+              <a:t>이 결과는 뇌가 동물의 존재를 </a:t>
+            </a:r>
+            <a:r>
+              <a:rPr lang="en-US" altLang="ko-KR" dirty="0" smtClean="0"/>
+              <a:t>150ms</a:t>
+            </a:r>
+            <a:r>
+              <a:rPr lang="ko-KR" altLang="en-US" dirty="0" smtClean="0"/>
+              <a:t>전에 </a:t>
+            </a:r>
+            <a:r>
+              <a:rPr lang="en-US" altLang="ko-KR" dirty="0" smtClean="0"/>
+              <a:t>detect</a:t>
+            </a:r>
+            <a:r>
+              <a:rPr lang="ko-KR" altLang="en-US" dirty="0" smtClean="0"/>
+              <a:t>할 수 있음을 나타낸다</a:t>
+            </a:r>
+            <a:r>
+              <a:rPr lang="en-US" altLang="ko-KR" dirty="0" smtClean="0"/>
+              <a:t>.</a:t>
+            </a:r>
+            <a:br>
+              <a:rPr lang="en-US" altLang="ko-KR" dirty="0" smtClean="0"/>
+            </a:br>
+            <a:r>
+              <a:rPr lang="ko-KR" altLang="en-US" dirty="0" smtClean="0"/>
+              <a:t>이 차이는 </a:t>
+            </a:r>
+            <a:r>
+              <a:rPr lang="en-US" altLang="ko-KR" dirty="0" smtClean="0"/>
+              <a:t>N1</a:t>
+            </a:r>
+            <a:r>
+              <a:rPr lang="ko-KR" altLang="en-US" dirty="0" smtClean="0"/>
+              <a:t>의 </a:t>
+            </a:r>
+            <a:r>
+              <a:rPr lang="en-US" altLang="ko-KR" dirty="0" smtClean="0"/>
+              <a:t>range</a:t>
+            </a:r>
+            <a:r>
+              <a:rPr lang="ko-KR" altLang="en-US" dirty="0" smtClean="0"/>
+              <a:t>안에서 일어나기는 했지만 </a:t>
+            </a:r>
+            <a:r>
+              <a:rPr lang="en-US" altLang="ko-KR" dirty="0" smtClean="0"/>
+              <a:t>N1</a:t>
+            </a:r>
+            <a:r>
+              <a:rPr lang="ko-KR" altLang="en-US" dirty="0" smtClean="0"/>
+              <a:t>의 </a:t>
+            </a:r>
+            <a:r>
+              <a:rPr lang="en-US" altLang="ko-KR" dirty="0" smtClean="0"/>
+              <a:t>amplitude</a:t>
+            </a:r>
+            <a:r>
+              <a:rPr lang="ko-KR" altLang="en-US" dirty="0" smtClean="0"/>
+              <a:t>가 변화했는지는 상관이 없고 효과가 나타난 시간만 중요하다</a:t>
+            </a:r>
+            <a:r>
+              <a:rPr lang="en-US" altLang="ko-KR" dirty="0" smtClean="0"/>
+              <a:t>.</a:t>
+            </a:r>
+            <a:br>
+              <a:rPr lang="en-US" altLang="ko-KR" dirty="0" smtClean="0"/>
+            </a:br>
+            <a:r>
+              <a:rPr lang="ko-KR" altLang="en-US" dirty="0" smtClean="0"/>
+              <a:t>이는 </a:t>
+            </a:r>
+            <a:r>
+              <a:rPr lang="en-US" altLang="ko-KR" dirty="0" smtClean="0"/>
+              <a:t>component-independent</a:t>
+            </a:r>
+            <a:r>
+              <a:rPr lang="en-US" altLang="ko-KR" baseline="0" dirty="0" smtClean="0"/>
+              <a:t> design</a:t>
+            </a:r>
+            <a:r>
+              <a:rPr lang="ko-KR" altLang="en-US" baseline="0" dirty="0" smtClean="0"/>
+              <a:t>으로 결론은 어느 컴포넌트가 영향을 </a:t>
+            </a:r>
+            <a:r>
+              <a:rPr lang="ko-KR" altLang="en-US" baseline="0" dirty="0" err="1" smtClean="0"/>
+              <a:t>받았는지와</a:t>
+            </a:r>
+            <a:r>
+              <a:rPr lang="ko-KR" altLang="en-US" baseline="0" dirty="0" smtClean="0"/>
+              <a:t> 관련이 없다</a:t>
+            </a:r>
+            <a:r>
+              <a:rPr lang="en-US" altLang="ko-KR" baseline="0" dirty="0" smtClean="0"/>
+              <a:t>.</a:t>
+            </a:r>
+          </a:p>
+          <a:p>
+            <a:r>
+              <a:rPr lang="en-US" baseline="0" dirty="0" smtClean="0"/>
+              <a:t>Strategy 7</a:t>
+            </a:r>
+            <a:r>
+              <a:rPr lang="ko-KR" altLang="en-US" baseline="0" dirty="0" smtClean="0"/>
+              <a:t>에 나온 컴포넌트 전의 </a:t>
+            </a:r>
+            <a:r>
+              <a:rPr lang="en-US" altLang="ko-KR" baseline="0" dirty="0" smtClean="0"/>
+              <a:t>process </a:t>
+            </a:r>
+            <a:r>
+              <a:rPr lang="ko-KR" altLang="en-US" baseline="0" dirty="0" smtClean="0"/>
+              <a:t>를 살펴보는 연구들은 다수가 </a:t>
+            </a:r>
+            <a:r>
+              <a:rPr lang="en-US" altLang="ko-KR" baseline="0" dirty="0" smtClean="0"/>
+              <a:t>component-independent experimental design</a:t>
+            </a:r>
+            <a:r>
+              <a:rPr lang="ko-KR" altLang="en-US" baseline="0" dirty="0" smtClean="0"/>
+              <a:t>을 사용한다</a:t>
+            </a:r>
+            <a:r>
+              <a:rPr lang="en-US" altLang="ko-KR" baseline="0" smtClean="0"/>
+              <a:t>.</a:t>
+            </a:r>
+          </a:p>
+          <a:p>
+            <a:endParaRPr lang="en-US" dirty="0"/>
+          </a:p>
+        </p:txBody>
+      </p:sp>
+      <p:sp>
+        <p:nvSpPr>
+          <p:cNvPr id="4" name="Slide Number Placeholder 3"/>
+          <p:cNvSpPr>
+            <a:spLocks noGrp="1"/>
+          </p:cNvSpPr>
+          <p:nvPr>
+            <p:ph type="sldNum" sz="quarter" idx="5"/>
+          </p:nvPr>
+        </p:nvSpPr>
+        <p:spPr/>
+        <p:txBody>
+          <a:bodyPr/>
+          <a:lstStyle/>
+          <a:p>
+            <a:pPr latinLnBrk="1">
+              <a:defRPr/>
+            </a:pPr>
+            <a:fld id="{ABCB040E-7711-EF49-8553-F84D830A7363}" type="slidenum">
+              <a:rPr lang="en-US" smtClean="0">
+                <a:solidFill>
+                  <a:prstClr val="black"/>
+                </a:solidFill>
+              </a:rPr>
+              <a:pPr latinLnBrk="1">
+                <a:defRPr/>
+              </a:pPr>
+              <a:t>10</a:t>
+            </a:fld>
+            <a:endParaRPr lang="en-US">
+              <a:solidFill>
+                <a:prstClr val="black"/>
+              </a:solidFill>
+            </a:endParaRPr>
+          </a:p>
+        </p:txBody>
+      </p:sp>
+    </p:spTree>
+    <p:extLst>
+      <p:ext uri="{BB962C8B-B14F-4D97-AF65-F5344CB8AC3E}">
+        <p14:creationId xmlns:p14="http://schemas.microsoft.com/office/powerpoint/2010/main" val="629823481"/>
+      </p:ext>
+    </p:extLst>
+  </p:cSld>
+  <p:clrMapOvr>
+    <a:masterClrMapping/>
+  </p:clrMapOvr>
+</p:notes>
+</file>
+
 <file path=ppt/slideLayouts/slideLayout1.xml><?xml version="1.0" encoding="utf-8"?>
 <p:sldLayout xmlns:a="http://schemas.openxmlformats.org/drawingml/2006/main" xmlns:r="http://schemas.openxmlformats.org/officeDocument/2006/relationships" xmlns:p="http://schemas.openxmlformats.org/presentationml/2006/main" type="title" preserve="1">
   <p:cSld name="Title Slide">
@@ -2668,7 +4162,7 @@
           <p:cNvPr id="2" name="Title 1">
             <a:extLst>
               <a:ext uri="{FF2B5EF4-FFF2-40B4-BE49-F238E27FC236}">
-                <a16:creationId xmlns="" xmlns:a16="http://schemas.microsoft.com/office/drawing/2014/main" id="{D5F1FC50-4EEF-9A4B-9D0B-AB194C88E88E}"/>
+                <a16:creationId xmlns:a16="http://schemas.microsoft.com/office/drawing/2014/main" xmlns="" id="{D5F1FC50-4EEF-9A4B-9D0B-AB194C88E88E}"/>
               </a:ext>
             </a:extLst>
           </p:cNvPr>
@@ -2705,7 +4199,7 @@
           <p:cNvPr id="3" name="Subtitle 2">
             <a:extLst>
               <a:ext uri="{FF2B5EF4-FFF2-40B4-BE49-F238E27FC236}">
-                <a16:creationId xmlns="" xmlns:a16="http://schemas.microsoft.com/office/drawing/2014/main" id="{165BD629-706F-BC47-AD1C-2C3E8CB19615}"/>
+                <a16:creationId xmlns:a16="http://schemas.microsoft.com/office/drawing/2014/main" xmlns="" id="{165BD629-706F-BC47-AD1C-2C3E8CB19615}"/>
               </a:ext>
             </a:extLst>
           </p:cNvPr>
@@ -2775,7 +4269,7 @@
           <p:cNvPr id="4" name="Date Placeholder 3">
             <a:extLst>
               <a:ext uri="{FF2B5EF4-FFF2-40B4-BE49-F238E27FC236}">
-                <a16:creationId xmlns="" xmlns:a16="http://schemas.microsoft.com/office/drawing/2014/main" id="{FC55FCBB-1E4F-0546-A88E-F5635DF95404}"/>
+                <a16:creationId xmlns:a16="http://schemas.microsoft.com/office/drawing/2014/main" xmlns="" id="{FC55FCBB-1E4F-0546-A88E-F5635DF95404}"/>
               </a:ext>
             </a:extLst>
           </p:cNvPr>
@@ -2793,7 +4287,7 @@
           <a:p>
             <a:fld id="{F653B730-EB83-3245-BABD-215035390107}" type="datetimeFigureOut">
               <a:rPr lang="en-US" smtClean="0"/>
-              <a:t>7/23/2019</a:t>
+              <a:t>7/25/2019</a:t>
             </a:fld>
             <a:endParaRPr lang="en-US"/>
           </a:p>
@@ -2804,7 +4298,7 @@
           <p:cNvPr id="5" name="Footer Placeholder 4">
             <a:extLst>
               <a:ext uri="{FF2B5EF4-FFF2-40B4-BE49-F238E27FC236}">
-                <a16:creationId xmlns="" xmlns:a16="http://schemas.microsoft.com/office/drawing/2014/main" id="{1C83CAB3-DA90-3942-BEE6-75220574FE08}"/>
+                <a16:creationId xmlns:a16="http://schemas.microsoft.com/office/drawing/2014/main" xmlns="" id="{1C83CAB3-DA90-3942-BEE6-75220574FE08}"/>
               </a:ext>
             </a:extLst>
           </p:cNvPr>
@@ -2829,7 +4323,7 @@
           <p:cNvPr id="6" name="Slide Number Placeholder 5">
             <a:extLst>
               <a:ext uri="{FF2B5EF4-FFF2-40B4-BE49-F238E27FC236}">
-                <a16:creationId xmlns="" xmlns:a16="http://schemas.microsoft.com/office/drawing/2014/main" id="{6767403E-4B50-8E4B-8143-C103010D6671}"/>
+                <a16:creationId xmlns:a16="http://schemas.microsoft.com/office/drawing/2014/main" xmlns="" id="{6767403E-4B50-8E4B-8143-C103010D6671}"/>
               </a:ext>
             </a:extLst>
           </p:cNvPr>
@@ -2888,7 +4382,7 @@
           <p:cNvPr id="2" name="Title 1">
             <a:extLst>
               <a:ext uri="{FF2B5EF4-FFF2-40B4-BE49-F238E27FC236}">
-                <a16:creationId xmlns="" xmlns:a16="http://schemas.microsoft.com/office/drawing/2014/main" id="{F9CA50E0-AC78-CE49-8AA1-6B740572C622}"/>
+                <a16:creationId xmlns:a16="http://schemas.microsoft.com/office/drawing/2014/main" xmlns="" id="{F9CA50E0-AC78-CE49-8AA1-6B740572C622}"/>
               </a:ext>
             </a:extLst>
           </p:cNvPr>
@@ -2916,7 +4410,7 @@
           <p:cNvPr id="3" name="Vertical Text Placeholder 2">
             <a:extLst>
               <a:ext uri="{FF2B5EF4-FFF2-40B4-BE49-F238E27FC236}">
-                <a16:creationId xmlns="" xmlns:a16="http://schemas.microsoft.com/office/drawing/2014/main" id="{E55D888D-DE53-AD46-9FEF-41FD58888CC6}"/>
+                <a16:creationId xmlns:a16="http://schemas.microsoft.com/office/drawing/2014/main" xmlns="" id="{E55D888D-DE53-AD46-9FEF-41FD58888CC6}"/>
               </a:ext>
             </a:extLst>
           </p:cNvPr>
@@ -2973,7 +4467,7 @@
           <p:cNvPr id="4" name="Date Placeholder 3">
             <a:extLst>
               <a:ext uri="{FF2B5EF4-FFF2-40B4-BE49-F238E27FC236}">
-                <a16:creationId xmlns="" xmlns:a16="http://schemas.microsoft.com/office/drawing/2014/main" id="{66299155-A572-AE42-8D46-748BF380F59A}"/>
+                <a16:creationId xmlns:a16="http://schemas.microsoft.com/office/drawing/2014/main" xmlns="" id="{66299155-A572-AE42-8D46-748BF380F59A}"/>
               </a:ext>
             </a:extLst>
           </p:cNvPr>
@@ -2991,7 +4485,7 @@
           <a:p>
             <a:fld id="{F653B730-EB83-3245-BABD-215035390107}" type="datetimeFigureOut">
               <a:rPr lang="en-US" smtClean="0"/>
-              <a:t>7/23/2019</a:t>
+              <a:t>7/25/2019</a:t>
             </a:fld>
             <a:endParaRPr lang="en-US"/>
           </a:p>
@@ -3002,7 +4496,7 @@
           <p:cNvPr id="5" name="Footer Placeholder 4">
             <a:extLst>
               <a:ext uri="{FF2B5EF4-FFF2-40B4-BE49-F238E27FC236}">
-                <a16:creationId xmlns="" xmlns:a16="http://schemas.microsoft.com/office/drawing/2014/main" id="{F47EAB6A-4D56-E643-88EF-19C058F5171E}"/>
+                <a16:creationId xmlns:a16="http://schemas.microsoft.com/office/drawing/2014/main" xmlns="" id="{F47EAB6A-4D56-E643-88EF-19C058F5171E}"/>
               </a:ext>
             </a:extLst>
           </p:cNvPr>
@@ -3027,7 +4521,7 @@
           <p:cNvPr id="6" name="Slide Number Placeholder 5">
             <a:extLst>
               <a:ext uri="{FF2B5EF4-FFF2-40B4-BE49-F238E27FC236}">
-                <a16:creationId xmlns="" xmlns:a16="http://schemas.microsoft.com/office/drawing/2014/main" id="{51F828AC-966F-2A43-9E27-4653ED0F2A58}"/>
+                <a16:creationId xmlns:a16="http://schemas.microsoft.com/office/drawing/2014/main" xmlns="" id="{51F828AC-966F-2A43-9E27-4653ED0F2A58}"/>
               </a:ext>
             </a:extLst>
           </p:cNvPr>
@@ -3086,7 +4580,7 @@
           <p:cNvPr id="2" name="Vertical Title 1">
             <a:extLst>
               <a:ext uri="{FF2B5EF4-FFF2-40B4-BE49-F238E27FC236}">
-                <a16:creationId xmlns="" xmlns:a16="http://schemas.microsoft.com/office/drawing/2014/main" id="{A53A451C-6FFC-C247-9C5C-5BDBEFF770A9}"/>
+                <a16:creationId xmlns:a16="http://schemas.microsoft.com/office/drawing/2014/main" xmlns="" id="{A53A451C-6FFC-C247-9C5C-5BDBEFF770A9}"/>
               </a:ext>
             </a:extLst>
           </p:cNvPr>
@@ -3119,7 +4613,7 @@
           <p:cNvPr id="3" name="Vertical Text Placeholder 2">
             <a:extLst>
               <a:ext uri="{FF2B5EF4-FFF2-40B4-BE49-F238E27FC236}">
-                <a16:creationId xmlns="" xmlns:a16="http://schemas.microsoft.com/office/drawing/2014/main" id="{04D1905D-DF3F-7C4D-AEB8-E91A92CFAB3E}"/>
+                <a16:creationId xmlns:a16="http://schemas.microsoft.com/office/drawing/2014/main" xmlns="" id="{04D1905D-DF3F-7C4D-AEB8-E91A92CFAB3E}"/>
               </a:ext>
             </a:extLst>
           </p:cNvPr>
@@ -3181,7 +4675,7 @@
           <p:cNvPr id="4" name="Date Placeholder 3">
             <a:extLst>
               <a:ext uri="{FF2B5EF4-FFF2-40B4-BE49-F238E27FC236}">
-                <a16:creationId xmlns="" xmlns:a16="http://schemas.microsoft.com/office/drawing/2014/main" id="{EA618913-C9D7-2B40-87FD-9B228D8CB6DA}"/>
+                <a16:creationId xmlns:a16="http://schemas.microsoft.com/office/drawing/2014/main" xmlns="" id="{EA618913-C9D7-2B40-87FD-9B228D8CB6DA}"/>
               </a:ext>
             </a:extLst>
           </p:cNvPr>
@@ -3199,7 +4693,7 @@
           <a:p>
             <a:fld id="{F653B730-EB83-3245-BABD-215035390107}" type="datetimeFigureOut">
               <a:rPr lang="en-US" smtClean="0"/>
-              <a:t>7/23/2019</a:t>
+              <a:t>7/25/2019</a:t>
             </a:fld>
             <a:endParaRPr lang="en-US"/>
           </a:p>
@@ -3210,7 +4704,7 @@
           <p:cNvPr id="5" name="Footer Placeholder 4">
             <a:extLst>
               <a:ext uri="{FF2B5EF4-FFF2-40B4-BE49-F238E27FC236}">
-                <a16:creationId xmlns="" xmlns:a16="http://schemas.microsoft.com/office/drawing/2014/main" id="{21F67F44-D1D6-C747-A752-EBCE009E8BC9}"/>
+                <a16:creationId xmlns:a16="http://schemas.microsoft.com/office/drawing/2014/main" xmlns="" id="{21F67F44-D1D6-C747-A752-EBCE009E8BC9}"/>
               </a:ext>
             </a:extLst>
           </p:cNvPr>
@@ -3235,7 +4729,7 @@
           <p:cNvPr id="6" name="Slide Number Placeholder 5">
             <a:extLst>
               <a:ext uri="{FF2B5EF4-FFF2-40B4-BE49-F238E27FC236}">
-                <a16:creationId xmlns="" xmlns:a16="http://schemas.microsoft.com/office/drawing/2014/main" id="{DAB7625A-436D-E844-BFAD-7FE1ECE8D85D}"/>
+                <a16:creationId xmlns:a16="http://schemas.microsoft.com/office/drawing/2014/main" xmlns="" id="{DAB7625A-436D-E844-BFAD-7FE1ECE8D85D}"/>
               </a:ext>
             </a:extLst>
           </p:cNvPr>
@@ -3294,7 +4788,7 @@
           <p:cNvPr id="2" name="Title 1">
             <a:extLst>
               <a:ext uri="{FF2B5EF4-FFF2-40B4-BE49-F238E27FC236}">
-                <a16:creationId xmlns="" xmlns:a16="http://schemas.microsoft.com/office/drawing/2014/main" id="{9110A58E-2687-1C48-B74D-11A8F1F9B132}"/>
+                <a16:creationId xmlns:a16="http://schemas.microsoft.com/office/drawing/2014/main" xmlns="" id="{9110A58E-2687-1C48-B74D-11A8F1F9B132}"/>
               </a:ext>
             </a:extLst>
           </p:cNvPr>
@@ -3331,7 +4825,7 @@
           <p:cNvPr id="3" name="Subtitle 2">
             <a:extLst>
               <a:ext uri="{FF2B5EF4-FFF2-40B4-BE49-F238E27FC236}">
-                <a16:creationId xmlns="" xmlns:a16="http://schemas.microsoft.com/office/drawing/2014/main" id="{F77B50D3-5E57-F549-A98A-29904A7BF1C2}"/>
+                <a16:creationId xmlns:a16="http://schemas.microsoft.com/office/drawing/2014/main" xmlns="" id="{F77B50D3-5E57-F549-A98A-29904A7BF1C2}"/>
               </a:ext>
             </a:extLst>
           </p:cNvPr>
@@ -3401,7 +4895,7 @@
           <p:cNvPr id="4" name="Date Placeholder 3">
             <a:extLst>
               <a:ext uri="{FF2B5EF4-FFF2-40B4-BE49-F238E27FC236}">
-                <a16:creationId xmlns="" xmlns:a16="http://schemas.microsoft.com/office/drawing/2014/main" id="{7CDA8431-DE46-444D-96EC-CF765E4DE22D}"/>
+                <a16:creationId xmlns:a16="http://schemas.microsoft.com/office/drawing/2014/main" xmlns="" id="{7CDA8431-DE46-444D-96EC-CF765E4DE22D}"/>
               </a:ext>
             </a:extLst>
           </p:cNvPr>
@@ -3426,7 +4920,7 @@
                 </a:solidFill>
               </a:rPr>
               <a:pPr/>
-              <a:t>7/23/2019</a:t>
+              <a:t>7/25/2019</a:t>
             </a:fld>
             <a:endParaRPr lang="en-US">
               <a:solidFill>
@@ -3443,7 +4937,7 @@
           <p:cNvPr id="5" name="Footer Placeholder 4">
             <a:extLst>
               <a:ext uri="{FF2B5EF4-FFF2-40B4-BE49-F238E27FC236}">
-                <a16:creationId xmlns="" xmlns:a16="http://schemas.microsoft.com/office/drawing/2014/main" id="{D11D5B12-A6F0-A448-9952-EBBCABCF94AF}"/>
+                <a16:creationId xmlns:a16="http://schemas.microsoft.com/office/drawing/2014/main" xmlns="" id="{D11D5B12-A6F0-A448-9952-EBBCABCF94AF}"/>
               </a:ext>
             </a:extLst>
           </p:cNvPr>
@@ -3474,7 +4968,7 @@
           <p:cNvPr id="6" name="Slide Number Placeholder 5">
             <a:extLst>
               <a:ext uri="{FF2B5EF4-FFF2-40B4-BE49-F238E27FC236}">
-                <a16:creationId xmlns="" xmlns:a16="http://schemas.microsoft.com/office/drawing/2014/main" id="{113B40C2-8073-B44B-9BFB-080F72D9F930}"/>
+                <a16:creationId xmlns:a16="http://schemas.microsoft.com/office/drawing/2014/main" xmlns="" id="{113B40C2-8073-B44B-9BFB-080F72D9F930}"/>
               </a:ext>
             </a:extLst>
           </p:cNvPr>
@@ -3546,7 +5040,7 @@
           <p:cNvPr id="2" name="Title 1">
             <a:extLst>
               <a:ext uri="{FF2B5EF4-FFF2-40B4-BE49-F238E27FC236}">
-                <a16:creationId xmlns="" xmlns:a16="http://schemas.microsoft.com/office/drawing/2014/main" id="{AE55BD0A-CC14-8440-A2A4-B89BA43B7A82}"/>
+                <a16:creationId xmlns:a16="http://schemas.microsoft.com/office/drawing/2014/main" xmlns="" id="{AE55BD0A-CC14-8440-A2A4-B89BA43B7A82}"/>
               </a:ext>
             </a:extLst>
           </p:cNvPr>
@@ -3574,7 +5068,7 @@
           <p:cNvPr id="3" name="Content Placeholder 2">
             <a:extLst>
               <a:ext uri="{FF2B5EF4-FFF2-40B4-BE49-F238E27FC236}">
-                <a16:creationId xmlns="" xmlns:a16="http://schemas.microsoft.com/office/drawing/2014/main" id="{16635FC3-64DE-1A4E-B4D4-C5F564D154C6}"/>
+                <a16:creationId xmlns:a16="http://schemas.microsoft.com/office/drawing/2014/main" xmlns="" id="{16635FC3-64DE-1A4E-B4D4-C5F564D154C6}"/>
               </a:ext>
             </a:extLst>
           </p:cNvPr>
@@ -3631,7 +5125,7 @@
           <p:cNvPr id="4" name="Date Placeholder 3">
             <a:extLst>
               <a:ext uri="{FF2B5EF4-FFF2-40B4-BE49-F238E27FC236}">
-                <a16:creationId xmlns="" xmlns:a16="http://schemas.microsoft.com/office/drawing/2014/main" id="{2E013ABA-8F40-0C4C-89D7-E945902C41AA}"/>
+                <a16:creationId xmlns:a16="http://schemas.microsoft.com/office/drawing/2014/main" xmlns="" id="{2E013ABA-8F40-0C4C-89D7-E945902C41AA}"/>
               </a:ext>
             </a:extLst>
           </p:cNvPr>
@@ -3656,7 +5150,7 @@
                 </a:solidFill>
               </a:rPr>
               <a:pPr/>
-              <a:t>7/23/2019</a:t>
+              <a:t>7/25/2019</a:t>
             </a:fld>
             <a:endParaRPr lang="en-US">
               <a:solidFill>
@@ -3673,7 +5167,7 @@
           <p:cNvPr id="5" name="Footer Placeholder 4">
             <a:extLst>
               <a:ext uri="{FF2B5EF4-FFF2-40B4-BE49-F238E27FC236}">
-                <a16:creationId xmlns="" xmlns:a16="http://schemas.microsoft.com/office/drawing/2014/main" id="{C4A9FDD3-B034-1F4F-B7B2-6F7247B1B31C}"/>
+                <a16:creationId xmlns:a16="http://schemas.microsoft.com/office/drawing/2014/main" xmlns="" id="{C4A9FDD3-B034-1F4F-B7B2-6F7247B1B31C}"/>
               </a:ext>
             </a:extLst>
           </p:cNvPr>
@@ -3704,7 +5198,7 @@
           <p:cNvPr id="6" name="Slide Number Placeholder 5">
             <a:extLst>
               <a:ext uri="{FF2B5EF4-FFF2-40B4-BE49-F238E27FC236}">
-                <a16:creationId xmlns="" xmlns:a16="http://schemas.microsoft.com/office/drawing/2014/main" id="{FEE34C77-E743-B04E-B314-A2A326BFC655}"/>
+                <a16:creationId xmlns:a16="http://schemas.microsoft.com/office/drawing/2014/main" xmlns="" id="{FEE34C77-E743-B04E-B314-A2A326BFC655}"/>
               </a:ext>
             </a:extLst>
           </p:cNvPr>
@@ -3776,7 +5270,7 @@
           <p:cNvPr id="2" name="Title 1">
             <a:extLst>
               <a:ext uri="{FF2B5EF4-FFF2-40B4-BE49-F238E27FC236}">
-                <a16:creationId xmlns="" xmlns:a16="http://schemas.microsoft.com/office/drawing/2014/main" id="{CBE34CC4-FC55-564E-A6CA-FD62B7F03198}"/>
+                <a16:creationId xmlns:a16="http://schemas.microsoft.com/office/drawing/2014/main" xmlns="" id="{CBE34CC4-FC55-564E-A6CA-FD62B7F03198}"/>
               </a:ext>
             </a:extLst>
           </p:cNvPr>
@@ -3813,7 +5307,7 @@
           <p:cNvPr id="3" name="Text Placeholder 2">
             <a:extLst>
               <a:ext uri="{FF2B5EF4-FFF2-40B4-BE49-F238E27FC236}">
-                <a16:creationId xmlns="" xmlns:a16="http://schemas.microsoft.com/office/drawing/2014/main" id="{C22F05DC-14B6-F646-BD6E-ACEBDEBDF90C}"/>
+                <a16:creationId xmlns:a16="http://schemas.microsoft.com/office/drawing/2014/main" xmlns="" id="{C22F05DC-14B6-F646-BD6E-ACEBDEBDF90C}"/>
               </a:ext>
             </a:extLst>
           </p:cNvPr>
@@ -3938,7 +5432,7 @@
           <p:cNvPr id="4" name="Date Placeholder 3">
             <a:extLst>
               <a:ext uri="{FF2B5EF4-FFF2-40B4-BE49-F238E27FC236}">
-                <a16:creationId xmlns="" xmlns:a16="http://schemas.microsoft.com/office/drawing/2014/main" id="{CDC20127-75FA-4645-8282-A47F171A7273}"/>
+                <a16:creationId xmlns:a16="http://schemas.microsoft.com/office/drawing/2014/main" xmlns="" id="{CDC20127-75FA-4645-8282-A47F171A7273}"/>
               </a:ext>
             </a:extLst>
           </p:cNvPr>
@@ -3963,7 +5457,7 @@
                 </a:solidFill>
               </a:rPr>
               <a:pPr/>
-              <a:t>7/23/2019</a:t>
+              <a:t>7/25/2019</a:t>
             </a:fld>
             <a:endParaRPr lang="en-US">
               <a:solidFill>
@@ -3980,7 +5474,7 @@
           <p:cNvPr id="5" name="Footer Placeholder 4">
             <a:extLst>
               <a:ext uri="{FF2B5EF4-FFF2-40B4-BE49-F238E27FC236}">
-                <a16:creationId xmlns="" xmlns:a16="http://schemas.microsoft.com/office/drawing/2014/main" id="{87FB44B3-0BDD-C344-9173-DA0452C677E9}"/>
+                <a16:creationId xmlns:a16="http://schemas.microsoft.com/office/drawing/2014/main" xmlns="" id="{87FB44B3-0BDD-C344-9173-DA0452C677E9}"/>
               </a:ext>
             </a:extLst>
           </p:cNvPr>
@@ -4011,7 +5505,7 @@
           <p:cNvPr id="6" name="Slide Number Placeholder 5">
             <a:extLst>
               <a:ext uri="{FF2B5EF4-FFF2-40B4-BE49-F238E27FC236}">
-                <a16:creationId xmlns="" xmlns:a16="http://schemas.microsoft.com/office/drawing/2014/main" id="{32F82784-7353-2A47-B250-CBB0B6D9DFE3}"/>
+                <a16:creationId xmlns:a16="http://schemas.microsoft.com/office/drawing/2014/main" xmlns="" id="{32F82784-7353-2A47-B250-CBB0B6D9DFE3}"/>
               </a:ext>
             </a:extLst>
           </p:cNvPr>
@@ -4083,7 +5577,7 @@
           <p:cNvPr id="2" name="Title 1">
             <a:extLst>
               <a:ext uri="{FF2B5EF4-FFF2-40B4-BE49-F238E27FC236}">
-                <a16:creationId xmlns="" xmlns:a16="http://schemas.microsoft.com/office/drawing/2014/main" id="{B8B26BCF-FE5E-D24A-97CA-05BF659AF6B6}"/>
+                <a16:creationId xmlns:a16="http://schemas.microsoft.com/office/drawing/2014/main" xmlns="" id="{B8B26BCF-FE5E-D24A-97CA-05BF659AF6B6}"/>
               </a:ext>
             </a:extLst>
           </p:cNvPr>
@@ -4111,7 +5605,7 @@
           <p:cNvPr id="3" name="Content Placeholder 2">
             <a:extLst>
               <a:ext uri="{FF2B5EF4-FFF2-40B4-BE49-F238E27FC236}">
-                <a16:creationId xmlns="" xmlns:a16="http://schemas.microsoft.com/office/drawing/2014/main" id="{98E3095E-F3EC-154B-8F93-AB3E5D41C7B3}"/>
+                <a16:creationId xmlns:a16="http://schemas.microsoft.com/office/drawing/2014/main" xmlns="" id="{98E3095E-F3EC-154B-8F93-AB3E5D41C7B3}"/>
               </a:ext>
             </a:extLst>
           </p:cNvPr>
@@ -4173,7 +5667,7 @@
           <p:cNvPr id="4" name="Content Placeholder 3">
             <a:extLst>
               <a:ext uri="{FF2B5EF4-FFF2-40B4-BE49-F238E27FC236}">
-                <a16:creationId xmlns="" xmlns:a16="http://schemas.microsoft.com/office/drawing/2014/main" id="{769E2936-23A0-464A-A400-652F3966BB76}"/>
+                <a16:creationId xmlns:a16="http://schemas.microsoft.com/office/drawing/2014/main" xmlns="" id="{769E2936-23A0-464A-A400-652F3966BB76}"/>
               </a:ext>
             </a:extLst>
           </p:cNvPr>
@@ -4235,7 +5729,7 @@
           <p:cNvPr id="5" name="Date Placeholder 4">
             <a:extLst>
               <a:ext uri="{FF2B5EF4-FFF2-40B4-BE49-F238E27FC236}">
-                <a16:creationId xmlns="" xmlns:a16="http://schemas.microsoft.com/office/drawing/2014/main" id="{7B2D3A1A-B116-3C4C-8EF8-CE16A6AE6714}"/>
+                <a16:creationId xmlns:a16="http://schemas.microsoft.com/office/drawing/2014/main" xmlns="" id="{7B2D3A1A-B116-3C4C-8EF8-CE16A6AE6714}"/>
               </a:ext>
             </a:extLst>
           </p:cNvPr>
@@ -4260,7 +5754,7 @@
                 </a:solidFill>
               </a:rPr>
               <a:pPr/>
-              <a:t>7/23/2019</a:t>
+              <a:t>7/25/2019</a:t>
             </a:fld>
             <a:endParaRPr lang="en-US">
               <a:solidFill>
@@ -4277,7 +5771,7 @@
           <p:cNvPr id="6" name="Footer Placeholder 5">
             <a:extLst>
               <a:ext uri="{FF2B5EF4-FFF2-40B4-BE49-F238E27FC236}">
-                <a16:creationId xmlns="" xmlns:a16="http://schemas.microsoft.com/office/drawing/2014/main" id="{E1801AAA-B1D7-7546-A999-D6884982D865}"/>
+                <a16:creationId xmlns:a16="http://schemas.microsoft.com/office/drawing/2014/main" xmlns="" id="{E1801AAA-B1D7-7546-A999-D6884982D865}"/>
               </a:ext>
             </a:extLst>
           </p:cNvPr>
@@ -4308,7 +5802,7 @@
           <p:cNvPr id="7" name="Slide Number Placeholder 6">
             <a:extLst>
               <a:ext uri="{FF2B5EF4-FFF2-40B4-BE49-F238E27FC236}">
-                <a16:creationId xmlns="" xmlns:a16="http://schemas.microsoft.com/office/drawing/2014/main" id="{FEF29B7E-EC5E-FE4F-BCEF-9CC2163F1F5C}"/>
+                <a16:creationId xmlns:a16="http://schemas.microsoft.com/office/drawing/2014/main" xmlns="" id="{FEF29B7E-EC5E-FE4F-BCEF-9CC2163F1F5C}"/>
               </a:ext>
             </a:extLst>
           </p:cNvPr>
@@ -4380,7 +5874,7 @@
           <p:cNvPr id="2" name="Title 1">
             <a:extLst>
               <a:ext uri="{FF2B5EF4-FFF2-40B4-BE49-F238E27FC236}">
-                <a16:creationId xmlns="" xmlns:a16="http://schemas.microsoft.com/office/drawing/2014/main" id="{EFBB0DB4-EE76-C84F-85AF-106595F3E62F}"/>
+                <a16:creationId xmlns:a16="http://schemas.microsoft.com/office/drawing/2014/main" xmlns="" id="{EFBB0DB4-EE76-C84F-85AF-106595F3E62F}"/>
               </a:ext>
             </a:extLst>
           </p:cNvPr>
@@ -4413,7 +5907,7 @@
           <p:cNvPr id="3" name="Text Placeholder 2">
             <a:extLst>
               <a:ext uri="{FF2B5EF4-FFF2-40B4-BE49-F238E27FC236}">
-                <a16:creationId xmlns="" xmlns:a16="http://schemas.microsoft.com/office/drawing/2014/main" id="{AF333342-FF93-BF4E-ACB0-B867F748D756}"/>
+                <a16:creationId xmlns:a16="http://schemas.microsoft.com/office/drawing/2014/main" xmlns="" id="{AF333342-FF93-BF4E-ACB0-B867F748D756}"/>
               </a:ext>
             </a:extLst>
           </p:cNvPr>
@@ -4484,7 +5978,7 @@
           <p:cNvPr id="4" name="Content Placeholder 3">
             <a:extLst>
               <a:ext uri="{FF2B5EF4-FFF2-40B4-BE49-F238E27FC236}">
-                <a16:creationId xmlns="" xmlns:a16="http://schemas.microsoft.com/office/drawing/2014/main" id="{C97A28E3-7551-7942-8800-8A37B999E9C1}"/>
+                <a16:creationId xmlns:a16="http://schemas.microsoft.com/office/drawing/2014/main" xmlns="" id="{C97A28E3-7551-7942-8800-8A37B999E9C1}"/>
               </a:ext>
             </a:extLst>
           </p:cNvPr>
@@ -4546,7 +6040,7 @@
           <p:cNvPr id="5" name="Text Placeholder 4">
             <a:extLst>
               <a:ext uri="{FF2B5EF4-FFF2-40B4-BE49-F238E27FC236}">
-                <a16:creationId xmlns="" xmlns:a16="http://schemas.microsoft.com/office/drawing/2014/main" id="{4DCD2E40-06E0-9C47-AA5C-583C384B6893}"/>
+                <a16:creationId xmlns:a16="http://schemas.microsoft.com/office/drawing/2014/main" xmlns="" id="{4DCD2E40-06E0-9C47-AA5C-583C384B6893}"/>
               </a:ext>
             </a:extLst>
           </p:cNvPr>
@@ -4617,7 +6111,7 @@
           <p:cNvPr id="6" name="Content Placeholder 5">
             <a:extLst>
               <a:ext uri="{FF2B5EF4-FFF2-40B4-BE49-F238E27FC236}">
-                <a16:creationId xmlns="" xmlns:a16="http://schemas.microsoft.com/office/drawing/2014/main" id="{0924ACB3-4E1C-ED4F-ACBC-462273DB6A2C}"/>
+                <a16:creationId xmlns:a16="http://schemas.microsoft.com/office/drawing/2014/main" xmlns="" id="{0924ACB3-4E1C-ED4F-ACBC-462273DB6A2C}"/>
               </a:ext>
             </a:extLst>
           </p:cNvPr>
@@ -4679,7 +6173,7 @@
           <p:cNvPr id="7" name="Date Placeholder 6">
             <a:extLst>
               <a:ext uri="{FF2B5EF4-FFF2-40B4-BE49-F238E27FC236}">
-                <a16:creationId xmlns="" xmlns:a16="http://schemas.microsoft.com/office/drawing/2014/main" id="{069B318F-07BB-0546-93B6-93DBCDC47907}"/>
+                <a16:creationId xmlns:a16="http://schemas.microsoft.com/office/drawing/2014/main" xmlns="" id="{069B318F-07BB-0546-93B6-93DBCDC47907}"/>
               </a:ext>
             </a:extLst>
           </p:cNvPr>
@@ -4704,7 +6198,7 @@
                 </a:solidFill>
               </a:rPr>
               <a:pPr/>
-              <a:t>7/23/2019</a:t>
+              <a:t>7/25/2019</a:t>
             </a:fld>
             <a:endParaRPr lang="en-US">
               <a:solidFill>
@@ -4721,7 +6215,7 @@
           <p:cNvPr id="8" name="Footer Placeholder 7">
             <a:extLst>
               <a:ext uri="{FF2B5EF4-FFF2-40B4-BE49-F238E27FC236}">
-                <a16:creationId xmlns="" xmlns:a16="http://schemas.microsoft.com/office/drawing/2014/main" id="{B391FB3E-162C-2146-A876-55BB13CD8B4A}"/>
+                <a16:creationId xmlns:a16="http://schemas.microsoft.com/office/drawing/2014/main" xmlns="" id="{B391FB3E-162C-2146-A876-55BB13CD8B4A}"/>
               </a:ext>
             </a:extLst>
           </p:cNvPr>
@@ -4752,7 +6246,7 @@
           <p:cNvPr id="9" name="Slide Number Placeholder 8">
             <a:extLst>
               <a:ext uri="{FF2B5EF4-FFF2-40B4-BE49-F238E27FC236}">
-                <a16:creationId xmlns="" xmlns:a16="http://schemas.microsoft.com/office/drawing/2014/main" id="{535DE230-638F-B842-B788-71B6E3AA65DB}"/>
+                <a16:creationId xmlns:a16="http://schemas.microsoft.com/office/drawing/2014/main" xmlns="" id="{535DE230-638F-B842-B788-71B6E3AA65DB}"/>
               </a:ext>
             </a:extLst>
           </p:cNvPr>
@@ -4824,7 +6318,7 @@
           <p:cNvPr id="2" name="Title 1">
             <a:extLst>
               <a:ext uri="{FF2B5EF4-FFF2-40B4-BE49-F238E27FC236}">
-                <a16:creationId xmlns="" xmlns:a16="http://schemas.microsoft.com/office/drawing/2014/main" id="{78515D86-AE73-584E-B24A-52BA68F80B81}"/>
+                <a16:creationId xmlns:a16="http://schemas.microsoft.com/office/drawing/2014/main" xmlns="" id="{78515D86-AE73-584E-B24A-52BA68F80B81}"/>
               </a:ext>
             </a:extLst>
           </p:cNvPr>
@@ -4852,7 +6346,7 @@
           <p:cNvPr id="3" name="Date Placeholder 2">
             <a:extLst>
               <a:ext uri="{FF2B5EF4-FFF2-40B4-BE49-F238E27FC236}">
-                <a16:creationId xmlns="" xmlns:a16="http://schemas.microsoft.com/office/drawing/2014/main" id="{9B541D7D-862F-9E4D-9706-E456E8EDA45D}"/>
+                <a16:creationId xmlns:a16="http://schemas.microsoft.com/office/drawing/2014/main" xmlns="" id="{9B541D7D-862F-9E4D-9706-E456E8EDA45D}"/>
               </a:ext>
             </a:extLst>
           </p:cNvPr>
@@ -4877,7 +6371,7 @@
                 </a:solidFill>
               </a:rPr>
               <a:pPr/>
-              <a:t>7/23/2019</a:t>
+              <a:t>7/25/2019</a:t>
             </a:fld>
             <a:endParaRPr lang="en-US">
               <a:solidFill>
@@ -4894,7 +6388,7 @@
           <p:cNvPr id="4" name="Footer Placeholder 3">
             <a:extLst>
               <a:ext uri="{FF2B5EF4-FFF2-40B4-BE49-F238E27FC236}">
-                <a16:creationId xmlns="" xmlns:a16="http://schemas.microsoft.com/office/drawing/2014/main" id="{B3AFBF6A-8ABB-6746-BCA2-CB533F5FA483}"/>
+                <a16:creationId xmlns:a16="http://schemas.microsoft.com/office/drawing/2014/main" xmlns="" id="{B3AFBF6A-8ABB-6746-BCA2-CB533F5FA483}"/>
               </a:ext>
             </a:extLst>
           </p:cNvPr>
@@ -4925,7 +6419,7 @@
           <p:cNvPr id="5" name="Slide Number Placeholder 4">
             <a:extLst>
               <a:ext uri="{FF2B5EF4-FFF2-40B4-BE49-F238E27FC236}">
-                <a16:creationId xmlns="" xmlns:a16="http://schemas.microsoft.com/office/drawing/2014/main" id="{CD5842DB-E714-6E4B-B497-CB2BE26B582F}"/>
+                <a16:creationId xmlns:a16="http://schemas.microsoft.com/office/drawing/2014/main" xmlns="" id="{CD5842DB-E714-6E4B-B497-CB2BE26B582F}"/>
               </a:ext>
             </a:extLst>
           </p:cNvPr>
@@ -4997,7 +6491,7 @@
           <p:cNvPr id="2" name="Date Placeholder 1">
             <a:extLst>
               <a:ext uri="{FF2B5EF4-FFF2-40B4-BE49-F238E27FC236}">
-                <a16:creationId xmlns="" xmlns:a16="http://schemas.microsoft.com/office/drawing/2014/main" id="{439D0890-5A0E-A746-9D41-2BAFB59D88FC}"/>
+                <a16:creationId xmlns:a16="http://schemas.microsoft.com/office/drawing/2014/main" xmlns="" id="{439D0890-5A0E-A746-9D41-2BAFB59D88FC}"/>
               </a:ext>
             </a:extLst>
           </p:cNvPr>
@@ -5022,7 +6516,7 @@
                 </a:solidFill>
               </a:rPr>
               <a:pPr/>
-              <a:t>7/23/2019</a:t>
+              <a:t>7/25/2019</a:t>
             </a:fld>
             <a:endParaRPr lang="en-US">
               <a:solidFill>
@@ -5039,7 +6533,7 @@
           <p:cNvPr id="3" name="Footer Placeholder 2">
             <a:extLst>
               <a:ext uri="{FF2B5EF4-FFF2-40B4-BE49-F238E27FC236}">
-                <a16:creationId xmlns="" xmlns:a16="http://schemas.microsoft.com/office/drawing/2014/main" id="{EFE20C4F-C328-6945-82B5-FAEAAD523C68}"/>
+                <a16:creationId xmlns:a16="http://schemas.microsoft.com/office/drawing/2014/main" xmlns="" id="{EFE20C4F-C328-6945-82B5-FAEAAD523C68}"/>
               </a:ext>
             </a:extLst>
           </p:cNvPr>
@@ -5070,7 +6564,7 @@
           <p:cNvPr id="4" name="Slide Number Placeholder 3">
             <a:extLst>
               <a:ext uri="{FF2B5EF4-FFF2-40B4-BE49-F238E27FC236}">
-                <a16:creationId xmlns="" xmlns:a16="http://schemas.microsoft.com/office/drawing/2014/main" id="{93903470-2345-FF42-826F-7EEFC82F789C}"/>
+                <a16:creationId xmlns:a16="http://schemas.microsoft.com/office/drawing/2014/main" xmlns="" id="{93903470-2345-FF42-826F-7EEFC82F789C}"/>
               </a:ext>
             </a:extLst>
           </p:cNvPr>
@@ -5142,7 +6636,7 @@
           <p:cNvPr id="2" name="Title 1">
             <a:extLst>
               <a:ext uri="{FF2B5EF4-FFF2-40B4-BE49-F238E27FC236}">
-                <a16:creationId xmlns="" xmlns:a16="http://schemas.microsoft.com/office/drawing/2014/main" id="{D1B7F18C-BDA9-7B4D-B55F-FD4EEFC0F61C}"/>
+                <a16:creationId xmlns:a16="http://schemas.microsoft.com/office/drawing/2014/main" xmlns="" id="{D1B7F18C-BDA9-7B4D-B55F-FD4EEFC0F61C}"/>
               </a:ext>
             </a:extLst>
           </p:cNvPr>
@@ -5179,7 +6673,7 @@
           <p:cNvPr id="3" name="Content Placeholder 2">
             <a:extLst>
               <a:ext uri="{FF2B5EF4-FFF2-40B4-BE49-F238E27FC236}">
-                <a16:creationId xmlns="" xmlns:a16="http://schemas.microsoft.com/office/drawing/2014/main" id="{24BF3ABC-1E6D-8549-8C88-9E1C352D1A92}"/>
+                <a16:creationId xmlns:a16="http://schemas.microsoft.com/office/drawing/2014/main" xmlns="" id="{24BF3ABC-1E6D-8549-8C88-9E1C352D1A92}"/>
               </a:ext>
             </a:extLst>
           </p:cNvPr>
@@ -5269,7 +6763,7 @@
           <p:cNvPr id="4" name="Text Placeholder 3">
             <a:extLst>
               <a:ext uri="{FF2B5EF4-FFF2-40B4-BE49-F238E27FC236}">
-                <a16:creationId xmlns="" xmlns:a16="http://schemas.microsoft.com/office/drawing/2014/main" id="{9848ECEF-A15A-FD4B-BED9-92D858C02779}"/>
+                <a16:creationId xmlns:a16="http://schemas.microsoft.com/office/drawing/2014/main" xmlns="" id="{9848ECEF-A15A-FD4B-BED9-92D858C02779}"/>
               </a:ext>
             </a:extLst>
           </p:cNvPr>
@@ -5340,7 +6834,7 @@
           <p:cNvPr id="5" name="Date Placeholder 4">
             <a:extLst>
               <a:ext uri="{FF2B5EF4-FFF2-40B4-BE49-F238E27FC236}">
-                <a16:creationId xmlns="" xmlns:a16="http://schemas.microsoft.com/office/drawing/2014/main" id="{2BE02726-C8D5-634B-80AB-4A12EAEC8A77}"/>
+                <a16:creationId xmlns:a16="http://schemas.microsoft.com/office/drawing/2014/main" xmlns="" id="{2BE02726-C8D5-634B-80AB-4A12EAEC8A77}"/>
               </a:ext>
             </a:extLst>
           </p:cNvPr>
@@ -5365,7 +6859,7 @@
                 </a:solidFill>
               </a:rPr>
               <a:pPr/>
-              <a:t>7/23/2019</a:t>
+              <a:t>7/25/2019</a:t>
             </a:fld>
             <a:endParaRPr lang="en-US">
               <a:solidFill>
@@ -5382,7 +6876,7 @@
           <p:cNvPr id="6" name="Footer Placeholder 5">
             <a:extLst>
               <a:ext uri="{FF2B5EF4-FFF2-40B4-BE49-F238E27FC236}">
-                <a16:creationId xmlns="" xmlns:a16="http://schemas.microsoft.com/office/drawing/2014/main" id="{A93A4A5C-A1CE-3E41-BDC7-ACE15C9FC122}"/>
+                <a16:creationId xmlns:a16="http://schemas.microsoft.com/office/drawing/2014/main" xmlns="" id="{A93A4A5C-A1CE-3E41-BDC7-ACE15C9FC122}"/>
               </a:ext>
             </a:extLst>
           </p:cNvPr>
@@ -5413,7 +6907,7 @@
           <p:cNvPr id="7" name="Slide Number Placeholder 6">
             <a:extLst>
               <a:ext uri="{FF2B5EF4-FFF2-40B4-BE49-F238E27FC236}">
-                <a16:creationId xmlns="" xmlns:a16="http://schemas.microsoft.com/office/drawing/2014/main" id="{5636FF56-D609-8F4D-A913-5246FE392B23}"/>
+                <a16:creationId xmlns:a16="http://schemas.microsoft.com/office/drawing/2014/main" xmlns="" id="{5636FF56-D609-8F4D-A913-5246FE392B23}"/>
               </a:ext>
             </a:extLst>
           </p:cNvPr>
@@ -5485,7 +6979,7 @@
           <p:cNvPr id="2" name="Title 1">
             <a:extLst>
               <a:ext uri="{FF2B5EF4-FFF2-40B4-BE49-F238E27FC236}">
-                <a16:creationId xmlns="" xmlns:a16="http://schemas.microsoft.com/office/drawing/2014/main" id="{85357D82-69BE-A649-B076-C4066325B58B}"/>
+                <a16:creationId xmlns:a16="http://schemas.microsoft.com/office/drawing/2014/main" xmlns="" id="{85357D82-69BE-A649-B076-C4066325B58B}"/>
               </a:ext>
             </a:extLst>
           </p:cNvPr>
@@ -5513,7 +7007,7 @@
           <p:cNvPr id="3" name="Content Placeholder 2">
             <a:extLst>
               <a:ext uri="{FF2B5EF4-FFF2-40B4-BE49-F238E27FC236}">
-                <a16:creationId xmlns="" xmlns:a16="http://schemas.microsoft.com/office/drawing/2014/main" id="{727CD9B4-0692-7A49-822B-D5E257DD6B3E}"/>
+                <a16:creationId xmlns:a16="http://schemas.microsoft.com/office/drawing/2014/main" xmlns="" id="{727CD9B4-0692-7A49-822B-D5E257DD6B3E}"/>
               </a:ext>
             </a:extLst>
           </p:cNvPr>
@@ -5570,7 +7064,7 @@
           <p:cNvPr id="4" name="Date Placeholder 3">
             <a:extLst>
               <a:ext uri="{FF2B5EF4-FFF2-40B4-BE49-F238E27FC236}">
-                <a16:creationId xmlns="" xmlns:a16="http://schemas.microsoft.com/office/drawing/2014/main" id="{7F688F1C-DF41-4B4D-BB90-498FC2CDA916}"/>
+                <a16:creationId xmlns:a16="http://schemas.microsoft.com/office/drawing/2014/main" xmlns="" id="{7F688F1C-DF41-4B4D-BB90-498FC2CDA916}"/>
               </a:ext>
             </a:extLst>
           </p:cNvPr>
@@ -5588,7 +7082,7 @@
           <a:p>
             <a:fld id="{F653B730-EB83-3245-BABD-215035390107}" type="datetimeFigureOut">
               <a:rPr lang="en-US" smtClean="0"/>
-              <a:t>7/23/2019</a:t>
+              <a:t>7/25/2019</a:t>
             </a:fld>
             <a:endParaRPr lang="en-US"/>
           </a:p>
@@ -5599,7 +7093,7 @@
           <p:cNvPr id="5" name="Footer Placeholder 4">
             <a:extLst>
               <a:ext uri="{FF2B5EF4-FFF2-40B4-BE49-F238E27FC236}">
-                <a16:creationId xmlns="" xmlns:a16="http://schemas.microsoft.com/office/drawing/2014/main" id="{268B64D7-3136-7C41-9611-7B2FE344D5E7}"/>
+                <a16:creationId xmlns:a16="http://schemas.microsoft.com/office/drawing/2014/main" xmlns="" id="{268B64D7-3136-7C41-9611-7B2FE344D5E7}"/>
               </a:ext>
             </a:extLst>
           </p:cNvPr>
@@ -5624,7 +7118,7 @@
           <p:cNvPr id="6" name="Slide Number Placeholder 5">
             <a:extLst>
               <a:ext uri="{FF2B5EF4-FFF2-40B4-BE49-F238E27FC236}">
-                <a16:creationId xmlns="" xmlns:a16="http://schemas.microsoft.com/office/drawing/2014/main" id="{F7F19BF8-F377-064B-820A-AC899C247C74}"/>
+                <a16:creationId xmlns:a16="http://schemas.microsoft.com/office/drawing/2014/main" xmlns="" id="{F7F19BF8-F377-064B-820A-AC899C247C74}"/>
               </a:ext>
             </a:extLst>
           </p:cNvPr>
@@ -5683,7 +7177,7 @@
           <p:cNvPr id="2" name="Title 1">
             <a:extLst>
               <a:ext uri="{FF2B5EF4-FFF2-40B4-BE49-F238E27FC236}">
-                <a16:creationId xmlns="" xmlns:a16="http://schemas.microsoft.com/office/drawing/2014/main" id="{14496170-627D-9B4F-A0FF-0D3B1C271A7A}"/>
+                <a16:creationId xmlns:a16="http://schemas.microsoft.com/office/drawing/2014/main" xmlns="" id="{14496170-627D-9B4F-A0FF-0D3B1C271A7A}"/>
               </a:ext>
             </a:extLst>
           </p:cNvPr>
@@ -5720,7 +7214,7 @@
           <p:cNvPr id="3" name="Picture Placeholder 2">
             <a:extLst>
               <a:ext uri="{FF2B5EF4-FFF2-40B4-BE49-F238E27FC236}">
-                <a16:creationId xmlns="" xmlns:a16="http://schemas.microsoft.com/office/drawing/2014/main" id="{657EEE0F-CC5B-2B43-AE8F-38D1F86A2DA9}"/>
+                <a16:creationId xmlns:a16="http://schemas.microsoft.com/office/drawing/2014/main" xmlns="" id="{657EEE0F-CC5B-2B43-AE8F-38D1F86A2DA9}"/>
               </a:ext>
             </a:extLst>
           </p:cNvPr>
@@ -5787,7 +7281,7 @@
           <p:cNvPr id="4" name="Text Placeholder 3">
             <a:extLst>
               <a:ext uri="{FF2B5EF4-FFF2-40B4-BE49-F238E27FC236}">
-                <a16:creationId xmlns="" xmlns:a16="http://schemas.microsoft.com/office/drawing/2014/main" id="{F8E8CAFF-306D-5E41-8DA9-FDA5C98164A1}"/>
+                <a16:creationId xmlns:a16="http://schemas.microsoft.com/office/drawing/2014/main" xmlns="" id="{F8E8CAFF-306D-5E41-8DA9-FDA5C98164A1}"/>
               </a:ext>
             </a:extLst>
           </p:cNvPr>
@@ -5858,7 +7352,7 @@
           <p:cNvPr id="5" name="Date Placeholder 4">
             <a:extLst>
               <a:ext uri="{FF2B5EF4-FFF2-40B4-BE49-F238E27FC236}">
-                <a16:creationId xmlns="" xmlns:a16="http://schemas.microsoft.com/office/drawing/2014/main" id="{AAE9D9A4-4D52-BC41-A1B9-DD77611D0FF2}"/>
+                <a16:creationId xmlns:a16="http://schemas.microsoft.com/office/drawing/2014/main" xmlns="" id="{AAE9D9A4-4D52-BC41-A1B9-DD77611D0FF2}"/>
               </a:ext>
             </a:extLst>
           </p:cNvPr>
@@ -5883,7 +7377,7 @@
                 </a:solidFill>
               </a:rPr>
               <a:pPr/>
-              <a:t>7/23/2019</a:t>
+              <a:t>7/25/2019</a:t>
             </a:fld>
             <a:endParaRPr lang="en-US">
               <a:solidFill>
@@ -5900,7 +7394,7 @@
           <p:cNvPr id="6" name="Footer Placeholder 5">
             <a:extLst>
               <a:ext uri="{FF2B5EF4-FFF2-40B4-BE49-F238E27FC236}">
-                <a16:creationId xmlns="" xmlns:a16="http://schemas.microsoft.com/office/drawing/2014/main" id="{160B3947-1A9E-8B44-8241-05534D8BA533}"/>
+                <a16:creationId xmlns:a16="http://schemas.microsoft.com/office/drawing/2014/main" xmlns="" id="{160B3947-1A9E-8B44-8241-05534D8BA533}"/>
               </a:ext>
             </a:extLst>
           </p:cNvPr>
@@ -5931,7 +7425,7 @@
           <p:cNvPr id="7" name="Slide Number Placeholder 6">
             <a:extLst>
               <a:ext uri="{FF2B5EF4-FFF2-40B4-BE49-F238E27FC236}">
-                <a16:creationId xmlns="" xmlns:a16="http://schemas.microsoft.com/office/drawing/2014/main" id="{309F5166-E2CE-224F-85A6-FD3F8C984BEB}"/>
+                <a16:creationId xmlns:a16="http://schemas.microsoft.com/office/drawing/2014/main" xmlns="" id="{309F5166-E2CE-224F-85A6-FD3F8C984BEB}"/>
               </a:ext>
             </a:extLst>
           </p:cNvPr>
@@ -6003,7 +7497,7 @@
           <p:cNvPr id="2" name="Title 1">
             <a:extLst>
               <a:ext uri="{FF2B5EF4-FFF2-40B4-BE49-F238E27FC236}">
-                <a16:creationId xmlns="" xmlns:a16="http://schemas.microsoft.com/office/drawing/2014/main" id="{4432885C-6672-4346-939E-B78E664A7B26}"/>
+                <a16:creationId xmlns:a16="http://schemas.microsoft.com/office/drawing/2014/main" xmlns="" id="{4432885C-6672-4346-939E-B78E664A7B26}"/>
               </a:ext>
             </a:extLst>
           </p:cNvPr>
@@ -6031,7 +7525,7 @@
           <p:cNvPr id="3" name="Vertical Text Placeholder 2">
             <a:extLst>
               <a:ext uri="{FF2B5EF4-FFF2-40B4-BE49-F238E27FC236}">
-                <a16:creationId xmlns="" xmlns:a16="http://schemas.microsoft.com/office/drawing/2014/main" id="{BDA4DA7F-E3F9-0746-9D9C-894C6A8DFC1E}"/>
+                <a16:creationId xmlns:a16="http://schemas.microsoft.com/office/drawing/2014/main" xmlns="" id="{BDA4DA7F-E3F9-0746-9D9C-894C6A8DFC1E}"/>
               </a:ext>
             </a:extLst>
           </p:cNvPr>
@@ -6088,7 +7582,7 @@
           <p:cNvPr id="4" name="Date Placeholder 3">
             <a:extLst>
               <a:ext uri="{FF2B5EF4-FFF2-40B4-BE49-F238E27FC236}">
-                <a16:creationId xmlns="" xmlns:a16="http://schemas.microsoft.com/office/drawing/2014/main" id="{6EF8247C-0D18-884E-A6AA-E44CDD82DD9E}"/>
+                <a16:creationId xmlns:a16="http://schemas.microsoft.com/office/drawing/2014/main" xmlns="" id="{6EF8247C-0D18-884E-A6AA-E44CDD82DD9E}"/>
               </a:ext>
             </a:extLst>
           </p:cNvPr>
@@ -6113,7 +7607,7 @@
                 </a:solidFill>
               </a:rPr>
               <a:pPr/>
-              <a:t>7/23/2019</a:t>
+              <a:t>7/25/2019</a:t>
             </a:fld>
             <a:endParaRPr lang="en-US">
               <a:solidFill>
@@ -6130,7 +7624,7 @@
           <p:cNvPr id="5" name="Footer Placeholder 4">
             <a:extLst>
               <a:ext uri="{FF2B5EF4-FFF2-40B4-BE49-F238E27FC236}">
-                <a16:creationId xmlns="" xmlns:a16="http://schemas.microsoft.com/office/drawing/2014/main" id="{F5C563AC-83E4-E345-A2F5-5466716A8165}"/>
+                <a16:creationId xmlns:a16="http://schemas.microsoft.com/office/drawing/2014/main" xmlns="" id="{F5C563AC-83E4-E345-A2F5-5466716A8165}"/>
               </a:ext>
             </a:extLst>
           </p:cNvPr>
@@ -6161,7 +7655,7 @@
           <p:cNvPr id="6" name="Slide Number Placeholder 5">
             <a:extLst>
               <a:ext uri="{FF2B5EF4-FFF2-40B4-BE49-F238E27FC236}">
-                <a16:creationId xmlns="" xmlns:a16="http://schemas.microsoft.com/office/drawing/2014/main" id="{38068A58-6F7E-254C-AC82-8F12EE1DAAFE}"/>
+                <a16:creationId xmlns:a16="http://schemas.microsoft.com/office/drawing/2014/main" xmlns="" id="{38068A58-6F7E-254C-AC82-8F12EE1DAAFE}"/>
               </a:ext>
             </a:extLst>
           </p:cNvPr>
@@ -6233,7 +7727,7 @@
           <p:cNvPr id="2" name="Vertical Title 1">
             <a:extLst>
               <a:ext uri="{FF2B5EF4-FFF2-40B4-BE49-F238E27FC236}">
-                <a16:creationId xmlns="" xmlns:a16="http://schemas.microsoft.com/office/drawing/2014/main" id="{C1A04600-2702-B64B-A23E-30949BCD3895}"/>
+                <a16:creationId xmlns:a16="http://schemas.microsoft.com/office/drawing/2014/main" xmlns="" id="{C1A04600-2702-B64B-A23E-30949BCD3895}"/>
               </a:ext>
             </a:extLst>
           </p:cNvPr>
@@ -6266,7 +7760,7 @@
           <p:cNvPr id="3" name="Vertical Text Placeholder 2">
             <a:extLst>
               <a:ext uri="{FF2B5EF4-FFF2-40B4-BE49-F238E27FC236}">
-                <a16:creationId xmlns="" xmlns:a16="http://schemas.microsoft.com/office/drawing/2014/main" id="{E63D1792-67D8-C948-B036-DFB451B42536}"/>
+                <a16:creationId xmlns:a16="http://schemas.microsoft.com/office/drawing/2014/main" xmlns="" id="{E63D1792-67D8-C948-B036-DFB451B42536}"/>
               </a:ext>
             </a:extLst>
           </p:cNvPr>
@@ -6328,7 +7822,7 @@
           <p:cNvPr id="4" name="Date Placeholder 3">
             <a:extLst>
               <a:ext uri="{FF2B5EF4-FFF2-40B4-BE49-F238E27FC236}">
-                <a16:creationId xmlns="" xmlns:a16="http://schemas.microsoft.com/office/drawing/2014/main" id="{C75D1FBA-7E8E-CC4E-A282-E7FAD4EB6BEA}"/>
+                <a16:creationId xmlns:a16="http://schemas.microsoft.com/office/drawing/2014/main" xmlns="" id="{C75D1FBA-7E8E-CC4E-A282-E7FAD4EB6BEA}"/>
               </a:ext>
             </a:extLst>
           </p:cNvPr>
@@ -6353,7 +7847,7 @@
                 </a:solidFill>
               </a:rPr>
               <a:pPr/>
-              <a:t>7/23/2019</a:t>
+              <a:t>7/25/2019</a:t>
             </a:fld>
             <a:endParaRPr lang="en-US">
               <a:solidFill>
@@ -6370,7 +7864,7 @@
           <p:cNvPr id="5" name="Footer Placeholder 4">
             <a:extLst>
               <a:ext uri="{FF2B5EF4-FFF2-40B4-BE49-F238E27FC236}">
-                <a16:creationId xmlns="" xmlns:a16="http://schemas.microsoft.com/office/drawing/2014/main" id="{7F890E03-D0EC-3D40-B3A9-7510EF6EFA43}"/>
+                <a16:creationId xmlns:a16="http://schemas.microsoft.com/office/drawing/2014/main" xmlns="" id="{7F890E03-D0EC-3D40-B3A9-7510EF6EFA43}"/>
               </a:ext>
             </a:extLst>
           </p:cNvPr>
@@ -6401,7 +7895,7 @@
           <p:cNvPr id="6" name="Slide Number Placeholder 5">
             <a:extLst>
               <a:ext uri="{FF2B5EF4-FFF2-40B4-BE49-F238E27FC236}">
-                <a16:creationId xmlns="" xmlns:a16="http://schemas.microsoft.com/office/drawing/2014/main" id="{E4BBB185-EA1C-1046-A6AD-C6046CA5D409}"/>
+                <a16:creationId xmlns:a16="http://schemas.microsoft.com/office/drawing/2014/main" xmlns="" id="{E4BBB185-EA1C-1046-A6AD-C6046CA5D409}"/>
               </a:ext>
             </a:extLst>
           </p:cNvPr>
@@ -6473,7 +7967,7 @@
           <p:cNvPr id="2" name="Title 1">
             <a:extLst>
               <a:ext uri="{FF2B5EF4-FFF2-40B4-BE49-F238E27FC236}">
-                <a16:creationId xmlns="" xmlns:a16="http://schemas.microsoft.com/office/drawing/2014/main" id="{9AFA304F-8C73-A84F-865A-C888519B6595}"/>
+                <a16:creationId xmlns:a16="http://schemas.microsoft.com/office/drawing/2014/main" xmlns="" id="{9AFA304F-8C73-A84F-865A-C888519B6595}"/>
               </a:ext>
             </a:extLst>
           </p:cNvPr>
@@ -6510,7 +8004,7 @@
           <p:cNvPr id="3" name="Text Placeholder 2">
             <a:extLst>
               <a:ext uri="{FF2B5EF4-FFF2-40B4-BE49-F238E27FC236}">
-                <a16:creationId xmlns="" xmlns:a16="http://schemas.microsoft.com/office/drawing/2014/main" id="{BF10F821-760D-FC4D-93D7-5B805CFB2496}"/>
+                <a16:creationId xmlns:a16="http://schemas.microsoft.com/office/drawing/2014/main" xmlns="" id="{BF10F821-760D-FC4D-93D7-5B805CFB2496}"/>
               </a:ext>
             </a:extLst>
           </p:cNvPr>
@@ -6635,7 +8129,7 @@
           <p:cNvPr id="4" name="Date Placeholder 3">
             <a:extLst>
               <a:ext uri="{FF2B5EF4-FFF2-40B4-BE49-F238E27FC236}">
-                <a16:creationId xmlns="" xmlns:a16="http://schemas.microsoft.com/office/drawing/2014/main" id="{4C20EAFF-DF32-7F43-9329-1BC78D8FA095}"/>
+                <a16:creationId xmlns:a16="http://schemas.microsoft.com/office/drawing/2014/main" xmlns="" id="{4C20EAFF-DF32-7F43-9329-1BC78D8FA095}"/>
               </a:ext>
             </a:extLst>
           </p:cNvPr>
@@ -6653,7 +8147,7 @@
           <a:p>
             <a:fld id="{F653B730-EB83-3245-BABD-215035390107}" type="datetimeFigureOut">
               <a:rPr lang="en-US" smtClean="0"/>
-              <a:t>7/23/2019</a:t>
+              <a:t>7/25/2019</a:t>
             </a:fld>
             <a:endParaRPr lang="en-US"/>
           </a:p>
@@ -6664,7 +8158,7 @@
           <p:cNvPr id="5" name="Footer Placeholder 4">
             <a:extLst>
               <a:ext uri="{FF2B5EF4-FFF2-40B4-BE49-F238E27FC236}">
-                <a16:creationId xmlns="" xmlns:a16="http://schemas.microsoft.com/office/drawing/2014/main" id="{E510FD25-A8F6-B344-B057-A98F143D36E9}"/>
+                <a16:creationId xmlns:a16="http://schemas.microsoft.com/office/drawing/2014/main" xmlns="" id="{E510FD25-A8F6-B344-B057-A98F143D36E9}"/>
               </a:ext>
             </a:extLst>
           </p:cNvPr>
@@ -6689,7 +8183,7 @@
           <p:cNvPr id="6" name="Slide Number Placeholder 5">
             <a:extLst>
               <a:ext uri="{FF2B5EF4-FFF2-40B4-BE49-F238E27FC236}">
-                <a16:creationId xmlns="" xmlns:a16="http://schemas.microsoft.com/office/drawing/2014/main" id="{D082D76D-FF71-C047-8BD4-AC88AC358E2E}"/>
+                <a16:creationId xmlns:a16="http://schemas.microsoft.com/office/drawing/2014/main" xmlns="" id="{D082D76D-FF71-C047-8BD4-AC88AC358E2E}"/>
               </a:ext>
             </a:extLst>
           </p:cNvPr>
@@ -6748,7 +8242,7 @@
           <p:cNvPr id="2" name="Title 1">
             <a:extLst>
               <a:ext uri="{FF2B5EF4-FFF2-40B4-BE49-F238E27FC236}">
-                <a16:creationId xmlns="" xmlns:a16="http://schemas.microsoft.com/office/drawing/2014/main" id="{1395CDD8-1B17-EA4D-999D-63CFE4BCB0CC}"/>
+                <a16:creationId xmlns:a16="http://schemas.microsoft.com/office/drawing/2014/main" xmlns="" id="{1395CDD8-1B17-EA4D-999D-63CFE4BCB0CC}"/>
               </a:ext>
             </a:extLst>
           </p:cNvPr>
@@ -6776,7 +8270,7 @@
           <p:cNvPr id="3" name="Content Placeholder 2">
             <a:extLst>
               <a:ext uri="{FF2B5EF4-FFF2-40B4-BE49-F238E27FC236}">
-                <a16:creationId xmlns="" xmlns:a16="http://schemas.microsoft.com/office/drawing/2014/main" id="{374F3321-7A29-6440-929D-4BAE7AD9A6A8}"/>
+                <a16:creationId xmlns:a16="http://schemas.microsoft.com/office/drawing/2014/main" xmlns="" id="{374F3321-7A29-6440-929D-4BAE7AD9A6A8}"/>
               </a:ext>
             </a:extLst>
           </p:cNvPr>
@@ -6838,7 +8332,7 @@
           <p:cNvPr id="4" name="Content Placeholder 3">
             <a:extLst>
               <a:ext uri="{FF2B5EF4-FFF2-40B4-BE49-F238E27FC236}">
-                <a16:creationId xmlns="" xmlns:a16="http://schemas.microsoft.com/office/drawing/2014/main" id="{3CDCCE09-F6F8-8D4C-992C-678C552563FB}"/>
+                <a16:creationId xmlns:a16="http://schemas.microsoft.com/office/drawing/2014/main" xmlns="" id="{3CDCCE09-F6F8-8D4C-992C-678C552563FB}"/>
               </a:ext>
             </a:extLst>
           </p:cNvPr>
@@ -6900,7 +8394,7 @@
           <p:cNvPr id="5" name="Date Placeholder 4">
             <a:extLst>
               <a:ext uri="{FF2B5EF4-FFF2-40B4-BE49-F238E27FC236}">
-                <a16:creationId xmlns="" xmlns:a16="http://schemas.microsoft.com/office/drawing/2014/main" id="{9D4E3EBA-38E5-1E49-ADC4-BD01B6BC18E9}"/>
+                <a16:creationId xmlns:a16="http://schemas.microsoft.com/office/drawing/2014/main" xmlns="" id="{9D4E3EBA-38E5-1E49-ADC4-BD01B6BC18E9}"/>
               </a:ext>
             </a:extLst>
           </p:cNvPr>
@@ -6918,7 +8412,7 @@
           <a:p>
             <a:fld id="{F653B730-EB83-3245-BABD-215035390107}" type="datetimeFigureOut">
               <a:rPr lang="en-US" smtClean="0"/>
-              <a:t>7/23/2019</a:t>
+              <a:t>7/25/2019</a:t>
             </a:fld>
             <a:endParaRPr lang="en-US"/>
           </a:p>
@@ -6929,7 +8423,7 @@
           <p:cNvPr id="6" name="Footer Placeholder 5">
             <a:extLst>
               <a:ext uri="{FF2B5EF4-FFF2-40B4-BE49-F238E27FC236}">
-                <a16:creationId xmlns="" xmlns:a16="http://schemas.microsoft.com/office/drawing/2014/main" id="{D04D3EDD-B073-CB46-8A8A-0D2DF0B907AF}"/>
+                <a16:creationId xmlns:a16="http://schemas.microsoft.com/office/drawing/2014/main" xmlns="" id="{D04D3EDD-B073-CB46-8A8A-0D2DF0B907AF}"/>
               </a:ext>
             </a:extLst>
           </p:cNvPr>
@@ -6954,7 +8448,7 @@
           <p:cNvPr id="7" name="Slide Number Placeholder 6">
             <a:extLst>
               <a:ext uri="{FF2B5EF4-FFF2-40B4-BE49-F238E27FC236}">
-                <a16:creationId xmlns="" xmlns:a16="http://schemas.microsoft.com/office/drawing/2014/main" id="{9E51BF19-DD5C-C241-9EA9-827165E59645}"/>
+                <a16:creationId xmlns:a16="http://schemas.microsoft.com/office/drawing/2014/main" xmlns="" id="{9E51BF19-DD5C-C241-9EA9-827165E59645}"/>
               </a:ext>
             </a:extLst>
           </p:cNvPr>
@@ -7013,7 +8507,7 @@
           <p:cNvPr id="2" name="Title 1">
             <a:extLst>
               <a:ext uri="{FF2B5EF4-FFF2-40B4-BE49-F238E27FC236}">
-                <a16:creationId xmlns="" xmlns:a16="http://schemas.microsoft.com/office/drawing/2014/main" id="{D6601DEE-7209-FC42-8B94-128579D5194C}"/>
+                <a16:creationId xmlns:a16="http://schemas.microsoft.com/office/drawing/2014/main" xmlns="" id="{D6601DEE-7209-FC42-8B94-128579D5194C}"/>
               </a:ext>
             </a:extLst>
           </p:cNvPr>
@@ -7046,7 +8540,7 @@
           <p:cNvPr id="3" name="Text Placeholder 2">
             <a:extLst>
               <a:ext uri="{FF2B5EF4-FFF2-40B4-BE49-F238E27FC236}">
-                <a16:creationId xmlns="" xmlns:a16="http://schemas.microsoft.com/office/drawing/2014/main" id="{24524C63-F2EC-2E45-8E8E-E9BFD2C20B13}"/>
+                <a16:creationId xmlns:a16="http://schemas.microsoft.com/office/drawing/2014/main" xmlns="" id="{24524C63-F2EC-2E45-8E8E-E9BFD2C20B13}"/>
               </a:ext>
             </a:extLst>
           </p:cNvPr>
@@ -7117,7 +8611,7 @@
           <p:cNvPr id="4" name="Content Placeholder 3">
             <a:extLst>
               <a:ext uri="{FF2B5EF4-FFF2-40B4-BE49-F238E27FC236}">
-                <a16:creationId xmlns="" xmlns:a16="http://schemas.microsoft.com/office/drawing/2014/main" id="{B9377A27-D001-AD46-8AD3-E77EC21181D0}"/>
+                <a16:creationId xmlns:a16="http://schemas.microsoft.com/office/drawing/2014/main" xmlns="" id="{B9377A27-D001-AD46-8AD3-E77EC21181D0}"/>
               </a:ext>
             </a:extLst>
           </p:cNvPr>
@@ -7179,7 +8673,7 @@
           <p:cNvPr id="5" name="Text Placeholder 4">
             <a:extLst>
               <a:ext uri="{FF2B5EF4-FFF2-40B4-BE49-F238E27FC236}">
-                <a16:creationId xmlns="" xmlns:a16="http://schemas.microsoft.com/office/drawing/2014/main" id="{BE6378E9-CC81-3D46-9F27-22744230EFB1}"/>
+                <a16:creationId xmlns:a16="http://schemas.microsoft.com/office/drawing/2014/main" xmlns="" id="{BE6378E9-CC81-3D46-9F27-22744230EFB1}"/>
               </a:ext>
             </a:extLst>
           </p:cNvPr>
@@ -7250,7 +8744,7 @@
           <p:cNvPr id="6" name="Content Placeholder 5">
             <a:extLst>
               <a:ext uri="{FF2B5EF4-FFF2-40B4-BE49-F238E27FC236}">
-                <a16:creationId xmlns="" xmlns:a16="http://schemas.microsoft.com/office/drawing/2014/main" id="{A118D6CC-15E1-F743-B611-6D3FCB52906E}"/>
+                <a16:creationId xmlns:a16="http://schemas.microsoft.com/office/drawing/2014/main" xmlns="" id="{A118D6CC-15E1-F743-B611-6D3FCB52906E}"/>
               </a:ext>
             </a:extLst>
           </p:cNvPr>
@@ -7312,7 +8806,7 @@
           <p:cNvPr id="7" name="Date Placeholder 6">
             <a:extLst>
               <a:ext uri="{FF2B5EF4-FFF2-40B4-BE49-F238E27FC236}">
-                <a16:creationId xmlns="" xmlns:a16="http://schemas.microsoft.com/office/drawing/2014/main" id="{49519EB2-E504-C44A-9217-F173817E9E46}"/>
+                <a16:creationId xmlns:a16="http://schemas.microsoft.com/office/drawing/2014/main" xmlns="" id="{49519EB2-E504-C44A-9217-F173817E9E46}"/>
               </a:ext>
             </a:extLst>
           </p:cNvPr>
@@ -7330,7 +8824,7 @@
           <a:p>
             <a:fld id="{F653B730-EB83-3245-BABD-215035390107}" type="datetimeFigureOut">
               <a:rPr lang="en-US" smtClean="0"/>
-              <a:t>7/23/2019</a:t>
+              <a:t>7/25/2019</a:t>
             </a:fld>
             <a:endParaRPr lang="en-US"/>
           </a:p>
@@ -7341,7 +8835,7 @@
           <p:cNvPr id="8" name="Footer Placeholder 7">
             <a:extLst>
               <a:ext uri="{FF2B5EF4-FFF2-40B4-BE49-F238E27FC236}">
-                <a16:creationId xmlns="" xmlns:a16="http://schemas.microsoft.com/office/drawing/2014/main" id="{3A62175D-D819-DE43-BAF7-35343A268A7E}"/>
+                <a16:creationId xmlns:a16="http://schemas.microsoft.com/office/drawing/2014/main" xmlns="" id="{3A62175D-D819-DE43-BAF7-35343A268A7E}"/>
               </a:ext>
             </a:extLst>
           </p:cNvPr>
@@ -7366,7 +8860,7 @@
           <p:cNvPr id="9" name="Slide Number Placeholder 8">
             <a:extLst>
               <a:ext uri="{FF2B5EF4-FFF2-40B4-BE49-F238E27FC236}">
-                <a16:creationId xmlns="" xmlns:a16="http://schemas.microsoft.com/office/drawing/2014/main" id="{374768E3-165E-B24C-99DF-68C9CD9707B9}"/>
+                <a16:creationId xmlns:a16="http://schemas.microsoft.com/office/drawing/2014/main" xmlns="" id="{374768E3-165E-B24C-99DF-68C9CD9707B9}"/>
               </a:ext>
             </a:extLst>
           </p:cNvPr>
@@ -7425,7 +8919,7 @@
           <p:cNvPr id="2" name="Title 1">
             <a:extLst>
               <a:ext uri="{FF2B5EF4-FFF2-40B4-BE49-F238E27FC236}">
-                <a16:creationId xmlns="" xmlns:a16="http://schemas.microsoft.com/office/drawing/2014/main" id="{24ACF154-553A-0842-8250-69AE1DDFA0B1}"/>
+                <a16:creationId xmlns:a16="http://schemas.microsoft.com/office/drawing/2014/main" xmlns="" id="{24ACF154-553A-0842-8250-69AE1DDFA0B1}"/>
               </a:ext>
             </a:extLst>
           </p:cNvPr>
@@ -7453,7 +8947,7 @@
           <p:cNvPr id="3" name="Date Placeholder 2">
             <a:extLst>
               <a:ext uri="{FF2B5EF4-FFF2-40B4-BE49-F238E27FC236}">
-                <a16:creationId xmlns="" xmlns:a16="http://schemas.microsoft.com/office/drawing/2014/main" id="{E455EA88-A194-DD49-A98F-8D4844524CC6}"/>
+                <a16:creationId xmlns:a16="http://schemas.microsoft.com/office/drawing/2014/main" xmlns="" id="{E455EA88-A194-DD49-A98F-8D4844524CC6}"/>
               </a:ext>
             </a:extLst>
           </p:cNvPr>
@@ -7471,7 +8965,7 @@
           <a:p>
             <a:fld id="{F653B730-EB83-3245-BABD-215035390107}" type="datetimeFigureOut">
               <a:rPr lang="en-US" smtClean="0"/>
-              <a:t>7/23/2019</a:t>
+              <a:t>7/25/2019</a:t>
             </a:fld>
             <a:endParaRPr lang="en-US"/>
           </a:p>
@@ -7482,7 +8976,7 @@
           <p:cNvPr id="4" name="Footer Placeholder 3">
             <a:extLst>
               <a:ext uri="{FF2B5EF4-FFF2-40B4-BE49-F238E27FC236}">
-                <a16:creationId xmlns="" xmlns:a16="http://schemas.microsoft.com/office/drawing/2014/main" id="{DD1AF7F1-D547-8F45-AA47-D2678421A002}"/>
+                <a16:creationId xmlns:a16="http://schemas.microsoft.com/office/drawing/2014/main" xmlns="" id="{DD1AF7F1-D547-8F45-AA47-D2678421A002}"/>
               </a:ext>
             </a:extLst>
           </p:cNvPr>
@@ -7507,7 +9001,7 @@
           <p:cNvPr id="5" name="Slide Number Placeholder 4">
             <a:extLst>
               <a:ext uri="{FF2B5EF4-FFF2-40B4-BE49-F238E27FC236}">
-                <a16:creationId xmlns="" xmlns:a16="http://schemas.microsoft.com/office/drawing/2014/main" id="{83A52784-B347-6644-8F8F-84283F3A8F26}"/>
+                <a16:creationId xmlns:a16="http://schemas.microsoft.com/office/drawing/2014/main" xmlns="" id="{83A52784-B347-6644-8F8F-84283F3A8F26}"/>
               </a:ext>
             </a:extLst>
           </p:cNvPr>
@@ -7566,7 +9060,7 @@
           <p:cNvPr id="2" name="Date Placeholder 1">
             <a:extLst>
               <a:ext uri="{FF2B5EF4-FFF2-40B4-BE49-F238E27FC236}">
-                <a16:creationId xmlns="" xmlns:a16="http://schemas.microsoft.com/office/drawing/2014/main" id="{0A1E871A-A696-F348-A454-199841AF78BA}"/>
+                <a16:creationId xmlns:a16="http://schemas.microsoft.com/office/drawing/2014/main" xmlns="" id="{0A1E871A-A696-F348-A454-199841AF78BA}"/>
               </a:ext>
             </a:extLst>
           </p:cNvPr>
@@ -7584,7 +9078,7 @@
           <a:p>
             <a:fld id="{F653B730-EB83-3245-BABD-215035390107}" type="datetimeFigureOut">
               <a:rPr lang="en-US" smtClean="0"/>
-              <a:t>7/23/2019</a:t>
+              <a:t>7/25/2019</a:t>
             </a:fld>
             <a:endParaRPr lang="en-US"/>
           </a:p>
@@ -7595,7 +9089,7 @@
           <p:cNvPr id="3" name="Footer Placeholder 2">
             <a:extLst>
               <a:ext uri="{FF2B5EF4-FFF2-40B4-BE49-F238E27FC236}">
-                <a16:creationId xmlns="" xmlns:a16="http://schemas.microsoft.com/office/drawing/2014/main" id="{09043BFF-5695-1840-B967-344E168E556F}"/>
+                <a16:creationId xmlns:a16="http://schemas.microsoft.com/office/drawing/2014/main" xmlns="" id="{09043BFF-5695-1840-B967-344E168E556F}"/>
               </a:ext>
             </a:extLst>
           </p:cNvPr>
@@ -7620,7 +9114,7 @@
           <p:cNvPr id="4" name="Slide Number Placeholder 3">
             <a:extLst>
               <a:ext uri="{FF2B5EF4-FFF2-40B4-BE49-F238E27FC236}">
-                <a16:creationId xmlns="" xmlns:a16="http://schemas.microsoft.com/office/drawing/2014/main" id="{3DA1D920-6578-2E41-AB23-EA922CF7CA6C}"/>
+                <a16:creationId xmlns:a16="http://schemas.microsoft.com/office/drawing/2014/main" xmlns="" id="{3DA1D920-6578-2E41-AB23-EA922CF7CA6C}"/>
               </a:ext>
             </a:extLst>
           </p:cNvPr>
@@ -7679,7 +9173,7 @@
           <p:cNvPr id="2" name="Title 1">
             <a:extLst>
               <a:ext uri="{FF2B5EF4-FFF2-40B4-BE49-F238E27FC236}">
-                <a16:creationId xmlns="" xmlns:a16="http://schemas.microsoft.com/office/drawing/2014/main" id="{0477BE22-B236-AE4F-8400-6B1B75FEC947}"/>
+                <a16:creationId xmlns:a16="http://schemas.microsoft.com/office/drawing/2014/main" xmlns="" id="{0477BE22-B236-AE4F-8400-6B1B75FEC947}"/>
               </a:ext>
             </a:extLst>
           </p:cNvPr>
@@ -7716,7 +9210,7 @@
           <p:cNvPr id="3" name="Content Placeholder 2">
             <a:extLst>
               <a:ext uri="{FF2B5EF4-FFF2-40B4-BE49-F238E27FC236}">
-                <a16:creationId xmlns="" xmlns:a16="http://schemas.microsoft.com/office/drawing/2014/main" id="{2670497D-98E0-8E43-B0BA-2824A636F378}"/>
+                <a16:creationId xmlns:a16="http://schemas.microsoft.com/office/drawing/2014/main" xmlns="" id="{2670497D-98E0-8E43-B0BA-2824A636F378}"/>
               </a:ext>
             </a:extLst>
           </p:cNvPr>
@@ -7806,7 +9300,7 @@
           <p:cNvPr id="4" name="Text Placeholder 3">
             <a:extLst>
               <a:ext uri="{FF2B5EF4-FFF2-40B4-BE49-F238E27FC236}">
-                <a16:creationId xmlns="" xmlns:a16="http://schemas.microsoft.com/office/drawing/2014/main" id="{4FF74419-D43F-F749-914E-19003678E326}"/>
+                <a16:creationId xmlns:a16="http://schemas.microsoft.com/office/drawing/2014/main" xmlns="" id="{4FF74419-D43F-F749-914E-19003678E326}"/>
               </a:ext>
             </a:extLst>
           </p:cNvPr>
@@ -7877,7 +9371,7 @@
           <p:cNvPr id="5" name="Date Placeholder 4">
             <a:extLst>
               <a:ext uri="{FF2B5EF4-FFF2-40B4-BE49-F238E27FC236}">
-                <a16:creationId xmlns="" xmlns:a16="http://schemas.microsoft.com/office/drawing/2014/main" id="{4A624C88-3969-704A-AB0A-83FF135AB83F}"/>
+                <a16:creationId xmlns:a16="http://schemas.microsoft.com/office/drawing/2014/main" xmlns="" id="{4A624C88-3969-704A-AB0A-83FF135AB83F}"/>
               </a:ext>
             </a:extLst>
           </p:cNvPr>
@@ -7895,7 +9389,7 @@
           <a:p>
             <a:fld id="{F653B730-EB83-3245-BABD-215035390107}" type="datetimeFigureOut">
               <a:rPr lang="en-US" smtClean="0"/>
-              <a:t>7/23/2019</a:t>
+              <a:t>7/25/2019</a:t>
             </a:fld>
             <a:endParaRPr lang="en-US"/>
           </a:p>
@@ -7906,7 +9400,7 @@
           <p:cNvPr id="6" name="Footer Placeholder 5">
             <a:extLst>
               <a:ext uri="{FF2B5EF4-FFF2-40B4-BE49-F238E27FC236}">
-                <a16:creationId xmlns="" xmlns:a16="http://schemas.microsoft.com/office/drawing/2014/main" id="{6D378B35-3A0C-D44F-91B2-E9D6E8252D7E}"/>
+                <a16:creationId xmlns:a16="http://schemas.microsoft.com/office/drawing/2014/main" xmlns="" id="{6D378B35-3A0C-D44F-91B2-E9D6E8252D7E}"/>
               </a:ext>
             </a:extLst>
           </p:cNvPr>
@@ -7931,7 +9425,7 @@
           <p:cNvPr id="7" name="Slide Number Placeholder 6">
             <a:extLst>
               <a:ext uri="{FF2B5EF4-FFF2-40B4-BE49-F238E27FC236}">
-                <a16:creationId xmlns="" xmlns:a16="http://schemas.microsoft.com/office/drawing/2014/main" id="{20B45176-C462-9549-8A63-1466FEDD0390}"/>
+                <a16:creationId xmlns:a16="http://schemas.microsoft.com/office/drawing/2014/main" xmlns="" id="{20B45176-C462-9549-8A63-1466FEDD0390}"/>
               </a:ext>
             </a:extLst>
           </p:cNvPr>
@@ -7990,7 +9484,7 @@
           <p:cNvPr id="2" name="Title 1">
             <a:extLst>
               <a:ext uri="{FF2B5EF4-FFF2-40B4-BE49-F238E27FC236}">
-                <a16:creationId xmlns="" xmlns:a16="http://schemas.microsoft.com/office/drawing/2014/main" id="{D6BE21B2-77B9-D24D-A7BB-1DB757ACCC81}"/>
+                <a16:creationId xmlns:a16="http://schemas.microsoft.com/office/drawing/2014/main" xmlns="" id="{D6BE21B2-77B9-D24D-A7BB-1DB757ACCC81}"/>
               </a:ext>
             </a:extLst>
           </p:cNvPr>
@@ -8027,7 +9521,7 @@
           <p:cNvPr id="3" name="Picture Placeholder 2">
             <a:extLst>
               <a:ext uri="{FF2B5EF4-FFF2-40B4-BE49-F238E27FC236}">
-                <a16:creationId xmlns="" xmlns:a16="http://schemas.microsoft.com/office/drawing/2014/main" id="{4DFC1055-3E84-974A-A49B-CF7BB0EC27A5}"/>
+                <a16:creationId xmlns:a16="http://schemas.microsoft.com/office/drawing/2014/main" xmlns="" id="{4DFC1055-3E84-974A-A49B-CF7BB0EC27A5}"/>
               </a:ext>
             </a:extLst>
           </p:cNvPr>
@@ -8094,7 +9588,7 @@
           <p:cNvPr id="4" name="Text Placeholder 3">
             <a:extLst>
               <a:ext uri="{FF2B5EF4-FFF2-40B4-BE49-F238E27FC236}">
-                <a16:creationId xmlns="" xmlns:a16="http://schemas.microsoft.com/office/drawing/2014/main" id="{19979FBE-0E42-564D-B8F9-F83B35B33109}"/>
+                <a16:creationId xmlns:a16="http://schemas.microsoft.com/office/drawing/2014/main" xmlns="" id="{19979FBE-0E42-564D-B8F9-F83B35B33109}"/>
               </a:ext>
             </a:extLst>
           </p:cNvPr>
@@ -8165,7 +9659,7 @@
           <p:cNvPr id="5" name="Date Placeholder 4">
             <a:extLst>
               <a:ext uri="{FF2B5EF4-FFF2-40B4-BE49-F238E27FC236}">
-                <a16:creationId xmlns="" xmlns:a16="http://schemas.microsoft.com/office/drawing/2014/main" id="{717E18D6-2584-8F4B-80CA-7DBAFFB8CD75}"/>
+                <a16:creationId xmlns:a16="http://schemas.microsoft.com/office/drawing/2014/main" xmlns="" id="{717E18D6-2584-8F4B-80CA-7DBAFFB8CD75}"/>
               </a:ext>
             </a:extLst>
           </p:cNvPr>
@@ -8183,7 +9677,7 @@
           <a:p>
             <a:fld id="{F653B730-EB83-3245-BABD-215035390107}" type="datetimeFigureOut">
               <a:rPr lang="en-US" smtClean="0"/>
-              <a:t>7/23/2019</a:t>
+              <a:t>7/25/2019</a:t>
             </a:fld>
             <a:endParaRPr lang="en-US"/>
           </a:p>
@@ -8194,7 +9688,7 @@
           <p:cNvPr id="6" name="Footer Placeholder 5">
             <a:extLst>
               <a:ext uri="{FF2B5EF4-FFF2-40B4-BE49-F238E27FC236}">
-                <a16:creationId xmlns="" xmlns:a16="http://schemas.microsoft.com/office/drawing/2014/main" id="{CCF8CC42-CB75-0043-8EDD-10D2DDAE04F3}"/>
+                <a16:creationId xmlns:a16="http://schemas.microsoft.com/office/drawing/2014/main" xmlns="" id="{CCF8CC42-CB75-0043-8EDD-10D2DDAE04F3}"/>
               </a:ext>
             </a:extLst>
           </p:cNvPr>
@@ -8219,7 +9713,7 @@
           <p:cNvPr id="7" name="Slide Number Placeholder 6">
             <a:extLst>
               <a:ext uri="{FF2B5EF4-FFF2-40B4-BE49-F238E27FC236}">
-                <a16:creationId xmlns="" xmlns:a16="http://schemas.microsoft.com/office/drawing/2014/main" id="{F2503906-BF11-344A-AC80-0E1F13EB2B55}"/>
+                <a16:creationId xmlns:a16="http://schemas.microsoft.com/office/drawing/2014/main" xmlns="" id="{F2503906-BF11-344A-AC80-0E1F13EB2B55}"/>
               </a:ext>
             </a:extLst>
           </p:cNvPr>
@@ -8283,7 +9777,7 @@
           <p:cNvPr id="2" name="Title Placeholder 1">
             <a:extLst>
               <a:ext uri="{FF2B5EF4-FFF2-40B4-BE49-F238E27FC236}">
-                <a16:creationId xmlns="" xmlns:a16="http://schemas.microsoft.com/office/drawing/2014/main" id="{26DC754E-B02C-9B4C-959E-59C948319491}"/>
+                <a16:creationId xmlns:a16="http://schemas.microsoft.com/office/drawing/2014/main" xmlns="" id="{26DC754E-B02C-9B4C-959E-59C948319491}"/>
               </a:ext>
             </a:extLst>
           </p:cNvPr>
@@ -8321,7 +9815,7 @@
           <p:cNvPr id="3" name="Text Placeholder 2">
             <a:extLst>
               <a:ext uri="{FF2B5EF4-FFF2-40B4-BE49-F238E27FC236}">
-                <a16:creationId xmlns="" xmlns:a16="http://schemas.microsoft.com/office/drawing/2014/main" id="{678377D5-7E6A-4F44-905B-76571FC9FE11}"/>
+                <a16:creationId xmlns:a16="http://schemas.microsoft.com/office/drawing/2014/main" xmlns="" id="{678377D5-7E6A-4F44-905B-76571FC9FE11}"/>
               </a:ext>
             </a:extLst>
           </p:cNvPr>
@@ -8388,7 +9882,7 @@
           <p:cNvPr id="4" name="Date Placeholder 3">
             <a:extLst>
               <a:ext uri="{FF2B5EF4-FFF2-40B4-BE49-F238E27FC236}">
-                <a16:creationId xmlns="" xmlns:a16="http://schemas.microsoft.com/office/drawing/2014/main" id="{51439DDC-967C-E84E-99B5-460849E52161}"/>
+                <a16:creationId xmlns:a16="http://schemas.microsoft.com/office/drawing/2014/main" xmlns="" id="{51439DDC-967C-E84E-99B5-460849E52161}"/>
               </a:ext>
             </a:extLst>
           </p:cNvPr>
@@ -8424,7 +9918,7 @@
           <a:p>
             <a:fld id="{F653B730-EB83-3245-BABD-215035390107}" type="datetimeFigureOut">
               <a:rPr lang="en-US" smtClean="0"/>
-              <a:t>7/23/2019</a:t>
+              <a:t>7/25/2019</a:t>
             </a:fld>
             <a:endParaRPr lang="en-US"/>
           </a:p>
@@ -8435,7 +9929,7 @@
           <p:cNvPr id="5" name="Footer Placeholder 4">
             <a:extLst>
               <a:ext uri="{FF2B5EF4-FFF2-40B4-BE49-F238E27FC236}">
-                <a16:creationId xmlns="" xmlns:a16="http://schemas.microsoft.com/office/drawing/2014/main" id="{C3907B65-1A43-4648-95EC-02B6735B7A5A}"/>
+                <a16:creationId xmlns:a16="http://schemas.microsoft.com/office/drawing/2014/main" xmlns="" id="{C3907B65-1A43-4648-95EC-02B6735B7A5A}"/>
               </a:ext>
             </a:extLst>
           </p:cNvPr>
@@ -8478,7 +9972,7 @@
           <p:cNvPr id="6" name="Slide Number Placeholder 5">
             <a:extLst>
               <a:ext uri="{FF2B5EF4-FFF2-40B4-BE49-F238E27FC236}">
-                <a16:creationId xmlns="" xmlns:a16="http://schemas.microsoft.com/office/drawing/2014/main" id="{1BD35166-EAD8-CC4D-B9D4-6005A85E1848}"/>
+                <a16:creationId xmlns:a16="http://schemas.microsoft.com/office/drawing/2014/main" xmlns="" id="{1BD35166-EAD8-CC4D-B9D4-6005A85E1848}"/>
               </a:ext>
             </a:extLst>
           </p:cNvPr>
@@ -8851,7 +10345,7 @@
           <p:cNvPr id="2" name="Title Placeholder 1">
             <a:extLst>
               <a:ext uri="{FF2B5EF4-FFF2-40B4-BE49-F238E27FC236}">
-                <a16:creationId xmlns="" xmlns:a16="http://schemas.microsoft.com/office/drawing/2014/main" id="{7A1260AB-78F3-304F-A530-43B29E6E014B}"/>
+                <a16:creationId xmlns:a16="http://schemas.microsoft.com/office/drawing/2014/main" xmlns="" id="{7A1260AB-78F3-304F-A530-43B29E6E014B}"/>
               </a:ext>
             </a:extLst>
           </p:cNvPr>
@@ -8889,7 +10383,7 @@
           <p:cNvPr id="3" name="Text Placeholder 2">
             <a:extLst>
               <a:ext uri="{FF2B5EF4-FFF2-40B4-BE49-F238E27FC236}">
-                <a16:creationId xmlns="" xmlns:a16="http://schemas.microsoft.com/office/drawing/2014/main" id="{8F4A4323-7D0A-FD43-938B-3C3D08B9A93B}"/>
+                <a16:creationId xmlns:a16="http://schemas.microsoft.com/office/drawing/2014/main" xmlns="" id="{8F4A4323-7D0A-FD43-938B-3C3D08B9A93B}"/>
               </a:ext>
             </a:extLst>
           </p:cNvPr>
@@ -8956,7 +10450,7 @@
           <p:cNvPr id="4" name="Date Placeholder 3">
             <a:extLst>
               <a:ext uri="{FF2B5EF4-FFF2-40B4-BE49-F238E27FC236}">
-                <a16:creationId xmlns="" xmlns:a16="http://schemas.microsoft.com/office/drawing/2014/main" id="{6AA82BF6-F3E9-BD46-A1A6-3F29B5D3DC12}"/>
+                <a16:creationId xmlns:a16="http://schemas.microsoft.com/office/drawing/2014/main" xmlns="" id="{6AA82BF6-F3E9-BD46-A1A6-3F29B5D3DC12}"/>
               </a:ext>
             </a:extLst>
           </p:cNvPr>
@@ -9000,7 +10494,7 @@
                 </a:solidFill>
               </a:rPr>
               <a:pPr latinLnBrk="0"/>
-              <a:t>7/23/2019</a:t>
+              <a:t>7/25/2019</a:t>
             </a:fld>
             <a:endParaRPr lang="en-US">
               <a:solidFill>
@@ -9017,7 +10511,7 @@
           <p:cNvPr id="5" name="Footer Placeholder 4">
             <a:extLst>
               <a:ext uri="{FF2B5EF4-FFF2-40B4-BE49-F238E27FC236}">
-                <a16:creationId xmlns="" xmlns:a16="http://schemas.microsoft.com/office/drawing/2014/main" id="{EAF489D9-E288-A349-A83A-9171F5E9BF36}"/>
+                <a16:creationId xmlns:a16="http://schemas.microsoft.com/office/drawing/2014/main" xmlns="" id="{EAF489D9-E288-A349-A83A-9171F5E9BF36}"/>
               </a:ext>
             </a:extLst>
           </p:cNvPr>
@@ -9067,7 +10561,7 @@
           <p:cNvPr id="6" name="Slide Number Placeholder 5">
             <a:extLst>
               <a:ext uri="{FF2B5EF4-FFF2-40B4-BE49-F238E27FC236}">
-                <a16:creationId xmlns="" xmlns:a16="http://schemas.microsoft.com/office/drawing/2014/main" id="{18DE39B7-04F6-7B42-A633-26040D06496F}"/>
+                <a16:creationId xmlns:a16="http://schemas.microsoft.com/office/drawing/2014/main" xmlns="" id="{18DE39B7-04F6-7B42-A633-26040D06496F}"/>
               </a:ext>
             </a:extLst>
           </p:cNvPr>
@@ -9460,10 +10954,10 @@
           <p:cNvPr id="8" name="Group 7">
             <a:extLst>
               <a:ext uri="{FF2B5EF4-FFF2-40B4-BE49-F238E27FC236}">
-                <a16:creationId xmlns="" xmlns:a16="http://schemas.microsoft.com/office/drawing/2014/main" id="{D2C4BFA1-2075-4901-9E24-E41D1FDD51FD}"/>
+                <a16:creationId xmlns:a16="http://schemas.microsoft.com/office/drawing/2014/main" xmlns="" id="{D2C4BFA1-2075-4901-9E24-E41D1FDD51FD}"/>
               </a:ext>
               <a:ext uri="{C183D7F6-B498-43B3-948B-1728B52AA6E4}">
-                <adec:decorative xmlns="" xmlns:adec="http://schemas.microsoft.com/office/drawing/2017/decorative" val="1"/>
+                <adec:decorative xmlns:adec="http://schemas.microsoft.com/office/drawing/2017/decorative" xmlns="" val="1"/>
               </a:ext>
             </a:extLst>
           </p:cNvPr>
@@ -9473,7 +10967,7 @@
           <p:nvPr>
             <p:extLst>
               <p:ext uri="{386F3935-93C4-4BCD-93E2-E3B085C9AB24}">
-                <p16:designElem xmlns="" xmlns:p16="http://schemas.microsoft.com/office/powerpoint/2015/main" val="1"/>
+                <p16:designElem xmlns:p16="http://schemas.microsoft.com/office/powerpoint/2015/main" xmlns="" val="1"/>
               </p:ext>
             </p:extLst>
           </p:nvPr>
@@ -9491,10 +10985,10 @@
             <p:cNvPr id="9" name="Oval 5">
               <a:extLst>
                 <a:ext uri="{FF2B5EF4-FFF2-40B4-BE49-F238E27FC236}">
-                  <a16:creationId xmlns="" xmlns:a16="http://schemas.microsoft.com/office/drawing/2014/main" id="{985A7375-E3AF-4F5C-85AE-17E8832952CA}"/>
+                  <a16:creationId xmlns:a16="http://schemas.microsoft.com/office/drawing/2014/main" xmlns="" id="{985A7375-E3AF-4F5C-85AE-17E8832952CA}"/>
                 </a:ext>
                 <a:ext uri="{C183D7F6-B498-43B3-948B-1728B52AA6E4}">
-                  <adec:decorative xmlns="" xmlns:adec="http://schemas.microsoft.com/office/drawing/2017/decorative" val="1"/>
+                  <adec:decorative xmlns:adec="http://schemas.microsoft.com/office/drawing/2017/decorative" xmlns="" val="1"/>
                 </a:ext>
               </a:extLst>
             </p:cNvPr>
@@ -9504,7 +10998,7 @@
             <p:nvPr>
               <p:extLst>
                 <p:ext uri="{386F3935-93C4-4BCD-93E2-E3B085C9AB24}">
-                  <p16:designElem xmlns="" xmlns:p16="http://schemas.microsoft.com/office/powerpoint/2015/main" val="1"/>
+                  <p16:designElem xmlns:p16="http://schemas.microsoft.com/office/powerpoint/2015/main" xmlns="" val="1"/>
                 </p:ext>
               </p:extLst>
             </p:nvPr>
@@ -9532,10 +11026,10 @@
             <p:cNvPr id="10" name="Oval 9">
               <a:extLst>
                 <a:ext uri="{FF2B5EF4-FFF2-40B4-BE49-F238E27FC236}">
-                  <a16:creationId xmlns="" xmlns:a16="http://schemas.microsoft.com/office/drawing/2014/main" id="{F0307F65-8304-4FA8-A841-D4D7625411BE}"/>
+                  <a16:creationId xmlns:a16="http://schemas.microsoft.com/office/drawing/2014/main" xmlns="" id="{F0307F65-8304-4FA8-A841-D4D7625411BE}"/>
                 </a:ext>
                 <a:ext uri="{C183D7F6-B498-43B3-948B-1728B52AA6E4}">
-                  <adec:decorative xmlns="" xmlns:adec="http://schemas.microsoft.com/office/drawing/2017/decorative" val="1"/>
+                  <adec:decorative xmlns:adec="http://schemas.microsoft.com/office/drawing/2017/decorative" xmlns="" val="1"/>
                 </a:ext>
               </a:extLst>
             </p:cNvPr>
@@ -9545,7 +11039,7 @@
             <p:nvPr>
               <p:extLst>
                 <p:ext uri="{386F3935-93C4-4BCD-93E2-E3B085C9AB24}">
-                  <p16:designElem xmlns="" xmlns:p16="http://schemas.microsoft.com/office/powerpoint/2015/main" val="1"/>
+                  <p16:designElem xmlns:p16="http://schemas.microsoft.com/office/powerpoint/2015/main" xmlns="" val="1"/>
                 </p:ext>
               </p:extLst>
             </p:nvPr>
@@ -9573,10 +11067,10 @@
             <p:cNvPr id="11" name="Oval 5">
               <a:extLst>
                 <a:ext uri="{FF2B5EF4-FFF2-40B4-BE49-F238E27FC236}">
-                  <a16:creationId xmlns="" xmlns:a16="http://schemas.microsoft.com/office/drawing/2014/main" id="{C8B8394C-136F-4E05-A002-D93A5E79CD50}"/>
+                  <a16:creationId xmlns:a16="http://schemas.microsoft.com/office/drawing/2014/main" xmlns="" id="{C8B8394C-136F-4E05-A002-D93A5E79CD50}"/>
                 </a:ext>
                 <a:ext uri="{C183D7F6-B498-43B3-948B-1728B52AA6E4}">
-                  <adec:decorative xmlns="" xmlns:adec="http://schemas.microsoft.com/office/drawing/2017/decorative" val="1"/>
+                  <adec:decorative xmlns:adec="http://schemas.microsoft.com/office/drawing/2017/decorative" xmlns="" val="1"/>
                 </a:ext>
               </a:extLst>
             </p:cNvPr>
@@ -9586,7 +11080,7 @@
             <p:nvPr>
               <p:extLst>
                 <p:ext uri="{386F3935-93C4-4BCD-93E2-E3B085C9AB24}">
-                  <p16:designElem xmlns="" xmlns:p16="http://schemas.microsoft.com/office/powerpoint/2015/main" val="1"/>
+                  <p16:designElem xmlns:p16="http://schemas.microsoft.com/office/powerpoint/2015/main" xmlns="" val="1"/>
                 </p:ext>
               </p:extLst>
             </p:nvPr>
@@ -9615,7 +11109,7 @@
           <p:cNvPr id="3" name="Subtitle 2">
             <a:extLst>
               <a:ext uri="{FF2B5EF4-FFF2-40B4-BE49-F238E27FC236}">
-                <a16:creationId xmlns="" xmlns:a16="http://schemas.microsoft.com/office/drawing/2014/main" id="{B4EBBCEE-B339-2844-9D7E-458B2CBC4223}"/>
+                <a16:creationId xmlns:a16="http://schemas.microsoft.com/office/drawing/2014/main" xmlns="" id="{B4EBBCEE-B339-2844-9D7E-458B2CBC4223}"/>
               </a:ext>
             </a:extLst>
           </p:cNvPr>
@@ -9650,10 +11144,10 @@
           <p:cNvPr id="13" name="Rectangle 12">
             <a:extLst>
               <a:ext uri="{FF2B5EF4-FFF2-40B4-BE49-F238E27FC236}">
-                <a16:creationId xmlns="" xmlns:a16="http://schemas.microsoft.com/office/drawing/2014/main" id="{053FB2EE-284F-4C87-AB3D-BBF87A9FAB97}"/>
+                <a16:creationId xmlns:a16="http://schemas.microsoft.com/office/drawing/2014/main" xmlns="" id="{053FB2EE-284F-4C87-AB3D-BBF87A9FAB97}"/>
               </a:ext>
               <a:ext uri="{C183D7F6-B498-43B3-948B-1728B52AA6E4}">
-                <adec:decorative xmlns="" xmlns:adec="http://schemas.microsoft.com/office/drawing/2017/decorative" val="1"/>
+                <adec:decorative xmlns:adec="http://schemas.microsoft.com/office/drawing/2017/decorative" xmlns="" val="1"/>
               </a:ext>
             </a:extLst>
           </p:cNvPr>
@@ -9663,7 +11157,7 @@
           <p:nvPr>
             <p:extLst>
               <p:ext uri="{386F3935-93C4-4BCD-93E2-E3B085C9AB24}">
-                <p16:designElem xmlns="" xmlns:p16="http://schemas.microsoft.com/office/powerpoint/2015/main" val="1"/>
+                <p16:designElem xmlns:p16="http://schemas.microsoft.com/office/powerpoint/2015/main" xmlns="" val="1"/>
               </p:ext>
             </p:extLst>
           </p:nvPr>
@@ -9705,7 +11199,7 @@
           <p:cNvPr id="2" name="Title 1">
             <a:extLst>
               <a:ext uri="{FF2B5EF4-FFF2-40B4-BE49-F238E27FC236}">
-                <a16:creationId xmlns="" xmlns:a16="http://schemas.microsoft.com/office/drawing/2014/main" id="{236C9878-CAD8-4243-BDC9-739F1A6E87F1}"/>
+                <a16:creationId xmlns:a16="http://schemas.microsoft.com/office/drawing/2014/main" xmlns="" id="{236C9878-CAD8-4243-BDC9-739F1A6E87F1}"/>
               </a:ext>
             </a:extLst>
           </p:cNvPr>
@@ -9763,6 +11257,356 @@
   </p:cSld>
   <p:clrMapOvr>
     <a:overrideClrMapping bg1="dk1" tx1="lt1" bg2="dk2" tx2="lt2" accent1="accent1" accent2="accent2" accent3="accent3" accent4="accent4" accent5="accent5" accent6="accent6" hlink="hlink" folHlink="folHlink"/>
+  </p:clrMapOvr>
+</p:sld>
+</file>
+
+<file path=ppt/slides/slide10.xml><?xml version="1.0" encoding="utf-8"?>
+<p:sld xmlns:a="http://schemas.openxmlformats.org/drawingml/2006/main" xmlns:r="http://schemas.openxmlformats.org/officeDocument/2006/relationships" xmlns:p="http://schemas.openxmlformats.org/presentationml/2006/main">
+  <p:cSld>
+    <p:spTree>
+      <p:nvGrpSpPr>
+        <p:cNvPr id="1" name=""/>
+        <p:cNvGrpSpPr/>
+        <p:nvPr/>
+      </p:nvGrpSpPr>
+      <p:grpSpPr>
+        <a:xfrm>
+          <a:off x="0" y="0"/>
+          <a:ext cx="0" cy="0"/>
+          <a:chOff x="0" y="0"/>
+          <a:chExt cx="0" cy="0"/>
+        </a:xfrm>
+      </p:grpSpPr>
+      <p:sp>
+        <p:nvSpPr>
+          <p:cNvPr id="9" name="Rectangle 8">
+            <a:extLst>
+              <a:ext uri="{FF2B5EF4-FFF2-40B4-BE49-F238E27FC236}">
+                <a16:creationId xmlns:a16="http://schemas.microsoft.com/office/drawing/2014/main" xmlns="" id="{A4AC5506-6312-4701-8D3C-40187889A947}"/>
+              </a:ext>
+              <a:ext uri="{C183D7F6-B498-43B3-948B-1728B52AA6E4}">
+                <adec:decorative xmlns:adec="http://schemas.microsoft.com/office/drawing/2017/decorative" xmlns="" val="1"/>
+              </a:ext>
+            </a:extLst>
+          </p:cNvPr>
+          <p:cNvSpPr>
+            <a:spLocks noGrp="1" noRot="1" noChangeAspect="1" noMove="1" noResize="1" noEditPoints="1" noAdjustHandles="1" noChangeArrowheads="1" noChangeShapeType="1" noTextEdit="1"/>
+          </p:cNvSpPr>
+          <p:nvPr>
+            <p:extLst>
+              <p:ext uri="{386F3935-93C4-4BCD-93E2-E3B085C9AB24}">
+                <p16:designElem xmlns:p16="http://schemas.microsoft.com/office/powerpoint/2015/main" xmlns="" val="1"/>
+              </p:ext>
+            </p:extLst>
+          </p:nvPr>
+        </p:nvSpPr>
+        <p:spPr>
+          <a:xfrm>
+            <a:off x="0" y="651752"/>
+            <a:ext cx="12192000" cy="736551"/>
+          </a:xfrm>
+          <a:prstGeom prst="rect">
+            <a:avLst/>
+          </a:prstGeom>
+          <a:solidFill>
+            <a:schemeClr val="tx1"/>
+          </a:solidFill>
+          <a:ln>
+            <a:noFill/>
+          </a:ln>
+        </p:spPr>
+        <p:style>
+          <a:lnRef idx="2">
+            <a:schemeClr val="accent1">
+              <a:shade val="50000"/>
+            </a:schemeClr>
+          </a:lnRef>
+          <a:fillRef idx="1">
+            <a:schemeClr val="accent1"/>
+          </a:fillRef>
+          <a:effectRef idx="0">
+            <a:schemeClr val="accent1"/>
+          </a:effectRef>
+          <a:fontRef idx="minor">
+            <a:schemeClr val="lt1"/>
+          </a:fontRef>
+        </p:style>
+        <p:txBody>
+          <a:bodyPr rtlCol="0" anchor="ctr"/>
+          <a:lstStyle/>
+          <a:p>
+            <a:pPr algn="ctr">
+              <a:defRPr/>
+            </a:pPr>
+            <a:endParaRPr lang="en-US">
+              <a:solidFill>
+                <a:prstClr val="white"/>
+              </a:solidFill>
+            </a:endParaRPr>
+          </a:p>
+        </p:txBody>
+      </p:sp>
+      <p:sp>
+        <p:nvSpPr>
+          <p:cNvPr id="2" name="Title 1">
+            <a:extLst>
+              <a:ext uri="{FF2B5EF4-FFF2-40B4-BE49-F238E27FC236}">
+                <a16:creationId xmlns:a16="http://schemas.microsoft.com/office/drawing/2014/main" xmlns="" id="{27B10F59-CFDE-1046-B60C-7BC6112950C1}"/>
+              </a:ext>
+            </a:extLst>
+          </p:cNvPr>
+          <p:cNvSpPr>
+            <a:spLocks noGrp="1"/>
+          </p:cNvSpPr>
+          <p:nvPr>
+            <p:ph type="title"/>
+          </p:nvPr>
+        </p:nvSpPr>
+        <p:spPr>
+          <a:xfrm>
+            <a:off x="556532" y="643467"/>
+            <a:ext cx="11210925" cy="744836"/>
+          </a:xfrm>
+        </p:spPr>
+        <p:txBody>
+          <a:bodyPr vert="horz" lIns="91440" tIns="45720" rIns="91440" bIns="45720" rtlCol="0" anchor="ctr">
+            <a:normAutofit/>
+          </a:bodyPr>
+          <a:lstStyle/>
+          <a:p>
+            <a:pPr algn="ctr"/>
+            <a:r>
+              <a:rPr lang="en-US" sz="3200" dirty="0">
+                <a:solidFill>
+                  <a:schemeClr val="bg1"/>
+                </a:solidFill>
+              </a:rPr>
+              <a:t>Strategy </a:t>
+            </a:r>
+            <a:r>
+              <a:rPr lang="en-US" sz="3200" dirty="0">
+                <a:solidFill>
+                  <a:schemeClr val="bg1"/>
+                </a:solidFill>
+              </a:rPr>
+              <a:t>8</a:t>
+            </a:r>
+            <a:r>
+              <a:rPr lang="en-US" sz="3200" dirty="0" smtClean="0">
+                <a:solidFill>
+                  <a:schemeClr val="bg1"/>
+                </a:solidFill>
+              </a:rPr>
+              <a:t>: </a:t>
+            </a:r>
+            <a:r>
+              <a:rPr lang="en-US" altLang="ko-KR" sz="3200" dirty="0" smtClean="0">
+                <a:solidFill>
+                  <a:schemeClr val="bg1"/>
+                </a:solidFill>
+              </a:rPr>
+              <a:t>Component-Independent Experimental Designs</a:t>
+            </a:r>
+            <a:endParaRPr lang="en-US" sz="3200" kern="1200" dirty="0">
+              <a:solidFill>
+                <a:schemeClr val="bg1"/>
+              </a:solidFill>
+            </a:endParaRPr>
+          </a:p>
+        </p:txBody>
+      </p:sp>
+      <p:sp>
+        <p:nvSpPr>
+          <p:cNvPr id="3" name="TextBox 2">
+            <a:extLst>
+              <a:ext uri="{FF2B5EF4-FFF2-40B4-BE49-F238E27FC236}">
+                <a16:creationId xmlns:a16="http://schemas.microsoft.com/office/drawing/2014/main" xmlns="" id="{3BC8D536-660E-5C4E-BD54-ADDCDF7B4C10}"/>
+              </a:ext>
+            </a:extLst>
+          </p:cNvPr>
+          <p:cNvSpPr txBox="1"/>
+          <p:nvPr/>
+        </p:nvSpPr>
+        <p:spPr>
+          <a:xfrm>
+            <a:off x="996287" y="1978925"/>
+            <a:ext cx="10263116" cy="1044901"/>
+          </a:xfrm>
+          <a:prstGeom prst="rect">
+            <a:avLst/>
+          </a:prstGeom>
+          <a:noFill/>
+        </p:spPr>
+        <p:txBody>
+          <a:bodyPr wrap="square" rtlCol="0">
+            <a:spAutoFit/>
+          </a:bodyPr>
+          <a:lstStyle/>
+          <a:p>
+            <a:pPr marL="285750" indent="-285750">
+              <a:lnSpc>
+                <a:spcPct val="150000"/>
+              </a:lnSpc>
+              <a:spcAft>
+                <a:spcPts val="600"/>
+              </a:spcAft>
+              <a:buFont typeface="Arial" panose="020B0604020202020204" pitchFamily="34" charset="0"/>
+              <a:buChar char="•"/>
+              <a:defRPr/>
+            </a:pPr>
+            <a:r>
+              <a:rPr lang="en-US" sz="2000" dirty="0" smtClean="0">
+                <a:solidFill>
+                  <a:prstClr val="black"/>
+                </a:solidFill>
+              </a:rPr>
+              <a:t>Thorpe, </a:t>
+            </a:r>
+            <a:r>
+              <a:rPr lang="en-US" sz="2000" dirty="0" err="1" smtClean="0">
+                <a:solidFill>
+                  <a:prstClr val="black"/>
+                </a:solidFill>
+              </a:rPr>
+              <a:t>Fize</a:t>
+            </a:r>
+            <a:r>
+              <a:rPr lang="en-US" sz="2000" dirty="0" smtClean="0">
+                <a:solidFill>
+                  <a:prstClr val="black"/>
+                </a:solidFill>
+              </a:rPr>
+              <a:t>, &amp; </a:t>
+            </a:r>
+            <a:r>
+              <a:rPr lang="en-US" sz="2000" dirty="0" err="1" smtClean="0">
+                <a:solidFill>
+                  <a:prstClr val="black"/>
+                </a:solidFill>
+              </a:rPr>
+              <a:t>Marlot</a:t>
+            </a:r>
+            <a:r>
+              <a:rPr lang="en-US" sz="2000" dirty="0" smtClean="0">
+                <a:solidFill>
+                  <a:prstClr val="black"/>
+                </a:solidFill>
+              </a:rPr>
+              <a:t> (1996)</a:t>
+            </a:r>
+          </a:p>
+          <a:p>
+            <a:pPr marL="285750" indent="-285750">
+              <a:lnSpc>
+                <a:spcPct val="150000"/>
+              </a:lnSpc>
+              <a:spcAft>
+                <a:spcPts val="600"/>
+              </a:spcAft>
+              <a:buFont typeface="Arial" panose="020B0604020202020204" pitchFamily="34" charset="0"/>
+              <a:buChar char="•"/>
+              <a:defRPr/>
+            </a:pPr>
+            <a:endParaRPr lang="en-US" sz="2000" dirty="0" smtClean="0">
+              <a:solidFill>
+                <a:prstClr val="black"/>
+              </a:solidFill>
+            </a:endParaRPr>
+          </a:p>
+        </p:txBody>
+      </p:sp>
+      <p:pic>
+        <p:nvPicPr>
+          <p:cNvPr id="1026" name="Picture 2" descr="Giraffe, Animal, Africa, Safari, Mammal, Wild"/>
+          <p:cNvPicPr>
+            <a:picLocks noChangeAspect="1" noChangeArrowheads="1"/>
+          </p:cNvPicPr>
+          <p:nvPr/>
+        </p:nvPicPr>
+        <p:blipFill>
+          <a:blip r:embed="rId3">
+            <a:extLst>
+              <a:ext uri="{28A0092B-C50C-407E-A947-70E740481C1C}">
+                <a14:useLocalDpi xmlns:a14="http://schemas.microsoft.com/office/drawing/2010/main" val="0"/>
+              </a:ext>
+            </a:extLst>
+          </a:blip>
+          <a:srcRect/>
+          <a:stretch>
+            <a:fillRect/>
+          </a:stretch>
+        </p:blipFill>
+        <p:spPr bwMode="auto">
+          <a:xfrm>
+            <a:off x="996287" y="3023826"/>
+            <a:ext cx="4563570" cy="3422678"/>
+          </a:xfrm>
+          <a:prstGeom prst="rect">
+            <a:avLst/>
+          </a:prstGeom>
+          <a:noFill/>
+          <a:extLst>
+            <a:ext uri="{909E8E84-426E-40DD-AFC4-6F175D3DCCD1}">
+              <a14:hiddenFill xmlns:a14="http://schemas.microsoft.com/office/drawing/2010/main">
+                <a:solidFill>
+                  <a:srgbClr val="FFFFFF"/>
+                </a:solidFill>
+              </a14:hiddenFill>
+            </a:ext>
+          </a:extLst>
+        </p:spPr>
+      </p:pic>
+      <p:pic>
+        <p:nvPicPr>
+          <p:cNvPr id="1028" name="Picture 4" descr="ìì°ì ëí ì´ë¯¸ì§ ê²ìê²°ê³¼"/>
+          <p:cNvPicPr>
+            <a:picLocks noChangeAspect="1" noChangeArrowheads="1"/>
+          </p:cNvPicPr>
+          <p:nvPr/>
+        </p:nvPicPr>
+        <p:blipFill>
+          <a:blip r:embed="rId4">
+            <a:extLst>
+              <a:ext uri="{28A0092B-C50C-407E-A947-70E740481C1C}">
+                <a14:useLocalDpi xmlns:a14="http://schemas.microsoft.com/office/drawing/2010/main" val="0"/>
+              </a:ext>
+            </a:extLst>
+          </a:blip>
+          <a:srcRect/>
+          <a:stretch>
+            <a:fillRect/>
+          </a:stretch>
+        </p:blipFill>
+        <p:spPr bwMode="auto">
+          <a:xfrm>
+            <a:off x="5884304" y="3088120"/>
+            <a:ext cx="6002896" cy="3294089"/>
+          </a:xfrm>
+          <a:prstGeom prst="rect">
+            <a:avLst/>
+          </a:prstGeom>
+          <a:noFill/>
+          <a:extLst>
+            <a:ext uri="{909E8E84-426E-40DD-AFC4-6F175D3DCCD1}">
+              <a14:hiddenFill xmlns:a14="http://schemas.microsoft.com/office/drawing/2010/main">
+                <a:solidFill>
+                  <a:srgbClr val="FFFFFF"/>
+                </a:solidFill>
+              </a14:hiddenFill>
+            </a:ext>
+          </a:extLst>
+        </p:spPr>
+      </p:pic>
+    </p:spTree>
+    <p:extLst>
+      <p:ext uri="{BB962C8B-B14F-4D97-AF65-F5344CB8AC3E}">
+        <p14:creationId xmlns:p14="http://schemas.microsoft.com/office/powerpoint/2010/main" val="3521858940"/>
+      </p:ext>
+    </p:extLst>
+  </p:cSld>
+  <p:clrMapOvr>
+    <a:masterClrMapping/>
   </p:clrMapOvr>
 </p:sld>
 </file>
@@ -9800,10 +11644,10 @@
           <p:cNvPr id="14" name="Freeform: Shape 6">
             <a:extLst>
               <a:ext uri="{FF2B5EF4-FFF2-40B4-BE49-F238E27FC236}">
-                <a16:creationId xmlns="" xmlns:a16="http://schemas.microsoft.com/office/drawing/2014/main" id="{66B332A4-D438-4773-A77F-5ED49A448D9D}"/>
+                <a16:creationId xmlns:a16="http://schemas.microsoft.com/office/drawing/2014/main" xmlns="" id="{66B332A4-D438-4773-A77F-5ED49A448D9D}"/>
               </a:ext>
               <a:ext uri="{C183D7F6-B498-43B3-948B-1728B52AA6E4}">
-                <adec:decorative xmlns="" xmlns:adec="http://schemas.microsoft.com/office/drawing/2017/decorative" val="1"/>
+                <adec:decorative xmlns:adec="http://schemas.microsoft.com/office/drawing/2017/decorative" xmlns="" val="1"/>
               </a:ext>
             </a:extLst>
           </p:cNvPr>
@@ -9813,7 +11657,7 @@
           <p:nvPr>
             <p:extLst>
               <p:ext uri="{386F3935-93C4-4BCD-93E2-E3B085C9AB24}">
-                <p16:designElem xmlns="" xmlns:p16="http://schemas.microsoft.com/office/powerpoint/2015/main" val="1"/>
+                <p16:designElem xmlns:p16="http://schemas.microsoft.com/office/powerpoint/2015/main" xmlns="" val="1"/>
               </p:ext>
             </p:extLst>
           </p:nvPr>
@@ -9995,10 +11839,10 @@
           <p:cNvPr id="9" name="Freeform: Shape 8">
             <a:extLst>
               <a:ext uri="{FF2B5EF4-FFF2-40B4-BE49-F238E27FC236}">
-                <a16:creationId xmlns="" xmlns:a16="http://schemas.microsoft.com/office/drawing/2014/main" id="{DF9AD32D-FF05-44F4-BD4D-9CEE89B71EB9}"/>
+                <a16:creationId xmlns:a16="http://schemas.microsoft.com/office/drawing/2014/main" xmlns="" id="{DF9AD32D-FF05-44F4-BD4D-9CEE89B71EB9}"/>
               </a:ext>
               <a:ext uri="{C183D7F6-B498-43B3-948B-1728B52AA6E4}">
-                <adec:decorative xmlns="" xmlns:adec="http://schemas.microsoft.com/office/drawing/2017/decorative" val="1"/>
+                <adec:decorative xmlns:adec="http://schemas.microsoft.com/office/drawing/2017/decorative" xmlns="" val="1"/>
               </a:ext>
             </a:extLst>
           </p:cNvPr>
@@ -10008,7 +11852,7 @@
           <p:nvPr>
             <p:extLst>
               <p:ext uri="{386F3935-93C4-4BCD-93E2-E3B085C9AB24}">
-                <p16:designElem xmlns="" xmlns:p16="http://schemas.microsoft.com/office/powerpoint/2015/main" val="1"/>
+                <p16:designElem xmlns:p16="http://schemas.microsoft.com/office/powerpoint/2015/main" xmlns="" val="1"/>
               </p:ext>
             </p:extLst>
           </p:nvPr>
@@ -10188,7 +12032,7 @@
           <p:cNvPr id="2" name="Title 1">
             <a:extLst>
               <a:ext uri="{FF2B5EF4-FFF2-40B4-BE49-F238E27FC236}">
-                <a16:creationId xmlns="" xmlns:a16="http://schemas.microsoft.com/office/drawing/2014/main" id="{274E1C16-F123-834E-B55E-86A3508FBA7D}"/>
+                <a16:creationId xmlns:a16="http://schemas.microsoft.com/office/drawing/2014/main" xmlns="" id="{274E1C16-F123-834E-B55E-86A3508FBA7D}"/>
               </a:ext>
             </a:extLst>
           </p:cNvPr>
@@ -10268,10 +12112,10 @@
           <p:cNvPr id="9" name="Rectangle 8">
             <a:extLst>
               <a:ext uri="{FF2B5EF4-FFF2-40B4-BE49-F238E27FC236}">
-                <a16:creationId xmlns="" xmlns:a16="http://schemas.microsoft.com/office/drawing/2014/main" id="{A4AC5506-6312-4701-8D3C-40187889A947}"/>
+                <a16:creationId xmlns:a16="http://schemas.microsoft.com/office/drawing/2014/main" xmlns="" id="{A4AC5506-6312-4701-8D3C-40187889A947}"/>
               </a:ext>
               <a:ext uri="{C183D7F6-B498-43B3-948B-1728B52AA6E4}">
-                <adec:decorative xmlns="" xmlns:adec="http://schemas.microsoft.com/office/drawing/2017/decorative" val="1"/>
+                <adec:decorative xmlns:adec="http://schemas.microsoft.com/office/drawing/2017/decorative" xmlns="" val="1"/>
               </a:ext>
             </a:extLst>
           </p:cNvPr>
@@ -10281,7 +12125,7 @@
           <p:nvPr>
             <p:extLst>
               <p:ext uri="{386F3935-93C4-4BCD-93E2-E3B085C9AB24}">
-                <p16:designElem xmlns="" xmlns:p16="http://schemas.microsoft.com/office/powerpoint/2015/main" val="1"/>
+                <p16:designElem xmlns:p16="http://schemas.microsoft.com/office/powerpoint/2015/main" xmlns="" val="1"/>
               </p:ext>
             </p:extLst>
           </p:nvPr>
@@ -10360,7 +12204,7 @@
           <p:cNvPr id="2" name="Title 1">
             <a:extLst>
               <a:ext uri="{FF2B5EF4-FFF2-40B4-BE49-F238E27FC236}">
-                <a16:creationId xmlns="" xmlns:a16="http://schemas.microsoft.com/office/drawing/2014/main" id="{27B10F59-CFDE-1046-B60C-7BC6112950C1}"/>
+                <a16:creationId xmlns:a16="http://schemas.microsoft.com/office/drawing/2014/main" xmlns="" id="{27B10F59-CFDE-1046-B60C-7BC6112950C1}"/>
               </a:ext>
             </a:extLst>
           </p:cNvPr>
@@ -10405,7 +12249,7 @@
           <p:cNvPr id="3" name="TextBox 2">
             <a:extLst>
               <a:ext uri="{FF2B5EF4-FFF2-40B4-BE49-F238E27FC236}">
-                <a16:creationId xmlns="" xmlns:a16="http://schemas.microsoft.com/office/drawing/2014/main" id="{3BC8D536-660E-5C4E-BD54-ADDCDF7B4C10}"/>
+                <a16:creationId xmlns:a16="http://schemas.microsoft.com/office/drawing/2014/main" xmlns="" id="{3BC8D536-660E-5C4E-BD54-ADDCDF7B4C10}"/>
               </a:ext>
             </a:extLst>
           </p:cNvPr>
@@ -10879,10 +12723,10 @@
           <p:cNvPr id="9" name="Rectangle 8">
             <a:extLst>
               <a:ext uri="{FF2B5EF4-FFF2-40B4-BE49-F238E27FC236}">
-                <a16:creationId xmlns="" xmlns:a16="http://schemas.microsoft.com/office/drawing/2014/main" id="{A4AC5506-6312-4701-8D3C-40187889A947}"/>
+                <a16:creationId xmlns:a16="http://schemas.microsoft.com/office/drawing/2014/main" xmlns="" id="{A4AC5506-6312-4701-8D3C-40187889A947}"/>
               </a:ext>
               <a:ext uri="{C183D7F6-B498-43B3-948B-1728B52AA6E4}">
-                <adec:decorative xmlns="" xmlns:adec="http://schemas.microsoft.com/office/drawing/2017/decorative" val="1"/>
+                <adec:decorative xmlns:adec="http://schemas.microsoft.com/office/drawing/2017/decorative" xmlns="" val="1"/>
               </a:ext>
             </a:extLst>
           </p:cNvPr>
@@ -10892,7 +12736,7 @@
           <p:nvPr>
             <p:extLst>
               <p:ext uri="{386F3935-93C4-4BCD-93E2-E3B085C9AB24}">
-                <p16:designElem xmlns="" xmlns:p16="http://schemas.microsoft.com/office/powerpoint/2015/main" val="1"/>
+                <p16:designElem xmlns:p16="http://schemas.microsoft.com/office/powerpoint/2015/main" xmlns="" val="1"/>
               </p:ext>
             </p:extLst>
           </p:nvPr>
@@ -10971,7 +12815,7 @@
           <p:cNvPr id="2" name="Title 1">
             <a:extLst>
               <a:ext uri="{FF2B5EF4-FFF2-40B4-BE49-F238E27FC236}">
-                <a16:creationId xmlns="" xmlns:a16="http://schemas.microsoft.com/office/drawing/2014/main" id="{27B10F59-CFDE-1046-B60C-7BC6112950C1}"/>
+                <a16:creationId xmlns:a16="http://schemas.microsoft.com/office/drawing/2014/main" xmlns="" id="{27B10F59-CFDE-1046-B60C-7BC6112950C1}"/>
               </a:ext>
             </a:extLst>
           </p:cNvPr>
@@ -11032,7 +12876,7 @@
           <p:cNvPr id="3" name="TextBox 2">
             <a:extLst>
               <a:ext uri="{FF2B5EF4-FFF2-40B4-BE49-F238E27FC236}">
-                <a16:creationId xmlns="" xmlns:a16="http://schemas.microsoft.com/office/drawing/2014/main" id="{3BC8D536-660E-5C4E-BD54-ADDCDF7B4C10}"/>
+                <a16:creationId xmlns:a16="http://schemas.microsoft.com/office/drawing/2014/main" xmlns="" id="{3BC8D536-660E-5C4E-BD54-ADDCDF7B4C10}"/>
               </a:ext>
             </a:extLst>
           </p:cNvPr>
@@ -11205,10 +13049,10 @@
           <p:cNvPr id="9" name="Rectangle 8">
             <a:extLst>
               <a:ext uri="{FF2B5EF4-FFF2-40B4-BE49-F238E27FC236}">
-                <a16:creationId xmlns="" xmlns:a16="http://schemas.microsoft.com/office/drawing/2014/main" id="{A4AC5506-6312-4701-8D3C-40187889A947}"/>
+                <a16:creationId xmlns:a16="http://schemas.microsoft.com/office/drawing/2014/main" xmlns="" id="{A4AC5506-6312-4701-8D3C-40187889A947}"/>
               </a:ext>
               <a:ext uri="{C183D7F6-B498-43B3-948B-1728B52AA6E4}">
-                <adec:decorative xmlns="" xmlns:adec="http://schemas.microsoft.com/office/drawing/2017/decorative" val="1"/>
+                <adec:decorative xmlns:adec="http://schemas.microsoft.com/office/drawing/2017/decorative" xmlns="" val="1"/>
               </a:ext>
             </a:extLst>
           </p:cNvPr>
@@ -11218,7 +13062,7 @@
           <p:nvPr>
             <p:extLst>
               <p:ext uri="{386F3935-93C4-4BCD-93E2-E3B085C9AB24}">
-                <p16:designElem xmlns="" xmlns:p16="http://schemas.microsoft.com/office/powerpoint/2015/main" val="1"/>
+                <p16:designElem xmlns:p16="http://schemas.microsoft.com/office/powerpoint/2015/main" xmlns="" val="1"/>
               </p:ext>
             </p:extLst>
           </p:nvPr>
@@ -11297,7 +13141,7 @@
           <p:cNvPr id="2" name="Title 1">
             <a:extLst>
               <a:ext uri="{FF2B5EF4-FFF2-40B4-BE49-F238E27FC236}">
-                <a16:creationId xmlns="" xmlns:a16="http://schemas.microsoft.com/office/drawing/2014/main" id="{27B10F59-CFDE-1046-B60C-7BC6112950C1}"/>
+                <a16:creationId xmlns:a16="http://schemas.microsoft.com/office/drawing/2014/main" xmlns="" id="{27B10F59-CFDE-1046-B60C-7BC6112950C1}"/>
               </a:ext>
             </a:extLst>
           </p:cNvPr>
@@ -11358,7 +13202,7 @@
           <p:cNvPr id="3" name="TextBox 2">
             <a:extLst>
               <a:ext uri="{FF2B5EF4-FFF2-40B4-BE49-F238E27FC236}">
-                <a16:creationId xmlns="" xmlns:a16="http://schemas.microsoft.com/office/drawing/2014/main" id="{3BC8D536-660E-5C4E-BD54-ADDCDF7B4C10}"/>
+                <a16:creationId xmlns:a16="http://schemas.microsoft.com/office/drawing/2014/main" xmlns="" id="{3BC8D536-660E-5C4E-BD54-ADDCDF7B4C10}"/>
               </a:ext>
             </a:extLst>
           </p:cNvPr>
@@ -11613,10 +13457,10 @@
           <p:cNvPr id="9" name="Rectangle 8">
             <a:extLst>
               <a:ext uri="{FF2B5EF4-FFF2-40B4-BE49-F238E27FC236}">
-                <a16:creationId xmlns="" xmlns:a16="http://schemas.microsoft.com/office/drawing/2014/main" id="{A4AC5506-6312-4701-8D3C-40187889A947}"/>
+                <a16:creationId xmlns:a16="http://schemas.microsoft.com/office/drawing/2014/main" xmlns="" id="{A4AC5506-6312-4701-8D3C-40187889A947}"/>
               </a:ext>
               <a:ext uri="{C183D7F6-B498-43B3-948B-1728B52AA6E4}">
-                <adec:decorative xmlns="" xmlns:adec="http://schemas.microsoft.com/office/drawing/2017/decorative" val="1"/>
+                <adec:decorative xmlns:adec="http://schemas.microsoft.com/office/drawing/2017/decorative" xmlns="" val="1"/>
               </a:ext>
             </a:extLst>
           </p:cNvPr>
@@ -11626,7 +13470,7 @@
           <p:nvPr>
             <p:extLst>
               <p:ext uri="{386F3935-93C4-4BCD-93E2-E3B085C9AB24}">
-                <p16:designElem xmlns="" xmlns:p16="http://schemas.microsoft.com/office/powerpoint/2015/main" val="1"/>
+                <p16:designElem xmlns:p16="http://schemas.microsoft.com/office/powerpoint/2015/main" xmlns="" val="1"/>
               </p:ext>
             </p:extLst>
           </p:nvPr>
@@ -11682,7 +13526,7 @@
           <p:cNvPr id="2" name="Title 1">
             <a:extLst>
               <a:ext uri="{FF2B5EF4-FFF2-40B4-BE49-F238E27FC236}">
-                <a16:creationId xmlns="" xmlns:a16="http://schemas.microsoft.com/office/drawing/2014/main" id="{27B10F59-CFDE-1046-B60C-7BC6112950C1}"/>
+                <a16:creationId xmlns:a16="http://schemas.microsoft.com/office/drawing/2014/main" xmlns="" id="{27B10F59-CFDE-1046-B60C-7BC6112950C1}"/>
               </a:ext>
             </a:extLst>
           </p:cNvPr>
@@ -11735,7 +13579,7 @@
           <p:cNvPr id="3" name="TextBox 2">
             <a:extLst>
               <a:ext uri="{FF2B5EF4-FFF2-40B4-BE49-F238E27FC236}">
-                <a16:creationId xmlns="" xmlns:a16="http://schemas.microsoft.com/office/drawing/2014/main" id="{3BC8D536-660E-5C4E-BD54-ADDCDF7B4C10}"/>
+                <a16:creationId xmlns:a16="http://schemas.microsoft.com/office/drawing/2014/main" xmlns="" id="{3BC8D536-660E-5C4E-BD54-ADDCDF7B4C10}"/>
               </a:ext>
             </a:extLst>
           </p:cNvPr>
@@ -11959,10 +13803,10 @@
           <p:cNvPr id="9" name="Rectangle 8">
             <a:extLst>
               <a:ext uri="{FF2B5EF4-FFF2-40B4-BE49-F238E27FC236}">
-                <a16:creationId xmlns="" xmlns:a16="http://schemas.microsoft.com/office/drawing/2014/main" id="{A4AC5506-6312-4701-8D3C-40187889A947}"/>
+                <a16:creationId xmlns:a16="http://schemas.microsoft.com/office/drawing/2014/main" xmlns="" id="{A4AC5506-6312-4701-8D3C-40187889A947}"/>
               </a:ext>
               <a:ext uri="{C183D7F6-B498-43B3-948B-1728B52AA6E4}">
-                <adec:decorative xmlns="" xmlns:adec="http://schemas.microsoft.com/office/drawing/2017/decorative" val="1"/>
+                <adec:decorative xmlns:adec="http://schemas.microsoft.com/office/drawing/2017/decorative" xmlns="" val="1"/>
               </a:ext>
             </a:extLst>
           </p:cNvPr>
@@ -11972,7 +13816,7 @@
           <p:nvPr>
             <p:extLst>
               <p:ext uri="{386F3935-93C4-4BCD-93E2-E3B085C9AB24}">
-                <p16:designElem xmlns="" xmlns:p16="http://schemas.microsoft.com/office/powerpoint/2015/main" val="1"/>
+                <p16:designElem xmlns:p16="http://schemas.microsoft.com/office/powerpoint/2015/main" xmlns="" val="1"/>
               </p:ext>
             </p:extLst>
           </p:nvPr>
@@ -12051,7 +13895,7 @@
           <p:cNvPr id="2" name="Title 1">
             <a:extLst>
               <a:ext uri="{FF2B5EF4-FFF2-40B4-BE49-F238E27FC236}">
-                <a16:creationId xmlns="" xmlns:a16="http://schemas.microsoft.com/office/drawing/2014/main" id="{27B10F59-CFDE-1046-B60C-7BC6112950C1}"/>
+                <a16:creationId xmlns:a16="http://schemas.microsoft.com/office/drawing/2014/main" xmlns="" id="{27B10F59-CFDE-1046-B60C-7BC6112950C1}"/>
               </a:ext>
             </a:extLst>
           </p:cNvPr>
@@ -12104,7 +13948,7 @@
           <p:cNvPr id="3" name="TextBox 2">
             <a:extLst>
               <a:ext uri="{FF2B5EF4-FFF2-40B4-BE49-F238E27FC236}">
-                <a16:creationId xmlns="" xmlns:a16="http://schemas.microsoft.com/office/drawing/2014/main" id="{3BC8D536-660E-5C4E-BD54-ADDCDF7B4C10}"/>
+                <a16:creationId xmlns:a16="http://schemas.microsoft.com/office/drawing/2014/main" xmlns="" id="{3BC8D536-660E-5C4E-BD54-ADDCDF7B4C10}"/>
               </a:ext>
             </a:extLst>
           </p:cNvPr>
@@ -12452,10 +14296,10 @@
           <p:cNvPr id="9" name="Rectangle 8">
             <a:extLst>
               <a:ext uri="{FF2B5EF4-FFF2-40B4-BE49-F238E27FC236}">
-                <a16:creationId xmlns="" xmlns:a16="http://schemas.microsoft.com/office/drawing/2014/main" id="{A4AC5506-6312-4701-8D3C-40187889A947}"/>
+                <a16:creationId xmlns:a16="http://schemas.microsoft.com/office/drawing/2014/main" xmlns="" id="{A4AC5506-6312-4701-8D3C-40187889A947}"/>
               </a:ext>
               <a:ext uri="{C183D7F6-B498-43B3-948B-1728B52AA6E4}">
-                <adec:decorative xmlns="" xmlns:adec="http://schemas.microsoft.com/office/drawing/2017/decorative" val="1"/>
+                <adec:decorative xmlns:adec="http://schemas.microsoft.com/office/drawing/2017/decorative" xmlns="" val="1"/>
               </a:ext>
             </a:extLst>
           </p:cNvPr>
@@ -12465,7 +14309,7 @@
           <p:nvPr>
             <p:extLst>
               <p:ext uri="{386F3935-93C4-4BCD-93E2-E3B085C9AB24}">
-                <p16:designElem xmlns="" xmlns:p16="http://schemas.microsoft.com/office/powerpoint/2015/main" val="1"/>
+                <p16:designElem xmlns:p16="http://schemas.microsoft.com/office/powerpoint/2015/main" xmlns="" val="1"/>
               </p:ext>
             </p:extLst>
           </p:nvPr>
@@ -12521,7 +14365,7 @@
           <p:cNvPr id="2" name="Title 1">
             <a:extLst>
               <a:ext uri="{FF2B5EF4-FFF2-40B4-BE49-F238E27FC236}">
-                <a16:creationId xmlns="" xmlns:a16="http://schemas.microsoft.com/office/drawing/2014/main" id="{27B10F59-CFDE-1046-B60C-7BC6112950C1}"/>
+                <a16:creationId xmlns:a16="http://schemas.microsoft.com/office/drawing/2014/main" xmlns="" id="{27B10F59-CFDE-1046-B60C-7BC6112950C1}"/>
               </a:ext>
             </a:extLst>
           </p:cNvPr>
@@ -12574,7 +14418,7 @@
           <p:cNvPr id="3" name="TextBox 2">
             <a:extLst>
               <a:ext uri="{FF2B5EF4-FFF2-40B4-BE49-F238E27FC236}">
-                <a16:creationId xmlns="" xmlns:a16="http://schemas.microsoft.com/office/drawing/2014/main" id="{3BC8D536-660E-5C4E-BD54-ADDCDF7B4C10}"/>
+                <a16:creationId xmlns:a16="http://schemas.microsoft.com/office/drawing/2014/main" xmlns="" id="{3BC8D536-660E-5C4E-BD54-ADDCDF7B4C10}"/>
               </a:ext>
             </a:extLst>
           </p:cNvPr>
@@ -12614,15 +14458,7 @@
                   <a:prstClr val="black"/>
                 </a:solidFill>
               </a:rPr>
-              <a:t>Not just any manipulation or any difference wave will </a:t>
-            </a:r>
-            <a:r>
-              <a:rPr lang="en-US" sz="2000" dirty="0" smtClean="0">
-                <a:solidFill>
-                  <a:prstClr val="black"/>
-                </a:solidFill>
-              </a:rPr>
-              <a:t>do</a:t>
+              <a:t>Not just any manipulation or any difference wave will do</a:t>
             </a:r>
           </a:p>
           <a:p>
@@ -12710,6 +14546,279 @@
     <p:extLst>
       <p:ext uri="{BB962C8B-B14F-4D97-AF65-F5344CB8AC3E}">
         <p14:creationId xmlns:p14="http://schemas.microsoft.com/office/powerpoint/2010/main" val="1681791632"/>
+      </p:ext>
+    </p:extLst>
+  </p:cSld>
+  <p:clrMapOvr>
+    <a:masterClrMapping/>
+  </p:clrMapOvr>
+</p:sld>
+</file>
+
+<file path=ppt/slides/slide9.xml><?xml version="1.0" encoding="utf-8"?>
+<p:sld xmlns:a="http://schemas.openxmlformats.org/drawingml/2006/main" xmlns:r="http://schemas.openxmlformats.org/officeDocument/2006/relationships" xmlns:p="http://schemas.openxmlformats.org/presentationml/2006/main">
+  <p:cSld>
+    <p:spTree>
+      <p:nvGrpSpPr>
+        <p:cNvPr id="1" name=""/>
+        <p:cNvGrpSpPr/>
+        <p:nvPr/>
+      </p:nvGrpSpPr>
+      <p:grpSpPr>
+        <a:xfrm>
+          <a:off x="0" y="0"/>
+          <a:ext cx="0" cy="0"/>
+          <a:chOff x="0" y="0"/>
+          <a:chExt cx="0" cy="0"/>
+        </a:xfrm>
+      </p:grpSpPr>
+      <p:sp>
+        <p:nvSpPr>
+          <p:cNvPr id="9" name="Rectangle 8">
+            <a:extLst>
+              <a:ext uri="{FF2B5EF4-FFF2-40B4-BE49-F238E27FC236}">
+                <a16:creationId xmlns:a16="http://schemas.microsoft.com/office/drawing/2014/main" xmlns="" id="{A4AC5506-6312-4701-8D3C-40187889A947}"/>
+              </a:ext>
+              <a:ext uri="{C183D7F6-B498-43B3-948B-1728B52AA6E4}">
+                <adec:decorative xmlns:adec="http://schemas.microsoft.com/office/drawing/2017/decorative" xmlns="" val="1"/>
+              </a:ext>
+            </a:extLst>
+          </p:cNvPr>
+          <p:cNvSpPr>
+            <a:spLocks noGrp="1" noRot="1" noChangeAspect="1" noMove="1" noResize="1" noEditPoints="1" noAdjustHandles="1" noChangeArrowheads="1" noChangeShapeType="1" noTextEdit="1"/>
+          </p:cNvSpPr>
+          <p:nvPr>
+            <p:extLst>
+              <p:ext uri="{386F3935-93C4-4BCD-93E2-E3B085C9AB24}">
+                <p16:designElem xmlns:p16="http://schemas.microsoft.com/office/powerpoint/2015/main" xmlns="" val="1"/>
+              </p:ext>
+            </p:extLst>
+          </p:nvPr>
+        </p:nvSpPr>
+        <p:spPr>
+          <a:xfrm>
+            <a:off x="0" y="651752"/>
+            <a:ext cx="12192000" cy="736551"/>
+          </a:xfrm>
+          <a:prstGeom prst="rect">
+            <a:avLst/>
+          </a:prstGeom>
+          <a:solidFill>
+            <a:schemeClr val="tx1"/>
+          </a:solidFill>
+          <a:ln>
+            <a:noFill/>
+          </a:ln>
+        </p:spPr>
+        <p:style>
+          <a:lnRef idx="2">
+            <a:schemeClr val="accent1">
+              <a:shade val="50000"/>
+            </a:schemeClr>
+          </a:lnRef>
+          <a:fillRef idx="1">
+            <a:schemeClr val="accent1"/>
+          </a:fillRef>
+          <a:effectRef idx="0">
+            <a:schemeClr val="accent1"/>
+          </a:effectRef>
+          <a:fontRef idx="minor">
+            <a:schemeClr val="lt1"/>
+          </a:fontRef>
+        </p:style>
+        <p:txBody>
+          <a:bodyPr rtlCol="0" anchor="ctr"/>
+          <a:lstStyle/>
+          <a:p>
+            <a:pPr algn="ctr">
+              <a:defRPr/>
+            </a:pPr>
+            <a:endParaRPr lang="en-US">
+              <a:solidFill>
+                <a:prstClr val="white"/>
+              </a:solidFill>
+            </a:endParaRPr>
+          </a:p>
+        </p:txBody>
+      </p:sp>
+      <p:sp>
+        <p:nvSpPr>
+          <p:cNvPr id="2" name="Title 1">
+            <a:extLst>
+              <a:ext uri="{FF2B5EF4-FFF2-40B4-BE49-F238E27FC236}">
+                <a16:creationId xmlns:a16="http://schemas.microsoft.com/office/drawing/2014/main" xmlns="" id="{27B10F59-CFDE-1046-B60C-7BC6112950C1}"/>
+              </a:ext>
+            </a:extLst>
+          </p:cNvPr>
+          <p:cNvSpPr>
+            <a:spLocks noGrp="1"/>
+          </p:cNvSpPr>
+          <p:nvPr>
+            <p:ph type="title"/>
+          </p:nvPr>
+        </p:nvSpPr>
+        <p:spPr>
+          <a:xfrm>
+            <a:off x="556532" y="643467"/>
+            <a:ext cx="11210925" cy="744836"/>
+          </a:xfrm>
+        </p:spPr>
+        <p:txBody>
+          <a:bodyPr vert="horz" lIns="91440" tIns="45720" rIns="91440" bIns="45720" rtlCol="0" anchor="ctr">
+            <a:normAutofit fontScale="90000"/>
+          </a:bodyPr>
+          <a:lstStyle/>
+          <a:p>
+            <a:pPr algn="ctr"/>
+            <a:r>
+              <a:rPr lang="en-US" sz="3200" dirty="0">
+                <a:solidFill>
+                  <a:schemeClr val="bg1"/>
+                </a:solidFill>
+              </a:rPr>
+              <a:t>Strategy </a:t>
+            </a:r>
+            <a:r>
+              <a:rPr lang="en-US" sz="3200" dirty="0" smtClean="0">
+                <a:solidFill>
+                  <a:schemeClr val="bg1"/>
+                </a:solidFill>
+              </a:rPr>
+              <a:t>7: </a:t>
+            </a:r>
+            <a:r>
+              <a:rPr lang="en-US" altLang="ko-KR" sz="3200" dirty="0" smtClean="0">
+                <a:solidFill>
+                  <a:schemeClr val="bg1"/>
+                </a:solidFill>
+              </a:rPr>
+              <a:t>Use a Component to Study the Processes That precede It</a:t>
+            </a:r>
+            <a:endParaRPr lang="en-US" sz="3200" kern="1200" dirty="0">
+              <a:solidFill>
+                <a:schemeClr val="bg1"/>
+              </a:solidFill>
+            </a:endParaRPr>
+          </a:p>
+        </p:txBody>
+      </p:sp>
+      <p:sp>
+        <p:nvSpPr>
+          <p:cNvPr id="3" name="TextBox 2">
+            <a:extLst>
+              <a:ext uri="{FF2B5EF4-FFF2-40B4-BE49-F238E27FC236}">
+                <a16:creationId xmlns:a16="http://schemas.microsoft.com/office/drawing/2014/main" xmlns="" id="{3BC8D536-660E-5C4E-BD54-ADDCDF7B4C10}"/>
+              </a:ext>
+            </a:extLst>
+          </p:cNvPr>
+          <p:cNvSpPr txBox="1"/>
+          <p:nvPr/>
+        </p:nvSpPr>
+        <p:spPr>
+          <a:xfrm>
+            <a:off x="996287" y="1978925"/>
+            <a:ext cx="10263116" cy="2092881"/>
+          </a:xfrm>
+          <a:prstGeom prst="rect">
+            <a:avLst/>
+          </a:prstGeom>
+          <a:noFill/>
+        </p:spPr>
+        <p:txBody>
+          <a:bodyPr wrap="square" rtlCol="0">
+            <a:spAutoFit/>
+          </a:bodyPr>
+          <a:lstStyle/>
+          <a:p>
+            <a:pPr marL="285750" indent="-285750">
+              <a:lnSpc>
+                <a:spcPct val="150000"/>
+              </a:lnSpc>
+              <a:spcAft>
+                <a:spcPts val="600"/>
+              </a:spcAft>
+              <a:buFont typeface="Arial" panose="020B0604020202020204" pitchFamily="34" charset="0"/>
+              <a:buChar char="•"/>
+              <a:defRPr/>
+            </a:pPr>
+            <a:r>
+              <a:rPr lang="en-US" sz="2000" dirty="0" smtClean="0">
+                <a:solidFill>
+                  <a:prstClr val="black"/>
+                </a:solidFill>
+              </a:rPr>
+              <a:t>The occurrence of a difference between conditions logically entails that certain processes must have already occurred</a:t>
+            </a:r>
+          </a:p>
+          <a:p>
+            <a:pPr marL="285750" indent="-285750">
+              <a:lnSpc>
+                <a:spcPct val="150000"/>
+              </a:lnSpc>
+              <a:spcAft>
+                <a:spcPts val="600"/>
+              </a:spcAft>
+              <a:buFont typeface="Arial" panose="020B0604020202020204" pitchFamily="34" charset="0"/>
+              <a:buChar char="•"/>
+              <a:defRPr/>
+            </a:pPr>
+            <a:r>
+              <a:rPr lang="en-US" sz="2000" dirty="0" smtClean="0">
+                <a:solidFill>
+                  <a:prstClr val="black"/>
+                </a:solidFill>
+              </a:rPr>
+              <a:t>Manipulation of interest + another manipulation</a:t>
+            </a:r>
+          </a:p>
+          <a:p>
+            <a:pPr marL="285750" indent="-285750">
+              <a:lnSpc>
+                <a:spcPct val="150000"/>
+              </a:lnSpc>
+              <a:spcAft>
+                <a:spcPts val="600"/>
+              </a:spcAft>
+              <a:buFont typeface="Arial" panose="020B0604020202020204" pitchFamily="34" charset="0"/>
+              <a:buChar char="•"/>
+              <a:defRPr/>
+            </a:pPr>
+            <a:endParaRPr lang="en-US" sz="2000" dirty="0" smtClean="0">
+              <a:solidFill>
+                <a:prstClr val="black"/>
+              </a:solidFill>
+            </a:endParaRPr>
+          </a:p>
+        </p:txBody>
+      </p:sp>
+      <p:pic>
+        <p:nvPicPr>
+          <p:cNvPr id="4" name="그림 3"/>
+          <p:cNvPicPr>
+            <a:picLocks noChangeAspect="1"/>
+          </p:cNvPicPr>
+          <p:nvPr/>
+        </p:nvPicPr>
+        <p:blipFill>
+          <a:blip r:embed="rId3"/>
+          <a:stretch>
+            <a:fillRect/>
+          </a:stretch>
+        </p:blipFill>
+        <p:spPr>
+          <a:xfrm>
+            <a:off x="176212" y="3657600"/>
+            <a:ext cx="11839575" cy="3200400"/>
+          </a:xfrm>
+          <a:prstGeom prst="rect">
+            <a:avLst/>
+          </a:prstGeom>
+        </p:spPr>
+      </p:pic>
+    </p:spTree>
+    <p:extLst>
+      <p:ext uri="{BB962C8B-B14F-4D97-AF65-F5344CB8AC3E}">
+        <p14:creationId xmlns:p14="http://schemas.microsoft.com/office/powerpoint/2010/main" val="2675130729"/>
       </p:ext>
     </p:extLst>
   </p:cSld>
